--- a/Courses/Software-Sciences/Module-1-OOP/04.2-Loops-Advanced/04.2-Loops-Advanced.pptx
+++ b/Courses/Software-Sciences/Module-1-OOP/04.2-Loops-Advanced/04.2-Loops-Advanced.pptx
@@ -331,7 +331,7 @@
           <a:p>
             <a:fld id="{4E087215-0C8F-4762-A664-737A353EC9A4}" type="datetimeFigureOut">
               <a:rPr lang="bg-BG" smtClean="0"/>
-              <a:t>4.05.23 г.</a:t>
+              <a:t>2.7.2023 г.</a:t>
             </a:fld>
             <a:endParaRPr lang="bg-BG" dirty="0"/>
           </a:p>
@@ -522,7 +522,7 @@
           <a:p>
             <a:fld id="{72D84649-876A-46C9-8472-14CB09C070D8}" type="datetimeFigureOut">
               <a:rPr lang="en-US" smtClean="0"/>
-              <a:t>5/4/23</a:t>
+              <a:t>2-Jul-23</a:t>
             </a:fld>
             <a:endParaRPr lang="en-US" dirty="0"/>
           </a:p>
@@ -19787,8 +19787,8 @@
         </p:nvSpPr>
         <p:spPr>
           <a:xfrm>
-            <a:off x="190406" y="1503090"/>
-            <a:ext cx="10506210" cy="5354910"/>
+            <a:off x="190406" y="1449000"/>
+            <a:ext cx="10506210" cy="5075910"/>
           </a:xfrm>
         </p:spPr>
         <p:txBody>
@@ -27938,14 +27938,15 @@
           <a:p>
             <a:r>
               <a:rPr lang="bg-BG" dirty="0"/>
-              <a:t>За прекъсване на вложени цикли използваме булеви </a:t>
-            </a:r>
-            <a:br>
+              <a:t>За прекъсване на вложени цикли използваме булев</a:t>
+            </a:r>
+            <a:r>
+              <a:rPr lang="en-US" dirty="0"/>
+              <a:t> </a:t>
+            </a:r>
+            <a:r>
               <a:rPr lang="bg-BG" dirty="0"/>
-            </a:br>
-            <a:r>
-              <a:rPr lang="bg-BG" dirty="0"/>
-              <a:t>променливи</a:t>
+              <a:t>флаг</a:t>
             </a:r>
             <a:endParaRPr lang="en-US" dirty="0"/>
           </a:p>
@@ -27984,8 +27985,8 @@
         </p:nvSpPr>
         <p:spPr bwMode="auto">
           <a:xfrm>
-            <a:off x="3163063" y="2357059"/>
-            <a:ext cx="5865872" cy="3710818"/>
+            <a:off x="3150679" y="2034000"/>
+            <a:ext cx="7297937" cy="4399922"/>
           </a:xfrm>
           <a:prstGeom prst="rect">
             <a:avLst/>
@@ -28013,9 +28014,6 @@
           <a:lstStyle/>
           <a:p>
             <a:pPr eaLnBrk="0" hangingPunct="0">
-              <a:lnSpc>
-                <a:spcPct val="120000"/>
-              </a:lnSpc>
               <a:buClr>
                 <a:schemeClr val="accent5">
                   <a:lumMod val="40000"/>
@@ -28039,7 +28037,7 @@
                 <a:latin typeface="Consolas" pitchFamily="49" charset="0"/>
                 <a:cs typeface="Consolas" pitchFamily="49" charset="0"/>
               </a:rPr>
-              <a:t>flag</a:t>
+              <a:t>exitFlag</a:t>
             </a:r>
             <a:r>
               <a:rPr lang="en-US" sz="2799" b="1" noProof="1">
@@ -28047,27 +28045,6 @@
                 <a:cs typeface="Consolas" pitchFamily="49" charset="0"/>
               </a:rPr>
               <a:t> = false;</a:t>
-            </a:r>
-          </a:p>
-          <a:p>
-            <a:pPr eaLnBrk="0" hangingPunct="0">
-              <a:lnSpc>
-                <a:spcPct val="120000"/>
-              </a:lnSpc>
-              <a:buClr>
-                <a:schemeClr val="accent5">
-                  <a:lumMod val="40000"/>
-                  <a:lumOff val="60000"/>
-                </a:schemeClr>
-              </a:buClr>
-              <a:buSzPct val="70000"/>
-            </a:pPr>
-            <a:r>
-              <a:rPr lang="en-US" sz="2799" b="1" noProof="1">
-                <a:latin typeface="Consolas" pitchFamily="49" charset="0"/>
-                <a:cs typeface="Consolas" pitchFamily="49" charset="0"/>
-              </a:rPr>
-              <a:t>for (int i = 0; i &lt; n; i++) </a:t>
             </a:r>
           </a:p>
           <a:p>
@@ -28085,20 +28062,7 @@
                 <a:latin typeface="Consolas" pitchFamily="49" charset="0"/>
                 <a:cs typeface="Consolas" pitchFamily="49" charset="0"/>
               </a:rPr>
-              <a:t>  for (int j = 0; j &lt; n; j++)</a:t>
-            </a:r>
-            <a:br>
-              <a:rPr lang="en-US" sz="2799" b="1" noProof="1">
-                <a:latin typeface="Consolas" pitchFamily="49" charset="0"/>
-                <a:cs typeface="Consolas" pitchFamily="49" charset="0"/>
-              </a:rPr>
-            </a:br>
-            <a:r>
-              <a:rPr lang="en-US" sz="2799" b="1" noProof="1">
-                <a:latin typeface="Consolas" pitchFamily="49" charset="0"/>
-                <a:cs typeface="Consolas" pitchFamily="49" charset="0"/>
-              </a:rPr>
-              <a:t>    if (condition){</a:t>
+              <a:t>for (int row = 0; row &lt; n; row++) { </a:t>
             </a:r>
           </a:p>
           <a:p>
@@ -28113,20 +28077,10 @@
             </a:pPr>
             <a:r>
               <a:rPr lang="en-US" sz="2799" b="1" noProof="1">
-                <a:solidFill>
-                  <a:schemeClr val="bg1"/>
-                </a:solidFill>
                 <a:latin typeface="Consolas" pitchFamily="49" charset="0"/>
                 <a:cs typeface="Consolas" pitchFamily="49" charset="0"/>
               </a:rPr>
-              <a:t>      flag</a:t>
-            </a:r>
-            <a:r>
-              <a:rPr lang="en-US" sz="2799" b="1" noProof="1">
-                <a:latin typeface="Consolas" pitchFamily="49" charset="0"/>
-                <a:cs typeface="Consolas" pitchFamily="49" charset="0"/>
-              </a:rPr>
-              <a:t> = true;</a:t>
+              <a:t>  for (int col = 0; col &lt; n; col++)</a:t>
             </a:r>
           </a:p>
           <a:p>
@@ -28144,7 +28098,7 @@
                 <a:latin typeface="Consolas" pitchFamily="49" charset="0"/>
                 <a:cs typeface="Consolas" pitchFamily="49" charset="0"/>
               </a:rPr>
-              <a:t>      break;}</a:t>
+              <a:t>    if (condition) {</a:t>
             </a:r>
           </a:p>
           <a:p>
@@ -28159,26 +28113,20 @@
             </a:pPr>
             <a:r>
               <a:rPr lang="en-US" sz="2799" b="1" noProof="1">
+                <a:solidFill>
+                  <a:schemeClr val="bg1"/>
+                </a:solidFill>
                 <a:latin typeface="Consolas" pitchFamily="49" charset="0"/>
                 <a:cs typeface="Consolas" pitchFamily="49" charset="0"/>
               </a:rPr>
-              <a:t>  if (</a:t>
-            </a:r>
-            <a:r>
-              <a:rPr lang="en-US" sz="2799" b="1" noProof="1">
-                <a:solidFill>
-                  <a:schemeClr val="bg1"/>
-                </a:solidFill>
-                <a:latin typeface="Consolas" pitchFamily="49" charset="0"/>
-              </a:rPr>
-              <a:t>flag</a:t>
+              <a:t>      exitFlag </a:t>
             </a:r>
             <a:r>
               <a:rPr lang="en-US" sz="2799" b="1" noProof="1">
                 <a:latin typeface="Consolas" pitchFamily="49" charset="0"/>
                 <a:cs typeface="Consolas" pitchFamily="49" charset="0"/>
               </a:rPr>
-              <a:t>)</a:t>
+              <a:t>= true;</a:t>
             </a:r>
           </a:p>
           <a:p>
@@ -28196,7 +28144,96 @@
                 <a:latin typeface="Consolas" pitchFamily="49" charset="0"/>
                 <a:cs typeface="Consolas" pitchFamily="49" charset="0"/>
               </a:rPr>
+              <a:t>      break;</a:t>
+            </a:r>
+          </a:p>
+          <a:p>
+            <a:pPr eaLnBrk="0" hangingPunct="0">
+              <a:buClr>
+                <a:schemeClr val="accent5">
+                  <a:lumMod val="40000"/>
+                  <a:lumOff val="60000"/>
+                </a:schemeClr>
+              </a:buClr>
+              <a:buSzPct val="70000"/>
+            </a:pPr>
+            <a:r>
+              <a:rPr lang="en-US" sz="2799" b="1" noProof="1">
+                <a:latin typeface="Consolas" pitchFamily="49" charset="0"/>
+                <a:cs typeface="Consolas" pitchFamily="49" charset="0"/>
+              </a:rPr>
+              <a:t>    }</a:t>
+            </a:r>
+          </a:p>
+          <a:p>
+            <a:pPr eaLnBrk="0" hangingPunct="0">
+              <a:buClr>
+                <a:schemeClr val="accent5">
+                  <a:lumMod val="40000"/>
+                  <a:lumOff val="60000"/>
+                </a:schemeClr>
+              </a:buClr>
+              <a:buSzPct val="70000"/>
+            </a:pPr>
+            <a:r>
+              <a:rPr lang="en-US" sz="2799" b="1" noProof="1">
+                <a:latin typeface="Consolas" pitchFamily="49" charset="0"/>
+                <a:cs typeface="Consolas" pitchFamily="49" charset="0"/>
+              </a:rPr>
+              <a:t>  if (</a:t>
+            </a:r>
+            <a:r>
+              <a:rPr lang="en-US" sz="2799" b="1" noProof="1">
+                <a:solidFill>
+                  <a:schemeClr val="bg1"/>
+                </a:solidFill>
+                <a:latin typeface="Consolas" pitchFamily="49" charset="0"/>
+                <a:cs typeface="Consolas" pitchFamily="49" charset="0"/>
+              </a:rPr>
+              <a:t>exitFlag</a:t>
+            </a:r>
+            <a:r>
+              <a:rPr lang="en-US" sz="2799" b="1" noProof="1">
+                <a:latin typeface="Consolas" pitchFamily="49" charset="0"/>
+                <a:cs typeface="Consolas" pitchFamily="49" charset="0"/>
+              </a:rPr>
+              <a:t>)</a:t>
+            </a:r>
+          </a:p>
+          <a:p>
+            <a:pPr eaLnBrk="0" hangingPunct="0">
+              <a:buClr>
+                <a:schemeClr val="accent5">
+                  <a:lumMod val="40000"/>
+                  <a:lumOff val="60000"/>
+                </a:schemeClr>
+              </a:buClr>
+              <a:buSzPct val="70000"/>
+            </a:pPr>
+            <a:r>
+              <a:rPr lang="en-US" sz="2799" b="1" noProof="1">
+                <a:latin typeface="Consolas" pitchFamily="49" charset="0"/>
+                <a:cs typeface="Consolas" pitchFamily="49" charset="0"/>
+              </a:rPr>
               <a:t>    break;</a:t>
+            </a:r>
+          </a:p>
+          <a:p>
+            <a:pPr eaLnBrk="0" hangingPunct="0">
+              <a:buClr>
+                <a:schemeClr val="accent5">
+                  <a:lumMod val="40000"/>
+                  <a:lumOff val="60000"/>
+                </a:schemeClr>
+              </a:buClr>
+              <a:buSzPct val="70000"/>
+            </a:pPr>
+            <a:r>
+              <a:rPr lang="en-US" sz="2799" b="1" noProof="1">
+                <a:latin typeface="Consolas" pitchFamily="49" charset="0"/>
+                <a:cs typeface="Consolas" pitchFamily="49" charset="0"/>
+              </a:rPr>
+              <a:t>}</a:t>
             </a:r>
             <a:endParaRPr lang="en-US" sz="3199" b="1" noProof="1">
               <a:latin typeface="Consolas" pitchFamily="49" charset="0"/>
@@ -28221,13 +28258,13 @@
         </p:nvSpPr>
         <p:spPr bwMode="auto">
           <a:xfrm>
-            <a:off x="183500" y="4103999"/>
-            <a:ext cx="3465648" cy="1133945"/>
+            <a:off x="516000" y="3609000"/>
+            <a:ext cx="2867617" cy="1403060"/>
           </a:xfrm>
           <a:prstGeom prst="wedgeRoundRectCallout">
             <a:avLst>
-              <a:gd name="adj1" fmla="val 55547"/>
-              <a:gd name="adj2" fmla="val 38341"/>
+              <a:gd name="adj1" fmla="val 65187"/>
+              <a:gd name="adj2" fmla="val 49708"/>
               <a:gd name="adj3" fmla="val 16667"/>
             </a:avLst>
           </a:prstGeom>
@@ -28292,7 +28329,7 @@
                   <a:schemeClr val="bg2"/>
                 </a:solidFill>
               </a:rPr>
-              <a:t>ако </a:t>
+              <a:t>ако флагът</a:t>
             </a:r>
             <a:r>
               <a:rPr lang="en-US" sz="2399" b="1" dirty="0">
@@ -28300,7 +28337,7 @@
                   <a:schemeClr val="bg2"/>
                 </a:solidFill>
               </a:rPr>
-              <a:t>flag </a:t>
+              <a:t> </a:t>
             </a:r>
             <a:r>
               <a:rPr lang="bg-BG" sz="2399" b="1" dirty="0">
@@ -28465,7 +28502,7 @@
                             </p:stCondLst>
                             <p:childTnLst>
                               <p:par>
-                                <p:cTn id="9" presetID="1" presetClass="entr" presetSubtype="0" fill="hold" grpId="0" nodeType="clickEffect">
+                                <p:cTn id="9" presetID="1" presetClass="entr" presetSubtype="0" fill="hold" nodeType="clickEffect">
                                   <p:stCondLst>
                                     <p:cond delay="0"/>
                                   </p:stCondLst>
@@ -28478,7 +28515,42 @@
                                           </p:stCondLst>
                                         </p:cTn>
                                         <p:tgtEl>
-                                          <p:spTgt spid="10"/>
+                                          <p:spTgt spid="10">
+                                            <p:txEl>
+                                              <p:pRg st="1" end="1"/>
+                                            </p:txEl>
+                                          </p:spTgt>
+                                        </p:tgtEl>
+                                        <p:attrNameLst>
+                                          <p:attrName>style.visibility</p:attrName>
+                                        </p:attrNameLst>
+                                      </p:cBhvr>
+                                      <p:to>
+                                        <p:strVal val="visible"/>
+                                      </p:to>
+                                    </p:set>
+                                  </p:childTnLst>
+                                </p:cTn>
+                              </p:par>
+                              <p:par>
+                                <p:cTn id="11" presetID="1" presetClass="entr" presetSubtype="0" fill="hold" nodeType="withEffect">
+                                  <p:stCondLst>
+                                    <p:cond delay="0"/>
+                                  </p:stCondLst>
+                                  <p:childTnLst>
+                                    <p:set>
+                                      <p:cBhvr>
+                                        <p:cTn id="12" dur="1" fill="hold">
+                                          <p:stCondLst>
+                                            <p:cond delay="0"/>
+                                          </p:stCondLst>
+                                        </p:cTn>
+                                        <p:tgtEl>
+                                          <p:spTgt spid="10">
+                                            <p:txEl>
+                                              <p:pRg st="9" end="9"/>
+                                            </p:txEl>
+                                          </p:spTgt>
                                         </p:tgtEl>
                                         <p:attrNameLst>
                                           <p:attrName>style.visibility</p:attrName>
@@ -28498,26 +28570,279 @@
                     </p:cTn>
                   </p:par>
                   <p:par>
-                    <p:cTn id="11" fill="hold">
+                    <p:cTn id="13" fill="hold">
                       <p:stCondLst>
                         <p:cond delay="indefinite"/>
                       </p:stCondLst>
                       <p:childTnLst>
                         <p:par>
-                          <p:cTn id="12" fill="hold">
+                          <p:cTn id="14" fill="hold">
                             <p:stCondLst>
                               <p:cond delay="0"/>
                             </p:stCondLst>
                             <p:childTnLst>
                               <p:par>
-                                <p:cTn id="13" presetID="1" presetClass="entr" presetSubtype="0" fill="hold" grpId="0" nodeType="clickEffect">
+                                <p:cTn id="15" presetID="1" presetClass="entr" presetSubtype="0" fill="hold" nodeType="clickEffect">
                                   <p:stCondLst>
                                     <p:cond delay="0"/>
                                   </p:stCondLst>
                                   <p:childTnLst>
                                     <p:set>
                                       <p:cBhvr>
-                                        <p:cTn id="14" dur="1" fill="hold">
+                                        <p:cTn id="16" dur="1" fill="hold">
+                                          <p:stCondLst>
+                                            <p:cond delay="0"/>
+                                          </p:stCondLst>
+                                        </p:cTn>
+                                        <p:tgtEl>
+                                          <p:spTgt spid="10">
+                                            <p:txEl>
+                                              <p:pRg st="2" end="2"/>
+                                            </p:txEl>
+                                          </p:spTgt>
+                                        </p:tgtEl>
+                                        <p:attrNameLst>
+                                          <p:attrName>style.visibility</p:attrName>
+                                        </p:attrNameLst>
+                                      </p:cBhvr>
+                                      <p:to>
+                                        <p:strVal val="visible"/>
+                                      </p:to>
+                                    </p:set>
+                                  </p:childTnLst>
+                                </p:cTn>
+                              </p:par>
+                            </p:childTnLst>
+                          </p:cTn>
+                        </p:par>
+                      </p:childTnLst>
+                    </p:cTn>
+                  </p:par>
+                  <p:par>
+                    <p:cTn id="17" fill="hold">
+                      <p:stCondLst>
+                        <p:cond delay="indefinite"/>
+                      </p:stCondLst>
+                      <p:childTnLst>
+                        <p:par>
+                          <p:cTn id="18" fill="hold">
+                            <p:stCondLst>
+                              <p:cond delay="0"/>
+                            </p:stCondLst>
+                            <p:childTnLst>
+                              <p:par>
+                                <p:cTn id="19" presetID="1" presetClass="entr" presetSubtype="0" fill="hold" nodeType="clickEffect">
+                                  <p:stCondLst>
+                                    <p:cond delay="0"/>
+                                  </p:stCondLst>
+                                  <p:childTnLst>
+                                    <p:set>
+                                      <p:cBhvr>
+                                        <p:cTn id="20" dur="1" fill="hold">
+                                          <p:stCondLst>
+                                            <p:cond delay="0"/>
+                                          </p:stCondLst>
+                                        </p:cTn>
+                                        <p:tgtEl>
+                                          <p:spTgt spid="10">
+                                            <p:txEl>
+                                              <p:pRg st="3" end="3"/>
+                                            </p:txEl>
+                                          </p:spTgt>
+                                        </p:tgtEl>
+                                        <p:attrNameLst>
+                                          <p:attrName>style.visibility</p:attrName>
+                                        </p:attrNameLst>
+                                      </p:cBhvr>
+                                      <p:to>
+                                        <p:strVal val="visible"/>
+                                      </p:to>
+                                    </p:set>
+                                  </p:childTnLst>
+                                </p:cTn>
+                              </p:par>
+                              <p:par>
+                                <p:cTn id="21" presetID="1" presetClass="entr" presetSubtype="0" fill="hold" nodeType="withEffect">
+                                  <p:stCondLst>
+                                    <p:cond delay="0"/>
+                                  </p:stCondLst>
+                                  <p:childTnLst>
+                                    <p:set>
+                                      <p:cBhvr>
+                                        <p:cTn id="22" dur="1" fill="hold">
+                                          <p:stCondLst>
+                                            <p:cond delay="0"/>
+                                          </p:stCondLst>
+                                        </p:cTn>
+                                        <p:tgtEl>
+                                          <p:spTgt spid="10">
+                                            <p:txEl>
+                                              <p:pRg st="4" end="4"/>
+                                            </p:txEl>
+                                          </p:spTgt>
+                                        </p:tgtEl>
+                                        <p:attrNameLst>
+                                          <p:attrName>style.visibility</p:attrName>
+                                        </p:attrNameLst>
+                                      </p:cBhvr>
+                                      <p:to>
+                                        <p:strVal val="visible"/>
+                                      </p:to>
+                                    </p:set>
+                                  </p:childTnLst>
+                                </p:cTn>
+                              </p:par>
+                              <p:par>
+                                <p:cTn id="23" presetID="1" presetClass="entr" presetSubtype="0" fill="hold" nodeType="withEffect">
+                                  <p:stCondLst>
+                                    <p:cond delay="0"/>
+                                  </p:stCondLst>
+                                  <p:childTnLst>
+                                    <p:set>
+                                      <p:cBhvr>
+                                        <p:cTn id="24" dur="1" fill="hold">
+                                          <p:stCondLst>
+                                            <p:cond delay="0"/>
+                                          </p:stCondLst>
+                                        </p:cTn>
+                                        <p:tgtEl>
+                                          <p:spTgt spid="10">
+                                            <p:txEl>
+                                              <p:pRg st="5" end="5"/>
+                                            </p:txEl>
+                                          </p:spTgt>
+                                        </p:tgtEl>
+                                        <p:attrNameLst>
+                                          <p:attrName>style.visibility</p:attrName>
+                                        </p:attrNameLst>
+                                      </p:cBhvr>
+                                      <p:to>
+                                        <p:strVal val="visible"/>
+                                      </p:to>
+                                    </p:set>
+                                  </p:childTnLst>
+                                </p:cTn>
+                              </p:par>
+                              <p:par>
+                                <p:cTn id="25" presetID="1" presetClass="entr" presetSubtype="0" fill="hold" nodeType="withEffect">
+                                  <p:stCondLst>
+                                    <p:cond delay="0"/>
+                                  </p:stCondLst>
+                                  <p:childTnLst>
+                                    <p:set>
+                                      <p:cBhvr>
+                                        <p:cTn id="26" dur="1" fill="hold">
+                                          <p:stCondLst>
+                                            <p:cond delay="0"/>
+                                          </p:stCondLst>
+                                        </p:cTn>
+                                        <p:tgtEl>
+                                          <p:spTgt spid="10">
+                                            <p:txEl>
+                                              <p:pRg st="6" end="6"/>
+                                            </p:txEl>
+                                          </p:spTgt>
+                                        </p:tgtEl>
+                                        <p:attrNameLst>
+                                          <p:attrName>style.visibility</p:attrName>
+                                        </p:attrNameLst>
+                                      </p:cBhvr>
+                                      <p:to>
+                                        <p:strVal val="visible"/>
+                                      </p:to>
+                                    </p:set>
+                                  </p:childTnLst>
+                                </p:cTn>
+                              </p:par>
+                            </p:childTnLst>
+                          </p:cTn>
+                        </p:par>
+                      </p:childTnLst>
+                    </p:cTn>
+                  </p:par>
+                  <p:par>
+                    <p:cTn id="27" fill="hold">
+                      <p:stCondLst>
+                        <p:cond delay="indefinite"/>
+                      </p:stCondLst>
+                      <p:childTnLst>
+                        <p:par>
+                          <p:cTn id="28" fill="hold">
+                            <p:stCondLst>
+                              <p:cond delay="0"/>
+                            </p:stCondLst>
+                            <p:childTnLst>
+                              <p:par>
+                                <p:cTn id="29" presetID="1" presetClass="entr" presetSubtype="0" fill="hold" nodeType="clickEffect">
+                                  <p:stCondLst>
+                                    <p:cond delay="0"/>
+                                  </p:stCondLst>
+                                  <p:childTnLst>
+                                    <p:set>
+                                      <p:cBhvr>
+                                        <p:cTn id="30" dur="1" fill="hold">
+                                          <p:stCondLst>
+                                            <p:cond delay="0"/>
+                                          </p:stCondLst>
+                                        </p:cTn>
+                                        <p:tgtEl>
+                                          <p:spTgt spid="10">
+                                            <p:txEl>
+                                              <p:pRg st="7" end="7"/>
+                                            </p:txEl>
+                                          </p:spTgt>
+                                        </p:tgtEl>
+                                        <p:attrNameLst>
+                                          <p:attrName>style.visibility</p:attrName>
+                                        </p:attrNameLst>
+                                      </p:cBhvr>
+                                      <p:to>
+                                        <p:strVal val="visible"/>
+                                      </p:to>
+                                    </p:set>
+                                  </p:childTnLst>
+                                </p:cTn>
+                              </p:par>
+                              <p:par>
+                                <p:cTn id="31" presetID="1" presetClass="entr" presetSubtype="0" fill="hold" nodeType="withEffect">
+                                  <p:stCondLst>
+                                    <p:cond delay="0"/>
+                                  </p:stCondLst>
+                                  <p:childTnLst>
+                                    <p:set>
+                                      <p:cBhvr>
+                                        <p:cTn id="32" dur="1" fill="hold">
+                                          <p:stCondLst>
+                                            <p:cond delay="0"/>
+                                          </p:stCondLst>
+                                        </p:cTn>
+                                        <p:tgtEl>
+                                          <p:spTgt spid="10">
+                                            <p:txEl>
+                                              <p:pRg st="8" end="8"/>
+                                            </p:txEl>
+                                          </p:spTgt>
+                                        </p:tgtEl>
+                                        <p:attrNameLst>
+                                          <p:attrName>style.visibility</p:attrName>
+                                        </p:attrNameLst>
+                                      </p:cBhvr>
+                                      <p:to>
+                                        <p:strVal val="visible"/>
+                                      </p:to>
+                                    </p:set>
+                                  </p:childTnLst>
+                                </p:cTn>
+                              </p:par>
+                              <p:par>
+                                <p:cTn id="33" presetID="1" presetClass="entr" presetSubtype="0" fill="hold" grpId="0" nodeType="withEffect">
+                                  <p:stCondLst>
+                                    <p:cond delay="0"/>
+                                  </p:stCondLst>
+                                  <p:childTnLst>
+                                    <p:set>
+                                      <p:cBhvr>
+                                        <p:cTn id="34" dur="1" fill="hold">
                                           <p:stCondLst>
                                             <p:cond delay="0"/>
                                           </p:stCondLst>
@@ -28564,7 +28889,6 @@
       </p:par>
     </p:tnLst>
     <p:bldLst>
-      <p:bldP spid="10" grpId="0" animBg="1"/>
       <p:bldP spid="13" grpId="0" animBg="1"/>
     </p:bldLst>
   </p:timing>

--- a/Courses/Software-Sciences/Module-1-OOP/04.2-Loops-Advanced/04.2-Loops-Advanced.pptx
+++ b/Courses/Software-Sciences/Module-1-OOP/04.2-Loops-Advanced/04.2-Loops-Advanced.pptx
@@ -5,13 +5,13 @@
     <p:sldMasterId id="2147483675" r:id="rId1"/>
   </p:sldMasterIdLst>
   <p:notesMasterIdLst>
-    <p:notesMasterId r:id="rId43"/>
+    <p:notesMasterId r:id="rId42"/>
   </p:notesMasterIdLst>
   <p:handoutMasterIdLst>
-    <p:handoutMasterId r:id="rId44"/>
+    <p:handoutMasterId r:id="rId43"/>
   </p:handoutMasterIdLst>
   <p:sldIdLst>
-    <p:sldId id="274" r:id="rId2"/>
+    <p:sldId id="627" r:id="rId2"/>
     <p:sldId id="619" r:id="rId3"/>
     <p:sldId id="592" r:id="rId4"/>
     <p:sldId id="433" r:id="rId5"/>
@@ -51,7 +51,6 @@
     <p:sldId id="580" r:id="rId39"/>
     <p:sldId id="504" r:id="rId40"/>
     <p:sldId id="505" r:id="rId41"/>
-    <p:sldId id="506" r:id="rId42"/>
   </p:sldIdLst>
   <p:sldSz cx="12192000" cy="6858000"/>
   <p:notesSz cx="6858000" cy="9144000"/>
@@ -153,13 +152,13 @@
   <p:extLst>
     <p:ext uri="{521415D9-36F7-43E2-AB2F-B90AF26B5E84}">
       <p14:sectionLst xmlns:p14="http://schemas.microsoft.com/office/powerpoint/2010/main">
-        <p14:section name="Въведение" id="{A26C8C59-5E13-48B5-A531-98F6AB9FD015}">
+        <p14:section name="Въведение" id="{69DE48FA-AA57-4B81-BF31-972BEE3A577B}">
           <p14:sldIdLst>
-            <p14:sldId id="274"/>
+            <p14:sldId id="627"/>
             <p14:sldId id="619"/>
           </p14:sldIdLst>
         </p14:section>
-        <p14:section name="По-сложни for-цикли" id="{9C974183-0F4E-4053-BEA5-DFDA11F87835}">
+        <p14:section name="По-сложни For-цикли" id="{D72330DD-8C63-4BAC-A135-E03425229385}">
           <p14:sldIdLst>
             <p14:sldId id="592"/>
             <p14:sldId id="433"/>
@@ -172,7 +171,7 @@
             <p14:sldId id="636"/>
           </p14:sldIdLst>
         </p14:section>
-        <p14:section name="По-сложни while-цикли" id="{C4FD4BF9-7DF0-4242-8C76-EDF5C0E4AA50}">
+        <p14:section name="По-сложни While-цикли" id="{256ABDFA-8E03-4BF1-BDC7-7560B735F2C6}">
           <p14:sldIdLst>
             <p14:sldId id="673"/>
             <p14:sldId id="653"/>
@@ -194,7 +193,7 @@
             <p14:sldId id="672"/>
           </p14:sldIdLst>
         </p14:section>
-        <p14:section name="По-сложни вложени цикли" id="{6CFFCDD4-51EB-423D-8D1A-C00B34833F20}">
+        <p14:section name="По-сложни вложени цикли" id="{81E18F87-130C-418D-8DAB-52682B44611A}">
           <p14:sldIdLst>
             <p14:sldId id="674"/>
             <p14:sldId id="681"/>
@@ -206,12 +205,11 @@
             <p14:sldId id="687"/>
           </p14:sldIdLst>
         </p14:section>
-        <p14:section name="Обобщение" id="{4A7663E7-BBBB-4BAC-8077-5D1A320598BD}">
+        <p14:section name="Обобщение" id="{1C09A3FA-987B-4C38-BE67-E0F0BA7B7E9B}">
           <p14:sldIdLst>
             <p14:sldId id="580"/>
             <p14:sldId id="504"/>
             <p14:sldId id="505"/>
-            <p14:sldId id="506"/>
           </p14:sldIdLst>
         </p14:section>
       </p14:sectionLst>
@@ -292,7 +290,7 @@
             </a:lvl1pPr>
           </a:lstStyle>
           <a:p>
-            <a:endParaRPr lang="bg-BG" dirty="0"/>
+            <a:endParaRPr lang="bg-BG"/>
           </a:p>
         </p:txBody>
       </p:sp>
@@ -331,9 +329,9 @@
           <a:p>
             <a:fld id="{4E087215-0C8F-4762-A664-737A353EC9A4}" type="datetimeFigureOut">
               <a:rPr lang="bg-BG" smtClean="0"/>
-              <a:t>2.7.2023 г.</a:t>
+              <a:t>29.09.23 г.</a:t>
             </a:fld>
-            <a:endParaRPr lang="bg-BG" dirty="0"/>
+            <a:endParaRPr lang="bg-BG"/>
           </a:p>
         </p:txBody>
       </p:sp>
@@ -355,8 +353,8 @@
         </p:nvSpPr>
         <p:spPr>
           <a:xfrm>
-            <a:off x="-1" y="8847000"/>
-            <a:ext cx="6443999" cy="297000"/>
+            <a:off x="-1" y="8892000"/>
+            <a:ext cx="6443999" cy="252000"/>
           </a:xfrm>
           <a:prstGeom prst="rect">
             <a:avLst/>
@@ -371,19 +369,24 @@
           </a:lstStyle>
           <a:p>
             <a:r>
-              <a:rPr lang="en-US" sz="1100" dirty="0"/>
-              <a:t>© SoftUni – </a:t>
-            </a:r>
-            <a:r>
-              <a:rPr lang="en-US" sz="1100" u="sng" dirty="0">
+              <a:rPr lang="bg-BG" sz="1100" dirty="0"/>
+              <a:t>Работна група </a:t>
+            </a:r>
+            <a:r>
+              <a:rPr lang="ru-RU" sz="1100" dirty="0"/>
+              <a:t>"Образование по програмиране и ИТ</a:t>
+            </a:r>
+            <a:r>
+              <a:rPr lang="bg-BG" sz="1100" dirty="0"/>
+              <a:t>", с подкрепата на </a:t>
+            </a:r>
+            <a:r>
+              <a:rPr lang="en-US" sz="1100" dirty="0">
                 <a:hlinkClick r:id="rId2"/>
               </a:rPr>
-              <a:t>https://softuni.org</a:t>
-            </a:r>
-            <a:r>
-              <a:rPr lang="en-US" sz="1100" dirty="0"/>
-              <a:t>. Copyrighted document. Unauthorized copy or reproduction is not permitted.</a:t>
-            </a:r>
+              <a:t>SoftUni</a:t>
+            </a:r>
+            <a:endParaRPr lang="en-US" sz="1100" dirty="0"/>
           </a:p>
         </p:txBody>
       </p:sp>
@@ -405,8 +408,8 @@
         </p:nvSpPr>
         <p:spPr>
           <a:xfrm>
-            <a:off x="6443999" y="8847000"/>
-            <a:ext cx="412413" cy="297000"/>
+            <a:off x="6443999" y="8892000"/>
+            <a:ext cx="412413" cy="252000"/>
           </a:xfrm>
           <a:prstGeom prst="rect">
             <a:avLst/>
@@ -489,7 +492,7 @@
             </a:lvl1pPr>
           </a:lstStyle>
           <a:p>
-            <a:endParaRPr lang="en-US" dirty="0"/>
+            <a:endParaRPr lang="en-US"/>
           </a:p>
         </p:txBody>
       </p:sp>
@@ -522,9 +525,9 @@
           <a:p>
             <a:fld id="{72D84649-876A-46C9-8472-14CB09C070D8}" type="datetimeFigureOut">
               <a:rPr lang="en-US" smtClean="0"/>
-              <a:t>2-Jul-23</a:t>
+              <a:t>9/29/23</a:t>
             </a:fld>
-            <a:endParaRPr lang="en-US" dirty="0"/>
+            <a:endParaRPr lang="en-US"/>
           </a:p>
         </p:txBody>
       </p:sp>
@@ -557,7 +560,7 @@
           <a:bodyPr vert="horz" lIns="91440" tIns="45720" rIns="91440" bIns="45720" rtlCol="0" anchor="ctr"/>
           <a:lstStyle/>
           <a:p>
-            <a:endParaRPr lang="en-US" dirty="0"/>
+            <a:endParaRPr lang="en-US"/>
           </a:p>
         </p:txBody>
       </p:sp>
@@ -632,8 +635,8 @@
         </p:nvSpPr>
         <p:spPr>
           <a:xfrm>
-            <a:off x="6488999" y="8847000"/>
-            <a:ext cx="367414" cy="297000"/>
+            <a:off x="6488999" y="8892000"/>
+            <a:ext cx="367414" cy="252000"/>
           </a:xfrm>
           <a:prstGeom prst="rect">
             <a:avLst/>
@@ -673,8 +676,8 @@
         </p:nvSpPr>
         <p:spPr>
           <a:xfrm>
-            <a:off x="-1" y="8847000"/>
-            <a:ext cx="6488999" cy="297000"/>
+            <a:off x="-1" y="8892000"/>
+            <a:ext cx="6488999" cy="252000"/>
           </a:xfrm>
           <a:prstGeom prst="rect">
             <a:avLst/>
@@ -689,19 +692,24 @@
           </a:lstStyle>
           <a:p>
             <a:r>
-              <a:rPr lang="en-US" dirty="0"/>
-              <a:t>© SoftUni – </a:t>
-            </a:r>
-            <a:r>
-              <a:rPr lang="en-US" u="sng" dirty="0">
+              <a:rPr lang="bg-BG" sz="1100" dirty="0"/>
+              <a:t>Работна група </a:t>
+            </a:r>
+            <a:r>
+              <a:rPr lang="bg-BG" dirty="0"/>
+              <a:t>"Образование по програмиране и ИТ"</a:t>
+            </a:r>
+            <a:r>
+              <a:rPr lang="bg-BG" sz="1100" dirty="0"/>
+              <a:t>, с подкрепата на </a:t>
+            </a:r>
+            <a:r>
+              <a:rPr lang="en-US" sz="1100" dirty="0">
                 <a:hlinkClick r:id="rId2"/>
               </a:rPr>
-              <a:t>https://softuni.org</a:t>
-            </a:r>
-            <a:r>
-              <a:rPr lang="en-US" dirty="0"/>
-              <a:t>. Copyrighted document. Unauthorized copy or reproduction is not permitted.</a:t>
-            </a:r>
+              <a:t>SoftUni</a:t>
+            </a:r>
+            <a:endParaRPr lang="en-US" sz="1100" dirty="0"/>
           </a:p>
         </p:txBody>
       </p:sp>
@@ -883,10 +891,10 @@
       </p:sp>
       <p:sp>
         <p:nvSpPr>
-          <p:cNvPr id="7" name="Footer Placeholder 7">
+          <p:cNvPr id="4" name="Footer Placeholder 7">
             <a:extLst>
               <a:ext uri="{FF2B5EF4-FFF2-40B4-BE49-F238E27FC236}">
-                <a16:creationId xmlns:a16="http://schemas.microsoft.com/office/drawing/2014/main" id="{38F7C52D-7DAE-48EE-AF4B-82B385313604}"/>
+                <a16:creationId xmlns:a16="http://schemas.microsoft.com/office/drawing/2014/main" id="{C2D5B3F4-646B-5DA4-F973-7515905E5005}"/>
               </a:ext>
             </a:extLst>
           </p:cNvPr>
@@ -899,8 +907,8 @@
         </p:nvSpPr>
         <p:spPr>
           <a:xfrm>
-            <a:off x="-1" y="8847000"/>
-            <a:ext cx="6488999" cy="297000"/>
+            <a:off x="-1" y="8892000"/>
+            <a:ext cx="6488999" cy="252000"/>
           </a:xfrm>
           <a:prstGeom prst="rect">
             <a:avLst/>
@@ -915,26 +923,31 @@
           </a:lstStyle>
           <a:p>
             <a:r>
-              <a:rPr lang="en-US" dirty="0"/>
-              <a:t>© SoftUni – </a:t>
-            </a:r>
-            <a:r>
-              <a:rPr lang="en-US" u="sng" dirty="0">
+              <a:rPr lang="bg-BG" sz="1100" dirty="0"/>
+              <a:t>Работна група </a:t>
+            </a:r>
+            <a:r>
+              <a:rPr lang="bg-BG" dirty="0"/>
+              <a:t>"Образование по програмиране и ИТ"</a:t>
+            </a:r>
+            <a:r>
+              <a:rPr lang="bg-BG" sz="1100" dirty="0"/>
+              <a:t>, с подкрепата на </a:t>
+            </a:r>
+            <a:r>
+              <a:rPr lang="en-US" sz="1100" dirty="0">
                 <a:hlinkClick r:id="rId3"/>
               </a:rPr>
-              <a:t>https://softuni.org</a:t>
-            </a:r>
-            <a:r>
-              <a:rPr lang="en-US" dirty="0"/>
-              <a:t>. Copyrighted document. Unauthorized copy or reproduction is not permitted.</a:t>
-            </a:r>
+              <a:t>SoftUni</a:t>
+            </a:r>
+            <a:endParaRPr lang="en-US" sz="1100" dirty="0"/>
           </a:p>
         </p:txBody>
       </p:sp>
     </p:spTree>
     <p:extLst>
       <p:ext uri="{BB962C8B-B14F-4D97-AF65-F5344CB8AC3E}">
-        <p14:creationId xmlns:p14="http://schemas.microsoft.com/office/powerpoint/2010/main" val="160908354"/>
+        <p14:creationId xmlns:p14="http://schemas.microsoft.com/office/powerpoint/2010/main" val="3855554386"/>
       </p:ext>
     </p:extLst>
   </p:cSld>
@@ -1017,7 +1030,13 @@
       </p:sp>
       <p:sp>
         <p:nvSpPr>
-          <p:cNvPr id="5" name="Footer Placeholder 4"/>
+          <p:cNvPr id="6" name="Footer Placeholder 7">
+            <a:extLst>
+              <a:ext uri="{FF2B5EF4-FFF2-40B4-BE49-F238E27FC236}">
+                <a16:creationId xmlns:a16="http://schemas.microsoft.com/office/drawing/2014/main" id="{72592FD0-F4B1-0B28-F215-677630344E7F}"/>
+              </a:ext>
+            </a:extLst>
+          </p:cNvPr>
           <p:cNvSpPr>
             <a:spLocks noGrp="1"/>
           </p:cNvSpPr>
@@ -1025,32 +1044,49 @@
             <p:ph type="ftr" sz="quarter" idx="4"/>
           </p:nvPr>
         </p:nvSpPr>
-        <p:spPr/>
+        <p:spPr>
+          <a:xfrm>
+            <a:off x="-1" y="8892000"/>
+            <a:ext cx="6488999" cy="252000"/>
+          </a:xfrm>
+          <a:prstGeom prst="rect">
+            <a:avLst/>
+          </a:prstGeom>
+        </p:spPr>
         <p:txBody>
-          <a:bodyPr/>
-          <a:lstStyle/>
-          <a:p>
-            <a:r>
-              <a:rPr lang="en-US" dirty="0"/>
-              <a:t>© SoftUni – </a:t>
-            </a:r>
-            <a:r>
-              <a:rPr lang="en-US" u="sng" dirty="0">
+          <a:bodyPr vert="horz" lIns="91440" tIns="45720" rIns="91440" bIns="45720" rtlCol="0" anchor="b"/>
+          <a:lstStyle>
+            <a:lvl1pPr algn="l">
+              <a:defRPr sz="1100"/>
+            </a:lvl1pPr>
+          </a:lstStyle>
+          <a:p>
+            <a:r>
+              <a:rPr lang="bg-BG" sz="1100" dirty="0"/>
+              <a:t>Работна група </a:t>
+            </a:r>
+            <a:r>
+              <a:rPr lang="bg-BG" dirty="0"/>
+              <a:t>"Образование по програмиране и ИТ"</a:t>
+            </a:r>
+            <a:r>
+              <a:rPr lang="bg-BG" sz="1100" dirty="0"/>
+              <a:t>, с подкрепата на </a:t>
+            </a:r>
+            <a:r>
+              <a:rPr lang="en-US" sz="1100" dirty="0">
                 <a:hlinkClick r:id="rId3"/>
               </a:rPr>
-              <a:t>https://softuni.org</a:t>
-            </a:r>
-            <a:r>
-              <a:rPr lang="en-US" dirty="0"/>
-              <a:t>. Copyrighted document. Unauthorized copy or reproduction is not permitted.</a:t>
-            </a:r>
+              <a:t>SoftUni</a:t>
+            </a:r>
+            <a:endParaRPr lang="en-US" sz="1100" dirty="0"/>
           </a:p>
         </p:txBody>
       </p:sp>
     </p:spTree>
     <p:extLst>
       <p:ext uri="{BB962C8B-B14F-4D97-AF65-F5344CB8AC3E}">
-        <p14:creationId xmlns:p14="http://schemas.microsoft.com/office/powerpoint/2010/main" val="3419364080"/>
+        <p14:creationId xmlns:p14="http://schemas.microsoft.com/office/powerpoint/2010/main" val="4001340163"/>
       </p:ext>
     </p:extLst>
   </p:cSld>
@@ -1133,7 +1169,13 @@
       </p:sp>
       <p:sp>
         <p:nvSpPr>
-          <p:cNvPr id="5" name="Footer Placeholder 4"/>
+          <p:cNvPr id="6" name="Footer Placeholder 7">
+            <a:extLst>
+              <a:ext uri="{FF2B5EF4-FFF2-40B4-BE49-F238E27FC236}">
+                <a16:creationId xmlns:a16="http://schemas.microsoft.com/office/drawing/2014/main" id="{995B9DB7-5B5D-6D4D-C757-3E329FE3A754}"/>
+              </a:ext>
+            </a:extLst>
+          </p:cNvPr>
           <p:cNvSpPr>
             <a:spLocks noGrp="1"/>
           </p:cNvSpPr>
@@ -1141,32 +1183,49 @@
             <p:ph type="ftr" sz="quarter" idx="4"/>
           </p:nvPr>
         </p:nvSpPr>
-        <p:spPr/>
+        <p:spPr>
+          <a:xfrm>
+            <a:off x="-1" y="8892000"/>
+            <a:ext cx="6488999" cy="252000"/>
+          </a:xfrm>
+          <a:prstGeom prst="rect">
+            <a:avLst/>
+          </a:prstGeom>
+        </p:spPr>
         <p:txBody>
-          <a:bodyPr/>
-          <a:lstStyle/>
-          <a:p>
-            <a:r>
-              <a:rPr lang="en-US" dirty="0"/>
-              <a:t>© SoftUni – </a:t>
-            </a:r>
-            <a:r>
-              <a:rPr lang="en-US" u="sng" dirty="0">
+          <a:bodyPr vert="horz" lIns="91440" tIns="45720" rIns="91440" bIns="45720" rtlCol="0" anchor="b"/>
+          <a:lstStyle>
+            <a:lvl1pPr algn="l">
+              <a:defRPr sz="1100"/>
+            </a:lvl1pPr>
+          </a:lstStyle>
+          <a:p>
+            <a:r>
+              <a:rPr lang="bg-BG" sz="1100" dirty="0"/>
+              <a:t>Работна група </a:t>
+            </a:r>
+            <a:r>
+              <a:rPr lang="bg-BG" dirty="0"/>
+              <a:t>"Образование по програмиране и ИТ"</a:t>
+            </a:r>
+            <a:r>
+              <a:rPr lang="bg-BG" sz="1100" dirty="0"/>
+              <a:t>, с подкрепата на </a:t>
+            </a:r>
+            <a:r>
+              <a:rPr lang="en-US" sz="1100" dirty="0">
                 <a:hlinkClick r:id="rId3"/>
               </a:rPr>
-              <a:t>https://softuni.org</a:t>
-            </a:r>
-            <a:r>
-              <a:rPr lang="en-US" dirty="0"/>
-              <a:t>. Copyrighted document. Unauthorized copy or reproduction is not permitted.</a:t>
-            </a:r>
+              <a:t>SoftUni</a:t>
+            </a:r>
+            <a:endParaRPr lang="en-US" sz="1100" dirty="0"/>
           </a:p>
         </p:txBody>
       </p:sp>
     </p:spTree>
     <p:extLst>
       <p:ext uri="{BB962C8B-B14F-4D97-AF65-F5344CB8AC3E}">
-        <p14:creationId xmlns:p14="http://schemas.microsoft.com/office/powerpoint/2010/main" val="2733594350"/>
+        <p14:creationId xmlns:p14="http://schemas.microsoft.com/office/powerpoint/2010/main" val="4064243185"/>
       </p:ext>
     </p:extLst>
   </p:cSld>
@@ -1249,7 +1308,13 @@
       </p:sp>
       <p:sp>
         <p:nvSpPr>
-          <p:cNvPr id="5" name="Footer Placeholder 4"/>
+          <p:cNvPr id="6" name="Footer Placeholder 7">
+            <a:extLst>
+              <a:ext uri="{FF2B5EF4-FFF2-40B4-BE49-F238E27FC236}">
+                <a16:creationId xmlns:a16="http://schemas.microsoft.com/office/drawing/2014/main" id="{3F5864FC-36D7-E579-84A4-C15C9C891390}"/>
+              </a:ext>
+            </a:extLst>
+          </p:cNvPr>
           <p:cNvSpPr>
             <a:spLocks noGrp="1"/>
           </p:cNvSpPr>
@@ -1257,32 +1322,49 @@
             <p:ph type="ftr" sz="quarter" idx="4"/>
           </p:nvPr>
         </p:nvSpPr>
-        <p:spPr/>
+        <p:spPr>
+          <a:xfrm>
+            <a:off x="-1" y="8892000"/>
+            <a:ext cx="6488999" cy="252000"/>
+          </a:xfrm>
+          <a:prstGeom prst="rect">
+            <a:avLst/>
+          </a:prstGeom>
+        </p:spPr>
         <p:txBody>
-          <a:bodyPr/>
-          <a:lstStyle/>
-          <a:p>
-            <a:r>
-              <a:rPr lang="en-US" dirty="0"/>
-              <a:t>© SoftUni – </a:t>
-            </a:r>
-            <a:r>
-              <a:rPr lang="en-US" u="sng" dirty="0">
+          <a:bodyPr vert="horz" lIns="91440" tIns="45720" rIns="91440" bIns="45720" rtlCol="0" anchor="b"/>
+          <a:lstStyle>
+            <a:lvl1pPr algn="l">
+              <a:defRPr sz="1100"/>
+            </a:lvl1pPr>
+          </a:lstStyle>
+          <a:p>
+            <a:r>
+              <a:rPr lang="bg-BG" sz="1100" dirty="0"/>
+              <a:t>Работна група </a:t>
+            </a:r>
+            <a:r>
+              <a:rPr lang="bg-BG" dirty="0"/>
+              <a:t>"Образование по програмиране и ИТ"</a:t>
+            </a:r>
+            <a:r>
+              <a:rPr lang="bg-BG" sz="1100" dirty="0"/>
+              <a:t>, с подкрепата на </a:t>
+            </a:r>
+            <a:r>
+              <a:rPr lang="en-US" sz="1100" dirty="0">
                 <a:hlinkClick r:id="rId3"/>
               </a:rPr>
-              <a:t>https://softuni.org</a:t>
-            </a:r>
-            <a:r>
-              <a:rPr lang="en-US" dirty="0"/>
-              <a:t>. Copyrighted document. Unauthorized copy or reproduction is not permitted.</a:t>
-            </a:r>
+              <a:t>SoftUni</a:t>
+            </a:r>
+            <a:endParaRPr lang="en-US" sz="1100" dirty="0"/>
           </a:p>
         </p:txBody>
       </p:sp>
     </p:spTree>
     <p:extLst>
       <p:ext uri="{BB962C8B-B14F-4D97-AF65-F5344CB8AC3E}">
-        <p14:creationId xmlns:p14="http://schemas.microsoft.com/office/powerpoint/2010/main" val="3240559256"/>
+        <p14:creationId xmlns:p14="http://schemas.microsoft.com/office/powerpoint/2010/main" val="1019052989"/>
       </p:ext>
     </p:extLst>
   </p:cSld>
@@ -1366,10 +1448,10 @@
       </p:sp>
       <p:sp>
         <p:nvSpPr>
-          <p:cNvPr id="6" name="Footer Placeholder 7">
+          <p:cNvPr id="4" name="Footer Placeholder 7">
             <a:extLst>
               <a:ext uri="{FF2B5EF4-FFF2-40B4-BE49-F238E27FC236}">
-                <a16:creationId xmlns:a16="http://schemas.microsoft.com/office/drawing/2014/main" id="{98538354-B696-480A-9C9C-21C1195F1A24}"/>
+                <a16:creationId xmlns:a16="http://schemas.microsoft.com/office/drawing/2014/main" id="{BE262A8C-3CE6-3EB8-AF3E-FE4DC12D776D}"/>
               </a:ext>
             </a:extLst>
           </p:cNvPr>
@@ -1382,8 +1464,8 @@
         </p:nvSpPr>
         <p:spPr>
           <a:xfrm>
-            <a:off x="-1" y="8847000"/>
-            <a:ext cx="6488999" cy="297000"/>
+            <a:off x="-1" y="8892000"/>
+            <a:ext cx="6488999" cy="252000"/>
           </a:xfrm>
           <a:prstGeom prst="rect">
             <a:avLst/>
@@ -1398,26 +1480,31 @@
           </a:lstStyle>
           <a:p>
             <a:r>
-              <a:rPr lang="en-US" dirty="0"/>
-              <a:t>© SoftUni – </a:t>
-            </a:r>
-            <a:r>
-              <a:rPr lang="en-US" u="sng" dirty="0">
+              <a:rPr lang="bg-BG" sz="1100" dirty="0"/>
+              <a:t>Работна група </a:t>
+            </a:r>
+            <a:r>
+              <a:rPr lang="bg-BG" dirty="0"/>
+              <a:t>"Образование по програмиране и ИТ"</a:t>
+            </a:r>
+            <a:r>
+              <a:rPr lang="bg-BG" sz="1100" dirty="0"/>
+              <a:t>, с подкрепата на </a:t>
+            </a:r>
+            <a:r>
+              <a:rPr lang="en-US" sz="1100" dirty="0">
                 <a:hlinkClick r:id="rId3"/>
               </a:rPr>
-              <a:t>https://softuni.org</a:t>
-            </a:r>
-            <a:r>
-              <a:rPr lang="en-US" dirty="0"/>
-              <a:t>. Copyrighted document. Unauthorized copy or reproduction is not permitted.</a:t>
-            </a:r>
+              <a:t>SoftUni</a:t>
+            </a:r>
+            <a:endParaRPr lang="en-US" sz="1100" dirty="0"/>
           </a:p>
         </p:txBody>
       </p:sp>
     </p:spTree>
     <p:extLst>
       <p:ext uri="{BB962C8B-B14F-4D97-AF65-F5344CB8AC3E}">
-        <p14:creationId xmlns:p14="http://schemas.microsoft.com/office/powerpoint/2010/main" val="2791254048"/>
+        <p14:creationId xmlns:p14="http://schemas.microsoft.com/office/powerpoint/2010/main" val="3950971283"/>
       </p:ext>
     </p:extLst>
   </p:cSld>
@@ -1607,10 +1694,10 @@
       </p:sp>
       <p:sp>
         <p:nvSpPr>
-          <p:cNvPr id="6" name="Footer Placeholder 7">
+          <p:cNvPr id="5" name="Footer Placeholder 7">
             <a:extLst>
               <a:ext uri="{FF2B5EF4-FFF2-40B4-BE49-F238E27FC236}">
-                <a16:creationId xmlns:a16="http://schemas.microsoft.com/office/drawing/2014/main" id="{3FAFC322-A821-4ED1-B86A-429BF73C1668}"/>
+                <a16:creationId xmlns:a16="http://schemas.microsoft.com/office/drawing/2014/main" id="{28774071-8809-643C-1151-B54AD7056BE3}"/>
               </a:ext>
             </a:extLst>
           </p:cNvPr>
@@ -1623,8 +1710,8 @@
         </p:nvSpPr>
         <p:spPr>
           <a:xfrm>
-            <a:off x="-1" y="8847000"/>
-            <a:ext cx="6488999" cy="297000"/>
+            <a:off x="-1" y="8892000"/>
+            <a:ext cx="6488999" cy="252000"/>
           </a:xfrm>
           <a:prstGeom prst="rect">
             <a:avLst/>
@@ -1639,26 +1726,31 @@
           </a:lstStyle>
           <a:p>
             <a:r>
-              <a:rPr lang="en-US" dirty="0"/>
-              <a:t>© SoftUni – </a:t>
-            </a:r>
-            <a:r>
-              <a:rPr lang="en-US" u="sng" dirty="0">
+              <a:rPr lang="bg-BG" sz="1100" dirty="0"/>
+              <a:t>Работна група </a:t>
+            </a:r>
+            <a:r>
+              <a:rPr lang="bg-BG" dirty="0"/>
+              <a:t>"Образование по програмиране и ИТ"</a:t>
+            </a:r>
+            <a:r>
+              <a:rPr lang="bg-BG" sz="1100" dirty="0"/>
+              <a:t>, с подкрепата на </a:t>
+            </a:r>
+            <a:r>
+              <a:rPr lang="en-US" sz="1100" dirty="0">
                 <a:hlinkClick r:id="rId3"/>
               </a:rPr>
-              <a:t>https://softuni.org</a:t>
-            </a:r>
-            <a:r>
-              <a:rPr lang="en-US" dirty="0"/>
-              <a:t>. Copyrighted document. Unauthorized copy or reproduction is not permitted.</a:t>
-            </a:r>
+              <a:t>SoftUni</a:t>
+            </a:r>
+            <a:endParaRPr lang="en-US" sz="1100" dirty="0"/>
           </a:p>
         </p:txBody>
       </p:sp>
     </p:spTree>
     <p:extLst>
       <p:ext uri="{BB962C8B-B14F-4D97-AF65-F5344CB8AC3E}">
-        <p14:creationId xmlns:p14="http://schemas.microsoft.com/office/powerpoint/2010/main" val="532936466"/>
+        <p14:creationId xmlns:p14="http://schemas.microsoft.com/office/powerpoint/2010/main" val="2890022473"/>
       </p:ext>
     </p:extLst>
   </p:cSld>
@@ -1712,7 +1804,7 @@
           <a:bodyPr/>
           <a:lstStyle/>
           <a:p>
-            <a:endParaRPr lang="en-US" dirty="0"/>
+            <a:endParaRPr lang="en-US"/>
           </a:p>
         </p:txBody>
       </p:sp>
@@ -1848,10 +1940,10 @@
       </p:sp>
       <p:sp>
         <p:nvSpPr>
-          <p:cNvPr id="7" name="Footer Placeholder 7">
+          <p:cNvPr id="5" name="Footer Placeholder 7">
             <a:extLst>
               <a:ext uri="{FF2B5EF4-FFF2-40B4-BE49-F238E27FC236}">
-                <a16:creationId xmlns:a16="http://schemas.microsoft.com/office/drawing/2014/main" id="{6F381745-8575-4B7C-9CC1-85A9038DF070}"/>
+                <a16:creationId xmlns:a16="http://schemas.microsoft.com/office/drawing/2014/main" id="{FB3A21F1-DE65-4AC5-0836-D4554DA327C7}"/>
               </a:ext>
             </a:extLst>
           </p:cNvPr>
@@ -1864,8 +1956,8 @@
         </p:nvSpPr>
         <p:spPr>
           <a:xfrm>
-            <a:off x="-1" y="8847000"/>
-            <a:ext cx="6488999" cy="297000"/>
+            <a:off x="-1" y="8892000"/>
+            <a:ext cx="6488999" cy="252000"/>
           </a:xfrm>
           <a:prstGeom prst="rect">
             <a:avLst/>
@@ -1880,267 +1972,31 @@
           </a:lstStyle>
           <a:p>
             <a:r>
-              <a:rPr lang="en-US" dirty="0"/>
-              <a:t>© SoftUni – </a:t>
-            </a:r>
-            <a:r>
-              <a:rPr lang="en-US" u="sng" dirty="0">
+              <a:rPr lang="bg-BG" sz="1100" dirty="0"/>
+              <a:t>Работна група </a:t>
+            </a:r>
+            <a:r>
+              <a:rPr lang="bg-BG" dirty="0"/>
+              <a:t>"Образование по програмиране и ИТ"</a:t>
+            </a:r>
+            <a:r>
+              <a:rPr lang="bg-BG" sz="1100" dirty="0"/>
+              <a:t>, с подкрепата на </a:t>
+            </a:r>
+            <a:r>
+              <a:rPr lang="en-US" sz="1100" dirty="0">
                 <a:hlinkClick r:id="rId3"/>
               </a:rPr>
-              <a:t>https://softuni.org</a:t>
-            </a:r>
-            <a:r>
-              <a:rPr lang="en-US" dirty="0"/>
-              <a:t>. Copyrighted document. Unauthorized copy or reproduction is not permitted.</a:t>
-            </a:r>
+              <a:t>SoftUni</a:t>
+            </a:r>
+            <a:endParaRPr lang="en-US" sz="1100" dirty="0"/>
           </a:p>
         </p:txBody>
       </p:sp>
     </p:spTree>
     <p:extLst>
       <p:ext uri="{BB962C8B-B14F-4D97-AF65-F5344CB8AC3E}">
-        <p14:creationId xmlns:p14="http://schemas.microsoft.com/office/powerpoint/2010/main" val="1982318969"/>
-      </p:ext>
-    </p:extLst>
-  </p:cSld>
-  <p:clrMapOvr>
-    <a:masterClrMapping/>
-  </p:clrMapOvr>
-</p:notes>
-</file>
-
-<file path=ppt/notesSlides/notesSlide16.xml><?xml version="1.0" encoding="utf-8"?>
-<p:notes xmlns:a="http://schemas.openxmlformats.org/drawingml/2006/main" xmlns:r="http://schemas.openxmlformats.org/officeDocument/2006/relationships" xmlns:p="http://schemas.openxmlformats.org/presentationml/2006/main">
-  <p:cSld>
-    <p:spTree>
-      <p:nvGrpSpPr>
-        <p:cNvPr id="1" name=""/>
-        <p:cNvGrpSpPr/>
-        <p:nvPr/>
-      </p:nvGrpSpPr>
-      <p:grpSpPr>
-        <a:xfrm>
-          <a:off x="0" y="0"/>
-          <a:ext cx="0" cy="0"/>
-          <a:chOff x="0" y="0"/>
-          <a:chExt cx="0" cy="0"/>
-        </a:xfrm>
-      </p:grpSpPr>
-      <p:sp>
-        <p:nvSpPr>
-          <p:cNvPr id="2" name="Slide Image Placeholder 1"/>
-          <p:cNvSpPr>
-            <a:spLocks noGrp="1" noRot="1" noChangeAspect="1"/>
-          </p:cNvSpPr>
-          <p:nvPr>
-            <p:ph type="sldImg"/>
-          </p:nvPr>
-        </p:nvSpPr>
-        <p:spPr/>
-      </p:sp>
-      <p:sp>
-        <p:nvSpPr>
-          <p:cNvPr id="3" name="Notes Placeholder 2"/>
-          <p:cNvSpPr>
-            <a:spLocks noGrp="1"/>
-          </p:cNvSpPr>
-          <p:nvPr>
-            <p:ph type="body" idx="1"/>
-          </p:nvPr>
-        </p:nvSpPr>
-        <p:spPr/>
-        <p:txBody>
-          <a:bodyPr/>
-          <a:lstStyle/>
-          <a:p>
-            <a:endParaRPr lang="en-US" dirty="0"/>
-          </a:p>
-        </p:txBody>
-      </p:sp>
-      <p:sp>
-        <p:nvSpPr>
-          <p:cNvPr id="7" name="Slide Number Placeholder 5">
-            <a:extLst>
-              <a:ext uri="{FF2B5EF4-FFF2-40B4-BE49-F238E27FC236}">
-                <a16:creationId xmlns:a16="http://schemas.microsoft.com/office/drawing/2014/main" id="{5D1C0779-821B-433B-AB3A-0953EE966C7E}"/>
-              </a:ext>
-            </a:extLst>
-          </p:cNvPr>
-          <p:cNvSpPr txBox="1">
-            <a:spLocks/>
-          </p:cNvSpPr>
-          <p:nvPr/>
-        </p:nvSpPr>
-        <p:spPr>
-          <a:xfrm>
-            <a:off x="6488999" y="8847000"/>
-            <a:ext cx="367414" cy="297000"/>
-          </a:xfrm>
-          <a:prstGeom prst="rect">
-            <a:avLst/>
-          </a:prstGeom>
-        </p:spPr>
-        <p:txBody>
-          <a:bodyPr vert="horz" lIns="91440" tIns="45720" rIns="91440" bIns="45720" rtlCol="0" anchor="b"/>
-          <a:lstStyle>
-            <a:defPPr>
-              <a:defRPr lang="en-US"/>
-            </a:defPPr>
-            <a:lvl1pPr marL="0" algn="r" defTabSz="914400" rtl="0" eaLnBrk="1" latinLnBrk="0" hangingPunct="1">
-              <a:defRPr sz="1200" kern="1200">
-                <a:solidFill>
-                  <a:schemeClr val="tx1"/>
-                </a:solidFill>
-                <a:latin typeface="+mn-lt"/>
-                <a:ea typeface="+mn-ea"/>
-                <a:cs typeface="+mn-cs"/>
-              </a:defRPr>
-            </a:lvl1pPr>
-            <a:lvl2pPr marL="457200" algn="l" defTabSz="914400" rtl="0" eaLnBrk="1" latinLnBrk="0" hangingPunct="1">
-              <a:defRPr sz="1800" kern="1200">
-                <a:solidFill>
-                  <a:schemeClr val="tx1"/>
-                </a:solidFill>
-                <a:latin typeface="+mn-lt"/>
-                <a:ea typeface="+mn-ea"/>
-                <a:cs typeface="+mn-cs"/>
-              </a:defRPr>
-            </a:lvl2pPr>
-            <a:lvl3pPr marL="914400" algn="l" defTabSz="914400" rtl="0" eaLnBrk="1" latinLnBrk="0" hangingPunct="1">
-              <a:defRPr sz="1800" kern="1200">
-                <a:solidFill>
-                  <a:schemeClr val="tx1"/>
-                </a:solidFill>
-                <a:latin typeface="+mn-lt"/>
-                <a:ea typeface="+mn-ea"/>
-                <a:cs typeface="+mn-cs"/>
-              </a:defRPr>
-            </a:lvl3pPr>
-            <a:lvl4pPr marL="1371600" algn="l" defTabSz="914400" rtl="0" eaLnBrk="1" latinLnBrk="0" hangingPunct="1">
-              <a:defRPr sz="1800" kern="1200">
-                <a:solidFill>
-                  <a:schemeClr val="tx1"/>
-                </a:solidFill>
-                <a:latin typeface="+mn-lt"/>
-                <a:ea typeface="+mn-ea"/>
-                <a:cs typeface="+mn-cs"/>
-              </a:defRPr>
-            </a:lvl4pPr>
-            <a:lvl5pPr marL="1828800" algn="l" defTabSz="914400" rtl="0" eaLnBrk="1" latinLnBrk="0" hangingPunct="1">
-              <a:defRPr sz="1800" kern="1200">
-                <a:solidFill>
-                  <a:schemeClr val="tx1"/>
-                </a:solidFill>
-                <a:latin typeface="+mn-lt"/>
-                <a:ea typeface="+mn-ea"/>
-                <a:cs typeface="+mn-cs"/>
-              </a:defRPr>
-            </a:lvl5pPr>
-            <a:lvl6pPr marL="2286000" algn="l" defTabSz="914400" rtl="0" eaLnBrk="1" latinLnBrk="0" hangingPunct="1">
-              <a:defRPr sz="1800" kern="1200">
-                <a:solidFill>
-                  <a:schemeClr val="tx1"/>
-                </a:solidFill>
-                <a:latin typeface="+mn-lt"/>
-                <a:ea typeface="+mn-ea"/>
-                <a:cs typeface="+mn-cs"/>
-              </a:defRPr>
-            </a:lvl6pPr>
-            <a:lvl7pPr marL="2743200" algn="l" defTabSz="914400" rtl="0" eaLnBrk="1" latinLnBrk="0" hangingPunct="1">
-              <a:defRPr sz="1800" kern="1200">
-                <a:solidFill>
-                  <a:schemeClr val="tx1"/>
-                </a:solidFill>
-                <a:latin typeface="+mn-lt"/>
-                <a:ea typeface="+mn-ea"/>
-                <a:cs typeface="+mn-cs"/>
-              </a:defRPr>
-            </a:lvl7pPr>
-            <a:lvl8pPr marL="3200400" algn="l" defTabSz="914400" rtl="0" eaLnBrk="1" latinLnBrk="0" hangingPunct="1">
-              <a:defRPr sz="1800" kern="1200">
-                <a:solidFill>
-                  <a:schemeClr val="tx1"/>
-                </a:solidFill>
-                <a:latin typeface="+mn-lt"/>
-                <a:ea typeface="+mn-ea"/>
-                <a:cs typeface="+mn-cs"/>
-              </a:defRPr>
-            </a:lvl8pPr>
-            <a:lvl9pPr marL="3657600" algn="l" defTabSz="914400" rtl="0" eaLnBrk="1" latinLnBrk="0" hangingPunct="1">
-              <a:defRPr sz="1800" kern="1200">
-                <a:solidFill>
-                  <a:schemeClr val="tx1"/>
-                </a:solidFill>
-                <a:latin typeface="+mn-lt"/>
-                <a:ea typeface="+mn-ea"/>
-                <a:cs typeface="+mn-cs"/>
-              </a:defRPr>
-            </a:lvl9pPr>
-          </a:lstStyle>
-          <a:p>
-            <a:fld id="{3EBA5BD7-F043-4D1B-AA17-CD412FC534DE}" type="slidenum">
-              <a:rPr lang="en-US" smtClean="0"/>
-              <a:pPr/>
-              <a:t>41</a:t>
-            </a:fld>
-            <a:endParaRPr lang="en-US" dirty="0"/>
-          </a:p>
-        </p:txBody>
-      </p:sp>
-      <p:sp>
-        <p:nvSpPr>
-          <p:cNvPr id="6" name="Footer Placeholder 7">
-            <a:extLst>
-              <a:ext uri="{FF2B5EF4-FFF2-40B4-BE49-F238E27FC236}">
-                <a16:creationId xmlns:a16="http://schemas.microsoft.com/office/drawing/2014/main" id="{009C5ADD-2DB4-43B0-B70D-43360D5450FB}"/>
-              </a:ext>
-            </a:extLst>
-          </p:cNvPr>
-          <p:cNvSpPr>
-            <a:spLocks noGrp="1"/>
-          </p:cNvSpPr>
-          <p:nvPr>
-            <p:ph type="ftr" sz="quarter" idx="4"/>
-          </p:nvPr>
-        </p:nvSpPr>
-        <p:spPr>
-          <a:xfrm>
-            <a:off x="-1" y="8847000"/>
-            <a:ext cx="6488999" cy="297000"/>
-          </a:xfrm>
-          <a:prstGeom prst="rect">
-            <a:avLst/>
-          </a:prstGeom>
-        </p:spPr>
-        <p:txBody>
-          <a:bodyPr vert="horz" lIns="91440" tIns="45720" rIns="91440" bIns="45720" rtlCol="0" anchor="b"/>
-          <a:lstStyle>
-            <a:lvl1pPr algn="l">
-              <a:defRPr sz="1100"/>
-            </a:lvl1pPr>
-          </a:lstStyle>
-          <a:p>
-            <a:r>
-              <a:rPr lang="en-US" dirty="0"/>
-              <a:t>© SoftUni – </a:t>
-            </a:r>
-            <a:r>
-              <a:rPr lang="en-US" u="sng" dirty="0">
-                <a:hlinkClick r:id="rId3"/>
-              </a:rPr>
-              <a:t>https://softuni.org</a:t>
-            </a:r>
-            <a:r>
-              <a:rPr lang="en-US" dirty="0"/>
-              <a:t>. Copyrighted document. Unauthorized copy or reproduction is not permitted.</a:t>
-            </a:r>
-          </a:p>
-        </p:txBody>
-      </p:sp>
-    </p:spTree>
-    <p:extLst>
-      <p:ext uri="{BB962C8B-B14F-4D97-AF65-F5344CB8AC3E}">
-        <p14:creationId xmlns:p14="http://schemas.microsoft.com/office/powerpoint/2010/main" val="809290875"/>
+        <p14:creationId xmlns:p14="http://schemas.microsoft.com/office/powerpoint/2010/main" val="381022660"/>
       </p:ext>
     </p:extLst>
   </p:cSld>
@@ -2226,10 +2082,10 @@
       </p:sp>
       <p:sp>
         <p:nvSpPr>
-          <p:cNvPr id="6" name="Footer Placeholder 7">
+          <p:cNvPr id="2" name="Footer Placeholder 7">
             <a:extLst>
               <a:ext uri="{FF2B5EF4-FFF2-40B4-BE49-F238E27FC236}">
-                <a16:creationId xmlns:a16="http://schemas.microsoft.com/office/drawing/2014/main" id="{B181416F-E786-4D4A-9038-1A3D25014BAD}"/>
+                <a16:creationId xmlns:a16="http://schemas.microsoft.com/office/drawing/2014/main" id="{9CAC6365-9767-4CE1-BB2A-841EF181651B}"/>
               </a:ext>
             </a:extLst>
           </p:cNvPr>
@@ -2242,8 +2098,8 @@
         </p:nvSpPr>
         <p:spPr>
           <a:xfrm>
-            <a:off x="-1" y="8847000"/>
-            <a:ext cx="6488999" cy="297000"/>
+            <a:off x="-1" y="8892000"/>
+            <a:ext cx="6488999" cy="252000"/>
           </a:xfrm>
           <a:prstGeom prst="rect">
             <a:avLst/>
@@ -2258,26 +2114,31 @@
           </a:lstStyle>
           <a:p>
             <a:r>
-              <a:rPr lang="en-US" dirty="0"/>
-              <a:t>© SoftUni – </a:t>
-            </a:r>
-            <a:r>
-              <a:rPr lang="en-US" u="sng" dirty="0">
+              <a:rPr lang="bg-BG" sz="1100" dirty="0"/>
+              <a:t>Работна група </a:t>
+            </a:r>
+            <a:r>
+              <a:rPr lang="bg-BG" dirty="0"/>
+              <a:t>"Образование по програмиране и ИТ"</a:t>
+            </a:r>
+            <a:r>
+              <a:rPr lang="bg-BG" sz="1100" dirty="0"/>
+              <a:t>, с подкрепата на </a:t>
+            </a:r>
+            <a:r>
+              <a:rPr lang="en-US" sz="1100" dirty="0">
                 <a:hlinkClick r:id="rId3"/>
               </a:rPr>
-              <a:t>https://softuni.org</a:t>
-            </a:r>
-            <a:r>
-              <a:rPr lang="en-US" dirty="0"/>
-              <a:t>. Copyrighted document. Unauthorized copy or reproduction is not permitted.</a:t>
-            </a:r>
+              <a:t>SoftUni</a:t>
+            </a:r>
+            <a:endParaRPr lang="en-US" sz="1100" dirty="0"/>
           </a:p>
         </p:txBody>
       </p:sp>
     </p:spTree>
     <p:extLst>
       <p:ext uri="{BB962C8B-B14F-4D97-AF65-F5344CB8AC3E}">
-        <p14:creationId xmlns:p14="http://schemas.microsoft.com/office/powerpoint/2010/main" val="387834586"/>
+        <p14:creationId xmlns:p14="http://schemas.microsoft.com/office/powerpoint/2010/main" val="997477199"/>
       </p:ext>
     </p:extLst>
   </p:cSld>
@@ -2361,10 +2222,10 @@
       </p:sp>
       <p:sp>
         <p:nvSpPr>
-          <p:cNvPr id="6" name="Footer Placeholder 7">
+          <p:cNvPr id="4" name="Footer Placeholder 7">
             <a:extLst>
               <a:ext uri="{FF2B5EF4-FFF2-40B4-BE49-F238E27FC236}">
-                <a16:creationId xmlns:a16="http://schemas.microsoft.com/office/drawing/2014/main" id="{1250D1B2-FDAC-4012-925C-29360A68BC9F}"/>
+                <a16:creationId xmlns:a16="http://schemas.microsoft.com/office/drawing/2014/main" id="{885803EF-4C33-50A0-BCAD-E10B1C330E37}"/>
               </a:ext>
             </a:extLst>
           </p:cNvPr>
@@ -2377,8 +2238,8 @@
         </p:nvSpPr>
         <p:spPr>
           <a:xfrm>
-            <a:off x="-1" y="8847000"/>
-            <a:ext cx="6488999" cy="297000"/>
+            <a:off x="-1" y="8892000"/>
+            <a:ext cx="6488999" cy="252000"/>
           </a:xfrm>
           <a:prstGeom prst="rect">
             <a:avLst/>
@@ -2393,26 +2254,31 @@
           </a:lstStyle>
           <a:p>
             <a:r>
-              <a:rPr lang="en-US" dirty="0"/>
-              <a:t>© SoftUni – </a:t>
-            </a:r>
-            <a:r>
-              <a:rPr lang="en-US" u="sng" dirty="0">
+              <a:rPr lang="bg-BG" sz="1100" dirty="0"/>
+              <a:t>Работна група </a:t>
+            </a:r>
+            <a:r>
+              <a:rPr lang="bg-BG" dirty="0"/>
+              <a:t>"Образование по програмиране и ИТ"</a:t>
+            </a:r>
+            <a:r>
+              <a:rPr lang="bg-BG" sz="1100" dirty="0"/>
+              <a:t>, с подкрепата на </a:t>
+            </a:r>
+            <a:r>
+              <a:rPr lang="en-US" sz="1100" dirty="0">
                 <a:hlinkClick r:id="rId3"/>
               </a:rPr>
-              <a:t>https://softuni.org</a:t>
-            </a:r>
-            <a:r>
-              <a:rPr lang="en-US" dirty="0"/>
-              <a:t>. Copyrighted document. Unauthorized copy or reproduction is not permitted.</a:t>
-            </a:r>
+              <a:t>SoftUni</a:t>
+            </a:r>
+            <a:endParaRPr lang="en-US" sz="1100" dirty="0"/>
           </a:p>
         </p:txBody>
       </p:sp>
     </p:spTree>
     <p:extLst>
       <p:ext uri="{BB962C8B-B14F-4D97-AF65-F5344CB8AC3E}">
-        <p14:creationId xmlns:p14="http://schemas.microsoft.com/office/powerpoint/2010/main" val="2750904744"/>
+        <p14:creationId xmlns:p14="http://schemas.microsoft.com/office/powerpoint/2010/main" val="4077472229"/>
       </p:ext>
     </p:extLst>
   </p:cSld>
@@ -2496,10 +2362,10 @@
       </p:sp>
       <p:sp>
         <p:nvSpPr>
-          <p:cNvPr id="6" name="Footer Placeholder 7">
+          <p:cNvPr id="4" name="Footer Placeholder 7">
             <a:extLst>
               <a:ext uri="{FF2B5EF4-FFF2-40B4-BE49-F238E27FC236}">
-                <a16:creationId xmlns:a16="http://schemas.microsoft.com/office/drawing/2014/main" id="{B2A7B325-321A-4EDB-8B6A-72AF96A5D19C}"/>
+                <a16:creationId xmlns:a16="http://schemas.microsoft.com/office/drawing/2014/main" id="{9D44F662-E26D-E291-B475-62DEBFD3CA57}"/>
               </a:ext>
             </a:extLst>
           </p:cNvPr>
@@ -2512,8 +2378,8 @@
         </p:nvSpPr>
         <p:spPr>
           <a:xfrm>
-            <a:off x="-1" y="8847000"/>
-            <a:ext cx="6488999" cy="297000"/>
+            <a:off x="-1" y="8892000"/>
+            <a:ext cx="6488999" cy="252000"/>
           </a:xfrm>
           <a:prstGeom prst="rect">
             <a:avLst/>
@@ -2528,26 +2394,31 @@
           </a:lstStyle>
           <a:p>
             <a:r>
-              <a:rPr lang="en-US" dirty="0"/>
-              <a:t>© SoftUni – </a:t>
-            </a:r>
-            <a:r>
-              <a:rPr lang="en-US" u="sng" dirty="0">
+              <a:rPr lang="bg-BG" sz="1100" dirty="0"/>
+              <a:t>Работна група </a:t>
+            </a:r>
+            <a:r>
+              <a:rPr lang="bg-BG" dirty="0"/>
+              <a:t>"Образование по програмиране и ИТ"</a:t>
+            </a:r>
+            <a:r>
+              <a:rPr lang="bg-BG" sz="1100" dirty="0"/>
+              <a:t>, с подкрепата на </a:t>
+            </a:r>
+            <a:r>
+              <a:rPr lang="en-US" sz="1100" dirty="0">
                 <a:hlinkClick r:id="rId3"/>
               </a:rPr>
-              <a:t>https://softuni.org</a:t>
-            </a:r>
-            <a:r>
-              <a:rPr lang="en-US" dirty="0"/>
-              <a:t>. Copyrighted document. Unauthorized copy or reproduction is not permitted.</a:t>
-            </a:r>
+              <a:t>SoftUni</a:t>
+            </a:r>
+            <a:endParaRPr lang="en-US" sz="1100" dirty="0"/>
           </a:p>
         </p:txBody>
       </p:sp>
     </p:spTree>
     <p:extLst>
       <p:ext uri="{BB962C8B-B14F-4D97-AF65-F5344CB8AC3E}">
-        <p14:creationId xmlns:p14="http://schemas.microsoft.com/office/powerpoint/2010/main" val="3263907977"/>
+        <p14:creationId xmlns:p14="http://schemas.microsoft.com/office/powerpoint/2010/main" val="1901570482"/>
       </p:ext>
     </p:extLst>
   </p:cSld>
@@ -2631,10 +2502,10 @@
       </p:sp>
       <p:sp>
         <p:nvSpPr>
-          <p:cNvPr id="6" name="Footer Placeholder 7">
+          <p:cNvPr id="4" name="Footer Placeholder 7">
             <a:extLst>
               <a:ext uri="{FF2B5EF4-FFF2-40B4-BE49-F238E27FC236}">
-                <a16:creationId xmlns:a16="http://schemas.microsoft.com/office/drawing/2014/main" id="{12332A80-7C9D-471B-A5C2-91BD54C4371D}"/>
+                <a16:creationId xmlns:a16="http://schemas.microsoft.com/office/drawing/2014/main" id="{34E24E51-008C-4B00-7EDE-349761C1620D}"/>
               </a:ext>
             </a:extLst>
           </p:cNvPr>
@@ -2647,8 +2518,8 @@
         </p:nvSpPr>
         <p:spPr>
           <a:xfrm>
-            <a:off x="-1" y="8847000"/>
-            <a:ext cx="6488999" cy="297000"/>
+            <a:off x="-1" y="8892000"/>
+            <a:ext cx="6488999" cy="252000"/>
           </a:xfrm>
           <a:prstGeom prst="rect">
             <a:avLst/>
@@ -2663,26 +2534,31 @@
           </a:lstStyle>
           <a:p>
             <a:r>
-              <a:rPr lang="en-US" dirty="0"/>
-              <a:t>© SoftUni – </a:t>
-            </a:r>
-            <a:r>
-              <a:rPr lang="en-US" u="sng" dirty="0">
+              <a:rPr lang="bg-BG" sz="1100" dirty="0"/>
+              <a:t>Работна група </a:t>
+            </a:r>
+            <a:r>
+              <a:rPr lang="bg-BG" dirty="0"/>
+              <a:t>"Образование по програмиране и ИТ"</a:t>
+            </a:r>
+            <a:r>
+              <a:rPr lang="bg-BG" sz="1100" dirty="0"/>
+              <a:t>, с подкрепата на </a:t>
+            </a:r>
+            <a:r>
+              <a:rPr lang="en-US" sz="1100" dirty="0">
                 <a:hlinkClick r:id="rId3"/>
               </a:rPr>
-              <a:t>https://softuni.org</a:t>
-            </a:r>
-            <a:r>
-              <a:rPr lang="en-US" dirty="0"/>
-              <a:t>. Copyrighted document. Unauthorized copy or reproduction is not permitted.</a:t>
-            </a:r>
+              <a:t>SoftUni</a:t>
+            </a:r>
+            <a:endParaRPr lang="en-US" sz="1100" dirty="0"/>
           </a:p>
         </p:txBody>
       </p:sp>
     </p:spTree>
     <p:extLst>
       <p:ext uri="{BB962C8B-B14F-4D97-AF65-F5344CB8AC3E}">
-        <p14:creationId xmlns:p14="http://schemas.microsoft.com/office/powerpoint/2010/main" val="1869709318"/>
+        <p14:creationId xmlns:p14="http://schemas.microsoft.com/office/powerpoint/2010/main" val="3428193959"/>
       </p:ext>
     </p:extLst>
   </p:cSld>
@@ -2766,10 +2642,10 @@
       </p:sp>
       <p:sp>
         <p:nvSpPr>
-          <p:cNvPr id="6" name="Footer Placeholder 7">
+          <p:cNvPr id="4" name="Footer Placeholder 7">
             <a:extLst>
               <a:ext uri="{FF2B5EF4-FFF2-40B4-BE49-F238E27FC236}">
-                <a16:creationId xmlns:a16="http://schemas.microsoft.com/office/drawing/2014/main" id="{3E4363FB-3F2A-4829-B6CE-50CF84C4AB4D}"/>
+                <a16:creationId xmlns:a16="http://schemas.microsoft.com/office/drawing/2014/main" id="{28BF9389-DD6B-0E21-8A89-CBE8DF673CF7}"/>
               </a:ext>
             </a:extLst>
           </p:cNvPr>
@@ -2782,8 +2658,8 @@
         </p:nvSpPr>
         <p:spPr>
           <a:xfrm>
-            <a:off x="-1" y="8847000"/>
-            <a:ext cx="6488999" cy="297000"/>
+            <a:off x="-1" y="8892000"/>
+            <a:ext cx="6488999" cy="252000"/>
           </a:xfrm>
           <a:prstGeom prst="rect">
             <a:avLst/>
@@ -2798,26 +2674,31 @@
           </a:lstStyle>
           <a:p>
             <a:r>
-              <a:rPr lang="en-US" dirty="0"/>
-              <a:t>© SoftUni – </a:t>
-            </a:r>
-            <a:r>
-              <a:rPr lang="en-US" u="sng" dirty="0">
+              <a:rPr lang="bg-BG" sz="1100" dirty="0"/>
+              <a:t>Работна група </a:t>
+            </a:r>
+            <a:r>
+              <a:rPr lang="bg-BG" dirty="0"/>
+              <a:t>"Образование по програмиране и ИТ"</a:t>
+            </a:r>
+            <a:r>
+              <a:rPr lang="bg-BG" sz="1100" dirty="0"/>
+              <a:t>, с подкрепата на </a:t>
+            </a:r>
+            <a:r>
+              <a:rPr lang="en-US" sz="1100" dirty="0">
                 <a:hlinkClick r:id="rId3"/>
               </a:rPr>
-              <a:t>https://softuni.org</a:t>
-            </a:r>
-            <a:r>
-              <a:rPr lang="en-US" dirty="0"/>
-              <a:t>. Copyrighted document. Unauthorized copy or reproduction is not permitted.</a:t>
-            </a:r>
+              <a:t>SoftUni</a:t>
+            </a:r>
+            <a:endParaRPr lang="en-US" sz="1100" dirty="0"/>
           </a:p>
         </p:txBody>
       </p:sp>
     </p:spTree>
     <p:extLst>
       <p:ext uri="{BB962C8B-B14F-4D97-AF65-F5344CB8AC3E}">
-        <p14:creationId xmlns:p14="http://schemas.microsoft.com/office/powerpoint/2010/main" val="3020622186"/>
+        <p14:creationId xmlns:p14="http://schemas.microsoft.com/office/powerpoint/2010/main" val="3492958226"/>
       </p:ext>
     </p:extLst>
   </p:cSld>
@@ -2901,10 +2782,10 @@
       </p:sp>
       <p:sp>
         <p:nvSpPr>
-          <p:cNvPr id="6" name="Footer Placeholder 7">
+          <p:cNvPr id="4" name="Footer Placeholder 7">
             <a:extLst>
               <a:ext uri="{FF2B5EF4-FFF2-40B4-BE49-F238E27FC236}">
-                <a16:creationId xmlns:a16="http://schemas.microsoft.com/office/drawing/2014/main" id="{1716F771-561B-4408-BBCE-82742CC3C35A}"/>
+                <a16:creationId xmlns:a16="http://schemas.microsoft.com/office/drawing/2014/main" id="{FE744500-C041-CA8F-5B2E-5AE0617575E4}"/>
               </a:ext>
             </a:extLst>
           </p:cNvPr>
@@ -2917,8 +2798,8 @@
         </p:nvSpPr>
         <p:spPr>
           <a:xfrm>
-            <a:off x="-1" y="8847000"/>
-            <a:ext cx="6488999" cy="297000"/>
+            <a:off x="-1" y="8892000"/>
+            <a:ext cx="6488999" cy="252000"/>
           </a:xfrm>
           <a:prstGeom prst="rect">
             <a:avLst/>
@@ -2933,26 +2814,31 @@
           </a:lstStyle>
           <a:p>
             <a:r>
-              <a:rPr lang="en-US" dirty="0"/>
-              <a:t>© SoftUni – </a:t>
-            </a:r>
-            <a:r>
-              <a:rPr lang="en-US" u="sng" dirty="0">
+              <a:rPr lang="bg-BG" sz="1100" dirty="0"/>
+              <a:t>Работна група </a:t>
+            </a:r>
+            <a:r>
+              <a:rPr lang="bg-BG" dirty="0"/>
+              <a:t>"Образование по програмиране и ИТ"</a:t>
+            </a:r>
+            <a:r>
+              <a:rPr lang="bg-BG" sz="1100" dirty="0"/>
+              <a:t>, с подкрепата на </a:t>
+            </a:r>
+            <a:r>
+              <a:rPr lang="en-US" sz="1100" dirty="0">
                 <a:hlinkClick r:id="rId3"/>
               </a:rPr>
-              <a:t>https://softuni.org</a:t>
-            </a:r>
-            <a:r>
-              <a:rPr lang="en-US" dirty="0"/>
-              <a:t>. Copyrighted document. Unauthorized copy or reproduction is not permitted.</a:t>
-            </a:r>
+              <a:t>SoftUni</a:t>
+            </a:r>
+            <a:endParaRPr lang="en-US" sz="1100" dirty="0"/>
           </a:p>
         </p:txBody>
       </p:sp>
     </p:spTree>
     <p:extLst>
       <p:ext uri="{BB962C8B-B14F-4D97-AF65-F5344CB8AC3E}">
-        <p14:creationId xmlns:p14="http://schemas.microsoft.com/office/powerpoint/2010/main" val="4103372214"/>
+        <p14:creationId xmlns:p14="http://schemas.microsoft.com/office/powerpoint/2010/main" val="2781392408"/>
       </p:ext>
     </p:extLst>
   </p:cSld>
@@ -3036,10 +2922,10 @@
       </p:sp>
       <p:sp>
         <p:nvSpPr>
-          <p:cNvPr id="6" name="Footer Placeholder 7">
+          <p:cNvPr id="4" name="Footer Placeholder 7">
             <a:extLst>
               <a:ext uri="{FF2B5EF4-FFF2-40B4-BE49-F238E27FC236}">
-                <a16:creationId xmlns:a16="http://schemas.microsoft.com/office/drawing/2014/main" id="{65CCB6C3-1269-4F02-8428-D238E2B3F7B7}"/>
+                <a16:creationId xmlns:a16="http://schemas.microsoft.com/office/drawing/2014/main" id="{0D182C8D-D7B1-DB10-2682-DFC049E90831}"/>
               </a:ext>
             </a:extLst>
           </p:cNvPr>
@@ -3052,8 +2938,8 @@
         </p:nvSpPr>
         <p:spPr>
           <a:xfrm>
-            <a:off x="-1" y="8847000"/>
-            <a:ext cx="6488999" cy="297000"/>
+            <a:off x="-1" y="8892000"/>
+            <a:ext cx="6488999" cy="252000"/>
           </a:xfrm>
           <a:prstGeom prst="rect">
             <a:avLst/>
@@ -3068,26 +2954,31 @@
           </a:lstStyle>
           <a:p>
             <a:r>
-              <a:rPr lang="en-US" dirty="0"/>
-              <a:t>© SoftUni – </a:t>
-            </a:r>
-            <a:r>
-              <a:rPr lang="en-US" u="sng" dirty="0">
+              <a:rPr lang="bg-BG" sz="1100" dirty="0"/>
+              <a:t>Работна група </a:t>
+            </a:r>
+            <a:r>
+              <a:rPr lang="bg-BG" dirty="0"/>
+              <a:t>"Образование по програмиране и ИТ"</a:t>
+            </a:r>
+            <a:r>
+              <a:rPr lang="bg-BG" sz="1100" dirty="0"/>
+              <a:t>, с подкрепата на </a:t>
+            </a:r>
+            <a:r>
+              <a:rPr lang="en-US" sz="1100" dirty="0">
                 <a:hlinkClick r:id="rId3"/>
               </a:rPr>
-              <a:t>https://softuni.org</a:t>
-            </a:r>
-            <a:r>
-              <a:rPr lang="en-US" dirty="0"/>
-              <a:t>. Copyrighted document. Unauthorized copy or reproduction is not permitted.</a:t>
-            </a:r>
+              <a:t>SoftUni</a:t>
+            </a:r>
+            <a:endParaRPr lang="en-US" sz="1100" dirty="0"/>
           </a:p>
         </p:txBody>
       </p:sp>
     </p:spTree>
     <p:extLst>
       <p:ext uri="{BB962C8B-B14F-4D97-AF65-F5344CB8AC3E}">
-        <p14:creationId xmlns:p14="http://schemas.microsoft.com/office/powerpoint/2010/main" val="3004742928"/>
+        <p14:creationId xmlns:p14="http://schemas.microsoft.com/office/powerpoint/2010/main" val="3190390978"/>
       </p:ext>
     </p:extLst>
   </p:cSld>
@@ -3171,10 +3062,10 @@
       </p:sp>
       <p:sp>
         <p:nvSpPr>
-          <p:cNvPr id="6" name="Footer Placeholder 7">
+          <p:cNvPr id="4" name="Footer Placeholder 7">
             <a:extLst>
               <a:ext uri="{FF2B5EF4-FFF2-40B4-BE49-F238E27FC236}">
-                <a16:creationId xmlns:a16="http://schemas.microsoft.com/office/drawing/2014/main" id="{CC7BFFFF-E31A-49CD-AE6C-9ED4C8B4ED52}"/>
+                <a16:creationId xmlns:a16="http://schemas.microsoft.com/office/drawing/2014/main" id="{9CBCBC32-239A-3B0A-0CC2-EDD6E1DDFC20}"/>
               </a:ext>
             </a:extLst>
           </p:cNvPr>
@@ -3187,8 +3078,8 @@
         </p:nvSpPr>
         <p:spPr>
           <a:xfrm>
-            <a:off x="-1" y="8847000"/>
-            <a:ext cx="6488999" cy="297000"/>
+            <a:off x="-1" y="8892000"/>
+            <a:ext cx="6488999" cy="252000"/>
           </a:xfrm>
           <a:prstGeom prst="rect">
             <a:avLst/>
@@ -3203,26 +3094,31 @@
           </a:lstStyle>
           <a:p>
             <a:r>
-              <a:rPr lang="en-US" dirty="0"/>
-              <a:t>© SoftUni – </a:t>
-            </a:r>
-            <a:r>
-              <a:rPr lang="en-US" u="sng" dirty="0">
+              <a:rPr lang="bg-BG" sz="1100" dirty="0"/>
+              <a:t>Работна група </a:t>
+            </a:r>
+            <a:r>
+              <a:rPr lang="bg-BG" dirty="0"/>
+              <a:t>"Образование по програмиране и ИТ"</a:t>
+            </a:r>
+            <a:r>
+              <a:rPr lang="bg-BG" sz="1100" dirty="0"/>
+              <a:t>, с подкрепата на </a:t>
+            </a:r>
+            <a:r>
+              <a:rPr lang="en-US" sz="1100" dirty="0">
                 <a:hlinkClick r:id="rId3"/>
               </a:rPr>
-              <a:t>https://softuni.org</a:t>
-            </a:r>
-            <a:r>
-              <a:rPr lang="en-US" dirty="0"/>
-              <a:t>. Copyrighted document. Unauthorized copy or reproduction is not permitted.</a:t>
-            </a:r>
+              <a:t>SoftUni</a:t>
+            </a:r>
+            <a:endParaRPr lang="en-US" sz="1100" dirty="0"/>
           </a:p>
         </p:txBody>
       </p:sp>
     </p:spTree>
     <p:extLst>
       <p:ext uri="{BB962C8B-B14F-4D97-AF65-F5344CB8AC3E}">
-        <p14:creationId xmlns:p14="http://schemas.microsoft.com/office/powerpoint/2010/main" val="372541153"/>
+        <p14:creationId xmlns:p14="http://schemas.microsoft.com/office/powerpoint/2010/main" val="3433933592"/>
       </p:ext>
     </p:extLst>
   </p:cSld>
@@ -3233,7 +3129,7 @@
 </file>
 
 <file path=ppt/slideLayouts/slideLayout1.xml><?xml version="1.0" encoding="utf-8"?>
-<p:sldLayout xmlns:a="http://schemas.openxmlformats.org/drawingml/2006/main" xmlns:r="http://schemas.openxmlformats.org/officeDocument/2006/relationships" xmlns:p="http://schemas.openxmlformats.org/presentationml/2006/main" preserve="1">
+<p:sldLayout xmlns:a="http://schemas.openxmlformats.org/drawingml/2006/main" xmlns:r="http://schemas.openxmlformats.org/officeDocument/2006/relationships" xmlns:p="http://schemas.openxmlformats.org/presentationml/2006/main" preserve="1" userDrawn="1">
   <p:cSld name="Presentation Title Slide">
     <p:spTree>
       <p:nvGrpSpPr>
@@ -3259,7 +3155,7 @@
             </a:extLst>
           </p:cNvPr>
           <p:cNvSpPr/>
-          <p:nvPr/>
+          <p:nvPr userDrawn="1"/>
         </p:nvSpPr>
         <p:spPr>
           <a:xfrm>
@@ -3313,7 +3209,7 @@
               <a:tabLst/>
               <a:defRPr/>
             </a:pPr>
-            <a:endParaRPr kumimoji="0" lang="en-US" altLang="ko-KR" sz="2398" b="0" i="0" u="none" strike="noStrike" kern="1200" cap="none" spc="0" normalizeH="0" baseline="0" noProof="0" dirty="0">
+            <a:endParaRPr kumimoji="0" lang="en-US" altLang="ko-KR" sz="2398" b="0" i="0" u="none" strike="noStrike" kern="1200" cap="none" spc="0" normalizeH="0" baseline="0" noProof="0">
               <a:ln>
                 <a:noFill/>
               </a:ln>
@@ -3330,55 +3226,139 @@
           </a:p>
         </p:txBody>
       </p:sp>
-      <p:pic>
-        <p:nvPicPr>
-          <p:cNvPr id="14" name="Picture Logo SoftUni" descr="SoftUni logo">
+      <p:sp>
+        <p:nvSpPr>
+          <p:cNvPr id="33" name="Picture Placeholder Title Image">
             <a:extLst>
               <a:ext uri="{FF2B5EF4-FFF2-40B4-BE49-F238E27FC236}">
-                <a16:creationId xmlns:a16="http://schemas.microsoft.com/office/drawing/2014/main" id="{C4D6B2A2-DFF0-4712-BFEC-6676BEC99FEC}"/>
+                <a16:creationId xmlns:a16="http://schemas.microsoft.com/office/drawing/2014/main" id="{A04D819A-89E2-4714-8C56-1838BF467EF7}"/>
               </a:ext>
             </a:extLst>
           </p:cNvPr>
-          <p:cNvPicPr>
-            <a:picLocks noChangeAspect="1"/>
-          </p:cNvPicPr>
-          <p:nvPr userDrawn="1"/>
-        </p:nvPicPr>
-        <p:blipFill>
-          <a:blip r:embed="rId2">
-            <a:clrChange>
-              <a:clrFrom>
-                <a:srgbClr val="FFFFFF"/>
-              </a:clrFrom>
-              <a:clrTo>
-                <a:srgbClr val="FFFFFF">
-                  <a:alpha val="0"/>
-                </a:srgbClr>
-              </a:clrTo>
-            </a:clrChange>
+          <p:cNvSpPr>
+            <a:spLocks noGrp="1"/>
+          </p:cNvSpPr>
+          <p:nvPr>
+            <p:ph type="pic" sz="quarter" idx="10"/>
+          </p:nvPr>
+        </p:nvSpPr>
+        <p:spPr>
+          <a:xfrm>
+            <a:off x="6390123" y="3400017"/>
+            <a:ext cx="5248260" cy="2188983"/>
+          </a:xfrm>
+        </p:spPr>
+        <p:txBody>
+          <a:bodyPr/>
+          <a:lstStyle>
+            <a:lvl1pPr marL="0" indent="0" algn="ctr" latinLnBrk="0">
+              <a:buNone/>
+              <a:defRPr>
+                <a:solidFill>
+                  <a:schemeClr val="bg1"/>
+                </a:solidFill>
+              </a:defRPr>
+            </a:lvl1pPr>
+          </a:lstStyle>
+          <a:p>
+            <a:r>
+              <a:rPr lang="en-US" noProof="0" dirty="0"/>
+              <a:t>Click icon to add picture</a:t>
+            </a:r>
+          </a:p>
+        </p:txBody>
+      </p:sp>
+      <p:sp>
+        <p:nvSpPr>
+          <p:cNvPr id="10" name="Company Web Site">
             <a:extLst>
-              <a:ext uri="{28A0092B-C50C-407E-A947-70E740481C1C}">
-                <a14:useLocalDpi xmlns:a14="http://schemas.microsoft.com/office/drawing/2010/main" val="0"/>
+              <a:ext uri="{FF2B5EF4-FFF2-40B4-BE49-F238E27FC236}">
+                <a16:creationId xmlns:a16="http://schemas.microsoft.com/office/drawing/2014/main" id="{0B99B1EE-62FA-4AA4-920C-D444D6C0B778}"/>
               </a:ext>
             </a:extLst>
-          </a:blip>
-          <a:stretch>
-            <a:fillRect/>
-          </a:stretch>
-        </p:blipFill>
+          </p:cNvPr>
+          <p:cNvSpPr>
+            <a:spLocks noGrp="1"/>
+          </p:cNvSpPr>
+          <p:nvPr>
+            <p:ph type="body" sz="quarter" idx="22" hasCustomPrompt="1"/>
+          </p:nvPr>
+        </p:nvSpPr>
         <p:spPr>
           <a:xfrm>
-            <a:off x="4324460" y="5184000"/>
-            <a:ext cx="3751540" cy="1297655"/>
+            <a:off x="6390120" y="6086106"/>
+            <a:ext cx="5248260" cy="341313"/>
           </a:xfrm>
-          <a:prstGeom prst="rect">
-            <a:avLst/>
-          </a:prstGeom>
         </p:spPr>
-      </p:pic>
+        <p:txBody>
+          <a:bodyPr lIns="36000" rIns="36000" anchor="ctr" anchorCtr="0">
+            <a:noAutofit/>
+          </a:bodyPr>
+          <a:lstStyle>
+            <a:lvl1pPr marL="0" indent="0" algn="r">
+              <a:buNone/>
+              <a:defRPr sz="1800"/>
+            </a:lvl1pPr>
+          </a:lstStyle>
+          <a:p>
+            <a:pPr lvl="0"/>
+            <a:r>
+              <a:rPr lang="en-US" dirty="0"/>
+              <a:t>https://softuni.foundation  </a:t>
+            </a:r>
+          </a:p>
+        </p:txBody>
+      </p:sp>
       <p:sp>
         <p:nvSpPr>
-          <p:cNvPr id="31" name="Text Placeholder Company Site">
+          <p:cNvPr id="6" name="Company Name">
+            <a:extLst>
+              <a:ext uri="{FF2B5EF4-FFF2-40B4-BE49-F238E27FC236}">
+                <a16:creationId xmlns:a16="http://schemas.microsoft.com/office/drawing/2014/main" id="{2A76510A-0BAE-A827-E77C-BE88E38F52AA}"/>
+              </a:ext>
+            </a:extLst>
+          </p:cNvPr>
+          <p:cNvSpPr>
+            <a:spLocks noGrp="1"/>
+          </p:cNvSpPr>
+          <p:nvPr>
+            <p:ph type="body" sz="quarter" idx="21" hasCustomPrompt="1"/>
+          </p:nvPr>
+        </p:nvSpPr>
+        <p:spPr>
+          <a:xfrm>
+            <a:off x="6390122" y="5698189"/>
+            <a:ext cx="5248260" cy="374236"/>
+          </a:xfrm>
+        </p:spPr>
+        <p:txBody>
+          <a:bodyPr lIns="36000" rIns="36000" anchor="ctr" anchorCtr="0">
+            <a:normAutofit/>
+          </a:bodyPr>
+          <a:lstStyle>
+            <a:lvl1pPr marL="0" indent="0" algn="r">
+              <a:buNone/>
+              <a:defRPr sz="2000" b="1">
+                <a:solidFill>
+                  <a:schemeClr val="tx1">
+                    <a:lumMod val="75000"/>
+                  </a:schemeClr>
+                </a:solidFill>
+              </a:defRPr>
+            </a:lvl1pPr>
+          </a:lstStyle>
+          <a:p>
+            <a:pPr lvl="0"/>
+            <a:r>
+              <a:rPr lang="en-US" dirty="0"/>
+              <a:t>SoftUni Foundation</a:t>
+            </a:r>
+          </a:p>
+        </p:txBody>
+      </p:sp>
+      <p:sp>
+        <p:nvSpPr>
+          <p:cNvPr id="31" name="Author Position">
             <a:extLst>
               <a:ext uri="{FF2B5EF4-FFF2-40B4-BE49-F238E27FC236}">
                 <a16:creationId xmlns:a16="http://schemas.microsoft.com/office/drawing/2014/main" id="{3E6B87B7-9D33-4EBB-BD4F-C0436BA3FD72}"/>
@@ -3394,274 +3374,8 @@
         </p:nvSpPr>
         <p:spPr bwMode="auto">
           <a:xfrm>
-            <a:off x="8708505" y="6130863"/>
-            <a:ext cx="2951518" cy="341556"/>
-          </a:xfrm>
-          <a:prstGeom prst="rect">
-            <a:avLst/>
-          </a:prstGeom>
-          <a:noFill/>
-          <a:effectLst/>
-        </p:spPr>
-        <p:txBody>
-          <a:bodyPr wrap="square" lIns="36000" tIns="36000" rIns="36000" bIns="36000" rtlCol="0" anchor="ctr" anchorCtr="0">
-            <a:noAutofit/>
-          </a:bodyPr>
-          <a:lstStyle>
-            <a:lvl1pPr marL="0" indent="0" algn="r" rtl="0" fontAlgn="base" latinLnBrk="0">
-              <a:spcBef>
-                <a:spcPct val="0"/>
-              </a:spcBef>
-              <a:spcAft>
-                <a:spcPct val="0"/>
-              </a:spcAft>
-              <a:buNone/>
-              <a:defRPr lang="en-US" sz="1798" b="1" kern="1200" dirty="0" smtClean="0">
-                <a:solidFill>
-                  <a:schemeClr val="tx1">
-                    <a:lumMod val="75000"/>
-                  </a:schemeClr>
-                </a:solidFill>
-                <a:effectLst/>
-                <a:latin typeface="+mn-lt"/>
-                <a:ea typeface="+mn-ea"/>
-                <a:cs typeface="+mn-cs"/>
-              </a:defRPr>
-            </a:lvl1pPr>
-          </a:lstStyle>
-          <a:p>
-            <a:pPr lvl="0"/>
-            <a:r>
-              <a:rPr lang="en-US" noProof="0" dirty="0"/>
-              <a:t>Company Web Site</a:t>
-            </a:r>
-          </a:p>
-        </p:txBody>
-      </p:sp>
-      <p:sp>
-        <p:nvSpPr>
-          <p:cNvPr id="30" name="Text Placeholder Company Name">
-            <a:extLst>
-              <a:ext uri="{FF2B5EF4-FFF2-40B4-BE49-F238E27FC236}">
-                <a16:creationId xmlns:a16="http://schemas.microsoft.com/office/drawing/2014/main" id="{2EA92DCA-4DB5-4D03-ACD3-A6A296592D0C}"/>
-              </a:ext>
-            </a:extLst>
-          </p:cNvPr>
-          <p:cNvSpPr>
-            <a:spLocks noGrp="1"/>
-          </p:cNvSpPr>
-          <p:nvPr>
-            <p:ph type="body" sz="quarter" idx="17" hasCustomPrompt="1"/>
-          </p:nvPr>
-        </p:nvSpPr>
-        <p:spPr bwMode="auto">
-          <a:xfrm>
-            <a:off x="8708505" y="5756628"/>
-            <a:ext cx="2951518" cy="367080"/>
-          </a:xfrm>
-          <a:prstGeom prst="rect">
-            <a:avLst/>
-          </a:prstGeom>
-          <a:noFill/>
-          <a:effectLst/>
-        </p:spPr>
-        <p:txBody>
-          <a:bodyPr wrap="square" lIns="36000" tIns="36000" rIns="36000" bIns="36000" rtlCol="0" anchor="ctr" anchorCtr="0">
-            <a:noAutofit/>
-          </a:bodyPr>
-          <a:lstStyle>
-            <a:lvl1pPr marL="0" indent="0" algn="r" rtl="0" fontAlgn="base" latinLnBrk="0">
-              <a:spcBef>
-                <a:spcPct val="0"/>
-              </a:spcBef>
-              <a:spcAft>
-                <a:spcPct val="0"/>
-              </a:spcAft>
-              <a:buNone/>
-              <a:defRPr lang="en-US" sz="1998" b="1" kern="1200" dirty="0" smtClean="0">
-                <a:solidFill>
-                  <a:schemeClr val="tx1">
-                    <a:lumMod val="75000"/>
-                  </a:schemeClr>
-                </a:solidFill>
-                <a:effectLst/>
-                <a:latin typeface="+mn-lt"/>
-                <a:ea typeface="+mn-ea"/>
-                <a:cs typeface="+mn-cs"/>
-              </a:defRPr>
-            </a:lvl1pPr>
-          </a:lstStyle>
-          <a:p>
-            <a:pPr lvl="0"/>
-            <a:r>
-              <a:rPr lang="en-US" noProof="0" dirty="0"/>
-              <a:t>Company Name</a:t>
-            </a:r>
-          </a:p>
-        </p:txBody>
-      </p:sp>
-      <p:pic>
-        <p:nvPicPr>
-          <p:cNvPr id="35" name="Picture SoftUni Mascot" descr="SoftUni mascot">
-            <a:extLst>
-              <a:ext uri="{FF2B5EF4-FFF2-40B4-BE49-F238E27FC236}">
-                <a16:creationId xmlns:a16="http://schemas.microsoft.com/office/drawing/2014/main" id="{951E7DA9-C5F0-43D9-B013-3BDF9EEF029D}"/>
-              </a:ext>
-            </a:extLst>
-          </p:cNvPr>
-          <p:cNvPicPr>
-            <a:picLocks noChangeAspect="1"/>
-          </p:cNvPicPr>
-          <p:nvPr/>
-        </p:nvPicPr>
-        <p:blipFill rotWithShape="1">
-          <a:blip r:embed="rId3" cstate="print">
-            <a:extLst>
-              <a:ext uri="{28A0092B-C50C-407E-A947-70E740481C1C}">
-                <a14:useLocalDpi xmlns:a14="http://schemas.microsoft.com/office/drawing/2010/main" val="0"/>
-              </a:ext>
-            </a:extLst>
-          </a:blip>
-          <a:srcRect/>
-          <a:stretch/>
-        </p:blipFill>
-        <p:spPr>
-          <a:xfrm flipH="1">
-            <a:off x="8848924" y="2609644"/>
-            <a:ext cx="2788893" cy="3018284"/>
-          </a:xfrm>
-          <a:prstGeom prst="rect">
-            <a:avLst/>
-          </a:prstGeom>
-        </p:spPr>
-      </p:pic>
-      <p:pic>
-        <p:nvPicPr>
-          <p:cNvPr id="22" name="Picture Logo Software University" descr="Software University logo">
-            <a:hlinkClick r:id="rId4"/>
-            <a:extLst>
-              <a:ext uri="{FF2B5EF4-FFF2-40B4-BE49-F238E27FC236}">
-                <a16:creationId xmlns:a16="http://schemas.microsoft.com/office/drawing/2014/main" id="{F2315EB3-3FE4-4D3B-921E-5F209CEC13CB}"/>
-              </a:ext>
-            </a:extLst>
-          </p:cNvPr>
-          <p:cNvPicPr>
-            <a:picLocks noChangeAspect="1"/>
-          </p:cNvPicPr>
-          <p:nvPr userDrawn="1"/>
-        </p:nvPicPr>
-        <p:blipFill>
-          <a:blip r:embed="rId5">
-            <a:clrChange>
-              <a:clrFrom>
-                <a:srgbClr val="FFFFFF"/>
-              </a:clrFrom>
-              <a:clrTo>
-                <a:srgbClr val="FFFFFF">
-                  <a:alpha val="0"/>
-                </a:srgbClr>
-              </a:clrTo>
-            </a:clrChange>
-            <a:extLst>
-              <a:ext uri="{28A0092B-C50C-407E-A947-70E740481C1C}">
-                <a14:useLocalDpi xmlns:a14="http://schemas.microsoft.com/office/drawing/2010/main" val="0"/>
-              </a:ext>
-            </a:extLst>
-          </a:blip>
-          <a:stretch>
-            <a:fillRect/>
-          </a:stretch>
-        </p:blipFill>
-        <p:spPr>
-          <a:xfrm>
-            <a:off x="507944" y="5918567"/>
-            <a:ext cx="1830305" cy="628159"/>
-          </a:xfrm>
-          <a:prstGeom prst="rect">
-            <a:avLst/>
-          </a:prstGeom>
-        </p:spPr>
-      </p:pic>
-      <p:sp>
-        <p:nvSpPr>
-          <p:cNvPr id="40" name="Text Placeholder Author Position">
-            <a:extLst>
-              <a:ext uri="{FF2B5EF4-FFF2-40B4-BE49-F238E27FC236}">
-                <a16:creationId xmlns:a16="http://schemas.microsoft.com/office/drawing/2014/main" id="{CD940256-851E-46C8-8BFB-A5ECA6C7DA07}"/>
-              </a:ext>
-            </a:extLst>
-          </p:cNvPr>
-          <p:cNvSpPr>
-            <a:spLocks noGrp="1"/>
-          </p:cNvSpPr>
-          <p:nvPr>
-            <p:ph type="body" sz="quarter" idx="20" hasCustomPrompt="1"/>
-          </p:nvPr>
-        </p:nvSpPr>
-        <p:spPr bwMode="auto">
-          <a:xfrm>
-            <a:off x="553082" y="5344180"/>
-            <a:ext cx="2980696" cy="444793"/>
-          </a:xfrm>
-          <a:prstGeom prst="rect">
-            <a:avLst/>
-          </a:prstGeom>
-          <a:noFill/>
-          <a:effectLst/>
-        </p:spPr>
-        <p:txBody>
-          <a:bodyPr wrap="square" lIns="36000" tIns="36000" rIns="36000" bIns="36000" rtlCol="0" anchor="ctr" anchorCtr="0">
-            <a:spAutoFit/>
-          </a:bodyPr>
-          <a:lstStyle>
-            <a:lvl1pPr marL="0" indent="0" algn="l" rtl="0" fontAlgn="base" latinLnBrk="0">
-              <a:spcBef>
-                <a:spcPct val="0"/>
-              </a:spcBef>
-              <a:spcAft>
-                <a:spcPct val="0"/>
-              </a:spcAft>
-              <a:buNone/>
-              <a:defRPr lang="en-US" sz="2398" b="1" kern="1200" dirty="0" smtClean="0">
-                <a:solidFill>
-                  <a:schemeClr val="tx1"/>
-                </a:solidFill>
-                <a:effectLst/>
-                <a:latin typeface="+mn-lt"/>
-                <a:ea typeface="+mn-ea"/>
-                <a:cs typeface="+mn-cs"/>
-              </a:defRPr>
-            </a:lvl1pPr>
-          </a:lstStyle>
-          <a:p>
-            <a:pPr lvl="0"/>
-            <a:r>
-              <a:rPr lang="en-US" noProof="0" dirty="0"/>
-              <a:t>Position</a:t>
-            </a:r>
-          </a:p>
-        </p:txBody>
-      </p:sp>
-      <p:sp>
-        <p:nvSpPr>
-          <p:cNvPr id="36" name="Text Placeholder Author Name">
-            <a:extLst>
-              <a:ext uri="{FF2B5EF4-FFF2-40B4-BE49-F238E27FC236}">
-                <a16:creationId xmlns:a16="http://schemas.microsoft.com/office/drawing/2014/main" id="{3B21F47B-DE1F-442D-A2B7-6866F8786704}"/>
-              </a:ext>
-            </a:extLst>
-          </p:cNvPr>
-          <p:cNvSpPr>
-            <a:spLocks noGrp="1"/>
-          </p:cNvSpPr>
-          <p:nvPr>
-            <p:ph type="body" sz="quarter" idx="19" hasCustomPrompt="1"/>
-          </p:nvPr>
-        </p:nvSpPr>
-        <p:spPr bwMode="auto">
-          <a:xfrm>
-            <a:off x="553082" y="4851838"/>
-            <a:ext cx="2980696" cy="454398"/>
+            <a:off x="534045" y="6085863"/>
+            <a:ext cx="4751953" cy="341556"/>
           </a:xfrm>
           <a:prstGeom prst="rect">
             <a:avLst/>
@@ -3682,9 +3396,11 @@
                 <a:spcPct val="0"/>
               </a:spcAft>
               <a:buNone/>
-              <a:defRPr lang="en-US" sz="2798" b="1" kern="1200" dirty="0" smtClean="0">
-                <a:solidFill>
-                  <a:schemeClr val="tx1"/>
+              <a:defRPr lang="en-US" sz="1800" b="0" kern="1200" dirty="0" smtClean="0">
+                <a:solidFill>
+                  <a:schemeClr val="tx1">
+                    <a:lumMod val="75000"/>
+                  </a:schemeClr>
                 </a:solidFill>
                 <a:effectLst/>
                 <a:latin typeface="+mn-lt"/>
@@ -3697,17 +3413,17 @@
             <a:pPr lvl="0"/>
             <a:r>
               <a:rPr lang="en-US" noProof="0" dirty="0"/>
-              <a:t>Author Name</a:t>
+              <a:t>URL</a:t>
             </a:r>
           </a:p>
         </p:txBody>
       </p:sp>
       <p:sp>
         <p:nvSpPr>
-          <p:cNvPr id="33" name="Picture Placeholder Title Image">
+          <p:cNvPr id="30" name="Author Name">
             <a:extLst>
               <a:ext uri="{FF2B5EF4-FFF2-40B4-BE49-F238E27FC236}">
-                <a16:creationId xmlns:a16="http://schemas.microsoft.com/office/drawing/2014/main" id="{A04D819A-89E2-4714-8C56-1838BF467EF7}"/>
+                <a16:creationId xmlns:a16="http://schemas.microsoft.com/office/drawing/2014/main" id="{2EA92DCA-4DB5-4D03-ACD3-A6A296592D0C}"/>
               </a:ext>
             </a:extLst>
           </p:cNvPr>
@@ -3715,31 +3431,51 @@
             <a:spLocks noGrp="1"/>
           </p:cNvSpPr>
           <p:nvPr>
-            <p:ph type="pic" sz="quarter" idx="10"/>
+            <p:ph type="body" sz="quarter" idx="17" hasCustomPrompt="1"/>
           </p:nvPr>
         </p:nvSpPr>
-        <p:spPr>
+        <p:spPr bwMode="auto">
           <a:xfrm>
-            <a:off x="553082" y="2740913"/>
-            <a:ext cx="4642919" cy="1936503"/>
+            <a:off x="534046" y="5251106"/>
+            <a:ext cx="4751954" cy="724904"/>
           </a:xfrm>
+          <a:prstGeom prst="rect">
+            <a:avLst/>
+          </a:prstGeom>
+          <a:noFill/>
+          <a:effectLst/>
         </p:spPr>
         <p:txBody>
-          <a:bodyPr/>
+          <a:bodyPr wrap="square" lIns="36000" tIns="36000" rIns="36000" bIns="36000" rtlCol="0" anchor="ctr" anchorCtr="0">
+            <a:noAutofit/>
+          </a:bodyPr>
           <a:lstStyle>
-            <a:lvl1pPr marL="0" indent="0" algn="ctr" latinLnBrk="0">
+            <a:lvl1pPr marL="0" indent="0" algn="l" rtl="0" fontAlgn="base" latinLnBrk="0">
+              <a:spcBef>
+                <a:spcPct val="0"/>
+              </a:spcBef>
+              <a:spcAft>
+                <a:spcPct val="0"/>
+              </a:spcAft>
               <a:buNone/>
-              <a:defRPr>
-                <a:solidFill>
-                  <a:schemeClr val="bg1"/>
-                </a:solidFill>
+              <a:defRPr lang="en-US" sz="2000" b="1" kern="1200" dirty="0" smtClean="0">
+                <a:solidFill>
+                  <a:schemeClr val="tx1">
+                    <a:lumMod val="75000"/>
+                  </a:schemeClr>
+                </a:solidFill>
+                <a:effectLst/>
+                <a:latin typeface="+mn-lt"/>
+                <a:ea typeface="+mn-ea"/>
+                <a:cs typeface="+mn-cs"/>
               </a:defRPr>
             </a:lvl1pPr>
           </a:lstStyle>
           <a:p>
+            <a:pPr lvl="0"/>
             <a:r>
               <a:rPr lang="en-US" noProof="0" dirty="0"/>
-              <a:t>Click icon to add picture</a:t>
+              <a:t>Authors</a:t>
             </a:r>
           </a:p>
         </p:txBody>
@@ -3762,8 +3498,8 @@
         </p:nvSpPr>
         <p:spPr>
           <a:xfrm>
-            <a:off x="554182" y="1258272"/>
-            <a:ext cx="11083636" cy="1315728"/>
+            <a:off x="554746" y="1402942"/>
+            <a:ext cx="11083636" cy="1306057"/>
           </a:xfrm>
         </p:spPr>
         <p:txBody>
@@ -3773,7 +3509,7 @@
           <a:lstStyle>
             <a:lvl1pPr marL="0" indent="0" algn="ctr" latinLnBrk="0">
               <a:buNone/>
-              <a:defRPr sz="3598">
+              <a:defRPr sz="3600">
                 <a:solidFill>
                   <a:schemeClr val="tx1"/>
                 </a:solidFill>
@@ -3806,15 +3542,17 @@
         </p:nvSpPr>
         <p:spPr>
           <a:xfrm>
-            <a:off x="554182" y="321502"/>
-            <a:ext cx="11083636" cy="882654"/>
+            <a:off x="554746" y="321501"/>
+            <a:ext cx="11083636" cy="971589"/>
           </a:xfrm>
         </p:spPr>
         <p:txBody>
-          <a:bodyPr/>
+          <a:bodyPr>
+            <a:normAutofit/>
+          </a:bodyPr>
           <a:lstStyle>
             <a:lvl1pPr algn="ctr" latinLnBrk="0">
-              <a:defRPr sz="4798"/>
+              <a:defRPr sz="5400"/>
             </a:lvl1pPr>
           </a:lstStyle>
           <a:p>
@@ -3825,10 +3563,94 @@
           </a:p>
         </p:txBody>
       </p:sp>
+      <p:pic>
+        <p:nvPicPr>
+          <p:cNvPr id="4" name="Picture 3">
+            <a:extLst>
+              <a:ext uri="{FF2B5EF4-FFF2-40B4-BE49-F238E27FC236}">
+                <a16:creationId xmlns:a16="http://schemas.microsoft.com/office/drawing/2014/main" id="{324D0DB3-F60A-469B-7831-209CB666CCE4}"/>
+              </a:ext>
+            </a:extLst>
+          </p:cNvPr>
+          <p:cNvPicPr>
+            <a:picLocks noChangeAspect="1"/>
+          </p:cNvPicPr>
+          <p:nvPr userDrawn="1"/>
+        </p:nvPicPr>
+        <p:blipFill>
+          <a:blip r:embed="rId2" cstate="print">
+            <a:extLst>
+              <a:ext uri="{28A0092B-C50C-407E-A947-70E740481C1C}">
+                <a14:useLocalDpi xmlns:a14="http://schemas.microsoft.com/office/drawing/2010/main" val="0"/>
+              </a:ext>
+            </a:extLst>
+          </a:blip>
+          <a:stretch>
+            <a:fillRect/>
+          </a:stretch>
+        </p:blipFill>
+        <p:spPr>
+          <a:xfrm>
+            <a:off x="536549" y="4325954"/>
+            <a:ext cx="2538082" cy="633046"/>
+          </a:xfrm>
+          <a:prstGeom prst="rect">
+            <a:avLst/>
+          </a:prstGeom>
+        </p:spPr>
+      </p:pic>
+      <p:pic>
+        <p:nvPicPr>
+          <p:cNvPr id="5" name="Picture 4" title="CC-BY-NC-SA License">
+            <a:hlinkClick r:id="rId3" tooltip="This work is licensed under the &quot;Creative Commons Attribution-NonCommercial-ShareAlike 4.0 International&quot; license"/>
+            <a:extLst>
+              <a:ext uri="{FF2B5EF4-FFF2-40B4-BE49-F238E27FC236}">
+                <a16:creationId xmlns:a16="http://schemas.microsoft.com/office/drawing/2014/main" id="{2D40731C-0303-A69D-63FD-E048A73CA59F}"/>
+              </a:ext>
+            </a:extLst>
+          </p:cNvPr>
+          <p:cNvPicPr>
+            <a:picLocks noChangeAspect="1" noChangeArrowheads="1"/>
+          </p:cNvPicPr>
+          <p:nvPr userDrawn="1"/>
+        </p:nvPicPr>
+        <p:blipFill>
+          <a:blip r:embed="rId4">
+            <a:extLst>
+              <a:ext uri="{28A0092B-C50C-407E-A947-70E740481C1C}">
+                <a14:useLocalDpi xmlns:a14="http://schemas.microsoft.com/office/drawing/2010/main"/>
+              </a:ext>
+            </a:extLst>
+          </a:blip>
+          <a:srcRect/>
+          <a:stretch>
+            <a:fillRect/>
+          </a:stretch>
+        </p:blipFill>
+        <p:spPr bwMode="auto">
+          <a:xfrm>
+            <a:off x="3402682" y="4321352"/>
+            <a:ext cx="1809336" cy="633045"/>
+          </a:xfrm>
+          <a:prstGeom prst="roundRect">
+            <a:avLst>
+              <a:gd name="adj" fmla="val 3940"/>
+            </a:avLst>
+          </a:prstGeom>
+          <a:solidFill>
+            <a:srgbClr val="231F20">
+              <a:alpha val="50000"/>
+            </a:srgbClr>
+          </a:solidFill>
+          <a:ln>
+            <a:noFill/>
+          </a:ln>
+        </p:spPr>
+      </p:pic>
     </p:spTree>
     <p:extLst>
       <p:ext uri="{BB962C8B-B14F-4D97-AF65-F5344CB8AC3E}">
-        <p14:creationId xmlns:p14="http://schemas.microsoft.com/office/powerpoint/2010/main" val="970179299"/>
+        <p14:creationId xmlns:p14="http://schemas.microsoft.com/office/powerpoint/2010/main" val="370654144"/>
       </p:ext>
     </p:extLst>
   </p:cSld>
@@ -3942,7 +3764,7 @@
               <a:tabLst/>
               <a:defRPr/>
             </a:pPr>
-            <a:endParaRPr kumimoji="0" lang="en-US" altLang="ko-KR" sz="2398" b="0" i="0" u="none" strike="noStrike" kern="1200" cap="none" spc="0" normalizeH="0" baseline="0" noProof="0" dirty="0">
+            <a:endParaRPr kumimoji="0" lang="en-US" altLang="ko-KR" sz="2398" b="0" i="0" u="none" strike="noStrike" kern="1200" cap="none" spc="0" normalizeH="0" baseline="0" noProof="0">
               <a:ln>
                 <a:noFill/>
               </a:ln>
@@ -4065,7 +3887,7 @@
               <a:tabLst/>
               <a:defRPr/>
             </a:pPr>
-            <a:endParaRPr kumimoji="0" lang="en-US" altLang="ko-KR" sz="2398" b="0" i="0" u="none" strike="noStrike" kern="1200" cap="none" spc="0" normalizeH="0" baseline="0" noProof="0" dirty="0">
+            <a:endParaRPr kumimoji="0" lang="en-US" altLang="ko-KR" sz="2398" b="0" i="0" u="none" strike="noStrike" kern="1200" cap="none" spc="0" normalizeH="0" baseline="0" noProof="0">
               <a:ln>
                 <a:noFill/>
               </a:ln>
@@ -4082,42 +3904,6 @@
           </a:p>
         </p:txBody>
       </p:sp>
-      <p:pic>
-        <p:nvPicPr>
-          <p:cNvPr id="12" name="Logo Software University Down" descr="Software University logo">
-            <a:extLst>
-              <a:ext uri="{FF2B5EF4-FFF2-40B4-BE49-F238E27FC236}">
-                <a16:creationId xmlns:a16="http://schemas.microsoft.com/office/drawing/2014/main" id="{7028D2F0-1E67-414B-A93D-D3F8F131A132}"/>
-              </a:ext>
-            </a:extLst>
-          </p:cNvPr>
-          <p:cNvPicPr>
-            <a:picLocks noChangeAspect="1"/>
-          </p:cNvPicPr>
-          <p:nvPr/>
-        </p:nvPicPr>
-        <p:blipFill>
-          <a:blip r:embed="rId2" cstate="print">
-            <a:extLst>
-              <a:ext uri="{28A0092B-C50C-407E-A947-70E740481C1C}">
-                <a14:useLocalDpi xmlns:a14="http://schemas.microsoft.com/office/drawing/2010/main" val="0"/>
-              </a:ext>
-            </a:extLst>
-          </a:blip>
-          <a:stretch>
-            <a:fillRect/>
-          </a:stretch>
-        </p:blipFill>
-        <p:spPr>
-          <a:xfrm>
-            <a:off x="5616551" y="5206773"/>
-            <a:ext cx="958900" cy="1184869"/>
-          </a:xfrm>
-          <a:prstGeom prst="rect">
-            <a:avLst/>
-          </a:prstGeom>
-        </p:spPr>
-      </p:pic>
       <p:sp>
         <p:nvSpPr>
           <p:cNvPr id="10" name="Text Placeholder Right">
@@ -4338,7 +4124,7 @@
               <a:tabLst/>
               <a:defRPr/>
             </a:pPr>
-            <a:endParaRPr kumimoji="0" lang="en-US" altLang="ko-KR" sz="2398" b="0" i="0" u="none" strike="noStrike" kern="1200" cap="none" spc="0" normalizeH="0" baseline="0" noProof="0" dirty="0">
+            <a:endParaRPr kumimoji="0" lang="en-US" altLang="ko-KR" sz="2398" b="0" i="0" u="none" strike="noStrike" kern="1200" cap="none" spc="0" normalizeH="0" baseline="0" noProof="0">
               <a:ln>
                 <a:noFill/>
               </a:ln>
@@ -4355,42 +4141,6 @@
           </a:p>
         </p:txBody>
       </p:sp>
-      <p:pic>
-        <p:nvPicPr>
-          <p:cNvPr id="14" name="Logo Software University" descr="Software University logo">
-            <a:extLst>
-              <a:ext uri="{FF2B5EF4-FFF2-40B4-BE49-F238E27FC236}">
-                <a16:creationId xmlns:a16="http://schemas.microsoft.com/office/drawing/2014/main" id="{19A67BB9-D880-4EAD-B90E-89C4219BFC0B}"/>
-              </a:ext>
-            </a:extLst>
-          </p:cNvPr>
-          <p:cNvPicPr>
-            <a:picLocks noChangeAspect="1"/>
-          </p:cNvPicPr>
-          <p:nvPr userDrawn="1"/>
-        </p:nvPicPr>
-        <p:blipFill>
-          <a:blip r:embed="rId3">
-            <a:extLst>
-              <a:ext uri="{28A0092B-C50C-407E-A947-70E740481C1C}">
-                <a14:useLocalDpi xmlns:a14="http://schemas.microsoft.com/office/drawing/2010/main" val="0"/>
-              </a:ext>
-            </a:extLst>
-          </a:blip>
-          <a:stretch>
-            <a:fillRect/>
-          </a:stretch>
-        </p:blipFill>
-        <p:spPr>
-          <a:xfrm>
-            <a:off x="10067957" y="253936"/>
-            <a:ext cx="1915704" cy="559235"/>
-          </a:xfrm>
-          <a:prstGeom prst="rect">
-            <a:avLst/>
-          </a:prstGeom>
-        </p:spPr>
-      </p:pic>
       <p:sp>
         <p:nvSpPr>
           <p:cNvPr id="15" name="Slide Title">
@@ -4409,8 +4159,8 @@
         </p:nvSpPr>
         <p:spPr>
           <a:xfrm>
-            <a:off x="190406" y="100750"/>
-            <a:ext cx="9715594" cy="882654"/>
+            <a:off x="190405" y="100750"/>
+            <a:ext cx="10270595" cy="882654"/>
           </a:xfrm>
         </p:spPr>
         <p:txBody>
@@ -4432,6 +4182,72 @@
           </a:p>
         </p:txBody>
       </p:sp>
+      <p:pic>
+        <p:nvPicPr>
+          <p:cNvPr id="8" name="Picture 7">
+            <a:extLst>
+              <a:ext uri="{FF2B5EF4-FFF2-40B4-BE49-F238E27FC236}">
+                <a16:creationId xmlns:a16="http://schemas.microsoft.com/office/drawing/2014/main" id="{2C9792D8-D354-4699-B7D6-B8CB7F77594F}"/>
+              </a:ext>
+            </a:extLst>
+          </p:cNvPr>
+          <p:cNvPicPr>
+            <a:picLocks noChangeAspect="1"/>
+          </p:cNvPicPr>
+          <p:nvPr userDrawn="1"/>
+        </p:nvPicPr>
+        <p:blipFill>
+          <a:blip r:embed="rId2"/>
+          <a:stretch>
+            <a:fillRect/>
+          </a:stretch>
+        </p:blipFill>
+        <p:spPr>
+          <a:xfrm>
+            <a:off x="5398753" y="5340443"/>
+            <a:ext cx="1334859" cy="982867"/>
+          </a:xfrm>
+          <a:prstGeom prst="rect">
+            <a:avLst/>
+          </a:prstGeom>
+        </p:spPr>
+      </p:pic>
+      <p:pic>
+        <p:nvPicPr>
+          <p:cNvPr id="3" name="Picture 2">
+            <a:extLst>
+              <a:ext uri="{FF2B5EF4-FFF2-40B4-BE49-F238E27FC236}">
+                <a16:creationId xmlns:a16="http://schemas.microsoft.com/office/drawing/2014/main" id="{B6351E19-25DA-EAD2-9FBE-358B6135D728}"/>
+              </a:ext>
+            </a:extLst>
+          </p:cNvPr>
+          <p:cNvPicPr>
+            <a:picLocks noChangeAspect="1"/>
+          </p:cNvPicPr>
+          <p:nvPr userDrawn="1"/>
+        </p:nvPicPr>
+        <p:blipFill>
+          <a:blip r:embed="rId3" cstate="print">
+            <a:extLst>
+              <a:ext uri="{28A0092B-C50C-407E-A947-70E740481C1C}">
+                <a14:useLocalDpi xmlns:a14="http://schemas.microsoft.com/office/drawing/2010/main" val="0"/>
+              </a:ext>
+            </a:extLst>
+          </a:blip>
+          <a:stretch>
+            <a:fillRect/>
+          </a:stretch>
+        </p:blipFill>
+        <p:spPr>
+          <a:xfrm>
+            <a:off x="10553573" y="368999"/>
+            <a:ext cx="1443361" cy="360001"/>
+          </a:xfrm>
+          <a:prstGeom prst="rect">
+            <a:avLst/>
+          </a:prstGeom>
+        </p:spPr>
+      </p:pic>
     </p:spTree>
     <p:extLst>
       <p:ext uri="{BB962C8B-B14F-4D97-AF65-F5344CB8AC3E}">
@@ -4524,7 +4340,7 @@
               <a:pPr/>
               <a:t>‹#›</a:t>
             </a:fld>
-            <a:endParaRPr lang="en-US" noProof="0" dirty="0"/>
+            <a:endParaRPr lang="en-US" noProof="0"/>
           </a:p>
         </p:txBody>
       </p:sp>
@@ -4678,7 +4494,7 @@
           </a:lstStyle>
           <a:p>
             <a:r>
-              <a:rPr lang="en-US" altLang="ko-KR" noProof="0" dirty="0"/>
+              <a:rPr lang="en-US" altLang="ko-KR" noProof="0"/>
               <a:t>Your Picture Here</a:t>
             </a:r>
           </a:p>
@@ -4742,7 +4558,7 @@
               <a:tabLst/>
               <a:defRPr/>
             </a:pPr>
-            <a:endParaRPr kumimoji="0" lang="en-US" altLang="ko-KR" sz="2398" b="0" i="0" u="none" strike="noStrike" kern="1200" cap="none" spc="0" normalizeH="0" baseline="0" noProof="0" dirty="0">
+            <a:endParaRPr kumimoji="0" lang="en-US" altLang="ko-KR" sz="2398" b="0" i="0" u="none" strike="noStrike" kern="1200" cap="none" spc="0" normalizeH="0" baseline="0" noProof="0">
               <a:ln>
                 <a:noFill/>
               </a:ln>
@@ -4817,7 +4633,7 @@
               <a:tabLst/>
               <a:defRPr/>
             </a:pPr>
-            <a:endParaRPr kumimoji="0" lang="en-US" altLang="ko-KR" sz="2398" b="0" i="0" u="none" strike="noStrike" kern="1200" cap="none" spc="0" normalizeH="0" baseline="0" noProof="0" dirty="0">
+            <a:endParaRPr kumimoji="0" lang="en-US" altLang="ko-KR" sz="2398" b="0" i="0" u="none" strike="noStrike" kern="1200" cap="none" spc="0" normalizeH="0" baseline="0" noProof="0">
               <a:ln>
                 <a:noFill/>
               </a:ln>
@@ -4898,7 +4714,7 @@
               <a:tabLst/>
               <a:defRPr/>
             </a:pPr>
-            <a:endParaRPr kumimoji="0" lang="en-US" altLang="ko-KR" sz="2398" b="0" i="0" u="none" strike="noStrike" kern="1200" cap="none" spc="0" normalizeH="0" baseline="0" noProof="0" dirty="0">
+            <a:endParaRPr kumimoji="0" lang="en-US" altLang="ko-KR" sz="2398" b="0" i="0" u="none" strike="noStrike" kern="1200" cap="none" spc="0" normalizeH="0" baseline="0" noProof="0">
               <a:ln>
                 <a:noFill/>
               </a:ln>
@@ -4979,7 +4795,7 @@
               <a:tabLst/>
               <a:defRPr/>
             </a:pPr>
-            <a:endParaRPr kumimoji="0" lang="en-US" altLang="ko-KR" sz="2398" b="0" i="0" u="none" strike="noStrike" kern="1200" cap="none" spc="0" normalizeH="0" baseline="0" noProof="0" dirty="0">
+            <a:endParaRPr kumimoji="0" lang="en-US" altLang="ko-KR" sz="2398" b="0" i="0" u="none" strike="noStrike" kern="1200" cap="none" spc="0" normalizeH="0" baseline="0" noProof="0">
               <a:ln>
                 <a:noFill/>
               </a:ln>
@@ -4996,42 +4812,6 @@
           </a:p>
         </p:txBody>
       </p:sp>
-      <p:pic>
-        <p:nvPicPr>
-          <p:cNvPr id="12" name="Logo Software University" descr="Software University logo">
-            <a:extLst>
-              <a:ext uri="{FF2B5EF4-FFF2-40B4-BE49-F238E27FC236}">
-                <a16:creationId xmlns:a16="http://schemas.microsoft.com/office/drawing/2014/main" id="{233CBB95-791E-4630-B3D9-FADFCE7BCF52}"/>
-              </a:ext>
-            </a:extLst>
-          </p:cNvPr>
-          <p:cNvPicPr>
-            <a:picLocks noChangeAspect="1"/>
-          </p:cNvPicPr>
-          <p:nvPr userDrawn="1"/>
-        </p:nvPicPr>
-        <p:blipFill>
-          <a:blip r:embed="rId2">
-            <a:extLst>
-              <a:ext uri="{28A0092B-C50C-407E-A947-70E740481C1C}">
-                <a14:useLocalDpi xmlns:a14="http://schemas.microsoft.com/office/drawing/2010/main" val="0"/>
-              </a:ext>
-            </a:extLst>
-          </a:blip>
-          <a:stretch>
-            <a:fillRect/>
-          </a:stretch>
-        </p:blipFill>
-        <p:spPr>
-          <a:xfrm>
-            <a:off x="10067957" y="253936"/>
-            <a:ext cx="1915704" cy="559235"/>
-          </a:xfrm>
-          <a:prstGeom prst="rect">
-            <a:avLst/>
-          </a:prstGeom>
-        </p:spPr>
-      </p:pic>
       <p:sp>
         <p:nvSpPr>
           <p:cNvPr id="13" name="Slide Title">
@@ -5051,7 +4831,7 @@
         <p:spPr>
           <a:xfrm>
             <a:off x="190406" y="100750"/>
-            <a:ext cx="9715594" cy="882654"/>
+            <a:ext cx="10270594" cy="882654"/>
           </a:xfrm>
         </p:spPr>
         <p:txBody>
@@ -5073,6 +4853,42 @@
           </a:p>
         </p:txBody>
       </p:sp>
+      <p:pic>
+        <p:nvPicPr>
+          <p:cNvPr id="4" name="Picture 3">
+            <a:extLst>
+              <a:ext uri="{FF2B5EF4-FFF2-40B4-BE49-F238E27FC236}">
+                <a16:creationId xmlns:a16="http://schemas.microsoft.com/office/drawing/2014/main" id="{42F3DB3E-BDAA-8201-9A01-2F52640A84CA}"/>
+              </a:ext>
+            </a:extLst>
+          </p:cNvPr>
+          <p:cNvPicPr>
+            <a:picLocks noChangeAspect="1"/>
+          </p:cNvPicPr>
+          <p:nvPr userDrawn="1"/>
+        </p:nvPicPr>
+        <p:blipFill>
+          <a:blip r:embed="rId2" cstate="print">
+            <a:extLst>
+              <a:ext uri="{28A0092B-C50C-407E-A947-70E740481C1C}">
+                <a14:useLocalDpi xmlns:a14="http://schemas.microsoft.com/office/drawing/2010/main" val="0"/>
+              </a:ext>
+            </a:extLst>
+          </a:blip>
+          <a:stretch>
+            <a:fillRect/>
+          </a:stretch>
+        </p:blipFill>
+        <p:spPr>
+          <a:xfrm>
+            <a:off x="10553573" y="368999"/>
+            <a:ext cx="1443361" cy="360001"/>
+          </a:xfrm>
+          <a:prstGeom prst="rect">
+            <a:avLst/>
+          </a:prstGeom>
+        </p:spPr>
+      </p:pic>
     </p:spTree>
     <p:extLst>
       <p:ext uri="{BB962C8B-B14F-4D97-AF65-F5344CB8AC3E}">
@@ -5183,7 +4999,7 @@
               <a:tabLst/>
               <a:defRPr/>
             </a:pPr>
-            <a:endParaRPr kumimoji="0" lang="en-US" altLang="ko-KR" sz="2398" b="0" i="0" u="none" strike="noStrike" kern="1200" cap="none" spc="0" normalizeH="0" baseline="0" noProof="0" dirty="0">
+            <a:endParaRPr kumimoji="0" lang="en-US" altLang="ko-KR" sz="2398" b="0" i="0" u="none" strike="noStrike" kern="1200" cap="none" spc="0" normalizeH="0" baseline="0" noProof="0">
               <a:ln>
                 <a:noFill/>
               </a:ln>
@@ -5202,714 +5018,10 @@
       </p:sp>
       <p:sp>
         <p:nvSpPr>
-          <p:cNvPr id="53" name="Rectangle Bottom Copyright">
+          <p:cNvPr id="3" name="Title 2">
             <a:extLst>
               <a:ext uri="{FF2B5EF4-FFF2-40B4-BE49-F238E27FC236}">
-                <a16:creationId xmlns:a16="http://schemas.microsoft.com/office/drawing/2014/main" id="{B07FB7FB-DA6C-4F5D-B068-357F0FCE27D8}"/>
-              </a:ext>
-            </a:extLst>
-          </p:cNvPr>
-          <p:cNvSpPr/>
-          <p:nvPr userDrawn="1"/>
-        </p:nvSpPr>
-        <p:spPr>
-          <a:xfrm>
-            <a:off x="111000" y="6454758"/>
-            <a:ext cx="11970000" cy="258449"/>
-          </a:xfrm>
-          <a:prstGeom prst="rect">
-            <a:avLst/>
-          </a:prstGeom>
-        </p:spPr>
-        <p:txBody>
-          <a:bodyPr wrap="square">
-            <a:noAutofit/>
-          </a:bodyPr>
-          <a:lstStyle/>
-          <a:p>
-            <a:pPr algn="ctr">
-              <a:lnSpc>
-                <a:spcPct val="100000"/>
-              </a:lnSpc>
-              <a:spcBef>
-                <a:spcPts val="0"/>
-              </a:spcBef>
-              <a:spcAft>
-                <a:spcPts val="0"/>
-              </a:spcAft>
-            </a:pPr>
-            <a:r>
-              <a:rPr lang="en-US" sz="1600" noProof="0" dirty="0">
-                <a:solidFill>
-                  <a:schemeClr val="bg2"/>
-                </a:solidFill>
-                <a:effectLst/>
-                <a:latin typeface="Calibri" panose="020F0502020204030204" pitchFamily="34" charset="0"/>
-                <a:ea typeface="Calibri" panose="020F0502020204030204" pitchFamily="34" charset="0"/>
-                <a:cs typeface="Arial" panose="020B0604020202020204" pitchFamily="34" charset="0"/>
-              </a:rPr>
-              <a:t>© SoftUni – </a:t>
-            </a:r>
-            <a:r>
-              <a:rPr lang="en-US" sz="1600" u="sng" noProof="0" dirty="0">
-                <a:solidFill>
-                  <a:schemeClr val="bg2"/>
-                </a:solidFill>
-                <a:effectLst/>
-                <a:latin typeface="Calibri" panose="020F0502020204030204" pitchFamily="34" charset="0"/>
-                <a:ea typeface="Calibri" panose="020F0502020204030204" pitchFamily="34" charset="0"/>
-                <a:cs typeface="Arial" panose="020B0604020202020204" pitchFamily="34" charset="0"/>
-                <a:hlinkClick r:id="rId2">
-                  <a:extLst>
-                    <a:ext uri="{A12FA001-AC4F-418D-AE19-62706E023703}">
-                      <ahyp:hlinkClr xmlns:ahyp="http://schemas.microsoft.com/office/drawing/2018/hyperlinkcolor" val="tx"/>
-                    </a:ext>
-                  </a:extLst>
-                </a:hlinkClick>
-              </a:rPr>
-              <a:t>https://softuni.org</a:t>
-            </a:r>
-            <a:r>
-              <a:rPr lang="en-US" sz="1600" noProof="0" dirty="0">
-                <a:solidFill>
-                  <a:schemeClr val="bg2"/>
-                </a:solidFill>
-                <a:effectLst/>
-                <a:latin typeface="Calibri" panose="020F0502020204030204" pitchFamily="34" charset="0"/>
-                <a:ea typeface="Calibri" panose="020F0502020204030204" pitchFamily="34" charset="0"/>
-                <a:cs typeface="Arial" panose="020B0604020202020204" pitchFamily="34" charset="0"/>
-              </a:rPr>
-              <a:t>. Copyrighted document. Unauthorized copy, reproduction or use is not permitted.</a:t>
-            </a:r>
-            <a:endParaRPr lang="en-US" sz="2400" noProof="0" dirty="0">
-              <a:solidFill>
-                <a:schemeClr val="bg2"/>
-              </a:solidFill>
-              <a:effectLst/>
-              <a:latin typeface="Calibri" panose="020F0502020204030204" pitchFamily="34" charset="0"/>
-              <a:ea typeface="Calibri" panose="020F0502020204030204" pitchFamily="34" charset="0"/>
-              <a:cs typeface="Arial" panose="020B0604020202020204" pitchFamily="34" charset="0"/>
-            </a:endParaRPr>
-          </a:p>
-        </p:txBody>
-      </p:sp>
-      <p:pic>
-        <p:nvPicPr>
-          <p:cNvPr id="26" name="Picture SoftUni Mascot" descr="SoftUni mascot with open hand">
-            <a:extLst>
-              <a:ext uri="{FF2B5EF4-FFF2-40B4-BE49-F238E27FC236}">
-                <a16:creationId xmlns:a16="http://schemas.microsoft.com/office/drawing/2014/main" id="{247CFF3C-C4FA-493D-8505-DF469F4D36A4}"/>
-              </a:ext>
-            </a:extLst>
-          </p:cNvPr>
-          <p:cNvPicPr>
-            <a:picLocks noChangeAspect="1"/>
-          </p:cNvPicPr>
-          <p:nvPr/>
-        </p:nvPicPr>
-        <p:blipFill>
-          <a:blip r:embed="rId3" cstate="print">
-            <a:extLst>
-              <a:ext uri="{28A0092B-C50C-407E-A947-70E740481C1C}">
-                <a14:useLocalDpi xmlns:a14="http://schemas.microsoft.com/office/drawing/2010/main" val="0"/>
-              </a:ext>
-            </a:extLst>
-          </a:blip>
-          <a:stretch>
-            <a:fillRect/>
-          </a:stretch>
-        </p:blipFill>
-        <p:spPr>
-          <a:xfrm>
-            <a:off x="642586" y="2898830"/>
-            <a:ext cx="2451608" cy="2959741"/>
-          </a:xfrm>
-          <a:prstGeom prst="rect">
-            <a:avLst/>
-          </a:prstGeom>
-        </p:spPr>
-      </p:pic>
-      <p:grpSp>
-        <p:nvGrpSpPr>
-          <p:cNvPr id="2" name="Group SoftUni Brands">
-            <a:extLst>
-              <a:ext uri="{FF2B5EF4-FFF2-40B4-BE49-F238E27FC236}">
-                <a16:creationId xmlns:a16="http://schemas.microsoft.com/office/drawing/2014/main" id="{418FAE34-C1F8-46C7-A4AE-F270D1E70F25}"/>
-              </a:ext>
-            </a:extLst>
-          </p:cNvPr>
-          <p:cNvGrpSpPr/>
-          <p:nvPr userDrawn="1"/>
-        </p:nvGrpSpPr>
-        <p:grpSpPr>
-          <a:xfrm>
-            <a:off x="3332216" y="1702473"/>
-            <a:ext cx="8314909" cy="3543782"/>
-            <a:chOff x="3332216" y="1702473"/>
-            <a:chExt cx="8314909" cy="3543782"/>
-          </a:xfrm>
-        </p:grpSpPr>
-        <p:pic>
-          <p:nvPicPr>
-            <p:cNvPr id="24" name="Picture SoftUni Kids Logo" descr="SoftUni Kids logo">
-              <a:extLst>
-                <a:ext uri="{FF2B5EF4-FFF2-40B4-BE49-F238E27FC236}">
-                  <a16:creationId xmlns:a16="http://schemas.microsoft.com/office/drawing/2014/main" id="{B0812936-74B6-4265-8C08-AEDC8C798702}"/>
-                </a:ext>
-              </a:extLst>
-            </p:cNvPr>
-            <p:cNvPicPr>
-              <a:picLocks noChangeAspect="1"/>
-            </p:cNvPicPr>
-            <p:nvPr/>
-          </p:nvPicPr>
-          <p:blipFill>
-            <a:blip r:embed="rId4" cstate="print">
-              <a:extLst>
-                <a:ext uri="{28A0092B-C50C-407E-A947-70E740481C1C}">
-                  <a14:useLocalDpi xmlns:a14="http://schemas.microsoft.com/office/drawing/2010/main" val="0"/>
-                </a:ext>
-              </a:extLst>
-            </a:blip>
-            <a:stretch>
-              <a:fillRect/>
-            </a:stretch>
-          </p:blipFill>
-          <p:spPr>
-            <a:xfrm>
-              <a:off x="10516883" y="3776294"/>
-              <a:ext cx="1130242" cy="1389256"/>
-            </a:xfrm>
-            <a:prstGeom prst="rect">
-              <a:avLst/>
-            </a:prstGeom>
-          </p:spPr>
-        </p:pic>
-        <p:pic>
-          <p:nvPicPr>
-            <p:cNvPr id="23" name="Picture SoftUni Foundation Logo" descr="SoftUni Foundation logo">
-              <a:extLst>
-                <a:ext uri="{FF2B5EF4-FFF2-40B4-BE49-F238E27FC236}">
-                  <a16:creationId xmlns:a16="http://schemas.microsoft.com/office/drawing/2014/main" id="{6643F71A-2013-433A-8322-FBAAED3162D8}"/>
-                </a:ext>
-              </a:extLst>
-            </p:cNvPr>
-            <p:cNvPicPr>
-              <a:picLocks noChangeAspect="1"/>
-            </p:cNvPicPr>
-            <p:nvPr userDrawn="1"/>
-          </p:nvPicPr>
-          <p:blipFill>
-            <a:blip r:embed="rId5" cstate="print">
-              <a:extLst>
-                <a:ext uri="{28A0092B-C50C-407E-A947-70E740481C1C}">
-                  <a14:useLocalDpi xmlns:a14="http://schemas.microsoft.com/office/drawing/2010/main" val="0"/>
-                </a:ext>
-              </a:extLst>
-            </a:blip>
-            <a:stretch>
-              <a:fillRect/>
-            </a:stretch>
-          </p:blipFill>
-          <p:spPr>
-            <a:xfrm>
-              <a:off x="9053913" y="3788231"/>
-              <a:ext cx="1166400" cy="1350756"/>
-            </a:xfrm>
-            <a:prstGeom prst="rect">
-              <a:avLst/>
-            </a:prstGeom>
-          </p:spPr>
-        </p:pic>
-        <p:pic>
-          <p:nvPicPr>
-            <p:cNvPr id="22" name="Picture SoftUni Digital Logo" descr="SoftUni Digital logo">
-              <a:extLst>
-                <a:ext uri="{FF2B5EF4-FFF2-40B4-BE49-F238E27FC236}">
-                  <a16:creationId xmlns:a16="http://schemas.microsoft.com/office/drawing/2014/main" id="{0A83D66F-855B-463B-920B-BF239B01A206}"/>
-                </a:ext>
-              </a:extLst>
-            </p:cNvPr>
-            <p:cNvPicPr>
-              <a:picLocks noChangeAspect="1"/>
-            </p:cNvPicPr>
-            <p:nvPr userDrawn="1"/>
-          </p:nvPicPr>
-          <p:blipFill>
-            <a:blip r:embed="rId6" cstate="print">
-              <a:extLst>
-                <a:ext uri="{28A0092B-C50C-407E-A947-70E740481C1C}">
-                  <a14:useLocalDpi xmlns:a14="http://schemas.microsoft.com/office/drawing/2010/main" val="0"/>
-                </a:ext>
-              </a:extLst>
-            </a:blip>
-            <a:stretch>
-              <a:fillRect/>
-            </a:stretch>
-          </p:blipFill>
-          <p:spPr>
-            <a:xfrm>
-              <a:off x="7657695" y="3789000"/>
-              <a:ext cx="1084614" cy="1457255"/>
-            </a:xfrm>
-            <a:prstGeom prst="rect">
-              <a:avLst/>
-            </a:prstGeom>
-          </p:spPr>
-        </p:pic>
-        <p:pic>
-          <p:nvPicPr>
-            <p:cNvPr id="21" name="Picture SoftUni Creative Logo" descr="SoftUni Creative logo">
-              <a:extLst>
-                <a:ext uri="{FF2B5EF4-FFF2-40B4-BE49-F238E27FC236}">
-                  <a16:creationId xmlns:a16="http://schemas.microsoft.com/office/drawing/2014/main" id="{EA755AAE-BA08-481C-9224-0061170EE4B8}"/>
-                </a:ext>
-              </a:extLst>
-            </p:cNvPr>
-            <p:cNvPicPr>
-              <a:picLocks noChangeAspect="1"/>
-            </p:cNvPicPr>
-            <p:nvPr/>
-          </p:nvPicPr>
-          <p:blipFill>
-            <a:blip r:embed="rId7" cstate="print">
-              <a:extLst>
-                <a:ext uri="{28A0092B-C50C-407E-A947-70E740481C1C}">
-                  <a14:useLocalDpi xmlns:a14="http://schemas.microsoft.com/office/drawing/2010/main" val="0"/>
-                </a:ext>
-              </a:extLst>
-            </a:blip>
-            <a:stretch>
-              <a:fillRect/>
-            </a:stretch>
-          </p:blipFill>
-          <p:spPr>
-            <a:xfrm>
-              <a:off x="6173913" y="3776293"/>
-              <a:ext cx="1166400" cy="1389257"/>
-            </a:xfrm>
-            <a:prstGeom prst="rect">
-              <a:avLst/>
-            </a:prstGeom>
-          </p:spPr>
-        </p:pic>
-        <p:pic>
-          <p:nvPicPr>
-            <p:cNvPr id="20" name="Picture SoftUni Svetlina Logo" descr="SoftUni Svetlina logo">
-              <a:extLst>
-                <a:ext uri="{FF2B5EF4-FFF2-40B4-BE49-F238E27FC236}">
-                  <a16:creationId xmlns:a16="http://schemas.microsoft.com/office/drawing/2014/main" id="{827D15FD-4C66-4B85-98E6-7826AA8F61C6}"/>
-                </a:ext>
-              </a:extLst>
-            </p:cNvPr>
-            <p:cNvPicPr>
-              <a:picLocks noChangeAspect="1"/>
-            </p:cNvPicPr>
-            <p:nvPr/>
-          </p:nvPicPr>
-          <p:blipFill>
-            <a:blip r:embed="rId8">
-              <a:extLst>
-                <a:ext uri="{28A0092B-C50C-407E-A947-70E740481C1C}">
-                  <a14:useLocalDpi xmlns:a14="http://schemas.microsoft.com/office/drawing/2010/main" val="0"/>
-                </a:ext>
-              </a:extLst>
-            </a:blip>
-            <a:stretch>
-              <a:fillRect/>
-            </a:stretch>
-          </p:blipFill>
-          <p:spPr>
-            <a:xfrm>
-              <a:off x="4735029" y="3776293"/>
-              <a:ext cx="1166400" cy="1402229"/>
-            </a:xfrm>
-            <a:prstGeom prst="rect">
-              <a:avLst/>
-            </a:prstGeom>
-          </p:spPr>
-        </p:pic>
-        <p:pic>
-          <p:nvPicPr>
-            <p:cNvPr id="25" name="Picture Software University Logo" descr="Software University logo">
-              <a:extLst>
-                <a:ext uri="{FF2B5EF4-FFF2-40B4-BE49-F238E27FC236}">
-                  <a16:creationId xmlns:a16="http://schemas.microsoft.com/office/drawing/2014/main" id="{C74C190C-5856-41B9-8819-AE8DE0E10980}"/>
-                </a:ext>
-              </a:extLst>
-            </p:cNvPr>
-            <p:cNvPicPr>
-              <a:picLocks noChangeAspect="1"/>
-            </p:cNvPicPr>
-            <p:nvPr/>
-          </p:nvPicPr>
-          <p:blipFill>
-            <a:blip r:embed="rId9" cstate="print">
-              <a:extLst>
-                <a:ext uri="{28A0092B-C50C-407E-A947-70E740481C1C}">
-                  <a14:useLocalDpi xmlns:a14="http://schemas.microsoft.com/office/drawing/2010/main" val="0"/>
-                </a:ext>
-              </a:extLst>
-            </a:blip>
-            <a:stretch>
-              <a:fillRect/>
-            </a:stretch>
-          </p:blipFill>
-          <p:spPr>
-            <a:xfrm>
-              <a:off x="3332216" y="3776295"/>
-              <a:ext cx="1164654" cy="1440000"/>
-            </a:xfrm>
-            <a:prstGeom prst="rect">
-              <a:avLst/>
-            </a:prstGeom>
-          </p:spPr>
-        </p:pic>
-        <p:cxnSp>
-          <p:nvCxnSpPr>
-            <p:cNvPr id="33" name="Straight Connector 6">
-              <a:extLst>
-                <a:ext uri="{FF2B5EF4-FFF2-40B4-BE49-F238E27FC236}">
-                  <a16:creationId xmlns:a16="http://schemas.microsoft.com/office/drawing/2014/main" id="{5C63D1E8-4A92-4691-8A24-A2FC7E8008E5}"/>
-                </a:ext>
-              </a:extLst>
-            </p:cNvPr>
-            <p:cNvCxnSpPr>
-              <a:cxnSpLocks/>
-            </p:cNvCxnSpPr>
-            <p:nvPr userDrawn="1"/>
-          </p:nvCxnSpPr>
-          <p:spPr>
-            <a:xfrm>
-              <a:off x="11077113" y="3335565"/>
-              <a:ext cx="0" cy="236220"/>
-            </a:xfrm>
-            <a:prstGeom prst="line">
-              <a:avLst/>
-            </a:prstGeom>
-            <a:ln w="25400"/>
-          </p:spPr>
-          <p:style>
-            <a:lnRef idx="1">
-              <a:schemeClr val="accent1"/>
-            </a:lnRef>
-            <a:fillRef idx="0">
-              <a:schemeClr val="accent1"/>
-            </a:fillRef>
-            <a:effectRef idx="0">
-              <a:schemeClr val="accent1"/>
-            </a:effectRef>
-            <a:fontRef idx="minor">
-              <a:schemeClr val="tx1"/>
-            </a:fontRef>
-          </p:style>
-        </p:cxnSp>
-        <p:cxnSp>
-          <p:nvCxnSpPr>
-            <p:cNvPr id="32" name="Straight Connector 5">
-              <a:extLst>
-                <a:ext uri="{FF2B5EF4-FFF2-40B4-BE49-F238E27FC236}">
-                  <a16:creationId xmlns:a16="http://schemas.microsoft.com/office/drawing/2014/main" id="{6E91D320-3732-40B8-864D-142D0A277ED1}"/>
-                </a:ext>
-              </a:extLst>
-            </p:cNvPr>
-            <p:cNvCxnSpPr>
-              <a:cxnSpLocks/>
-            </p:cNvCxnSpPr>
-            <p:nvPr userDrawn="1"/>
-          </p:nvCxnSpPr>
-          <p:spPr>
-            <a:xfrm>
-              <a:off x="9637113" y="3329215"/>
-              <a:ext cx="0" cy="236220"/>
-            </a:xfrm>
-            <a:prstGeom prst="line">
-              <a:avLst/>
-            </a:prstGeom>
-            <a:ln w="25400"/>
-          </p:spPr>
-          <p:style>
-            <a:lnRef idx="1">
-              <a:schemeClr val="accent1"/>
-            </a:lnRef>
-            <a:fillRef idx="0">
-              <a:schemeClr val="accent1"/>
-            </a:fillRef>
-            <a:effectRef idx="0">
-              <a:schemeClr val="accent1"/>
-            </a:effectRef>
-            <a:fontRef idx="minor">
-              <a:schemeClr val="tx1"/>
-            </a:fontRef>
-          </p:style>
-        </p:cxnSp>
-        <p:cxnSp>
-          <p:nvCxnSpPr>
-            <p:cNvPr id="31" name="Straight Connector 4">
-              <a:extLst>
-                <a:ext uri="{FF2B5EF4-FFF2-40B4-BE49-F238E27FC236}">
-                  <a16:creationId xmlns:a16="http://schemas.microsoft.com/office/drawing/2014/main" id="{299ABE09-E33C-46B7-A80D-7BF4A6956211}"/>
-                </a:ext>
-              </a:extLst>
-            </p:cNvPr>
-            <p:cNvCxnSpPr/>
-            <p:nvPr userDrawn="1"/>
-          </p:nvCxnSpPr>
-          <p:spPr>
-            <a:xfrm>
-              <a:off x="8197113" y="3329215"/>
-              <a:ext cx="0" cy="236220"/>
-            </a:xfrm>
-            <a:prstGeom prst="line">
-              <a:avLst/>
-            </a:prstGeom>
-            <a:ln w="25400"/>
-          </p:spPr>
-          <p:style>
-            <a:lnRef idx="1">
-              <a:schemeClr val="accent1"/>
-            </a:lnRef>
-            <a:fillRef idx="0">
-              <a:schemeClr val="accent1"/>
-            </a:fillRef>
-            <a:effectRef idx="0">
-              <a:schemeClr val="accent1"/>
-            </a:effectRef>
-            <a:fontRef idx="minor">
-              <a:schemeClr val="tx1"/>
-            </a:fontRef>
-          </p:style>
-        </p:cxnSp>
-        <p:cxnSp>
-          <p:nvCxnSpPr>
-            <p:cNvPr id="30" name="Straight Connector 3">
-              <a:extLst>
-                <a:ext uri="{FF2B5EF4-FFF2-40B4-BE49-F238E27FC236}">
-                  <a16:creationId xmlns:a16="http://schemas.microsoft.com/office/drawing/2014/main" id="{93DDBF37-0764-47AA-94E3-9A44F3ED8FB5}"/>
-                </a:ext>
-              </a:extLst>
-            </p:cNvPr>
-            <p:cNvCxnSpPr/>
-            <p:nvPr userDrawn="1"/>
-          </p:nvCxnSpPr>
-          <p:spPr>
-            <a:xfrm>
-              <a:off x="6757113" y="3329215"/>
-              <a:ext cx="0" cy="236220"/>
-            </a:xfrm>
-            <a:prstGeom prst="line">
-              <a:avLst/>
-            </a:prstGeom>
-            <a:ln w="25400"/>
-          </p:spPr>
-          <p:style>
-            <a:lnRef idx="1">
-              <a:schemeClr val="accent1"/>
-            </a:lnRef>
-            <a:fillRef idx="0">
-              <a:schemeClr val="accent1"/>
-            </a:fillRef>
-            <a:effectRef idx="0">
-              <a:schemeClr val="accent1"/>
-            </a:effectRef>
-            <a:fontRef idx="minor">
-              <a:schemeClr val="tx1"/>
-            </a:fontRef>
-          </p:style>
-        </p:cxnSp>
-        <p:cxnSp>
-          <p:nvCxnSpPr>
-            <p:cNvPr id="29" name="Straight Connector 2">
-              <a:extLst>
-                <a:ext uri="{FF2B5EF4-FFF2-40B4-BE49-F238E27FC236}">
-                  <a16:creationId xmlns:a16="http://schemas.microsoft.com/office/drawing/2014/main" id="{72BFE2F3-0845-4E5B-9375-E9D4027DD675}"/>
-                </a:ext>
-              </a:extLst>
-            </p:cNvPr>
-            <p:cNvCxnSpPr/>
-            <p:nvPr userDrawn="1"/>
-          </p:nvCxnSpPr>
-          <p:spPr>
-            <a:xfrm>
-              <a:off x="5309913" y="3335565"/>
-              <a:ext cx="0" cy="236220"/>
-            </a:xfrm>
-            <a:prstGeom prst="line">
-              <a:avLst/>
-            </a:prstGeom>
-            <a:ln w="25400"/>
-          </p:spPr>
-          <p:style>
-            <a:lnRef idx="1">
-              <a:schemeClr val="accent1"/>
-            </a:lnRef>
-            <a:fillRef idx="0">
-              <a:schemeClr val="accent1"/>
-            </a:fillRef>
-            <a:effectRef idx="0">
-              <a:schemeClr val="accent1"/>
-            </a:effectRef>
-            <a:fontRef idx="minor">
-              <a:schemeClr val="tx1"/>
-            </a:fontRef>
-          </p:style>
-        </p:cxnSp>
-        <p:cxnSp>
-          <p:nvCxnSpPr>
-            <p:cNvPr id="28" name="Straight Connector 1">
-              <a:extLst>
-                <a:ext uri="{FF2B5EF4-FFF2-40B4-BE49-F238E27FC236}">
-                  <a16:creationId xmlns:a16="http://schemas.microsoft.com/office/drawing/2014/main" id="{D4E5982E-3110-47E1-A5BB-91B7BECC3093}"/>
-                </a:ext>
-              </a:extLst>
-            </p:cNvPr>
-            <p:cNvCxnSpPr/>
-            <p:nvPr userDrawn="1"/>
-          </p:nvCxnSpPr>
-          <p:spPr>
-            <a:xfrm>
-              <a:off x="3915327" y="3335565"/>
-              <a:ext cx="0" cy="236220"/>
-            </a:xfrm>
-            <a:prstGeom prst="line">
-              <a:avLst/>
-            </a:prstGeom>
-            <a:ln w="25400"/>
-          </p:spPr>
-          <p:style>
-            <a:lnRef idx="1">
-              <a:schemeClr val="accent1"/>
-            </a:lnRef>
-            <a:fillRef idx="0">
-              <a:schemeClr val="accent1"/>
-            </a:fillRef>
-            <a:effectRef idx="0">
-              <a:schemeClr val="accent1"/>
-            </a:effectRef>
-            <a:fontRef idx="minor">
-              <a:schemeClr val="tx1"/>
-            </a:fontRef>
-          </p:style>
-        </p:cxnSp>
-        <p:cxnSp>
-          <p:nvCxnSpPr>
-            <p:cNvPr id="27" name="Straight Connector Horizontal">
-              <a:extLst>
-                <a:ext uri="{FF2B5EF4-FFF2-40B4-BE49-F238E27FC236}">
-                  <a16:creationId xmlns:a16="http://schemas.microsoft.com/office/drawing/2014/main" id="{5F62FB7C-BD6E-4383-98C1-2CF30F34CAFD}"/>
-                </a:ext>
-              </a:extLst>
-            </p:cNvPr>
-            <p:cNvCxnSpPr>
-              <a:cxnSpLocks/>
-            </p:cNvCxnSpPr>
-            <p:nvPr userDrawn="1"/>
-          </p:nvCxnSpPr>
-          <p:spPr>
-            <a:xfrm>
-              <a:off x="3915327" y="3335565"/>
-              <a:ext cx="7161786" cy="0"/>
-            </a:xfrm>
-            <a:prstGeom prst="line">
-              <a:avLst/>
-            </a:prstGeom>
-            <a:ln w="25400"/>
-          </p:spPr>
-          <p:style>
-            <a:lnRef idx="1">
-              <a:schemeClr val="accent1"/>
-            </a:lnRef>
-            <a:fillRef idx="0">
-              <a:schemeClr val="accent1"/>
-            </a:fillRef>
-            <a:effectRef idx="0">
-              <a:schemeClr val="accent1"/>
-            </a:effectRef>
-            <a:fontRef idx="minor">
-              <a:schemeClr val="tx1"/>
-            </a:fontRef>
-          </p:style>
-        </p:cxnSp>
-        <p:cxnSp>
-          <p:nvCxnSpPr>
-            <p:cNvPr id="34" name="Straight Connector 0">
-              <a:extLst>
-                <a:ext uri="{FF2B5EF4-FFF2-40B4-BE49-F238E27FC236}">
-                  <a16:creationId xmlns:a16="http://schemas.microsoft.com/office/drawing/2014/main" id="{C84A0FE1-723D-4682-8682-77BAD950EE15}"/>
-                </a:ext>
-              </a:extLst>
-            </p:cNvPr>
-            <p:cNvCxnSpPr/>
-            <p:nvPr userDrawn="1"/>
-          </p:nvCxnSpPr>
-          <p:spPr>
-            <a:xfrm>
-              <a:off x="7496220" y="3092995"/>
-              <a:ext cx="0" cy="236220"/>
-            </a:xfrm>
-            <a:prstGeom prst="line">
-              <a:avLst/>
-            </a:prstGeom>
-            <a:ln w="25400"/>
-          </p:spPr>
-          <p:style>
-            <a:lnRef idx="1">
-              <a:schemeClr val="accent1"/>
-            </a:lnRef>
-            <a:fillRef idx="0">
-              <a:schemeClr val="accent1"/>
-            </a:fillRef>
-            <a:effectRef idx="0">
-              <a:schemeClr val="accent1"/>
-            </a:effectRef>
-            <a:fontRef idx="minor">
-              <a:schemeClr val="tx1"/>
-            </a:fontRef>
-          </p:style>
-        </p:cxnSp>
-        <p:pic>
-          <p:nvPicPr>
-            <p:cNvPr id="18" name="Picture SoftUni Logo" descr="SoftUni logo">
-              <a:extLst>
-                <a:ext uri="{FF2B5EF4-FFF2-40B4-BE49-F238E27FC236}">
-                  <a16:creationId xmlns:a16="http://schemas.microsoft.com/office/drawing/2014/main" id="{A0675455-B7FA-4569-A5FD-A3B0F20B2A26}"/>
-                </a:ext>
-              </a:extLst>
-            </p:cNvPr>
-            <p:cNvPicPr>
-              <a:picLocks noChangeAspect="1"/>
-            </p:cNvPicPr>
-            <p:nvPr/>
-          </p:nvPicPr>
-          <p:blipFill>
-            <a:blip r:embed="rId10" cstate="print">
-              <a:extLst>
-                <a:ext uri="{28A0092B-C50C-407E-A947-70E740481C1C}">
-                  <a14:useLocalDpi xmlns:a14="http://schemas.microsoft.com/office/drawing/2010/main" val="0"/>
-                </a:ext>
-              </a:extLst>
-            </a:blip>
-            <a:stretch>
-              <a:fillRect/>
-            </a:stretch>
-          </p:blipFill>
-          <p:spPr>
-            <a:xfrm>
-              <a:off x="6896770" y="1702473"/>
-              <a:ext cx="1198901" cy="1198901"/>
-            </a:xfrm>
-            <a:prstGeom prst="rect">
-              <a:avLst/>
-            </a:prstGeom>
-          </p:spPr>
-        </p:pic>
-      </p:grpSp>
-      <p:sp>
-        <p:nvSpPr>
-          <p:cNvPr id="19" name="Slide Title">
-            <a:extLst>
-              <a:ext uri="{FF2B5EF4-FFF2-40B4-BE49-F238E27FC236}">
-                <a16:creationId xmlns:a16="http://schemas.microsoft.com/office/drawing/2014/main" id="{7CFDBB16-985C-4CC7-B6DB-B81B36037922}"/>
+                <a16:creationId xmlns:a16="http://schemas.microsoft.com/office/drawing/2014/main" id="{3107753B-8639-4399-B782-EE5377184D2E}"/>
               </a:ext>
             </a:extLst>
           </p:cNvPr>
@@ -5917,142 +5029,33 @@
             <a:spLocks noGrp="1"/>
           </p:cNvSpPr>
           <p:nvPr>
-            <p:ph type="title"/>
+            <p:ph type="title" hasCustomPrompt="1"/>
           </p:nvPr>
         </p:nvSpPr>
         <p:spPr>
           <a:xfrm>
-            <a:off x="809628" y="703244"/>
-            <a:ext cx="5916372" cy="1033303"/>
+            <a:off x="726988" y="1461842"/>
+            <a:ext cx="10731663" cy="3047158"/>
           </a:xfrm>
-          <a:prstGeom prst="rect">
-            <a:avLst/>
-          </a:prstGeom>
         </p:spPr>
         <p:txBody>
-          <a:bodyPr wrap="none" lIns="0" tIns="0" rIns="0" bIns="0" anchor="ctr" anchorCtr="0">
-            <a:noAutofit/>
-            <a:scene3d>
-              <a:camera prst="orthographicFront"/>
-              <a:lightRig rig="soft" dir="t">
-                <a:rot lat="0" lon="0" rev="10800000"/>
-              </a:lightRig>
-            </a:scene3d>
-            <a:sp3d>
-              <a:bevelT w="27940" h="12700"/>
-              <a:contourClr>
-                <a:srgbClr val="DDDDDD"/>
-              </a:contourClr>
-            </a:sp3d>
+          <a:bodyPr>
+            <a:normAutofit/>
           </a:bodyPr>
-          <a:lstStyle/>
-          <a:p>
-            <a:pPr marL="0" marR="0" lvl="0" indent="0" algn="l" defTabSz="913852" rtl="0" eaLnBrk="0" fontAlgn="auto" latinLnBrk="0" hangingPunct="0">
-              <a:lnSpc>
-                <a:spcPct val="100000"/>
-              </a:lnSpc>
-              <a:spcBef>
-                <a:spcPts val="0"/>
-              </a:spcBef>
-              <a:spcAft>
-                <a:spcPts val="0"/>
-              </a:spcAft>
-              <a:buClr>
-                <a:srgbClr val="67748E">
-                  <a:lumMod val="40000"/>
-                  <a:lumOff val="60000"/>
-                </a:srgbClr>
-              </a:buClr>
-              <a:buSzPct val="70000"/>
-              <a:buFont typeface="Wingdings 2" pitchFamily="18" charset="2"/>
-              <a:buNone/>
-              <a:tabLst/>
-              <a:defRPr/>
-            </a:pPr>
-            <a:r>
-              <a:rPr kumimoji="0" lang="en-US" sz="8797" b="1" i="0" u="none" strike="noStrike" kern="1200" cap="none" spc="0" normalizeH="0" baseline="0" noProof="0" dirty="0">
-                <a:ln>
-                  <a:noFill/>
-                </a:ln>
-                <a:solidFill>
-                  <a:srgbClr val="234465"/>
-                </a:solidFill>
-                <a:effectLst/>
-                <a:uLnTx/>
-                <a:uFillTx/>
-                <a:latin typeface="Calibri" panose="020F0502020204030204"/>
-                <a:ea typeface="+mn-ea"/>
-                <a:cs typeface="+mn-cs"/>
-              </a:rPr>
-              <a:t>Questions?</a:t>
-            </a:r>
-            <a:endParaRPr kumimoji="0" lang="en-US" sz="8797" b="1" i="0" u="none" strike="noStrike" kern="1200" cap="none" spc="150" normalizeH="0" baseline="0" noProof="0" dirty="0">
-              <a:ln w="11430"/>
-              <a:solidFill>
-                <a:srgbClr val="234465"/>
-              </a:solidFill>
-              <a:effectLst>
-                <a:outerShdw blurRad="25400" algn="tl" rotWithShape="0">
-                  <a:srgbClr val="000000">
-                    <a:alpha val="43000"/>
-                  </a:srgbClr>
-                </a:outerShdw>
-              </a:effectLst>
-              <a:uLnTx/>
-              <a:uFillTx/>
-              <a:latin typeface="Calibri" panose="020F0502020204030204"/>
-              <a:ea typeface="+mn-ea"/>
-              <a:cs typeface="+mn-cs"/>
-            </a:endParaRPr>
+          <a:lstStyle>
+            <a:lvl1pPr algn="ctr">
+              <a:defRPr sz="13800"/>
+            </a:lvl1pPr>
+          </a:lstStyle>
+          <a:p>
+            <a:r>
+              <a:rPr lang="bg-BG" dirty="0"/>
+              <a:t>Въпроси?</a:t>
+            </a:r>
+            <a:endParaRPr lang="en-US" dirty="0"/>
           </a:p>
         </p:txBody>
       </p:sp>
-      <p:pic>
-        <p:nvPicPr>
-          <p:cNvPr id="36" name="Logo Software University" descr="Software University logo">
-            <a:extLst>
-              <a:ext uri="{FF2B5EF4-FFF2-40B4-BE49-F238E27FC236}">
-                <a16:creationId xmlns:a16="http://schemas.microsoft.com/office/drawing/2014/main" id="{67FC4D2E-913D-432A-B658-F0D82839FA5E}"/>
-              </a:ext>
-            </a:extLst>
-          </p:cNvPr>
-          <p:cNvPicPr>
-            <a:picLocks noChangeAspect="1"/>
-          </p:cNvPicPr>
-          <p:nvPr userDrawn="1"/>
-        </p:nvPicPr>
-        <p:blipFill>
-          <a:blip r:embed="rId11">
-            <a:clrChange>
-              <a:clrFrom>
-                <a:srgbClr val="FFFFFF"/>
-              </a:clrFrom>
-              <a:clrTo>
-                <a:srgbClr val="FFFFFF">
-                  <a:alpha val="0"/>
-                </a:srgbClr>
-              </a:clrTo>
-            </a:clrChange>
-            <a:extLst>
-              <a:ext uri="{28A0092B-C50C-407E-A947-70E740481C1C}">
-                <a14:useLocalDpi xmlns:a14="http://schemas.microsoft.com/office/drawing/2010/main" val="0"/>
-              </a:ext>
-            </a:extLst>
-          </a:blip>
-          <a:stretch>
-            <a:fillRect/>
-          </a:stretch>
-        </p:blipFill>
-        <p:spPr>
-          <a:xfrm>
-            <a:off x="10008761" y="190267"/>
-            <a:ext cx="2013336" cy="690975"/>
-          </a:xfrm>
-          <a:prstGeom prst="rect">
-            <a:avLst/>
-          </a:prstGeom>
-        </p:spPr>
-      </p:pic>
     </p:spTree>
     <p:extLst>
       <p:ext uri="{BB962C8B-B14F-4D97-AF65-F5344CB8AC3E}">
@@ -6087,528 +5090,6 @@
       </p15:sldGuideLst>
     </p:ext>
   </p:extLst>
-</p:sldLayout>
-</file>
-
-<file path=ppt/slideLayouts/slideLayout13.xml><?xml version="1.0" encoding="utf-8"?>
-<p:sldLayout xmlns:a="http://schemas.openxmlformats.org/drawingml/2006/main" xmlns:r="http://schemas.openxmlformats.org/officeDocument/2006/relationships" xmlns:p="http://schemas.openxmlformats.org/presentationml/2006/main" preserve="1" userDrawn="1">
-  <p:cSld name="About Slide">
-    <p:spTree>
-      <p:nvGrpSpPr>
-        <p:cNvPr id="1" name=""/>
-        <p:cNvGrpSpPr/>
-        <p:nvPr/>
-      </p:nvGrpSpPr>
-      <p:grpSpPr>
-        <a:xfrm>
-          <a:off x="0" y="0"/>
-          <a:ext cx="0" cy="0"/>
-          <a:chOff x="0" y="0"/>
-          <a:chExt cx="0" cy="0"/>
-        </a:xfrm>
-      </p:grpSpPr>
-      <p:sp>
-        <p:nvSpPr>
-          <p:cNvPr id="13" name="Slide Number">
-            <a:extLst>
-              <a:ext uri="{FF2B5EF4-FFF2-40B4-BE49-F238E27FC236}">
-                <a16:creationId xmlns:a16="http://schemas.microsoft.com/office/drawing/2014/main" id="{5B8761D8-B42F-4A70-A0CE-682CEB2AE31B}"/>
-              </a:ext>
-            </a:extLst>
-          </p:cNvPr>
-          <p:cNvSpPr>
-            <a:spLocks noGrp="1"/>
-          </p:cNvSpPr>
-          <p:nvPr>
-            <p:ph type="sldNum" sz="quarter" idx="4"/>
-          </p:nvPr>
-        </p:nvSpPr>
-        <p:spPr>
-          <a:xfrm>
-            <a:off x="11753030" y="6507000"/>
-            <a:ext cx="367414" cy="297000"/>
-          </a:xfrm>
-          <a:prstGeom prst="rect">
-            <a:avLst/>
-          </a:prstGeom>
-        </p:spPr>
-        <p:txBody>
-          <a:bodyPr vert="horz" lIns="91440" tIns="45720" rIns="91440" bIns="45720" rtlCol="0" anchor="b"/>
-          <a:lstStyle>
-            <a:lvl1pPr algn="r">
-              <a:defRPr sz="1000"/>
-            </a:lvl1pPr>
-          </a:lstStyle>
-          <a:p>
-            <a:fld id="{2BF067CD-8E6B-4360-9AA8-C5DF2A48A6D1}" type="slidenum">
-              <a:rPr lang="en-US" noProof="0" smtClean="0"/>
-              <a:pPr/>
-              <a:t>‹#›</a:t>
-            </a:fld>
-            <a:endParaRPr lang="en-US" noProof="0" dirty="0"/>
-          </a:p>
-        </p:txBody>
-      </p:sp>
-      <p:pic>
-        <p:nvPicPr>
-          <p:cNvPr id="19" name="Picture Forum" descr="Forum icon">
-            <a:hlinkClick r:id="rId2" tooltip="Software University Discussion Forum"/>
-            <a:extLst>
-              <a:ext uri="{FF2B5EF4-FFF2-40B4-BE49-F238E27FC236}">
-                <a16:creationId xmlns:a16="http://schemas.microsoft.com/office/drawing/2014/main" id="{98C579AD-FAF5-4B28-9B52-5457F1E90061}"/>
-              </a:ext>
-            </a:extLst>
-          </p:cNvPr>
-          <p:cNvPicPr>
-            <a:picLocks noChangeAspect="1"/>
-          </p:cNvPicPr>
-          <p:nvPr userDrawn="1"/>
-        </p:nvPicPr>
-        <p:blipFill>
-          <a:blip r:embed="rId3" cstate="print">
-            <a:extLst>
-              <a:ext uri="{28A0092B-C50C-407E-A947-70E740481C1C}">
-                <a14:useLocalDpi xmlns:a14="http://schemas.microsoft.com/office/drawing/2010/main"/>
-              </a:ext>
-            </a:extLst>
-          </a:blip>
-          <a:stretch>
-            <a:fillRect/>
-          </a:stretch>
-        </p:blipFill>
-        <p:spPr>
-          <a:xfrm>
-            <a:off x="10524350" y="5249556"/>
-            <a:ext cx="970156" cy="965726"/>
-          </a:xfrm>
-          <a:prstGeom prst="rect">
-            <a:avLst/>
-          </a:prstGeom>
-        </p:spPr>
-      </p:pic>
-      <p:pic>
-        <p:nvPicPr>
-          <p:cNvPr id="17" name="Picture Logo FB" descr="Facebook logo">
-            <a:hlinkClick r:id="rId4" tooltip="Software University @ Facebook"/>
-            <a:extLst>
-              <a:ext uri="{FF2B5EF4-FFF2-40B4-BE49-F238E27FC236}">
-                <a16:creationId xmlns:a16="http://schemas.microsoft.com/office/drawing/2014/main" id="{6B2C510E-5EF2-49F6-B926-2BD74CD3C7F8}"/>
-              </a:ext>
-            </a:extLst>
-          </p:cNvPr>
-          <p:cNvPicPr>
-            <a:picLocks noChangeAspect="1" noChangeArrowheads="1"/>
-          </p:cNvPicPr>
-          <p:nvPr userDrawn="1"/>
-        </p:nvPicPr>
-        <p:blipFill rotWithShape="1">
-          <a:blip r:embed="rId5" cstate="print">
-            <a:extLst>
-              <a:ext uri="{28A0092B-C50C-407E-A947-70E740481C1C}">
-                <a14:useLocalDpi xmlns:a14="http://schemas.microsoft.com/office/drawing/2010/main"/>
-              </a:ext>
-            </a:extLst>
-          </a:blip>
-          <a:srcRect/>
-          <a:stretch/>
-        </p:blipFill>
-        <p:spPr bwMode="auto">
-          <a:xfrm>
-            <a:off x="10507451" y="3689937"/>
-            <a:ext cx="1003954" cy="1017562"/>
-          </a:xfrm>
-          <a:prstGeom prst="rect">
-            <a:avLst/>
-          </a:prstGeom>
-          <a:noFill/>
-          <a:extLst>
-            <a:ext uri="{909E8E84-426E-40DD-AFC4-6F175D3DCCD1}">
-              <a14:hiddenFill xmlns:a14="http://schemas.microsoft.com/office/drawing/2010/main">
-                <a:solidFill>
-                  <a:srgbClr val="FFFFFF"/>
-                </a:solidFill>
-              </a14:hiddenFill>
-            </a:ext>
-          </a:extLst>
-        </p:spPr>
-      </p:pic>
-      <p:pic>
-        <p:nvPicPr>
-          <p:cNvPr id="20" name="Picture Logo SoftUni Right" descr="Software University logo">
-            <a:hlinkClick r:id="rId6"/>
-            <a:extLst>
-              <a:ext uri="{FF2B5EF4-FFF2-40B4-BE49-F238E27FC236}">
-                <a16:creationId xmlns:a16="http://schemas.microsoft.com/office/drawing/2014/main" id="{F4604840-E810-44B7-9FF1-3B28CD68B758}"/>
-              </a:ext>
-            </a:extLst>
-          </p:cNvPr>
-          <p:cNvPicPr>
-            <a:picLocks noChangeAspect="1"/>
-          </p:cNvPicPr>
-          <p:nvPr userDrawn="1"/>
-        </p:nvPicPr>
-        <p:blipFill>
-          <a:blip r:embed="rId7">
-            <a:extLst>
-              <a:ext uri="{28A0092B-C50C-407E-A947-70E740481C1C}">
-                <a14:useLocalDpi xmlns:a14="http://schemas.microsoft.com/office/drawing/2010/main" val="0"/>
-              </a:ext>
-            </a:extLst>
-          </a:blip>
-          <a:stretch>
-            <a:fillRect/>
-          </a:stretch>
-        </p:blipFill>
-        <p:spPr>
-          <a:xfrm>
-            <a:off x="10413401" y="1674000"/>
-            <a:ext cx="1192055" cy="1473880"/>
-          </a:xfrm>
-          <a:prstGeom prst="rect">
-            <a:avLst/>
-          </a:prstGeom>
-        </p:spPr>
-      </p:pic>
-      <p:pic>
-        <p:nvPicPr>
-          <p:cNvPr id="16" name="Picture SoftUni Mascot" descr="SoftUni mascot">
-            <a:hlinkClick r:id="rId8"/>
-            <a:extLst>
-              <a:ext uri="{FF2B5EF4-FFF2-40B4-BE49-F238E27FC236}">
-                <a16:creationId xmlns:a16="http://schemas.microsoft.com/office/drawing/2014/main" id="{07C965FA-A87E-4824-AFA8-C67AF548A76A}"/>
-              </a:ext>
-            </a:extLst>
-          </p:cNvPr>
-          <p:cNvPicPr>
-            <a:picLocks noChangeAspect="1"/>
-          </p:cNvPicPr>
-          <p:nvPr/>
-        </p:nvPicPr>
-        <p:blipFill>
-          <a:blip r:embed="rId9">
-            <a:extLst>
-              <a:ext uri="{28A0092B-C50C-407E-A947-70E740481C1C}">
-                <a14:useLocalDpi xmlns:a14="http://schemas.microsoft.com/office/drawing/2010/main" val="0"/>
-              </a:ext>
-            </a:extLst>
-          </a:blip>
-          <a:srcRect/>
-          <a:stretch/>
-        </p:blipFill>
-        <p:spPr>
-          <a:xfrm>
-            <a:off x="7181957" y="2584289"/>
-            <a:ext cx="2732955" cy="3630993"/>
-          </a:xfrm>
-          <a:prstGeom prst="rect">
-            <a:avLst/>
-          </a:prstGeom>
-        </p:spPr>
-      </p:pic>
-      <p:sp>
-        <p:nvSpPr>
-          <p:cNvPr id="12" name="Slide Body Text">
-            <a:extLst>
-              <a:ext uri="{FF2B5EF4-FFF2-40B4-BE49-F238E27FC236}">
-                <a16:creationId xmlns:a16="http://schemas.microsoft.com/office/drawing/2014/main" id="{0C1F9416-8B6E-46DE-973C-777785E27A26}"/>
-              </a:ext>
-            </a:extLst>
-          </p:cNvPr>
-          <p:cNvSpPr>
-            <a:spLocks noGrp="1"/>
-          </p:cNvSpPr>
-          <p:nvPr>
-            <p:ph idx="4294967295" hasCustomPrompt="1"/>
-          </p:nvPr>
-        </p:nvSpPr>
-        <p:spPr>
-          <a:xfrm>
-            <a:off x="152410" y="1186307"/>
-            <a:ext cx="8688590" cy="5496127"/>
-          </a:xfrm>
-        </p:spPr>
-        <p:txBody>
-          <a:bodyPr wrap="square">
-            <a:noAutofit/>
-          </a:bodyPr>
-          <a:lstStyle>
-            <a:lvl1pPr latinLnBrk="0">
-              <a:buClr>
-                <a:schemeClr val="tx1"/>
-              </a:buClr>
-              <a:defRPr sz="2798"/>
-            </a:lvl1pPr>
-            <a:lvl2pPr marL="989981" marR="0" indent="-380762" algn="l" defTabSz="1218438" rtl="0" eaLnBrk="1" fontAlgn="auto" latinLnBrk="1" hangingPunct="1">
-              <a:lnSpc>
-                <a:spcPct val="100000"/>
-              </a:lnSpc>
-              <a:spcBef>
-                <a:spcPts val="600"/>
-              </a:spcBef>
-              <a:spcAft>
-                <a:spcPts val="600"/>
-              </a:spcAft>
-              <a:buClrTx/>
-              <a:buSzTx/>
-              <a:buFont typeface="Wingdings" panose="05000000000000000000" pitchFamily="2" charset="2"/>
-              <a:buChar char="§"/>
-              <a:tabLst>
-                <a:tab pos="282405" algn="l"/>
-              </a:tabLst>
-              <a:defRPr sz="2800"/>
-            </a:lvl2pPr>
-            <a:lvl3pPr>
-              <a:buClr>
-                <a:schemeClr val="tx1"/>
-              </a:buClr>
-              <a:defRPr/>
-            </a:lvl3pPr>
-          </a:lstStyle>
-          <a:p>
-            <a:r>
-              <a:rPr lang="en-US" sz="3000" noProof="0" dirty="0"/>
-              <a:t>Software University – High-Quality Education, Profession and Job for Software Developers</a:t>
-            </a:r>
-          </a:p>
-          <a:p>
-            <a:pPr lvl="1"/>
-            <a:r>
-              <a:rPr lang="en-US" noProof="1">
-                <a:hlinkClick r:id="rId8"/>
-              </a:rPr>
-              <a:t>softuni.bg</a:t>
-            </a:r>
-            <a:r>
-              <a:rPr lang="en-US" noProof="1"/>
-              <a:t> </a:t>
-            </a:r>
-          </a:p>
-          <a:p>
-            <a:r>
-              <a:rPr lang="en-US" sz="3000" noProof="0" dirty="0"/>
-              <a:t>Software University Foundation</a:t>
-            </a:r>
-          </a:p>
-          <a:p>
-            <a:pPr lvl="1"/>
-            <a:r>
-              <a:rPr lang="en-US" noProof="1">
-                <a:hlinkClick r:id="rId10"/>
-              </a:rPr>
-              <a:t>softuni.foundation</a:t>
-            </a:r>
-            <a:endParaRPr lang="en-US" noProof="1"/>
-          </a:p>
-          <a:p>
-            <a:r>
-              <a:rPr lang="en-US" sz="3000" noProof="0" dirty="0"/>
-              <a:t>Software University @ Facebook</a:t>
-            </a:r>
-          </a:p>
-          <a:p>
-            <a:pPr lvl="1"/>
-            <a:r>
-              <a:rPr lang="en-US" noProof="1">
-                <a:hlinkClick r:id="rId4"/>
-              </a:rPr>
-              <a:t>facebook.com/SoftwareUniversity</a:t>
-            </a:r>
-            <a:endParaRPr lang="en-US" noProof="1"/>
-          </a:p>
-          <a:p>
-            <a:r>
-              <a:rPr lang="en-US" sz="3000" noProof="0" dirty="0"/>
-              <a:t>Software University Forums</a:t>
-            </a:r>
-          </a:p>
-          <a:p>
-            <a:pPr lvl="1"/>
-            <a:r>
-              <a:rPr lang="en-US" noProof="1">
-                <a:hlinkClick r:id="rId2"/>
-              </a:rPr>
-              <a:t>forum.softuni.bg</a:t>
-            </a:r>
-            <a:endParaRPr lang="en-US" noProof="1"/>
-          </a:p>
-        </p:txBody>
-      </p:sp>
-      <p:sp>
-        <p:nvSpPr>
-          <p:cNvPr id="10" name="Rectangle Top">
-            <a:extLst>
-              <a:ext uri="{FF2B5EF4-FFF2-40B4-BE49-F238E27FC236}">
-                <a16:creationId xmlns:a16="http://schemas.microsoft.com/office/drawing/2014/main" id="{86646B95-5E3B-4DE8-9118-031C2C296D8C}"/>
-              </a:ext>
-            </a:extLst>
-          </p:cNvPr>
-          <p:cNvSpPr/>
-          <p:nvPr userDrawn="1"/>
-        </p:nvSpPr>
-        <p:spPr>
-          <a:xfrm>
-            <a:off x="0" y="0"/>
-            <a:ext cx="12195176" cy="1095376"/>
-          </a:xfrm>
-          <a:prstGeom prst="rect">
-            <a:avLst/>
-          </a:prstGeom>
-          <a:solidFill>
-            <a:schemeClr val="tx2"/>
-          </a:solidFill>
-          <a:ln>
-            <a:noFill/>
-          </a:ln>
-        </p:spPr>
-        <p:style>
-          <a:lnRef idx="2">
-            <a:schemeClr val="accent1">
-              <a:shade val="50000"/>
-            </a:schemeClr>
-          </a:lnRef>
-          <a:fillRef idx="1">
-            <a:schemeClr val="accent1"/>
-          </a:fillRef>
-          <a:effectRef idx="0">
-            <a:schemeClr val="accent1"/>
-          </a:effectRef>
-          <a:fontRef idx="minor">
-            <a:schemeClr val="lt1"/>
-          </a:fontRef>
-        </p:style>
-        <p:txBody>
-          <a:bodyPr rtlCol="0" anchor="ctr"/>
-          <a:lstStyle/>
-          <a:p>
-            <a:pPr marL="0" marR="0" lvl="0" indent="0" algn="ctr" defTabSz="913852" rtl="0" eaLnBrk="1" fontAlgn="auto" latinLnBrk="0" hangingPunct="1">
-              <a:lnSpc>
-                <a:spcPct val="100000"/>
-              </a:lnSpc>
-              <a:spcBef>
-                <a:spcPts val="0"/>
-              </a:spcBef>
-              <a:spcAft>
-                <a:spcPts val="0"/>
-              </a:spcAft>
-              <a:buClrTx/>
-              <a:buSzTx/>
-              <a:buFontTx/>
-              <a:buNone/>
-              <a:tabLst/>
-              <a:defRPr/>
-            </a:pPr>
-            <a:endParaRPr kumimoji="0" lang="en-US" altLang="ko-KR" sz="2398" b="0" i="0" u="none" strike="noStrike" kern="1200" cap="none" spc="0" normalizeH="0" baseline="0" noProof="0" dirty="0">
-              <a:ln>
-                <a:noFill/>
-              </a:ln>
-              <a:solidFill>
-                <a:srgbClr val="F7C86D"/>
-              </a:solidFill>
-              <a:effectLst/>
-              <a:uLnTx/>
-              <a:uFillTx/>
-              <a:latin typeface="Calibri" panose="020F0502020204030204"/>
-              <a:ea typeface="맑은 고딕" panose="020B0503020000020004" pitchFamily="34" charset="-127"/>
-              <a:cs typeface="+mn-cs"/>
-            </a:endParaRPr>
-          </a:p>
-        </p:txBody>
-      </p:sp>
-      <p:pic>
-        <p:nvPicPr>
-          <p:cNvPr id="11" name="Logo Software University" descr="Software University logo">
-            <a:extLst>
-              <a:ext uri="{FF2B5EF4-FFF2-40B4-BE49-F238E27FC236}">
-                <a16:creationId xmlns:a16="http://schemas.microsoft.com/office/drawing/2014/main" id="{58AB1944-B146-4E89-B2D9-426EB610F319}"/>
-              </a:ext>
-            </a:extLst>
-          </p:cNvPr>
-          <p:cNvPicPr>
-            <a:picLocks noChangeAspect="1"/>
-          </p:cNvPicPr>
-          <p:nvPr userDrawn="1"/>
-        </p:nvPicPr>
-        <p:blipFill>
-          <a:blip r:embed="rId11">
-            <a:extLst>
-              <a:ext uri="{28A0092B-C50C-407E-A947-70E740481C1C}">
-                <a14:useLocalDpi xmlns:a14="http://schemas.microsoft.com/office/drawing/2010/main" val="0"/>
-              </a:ext>
-            </a:extLst>
-          </a:blip>
-          <a:stretch>
-            <a:fillRect/>
-          </a:stretch>
-        </p:blipFill>
-        <p:spPr>
-          <a:xfrm>
-            <a:off x="10067957" y="253936"/>
-            <a:ext cx="1915704" cy="559235"/>
-          </a:xfrm>
-          <a:prstGeom prst="rect">
-            <a:avLst/>
-          </a:prstGeom>
-        </p:spPr>
-      </p:pic>
-      <p:sp>
-        <p:nvSpPr>
-          <p:cNvPr id="18" name="Slide Title">
-            <a:extLst>
-              <a:ext uri="{FF2B5EF4-FFF2-40B4-BE49-F238E27FC236}">
-                <a16:creationId xmlns:a16="http://schemas.microsoft.com/office/drawing/2014/main" id="{AE87ED9C-76E1-4D85-9B06-3AF44AABB668}"/>
-              </a:ext>
-            </a:extLst>
-          </p:cNvPr>
-          <p:cNvSpPr>
-            <a:spLocks noGrp="1"/>
-          </p:cNvSpPr>
-          <p:nvPr>
-            <p:ph type="title" hasCustomPrompt="1"/>
-          </p:nvPr>
-        </p:nvSpPr>
-        <p:spPr>
-          <a:xfrm>
-            <a:off x="172286" y="108873"/>
-            <a:ext cx="9742626" cy="882654"/>
-          </a:xfrm>
-        </p:spPr>
-        <p:txBody>
-          <a:bodyPr/>
-          <a:lstStyle>
-            <a:lvl1pPr latinLnBrk="0">
-              <a:defRPr>
-                <a:solidFill>
-                  <a:schemeClr val="bg2"/>
-                </a:solidFill>
-              </a:defRPr>
-            </a:lvl1pPr>
-          </a:lstStyle>
-          <a:p>
-            <a:r>
-              <a:rPr lang="en-US" noProof="0" dirty="0"/>
-              <a:t>Trainings @ Software University (SoftUni)</a:t>
-            </a:r>
-          </a:p>
-        </p:txBody>
-      </p:sp>
-    </p:spTree>
-    <p:extLst>
-      <p:ext uri="{BB962C8B-B14F-4D97-AF65-F5344CB8AC3E}">
-        <p14:creationId xmlns:p14="http://schemas.microsoft.com/office/powerpoint/2010/main" val="2196466322"/>
-      </p:ext>
-    </p:extLst>
-  </p:cSld>
-  <p:clrMapOvr>
-    <a:masterClrMapping/>
-  </p:clrMapOvr>
-  <mc:AlternateContent xmlns:mc="http://schemas.openxmlformats.org/markup-compatibility/2006" xmlns:p14="http://schemas.microsoft.com/office/powerpoint/2010/main">
-    <mc:Choice Requires="p14">
-      <p:transition spd="slow" p14:dur="2000" advClick="0" advTm="5000"/>
-    </mc:Choice>
-    <mc:Fallback xmlns="">
-      <p:transition spd="slow" advClick="0" advTm="5000"/>
-    </mc:Fallback>
-  </mc:AlternateContent>
 </p:sldLayout>
 </file>
 
@@ -6689,7 +5170,7 @@
               <a:tabLst/>
               <a:defRPr/>
             </a:pPr>
-            <a:endParaRPr kumimoji="0" lang="en-US" altLang="ko-KR" sz="2398" b="0" i="0" u="none" strike="noStrike" kern="1200" cap="none" spc="0" normalizeH="0" baseline="0" noProof="0" dirty="0">
+            <a:endParaRPr kumimoji="0" lang="en-US" altLang="ko-KR" sz="2398" b="0" i="0" u="none" strike="noStrike" kern="1200" cap="none" spc="0" normalizeH="0" baseline="0" noProof="0">
               <a:ln>
                 <a:noFill/>
               </a:ln>
@@ -7017,7 +5498,7 @@
               <a:tabLst/>
               <a:defRPr/>
             </a:pPr>
-            <a:endParaRPr kumimoji="0" lang="en-US" altLang="ko-KR" sz="2398" b="0" i="0" u="none" strike="noStrike" kern="1200" cap="none" spc="0" normalizeH="0" baseline="0" noProof="0" dirty="0">
+            <a:endParaRPr kumimoji="0" lang="en-US" altLang="ko-KR" sz="2398" b="0" i="0" u="none" strike="noStrike" kern="1200" cap="none" spc="0" normalizeH="0" baseline="0" noProof="0">
               <a:ln>
                 <a:noFill/>
               </a:ln>
@@ -7034,42 +5515,6 @@
           </a:p>
         </p:txBody>
       </p:sp>
-      <p:pic>
-        <p:nvPicPr>
-          <p:cNvPr id="12" name="Logo Software University" descr="Software University logo">
-            <a:extLst>
-              <a:ext uri="{FF2B5EF4-FFF2-40B4-BE49-F238E27FC236}">
-                <a16:creationId xmlns:a16="http://schemas.microsoft.com/office/drawing/2014/main" id="{B1D3B425-B9BF-43ED-9DEC-C05002FBA22F}"/>
-              </a:ext>
-            </a:extLst>
-          </p:cNvPr>
-          <p:cNvPicPr>
-            <a:picLocks noChangeAspect="1"/>
-          </p:cNvPicPr>
-          <p:nvPr userDrawn="1"/>
-        </p:nvPicPr>
-        <p:blipFill>
-          <a:blip r:embed="rId2">
-            <a:extLst>
-              <a:ext uri="{28A0092B-C50C-407E-A947-70E740481C1C}">
-                <a14:useLocalDpi xmlns:a14="http://schemas.microsoft.com/office/drawing/2010/main" val="0"/>
-              </a:ext>
-            </a:extLst>
-          </a:blip>
-          <a:stretch>
-            <a:fillRect/>
-          </a:stretch>
-        </p:blipFill>
-        <p:spPr>
-          <a:xfrm>
-            <a:off x="10067957" y="253936"/>
-            <a:ext cx="1915704" cy="559235"/>
-          </a:xfrm>
-          <a:prstGeom prst="rect">
-            <a:avLst/>
-          </a:prstGeom>
-        </p:spPr>
-      </p:pic>
       <p:sp>
         <p:nvSpPr>
           <p:cNvPr id="6" name="Slide Title">
@@ -7089,7 +5534,7 @@
         <p:spPr>
           <a:xfrm>
             <a:off x="190406" y="100750"/>
-            <a:ext cx="9715594" cy="882654"/>
+            <a:ext cx="10270594" cy="882654"/>
           </a:xfrm>
         </p:spPr>
         <p:txBody>
@@ -7111,6 +5556,42 @@
           </a:p>
         </p:txBody>
       </p:sp>
+      <p:pic>
+        <p:nvPicPr>
+          <p:cNvPr id="4" name="Picture 3">
+            <a:extLst>
+              <a:ext uri="{FF2B5EF4-FFF2-40B4-BE49-F238E27FC236}">
+                <a16:creationId xmlns:a16="http://schemas.microsoft.com/office/drawing/2014/main" id="{4B9A1D0F-F579-6A3C-C698-4E2E7F1AB265}"/>
+              </a:ext>
+            </a:extLst>
+          </p:cNvPr>
+          <p:cNvPicPr>
+            <a:picLocks noChangeAspect="1"/>
+          </p:cNvPicPr>
+          <p:nvPr userDrawn="1"/>
+        </p:nvPicPr>
+        <p:blipFill>
+          <a:blip r:embed="rId2" cstate="print">
+            <a:extLst>
+              <a:ext uri="{28A0092B-C50C-407E-A947-70E740481C1C}">
+                <a14:useLocalDpi xmlns:a14="http://schemas.microsoft.com/office/drawing/2010/main" val="0"/>
+              </a:ext>
+            </a:extLst>
+          </a:blip>
+          <a:stretch>
+            <a:fillRect/>
+          </a:stretch>
+        </p:blipFill>
+        <p:spPr>
+          <a:xfrm>
+            <a:off x="10553573" y="368999"/>
+            <a:ext cx="1443361" cy="360001"/>
+          </a:xfrm>
+          <a:prstGeom prst="rect">
+            <a:avLst/>
+          </a:prstGeom>
+        </p:spPr>
+      </p:pic>
     </p:spTree>
     <p:extLst>
       <p:ext uri="{BB962C8B-B14F-4D97-AF65-F5344CB8AC3E}">
@@ -7133,371 +5614,6 @@
 </file>
 
 <file path=ppt/slideLayouts/slideLayout4.xml><?xml version="1.0" encoding="utf-8"?>
-<p:sldLayout xmlns:a="http://schemas.openxmlformats.org/drawingml/2006/main" xmlns:r="http://schemas.openxmlformats.org/officeDocument/2006/relationships" xmlns:p="http://schemas.openxmlformats.org/presentationml/2006/main" preserve="1" userDrawn="1">
-  <p:cSld name="Table of Contents">
-    <p:spTree>
-      <p:nvGrpSpPr>
-        <p:cNvPr id="1" name=""/>
-        <p:cNvGrpSpPr/>
-        <p:nvPr/>
-      </p:nvGrpSpPr>
-      <p:grpSpPr>
-        <a:xfrm>
-          <a:off x="0" y="0"/>
-          <a:ext cx="0" cy="0"/>
-          <a:chOff x="0" y="0"/>
-          <a:chExt cx="0" cy="0"/>
-        </a:xfrm>
-      </p:grpSpPr>
-      <p:sp>
-        <p:nvSpPr>
-          <p:cNvPr id="10" name="Slide Number">
-            <a:extLst>
-              <a:ext uri="{FF2B5EF4-FFF2-40B4-BE49-F238E27FC236}">
-                <a16:creationId xmlns:a16="http://schemas.microsoft.com/office/drawing/2014/main" id="{39DDE17E-5472-41F3-AF5F-54DFF10DC63C}"/>
-              </a:ext>
-            </a:extLst>
-          </p:cNvPr>
-          <p:cNvSpPr>
-            <a:spLocks noGrp="1"/>
-          </p:cNvSpPr>
-          <p:nvPr>
-            <p:ph type="sldNum" sz="quarter" idx="4"/>
-          </p:nvPr>
-        </p:nvSpPr>
-        <p:spPr>
-          <a:xfrm>
-            <a:off x="11753030" y="6507000"/>
-            <a:ext cx="367414" cy="297000"/>
-          </a:xfrm>
-          <a:prstGeom prst="rect">
-            <a:avLst/>
-          </a:prstGeom>
-        </p:spPr>
-        <p:txBody>
-          <a:bodyPr vert="horz" lIns="91440" tIns="45720" rIns="91440" bIns="45720" rtlCol="0" anchor="b"/>
-          <a:lstStyle>
-            <a:lvl1pPr algn="r">
-              <a:defRPr sz="1000"/>
-            </a:lvl1pPr>
-          </a:lstStyle>
-          <a:p>
-            <a:fld id="{2BF067CD-8E6B-4360-9AA8-C5DF2A48A6D1}" type="slidenum">
-              <a:rPr lang="en-US" noProof="0" smtClean="0"/>
-              <a:pPr/>
-              <a:t>‹#›</a:t>
-            </a:fld>
-            <a:endParaRPr lang="en-US" noProof="0" dirty="0"/>
-          </a:p>
-        </p:txBody>
-      </p:sp>
-      <p:pic>
-        <p:nvPicPr>
-          <p:cNvPr id="9" name="Picture SoftUni Mascot" descr="SoftUni mascot with laptop">
-            <a:extLst>
-              <a:ext uri="{FF2B5EF4-FFF2-40B4-BE49-F238E27FC236}">
-                <a16:creationId xmlns:a16="http://schemas.microsoft.com/office/drawing/2014/main" id="{DC4365F6-D2C1-47B4-8477-38FD2C7711AA}"/>
-              </a:ext>
-            </a:extLst>
-          </p:cNvPr>
-          <p:cNvPicPr>
-            <a:picLocks noChangeAspect="1"/>
-          </p:cNvPicPr>
-          <p:nvPr/>
-        </p:nvPicPr>
-        <p:blipFill>
-          <a:blip r:embed="rId2" cstate="print">
-            <a:extLst>
-              <a:ext uri="{28A0092B-C50C-407E-A947-70E740481C1C}">
-                <a14:useLocalDpi xmlns:a14="http://schemas.microsoft.com/office/drawing/2010/main" val="0"/>
-              </a:ext>
-            </a:extLst>
-          </a:blip>
-          <a:stretch>
-            <a:fillRect/>
-          </a:stretch>
-        </p:blipFill>
-        <p:spPr>
-          <a:xfrm flipH="1">
-            <a:off x="9516000" y="3408496"/>
-            <a:ext cx="2251057" cy="3044431"/>
-          </a:xfrm>
-          <a:prstGeom prst="rect">
-            <a:avLst/>
-          </a:prstGeom>
-        </p:spPr>
-      </p:pic>
-      <p:sp>
-        <p:nvSpPr>
-          <p:cNvPr id="23" name="Slide Body Text">
-            <a:extLst>
-              <a:ext uri="{FF2B5EF4-FFF2-40B4-BE49-F238E27FC236}">
-                <a16:creationId xmlns:a16="http://schemas.microsoft.com/office/drawing/2014/main" id="{889D93F4-ABFA-46BF-8E5D-FE6562ACB20F}"/>
-              </a:ext>
-            </a:extLst>
-          </p:cNvPr>
-          <p:cNvSpPr>
-            <a:spLocks noGrp="1"/>
-          </p:cNvSpPr>
-          <p:nvPr>
-            <p:ph type="body" sz="quarter" idx="13" hasCustomPrompt="1"/>
-          </p:nvPr>
-        </p:nvSpPr>
-        <p:spPr>
-          <a:xfrm>
-            <a:off x="196766" y="1371604"/>
-            <a:ext cx="9049234" cy="5207396"/>
-          </a:xfrm>
-        </p:spPr>
-        <p:txBody>
-          <a:bodyPr>
-            <a:normAutofit/>
-          </a:bodyPr>
-          <a:lstStyle>
-            <a:lvl1pPr marL="514042" indent="-514042" latinLnBrk="0">
-              <a:buFont typeface="+mj-lt"/>
-              <a:buAutoNum type="arabicPeriod"/>
-              <a:defRPr sz="3600">
-                <a:solidFill>
-                  <a:schemeClr val="tx1"/>
-                </a:solidFill>
-              </a:defRPr>
-            </a:lvl1pPr>
-            <a:lvl2pPr>
-              <a:defRPr sz="3400"/>
-            </a:lvl2pPr>
-          </a:lstStyle>
-          <a:p>
-            <a:pPr lvl="0"/>
-            <a:r>
-              <a:rPr lang="en-US" noProof="0"/>
-              <a:t>…</a:t>
-            </a:r>
-          </a:p>
-          <a:p>
-            <a:pPr lvl="1"/>
-            <a:r>
-              <a:rPr lang="en-US" noProof="0"/>
-              <a:t>…</a:t>
-            </a:r>
-          </a:p>
-          <a:p>
-            <a:pPr lvl="1"/>
-            <a:r>
-              <a:rPr lang="en-US" noProof="0"/>
-              <a:t>…</a:t>
-            </a:r>
-          </a:p>
-          <a:p>
-            <a:pPr lvl="0"/>
-            <a:r>
-              <a:rPr lang="en-US" noProof="0"/>
-              <a:t>…</a:t>
-            </a:r>
-          </a:p>
-          <a:p>
-            <a:pPr lvl="1"/>
-            <a:r>
-              <a:rPr lang="en-US" noProof="0"/>
-              <a:t>…</a:t>
-            </a:r>
-          </a:p>
-          <a:p>
-            <a:pPr lvl="1"/>
-            <a:r>
-              <a:rPr lang="en-US" noProof="0"/>
-              <a:t>…</a:t>
-            </a:r>
-          </a:p>
-          <a:p>
-            <a:pPr lvl="0"/>
-            <a:r>
-              <a:rPr lang="en-US" noProof="0"/>
-              <a:t>…</a:t>
-            </a:r>
-          </a:p>
-        </p:txBody>
-      </p:sp>
-      <p:sp>
-        <p:nvSpPr>
-          <p:cNvPr id="8" name="Rectangle Top">
-            <a:extLst>
-              <a:ext uri="{FF2B5EF4-FFF2-40B4-BE49-F238E27FC236}">
-                <a16:creationId xmlns:a16="http://schemas.microsoft.com/office/drawing/2014/main" id="{930E0800-9260-4369-8330-8264DD33C5CE}"/>
-              </a:ext>
-            </a:extLst>
-          </p:cNvPr>
-          <p:cNvSpPr/>
-          <p:nvPr userDrawn="1"/>
-        </p:nvSpPr>
-        <p:spPr>
-          <a:xfrm>
-            <a:off x="0" y="0"/>
-            <a:ext cx="12196800" cy="1095376"/>
-          </a:xfrm>
-          <a:prstGeom prst="rect">
-            <a:avLst/>
-          </a:prstGeom>
-          <a:solidFill>
-            <a:schemeClr val="tx2"/>
-          </a:solidFill>
-          <a:ln>
-            <a:noFill/>
-          </a:ln>
-        </p:spPr>
-        <p:style>
-          <a:lnRef idx="2">
-            <a:schemeClr val="accent1">
-              <a:shade val="50000"/>
-            </a:schemeClr>
-          </a:lnRef>
-          <a:fillRef idx="1">
-            <a:schemeClr val="accent1"/>
-          </a:fillRef>
-          <a:effectRef idx="0">
-            <a:schemeClr val="accent1"/>
-          </a:effectRef>
-          <a:fontRef idx="minor">
-            <a:schemeClr val="lt1"/>
-          </a:fontRef>
-        </p:style>
-        <p:txBody>
-          <a:bodyPr rtlCol="0" anchor="ctr"/>
-          <a:lstStyle/>
-          <a:p>
-            <a:pPr marL="0" marR="0" lvl="0" indent="0" algn="ctr" defTabSz="913852" rtl="0" eaLnBrk="1" fontAlgn="auto" latinLnBrk="0" hangingPunct="1">
-              <a:lnSpc>
-                <a:spcPct val="100000"/>
-              </a:lnSpc>
-              <a:spcBef>
-                <a:spcPts val="0"/>
-              </a:spcBef>
-              <a:spcAft>
-                <a:spcPts val="0"/>
-              </a:spcAft>
-              <a:buClrTx/>
-              <a:buSzTx/>
-              <a:buFontTx/>
-              <a:buNone/>
-              <a:tabLst/>
-              <a:defRPr/>
-            </a:pPr>
-            <a:endParaRPr kumimoji="0" lang="en-US" altLang="ko-KR" sz="2398" b="0" i="0" u="none" strike="noStrike" kern="1200" cap="none" spc="0" normalizeH="0" baseline="0" noProof="0" dirty="0">
-              <a:ln>
-                <a:noFill/>
-              </a:ln>
-              <a:solidFill>
-                <a:srgbClr val="F7C86D"/>
-              </a:solidFill>
-              <a:effectLst/>
-              <a:uLnTx/>
-              <a:uFillTx/>
-              <a:latin typeface="Calibri" panose="020F0502020204030204"/>
-              <a:ea typeface="맑은 고딕" panose="020B0503020000020004" pitchFamily="34" charset="-127"/>
-              <a:cs typeface="+mn-cs"/>
-            </a:endParaRPr>
-          </a:p>
-        </p:txBody>
-      </p:sp>
-      <p:pic>
-        <p:nvPicPr>
-          <p:cNvPr id="11" name="Logo Software University" descr="Software University logo">
-            <a:extLst>
-              <a:ext uri="{FF2B5EF4-FFF2-40B4-BE49-F238E27FC236}">
-                <a16:creationId xmlns:a16="http://schemas.microsoft.com/office/drawing/2014/main" id="{14F779A7-4A91-448B-BEFA-956C70A1C22F}"/>
-              </a:ext>
-            </a:extLst>
-          </p:cNvPr>
-          <p:cNvPicPr>
-            <a:picLocks noChangeAspect="1"/>
-          </p:cNvPicPr>
-          <p:nvPr userDrawn="1"/>
-        </p:nvPicPr>
-        <p:blipFill>
-          <a:blip r:embed="rId3">
-            <a:extLst>
-              <a:ext uri="{28A0092B-C50C-407E-A947-70E740481C1C}">
-                <a14:useLocalDpi xmlns:a14="http://schemas.microsoft.com/office/drawing/2010/main" val="0"/>
-              </a:ext>
-            </a:extLst>
-          </a:blip>
-          <a:stretch>
-            <a:fillRect/>
-          </a:stretch>
-        </p:blipFill>
-        <p:spPr>
-          <a:xfrm>
-            <a:off x="10067957" y="253936"/>
-            <a:ext cx="1915704" cy="559235"/>
-          </a:xfrm>
-          <a:prstGeom prst="rect">
-            <a:avLst/>
-          </a:prstGeom>
-        </p:spPr>
-      </p:pic>
-      <p:sp>
-        <p:nvSpPr>
-          <p:cNvPr id="13" name="Slide Title">
-            <a:extLst>
-              <a:ext uri="{FF2B5EF4-FFF2-40B4-BE49-F238E27FC236}">
-                <a16:creationId xmlns:a16="http://schemas.microsoft.com/office/drawing/2014/main" id="{357D7BE1-6358-42CC-94F3-7BCDD91DCB6D}"/>
-              </a:ext>
-            </a:extLst>
-          </p:cNvPr>
-          <p:cNvSpPr>
-            <a:spLocks noGrp="1"/>
-          </p:cNvSpPr>
-          <p:nvPr>
-            <p:ph type="title" hasCustomPrompt="1"/>
-          </p:nvPr>
-        </p:nvSpPr>
-        <p:spPr>
-          <a:xfrm>
-            <a:off x="190406" y="100750"/>
-            <a:ext cx="9715594" cy="882654"/>
-          </a:xfrm>
-        </p:spPr>
-        <p:txBody>
-          <a:bodyPr/>
-          <a:lstStyle>
-            <a:lvl1pPr latinLnBrk="0">
-              <a:defRPr>
-                <a:solidFill>
-                  <a:schemeClr val="bg2"/>
-                </a:solidFill>
-              </a:defRPr>
-            </a:lvl1pPr>
-          </a:lstStyle>
-          <a:p>
-            <a:r>
-              <a:rPr lang="en-US" noProof="0" dirty="0"/>
-              <a:t>Table of Contents</a:t>
-            </a:r>
-          </a:p>
-        </p:txBody>
-      </p:sp>
-    </p:spTree>
-    <p:extLst>
-      <p:ext uri="{BB962C8B-B14F-4D97-AF65-F5344CB8AC3E}">
-        <p14:creationId xmlns:p14="http://schemas.microsoft.com/office/powerpoint/2010/main" val="1028724482"/>
-      </p:ext>
-    </p:extLst>
-  </p:cSld>
-  <p:clrMapOvr>
-    <a:masterClrMapping/>
-  </p:clrMapOvr>
-  <mc:AlternateContent xmlns:mc="http://schemas.openxmlformats.org/markup-compatibility/2006" xmlns:p14="http://schemas.microsoft.com/office/powerpoint/2010/main">
-    <mc:Choice Requires="p14">
-      <p:transition spd="slow" p14:dur="2000" advClick="0" advTm="5000"/>
-    </mc:Choice>
-    <mc:Fallback xmlns="">
-      <p:transition spd="slow" advClick="0" advTm="5000"/>
-    </mc:Fallback>
-  </mc:AlternateContent>
-</p:sldLayout>
-</file>
-
-<file path=ppt/slideLayouts/slideLayout5.xml><?xml version="1.0" encoding="utf-8"?>
 <p:sldLayout xmlns:a="http://schemas.openxmlformats.org/drawingml/2006/main" xmlns:r="http://schemas.openxmlformats.org/officeDocument/2006/relationships" xmlns:p="http://schemas.openxmlformats.org/presentationml/2006/main" preserve="1" userDrawn="1">
   <p:cSld name="Important Concept">
     <p:spTree>
@@ -7768,52 +5884,6 @@
           </a:p>
         </p:txBody>
       </p:sp>
-      <p:pic>
-        <p:nvPicPr>
-          <p:cNvPr id="3" name="Logo Software University" descr="Software University logo">
-            <a:extLst>
-              <a:ext uri="{FF2B5EF4-FFF2-40B4-BE49-F238E27FC236}">
-                <a16:creationId xmlns:a16="http://schemas.microsoft.com/office/drawing/2014/main" id="{5573C101-930B-47AC-967A-A64513DFFDEE}"/>
-              </a:ext>
-            </a:extLst>
-          </p:cNvPr>
-          <p:cNvPicPr>
-            <a:picLocks noChangeAspect="1"/>
-          </p:cNvPicPr>
-          <p:nvPr userDrawn="1"/>
-        </p:nvPicPr>
-        <p:blipFill>
-          <a:blip r:embed="rId3">
-            <a:clrChange>
-              <a:clrFrom>
-                <a:srgbClr val="FFFFFF"/>
-              </a:clrFrom>
-              <a:clrTo>
-                <a:srgbClr val="FFFFFF">
-                  <a:alpha val="0"/>
-                </a:srgbClr>
-              </a:clrTo>
-            </a:clrChange>
-            <a:extLst>
-              <a:ext uri="{28A0092B-C50C-407E-A947-70E740481C1C}">
-                <a14:useLocalDpi xmlns:a14="http://schemas.microsoft.com/office/drawing/2010/main" val="0"/>
-              </a:ext>
-            </a:extLst>
-          </a:blip>
-          <a:stretch>
-            <a:fillRect/>
-          </a:stretch>
-        </p:blipFill>
-        <p:spPr>
-          <a:xfrm>
-            <a:off x="10008761" y="190267"/>
-            <a:ext cx="2013336" cy="690975"/>
-          </a:xfrm>
-          <a:prstGeom prst="rect">
-            <a:avLst/>
-          </a:prstGeom>
-        </p:spPr>
-      </p:pic>
       <p:sp>
         <p:nvSpPr>
           <p:cNvPr id="8" name="Slide Title">
@@ -7832,8 +5902,8 @@
         </p:nvSpPr>
         <p:spPr>
           <a:xfrm>
-            <a:off x="1296957" y="100750"/>
-            <a:ext cx="8625520" cy="882654"/>
+            <a:off x="1296956" y="100750"/>
+            <a:ext cx="9164044" cy="882654"/>
           </a:xfrm>
         </p:spPr>
         <p:txBody>
@@ -7851,6 +5921,42 @@
           </a:p>
         </p:txBody>
       </p:sp>
+      <p:pic>
+        <p:nvPicPr>
+          <p:cNvPr id="2" name="Picture 1">
+            <a:extLst>
+              <a:ext uri="{FF2B5EF4-FFF2-40B4-BE49-F238E27FC236}">
+                <a16:creationId xmlns:a16="http://schemas.microsoft.com/office/drawing/2014/main" id="{78CA5371-2597-CF8F-1859-226395807433}"/>
+              </a:ext>
+            </a:extLst>
+          </p:cNvPr>
+          <p:cNvPicPr>
+            <a:picLocks noChangeAspect="1"/>
+          </p:cNvPicPr>
+          <p:nvPr userDrawn="1"/>
+        </p:nvPicPr>
+        <p:blipFill>
+          <a:blip r:embed="rId3" cstate="print">
+            <a:extLst>
+              <a:ext uri="{28A0092B-C50C-407E-A947-70E740481C1C}">
+                <a14:useLocalDpi xmlns:a14="http://schemas.microsoft.com/office/drawing/2010/main" val="0"/>
+              </a:ext>
+            </a:extLst>
+          </a:blip>
+          <a:stretch>
+            <a:fillRect/>
+          </a:stretch>
+        </p:blipFill>
+        <p:spPr>
+          <a:xfrm>
+            <a:off x="10551877" y="362077"/>
+            <a:ext cx="1443357" cy="360000"/>
+          </a:xfrm>
+          <a:prstGeom prst="rect">
+            <a:avLst/>
+          </a:prstGeom>
+        </p:spPr>
+      </p:pic>
     </p:spTree>
     <p:extLst>
       <p:ext uri="{BB962C8B-B14F-4D97-AF65-F5344CB8AC3E}">
@@ -7872,7 +5978,7 @@
 </p:sldLayout>
 </file>
 
-<file path=ppt/slideLayouts/slideLayout6.xml><?xml version="1.0" encoding="utf-8"?>
+<file path=ppt/slideLayouts/slideLayout5.xml><?xml version="1.0" encoding="utf-8"?>
 <p:sldLayout xmlns:a="http://schemas.openxmlformats.org/drawingml/2006/main" xmlns:r="http://schemas.openxmlformats.org/officeDocument/2006/relationships" xmlns:p="http://schemas.openxmlformats.org/presentationml/2006/main" preserve="1">
   <p:cSld name="Important Example">
     <p:spTree>
@@ -8149,52 +6255,6 @@
           </a:p>
         </p:txBody>
       </p:sp>
-      <p:pic>
-        <p:nvPicPr>
-          <p:cNvPr id="16" name="Logo Software University" descr="Software University logo">
-            <a:extLst>
-              <a:ext uri="{FF2B5EF4-FFF2-40B4-BE49-F238E27FC236}">
-                <a16:creationId xmlns:a16="http://schemas.microsoft.com/office/drawing/2014/main" id="{EFEBB553-EACE-4B4F-8B4F-7629FDD910A4}"/>
-              </a:ext>
-            </a:extLst>
-          </p:cNvPr>
-          <p:cNvPicPr>
-            <a:picLocks noChangeAspect="1"/>
-          </p:cNvPicPr>
-          <p:nvPr userDrawn="1"/>
-        </p:nvPicPr>
-        <p:blipFill>
-          <a:blip r:embed="rId3">
-            <a:clrChange>
-              <a:clrFrom>
-                <a:srgbClr val="FFFFFF"/>
-              </a:clrFrom>
-              <a:clrTo>
-                <a:srgbClr val="FFFFFF">
-                  <a:alpha val="0"/>
-                </a:srgbClr>
-              </a:clrTo>
-            </a:clrChange>
-            <a:extLst>
-              <a:ext uri="{28A0092B-C50C-407E-A947-70E740481C1C}">
-                <a14:useLocalDpi xmlns:a14="http://schemas.microsoft.com/office/drawing/2010/main" val="0"/>
-              </a:ext>
-            </a:extLst>
-          </a:blip>
-          <a:stretch>
-            <a:fillRect/>
-          </a:stretch>
-        </p:blipFill>
-        <p:spPr>
-          <a:xfrm>
-            <a:off x="10008761" y="190267"/>
-            <a:ext cx="2013336" cy="690975"/>
-          </a:xfrm>
-          <a:prstGeom prst="rect">
-            <a:avLst/>
-          </a:prstGeom>
-        </p:spPr>
-      </p:pic>
       <p:sp>
         <p:nvSpPr>
           <p:cNvPr id="13" name="Slide Title">
@@ -8213,8 +6273,8 @@
         </p:nvSpPr>
         <p:spPr>
           <a:xfrm>
-            <a:off x="1296957" y="100750"/>
-            <a:ext cx="8625520" cy="882654"/>
+            <a:off x="1296956" y="100750"/>
+            <a:ext cx="9164044" cy="882654"/>
           </a:xfrm>
         </p:spPr>
         <p:txBody>
@@ -8232,6 +6292,42 @@
           </a:p>
         </p:txBody>
       </p:sp>
+      <p:pic>
+        <p:nvPicPr>
+          <p:cNvPr id="2" name="Picture 1">
+            <a:extLst>
+              <a:ext uri="{FF2B5EF4-FFF2-40B4-BE49-F238E27FC236}">
+                <a16:creationId xmlns:a16="http://schemas.microsoft.com/office/drawing/2014/main" id="{A37AF1B9-D67A-246A-86B6-E28F19C52390}"/>
+              </a:ext>
+            </a:extLst>
+          </p:cNvPr>
+          <p:cNvPicPr>
+            <a:picLocks noChangeAspect="1"/>
+          </p:cNvPicPr>
+          <p:nvPr userDrawn="1"/>
+        </p:nvPicPr>
+        <p:blipFill>
+          <a:blip r:embed="rId3" cstate="print">
+            <a:extLst>
+              <a:ext uri="{28A0092B-C50C-407E-A947-70E740481C1C}">
+                <a14:useLocalDpi xmlns:a14="http://schemas.microsoft.com/office/drawing/2010/main" val="0"/>
+              </a:ext>
+            </a:extLst>
+          </a:blip>
+          <a:stretch>
+            <a:fillRect/>
+          </a:stretch>
+        </p:blipFill>
+        <p:spPr>
+          <a:xfrm>
+            <a:off x="10551877" y="362077"/>
+            <a:ext cx="1443357" cy="360000"/>
+          </a:xfrm>
+          <a:prstGeom prst="rect">
+            <a:avLst/>
+          </a:prstGeom>
+        </p:spPr>
+      </p:pic>
     </p:spTree>
     <p:extLst>
       <p:ext uri="{BB962C8B-B14F-4D97-AF65-F5344CB8AC3E}">
@@ -8253,7 +6349,7 @@
 </p:sldLayout>
 </file>
 
-<file path=ppt/slideLayouts/slideLayout7.xml><?xml version="1.0" encoding="utf-8"?>
+<file path=ppt/slideLayouts/slideLayout6.xml><?xml version="1.0" encoding="utf-8"?>
 <p:sldLayout xmlns:a="http://schemas.openxmlformats.org/drawingml/2006/main" xmlns:r="http://schemas.openxmlformats.org/officeDocument/2006/relationships" xmlns:p="http://schemas.openxmlformats.org/presentationml/2006/main" preserve="1" userDrawn="1">
   <p:cSld name="Blank Slide">
     <p:spTree>
@@ -8548,8 +6644,8 @@
         </p:nvSpPr>
         <p:spPr>
           <a:xfrm>
-            <a:off x="585176" y="100750"/>
-            <a:ext cx="11410061" cy="882654"/>
+            <a:off x="585177" y="100750"/>
+            <a:ext cx="9875824" cy="882654"/>
           </a:xfrm>
         </p:spPr>
         <p:txBody>
@@ -8567,6 +6663,42 @@
           </a:p>
         </p:txBody>
       </p:sp>
+      <p:pic>
+        <p:nvPicPr>
+          <p:cNvPr id="2" name="Picture 1">
+            <a:extLst>
+              <a:ext uri="{FF2B5EF4-FFF2-40B4-BE49-F238E27FC236}">
+                <a16:creationId xmlns:a16="http://schemas.microsoft.com/office/drawing/2014/main" id="{9C2C375B-43BF-D1DD-F160-1500A111885C}"/>
+              </a:ext>
+            </a:extLst>
+          </p:cNvPr>
+          <p:cNvPicPr>
+            <a:picLocks noChangeAspect="1"/>
+          </p:cNvPicPr>
+          <p:nvPr userDrawn="1"/>
+        </p:nvPicPr>
+        <p:blipFill>
+          <a:blip r:embed="rId3" cstate="print">
+            <a:extLst>
+              <a:ext uri="{28A0092B-C50C-407E-A947-70E740481C1C}">
+                <a14:useLocalDpi xmlns:a14="http://schemas.microsoft.com/office/drawing/2010/main" val="0"/>
+              </a:ext>
+            </a:extLst>
+          </a:blip>
+          <a:stretch>
+            <a:fillRect/>
+          </a:stretch>
+        </p:blipFill>
+        <p:spPr>
+          <a:xfrm>
+            <a:off x="10551877" y="362077"/>
+            <a:ext cx="1443357" cy="360000"/>
+          </a:xfrm>
+          <a:prstGeom prst="rect">
+            <a:avLst/>
+          </a:prstGeom>
+        </p:spPr>
+      </p:pic>
     </p:spTree>
     <p:extLst>
       <p:ext uri="{BB962C8B-B14F-4D97-AF65-F5344CB8AC3E}">
@@ -8588,7 +6720,7 @@
 </p:sldLayout>
 </file>
 
-<file path=ppt/slideLayouts/slideLayout8.xml><?xml version="1.0" encoding="utf-8"?>
+<file path=ppt/slideLayouts/slideLayout7.xml><?xml version="1.0" encoding="utf-8"?>
 <p:sldLayout xmlns:a="http://schemas.openxmlformats.org/drawingml/2006/main" xmlns:r="http://schemas.openxmlformats.org/officeDocument/2006/relationships" xmlns:p="http://schemas.openxmlformats.org/presentationml/2006/main" preserve="1" userDrawn="1">
   <p:cSld name="Source Code Example">
     <p:spTree>
@@ -8643,7 +6775,7 @@
               <a:pPr/>
               <a:t>‹#›</a:t>
             </a:fld>
-            <a:endParaRPr lang="en-US" noProof="0" dirty="0"/>
+            <a:endParaRPr lang="en-US" noProof="0"/>
           </a:p>
         </p:txBody>
       </p:sp>
@@ -8661,7 +6793,7 @@
         </p:nvSpPr>
         <p:spPr>
           <a:xfrm>
-            <a:off x="0" y="0"/>
+            <a:off x="0" y="1311"/>
             <a:ext cx="12196800" cy="1095376"/>
           </a:xfrm>
           <a:prstGeom prst="rect">
@@ -8728,48 +6860,12 @@
           </a:p>
         </p:txBody>
       </p:sp>
-      <p:pic>
-        <p:nvPicPr>
-          <p:cNvPr id="10" name="Logo Software University" descr="Software University logo">
+      <p:sp>
+        <p:nvSpPr>
+          <p:cNvPr id="12" name="Slide Body Text">
             <a:extLst>
               <a:ext uri="{FF2B5EF4-FFF2-40B4-BE49-F238E27FC236}">
-                <a16:creationId xmlns:a16="http://schemas.microsoft.com/office/drawing/2014/main" id="{8C01D7AF-7CBD-46E1-99F3-8EB60E838D91}"/>
-              </a:ext>
-            </a:extLst>
-          </p:cNvPr>
-          <p:cNvPicPr>
-            <a:picLocks noChangeAspect="1"/>
-          </p:cNvPicPr>
-          <p:nvPr userDrawn="1"/>
-        </p:nvPicPr>
-        <p:blipFill>
-          <a:blip r:embed="rId2">
-            <a:extLst>
-              <a:ext uri="{28A0092B-C50C-407E-A947-70E740481C1C}">
-                <a14:useLocalDpi xmlns:a14="http://schemas.microsoft.com/office/drawing/2010/main" val="0"/>
-              </a:ext>
-            </a:extLst>
-          </a:blip>
-          <a:stretch>
-            <a:fillRect/>
-          </a:stretch>
-        </p:blipFill>
-        <p:spPr>
-          <a:xfrm>
-            <a:off x="10067957" y="253936"/>
-            <a:ext cx="1915704" cy="559235"/>
-          </a:xfrm>
-          <a:prstGeom prst="rect">
-            <a:avLst/>
-          </a:prstGeom>
-        </p:spPr>
-      </p:pic>
-      <p:sp>
-        <p:nvSpPr>
-          <p:cNvPr id="17" name="Slide Body Text">
-            <a:extLst>
-              <a:ext uri="{FF2B5EF4-FFF2-40B4-BE49-F238E27FC236}">
-                <a16:creationId xmlns:a16="http://schemas.microsoft.com/office/drawing/2014/main" id="{1E60575F-8475-4C78-97A7-27D7891D2770}"/>
+                <a16:creationId xmlns:a16="http://schemas.microsoft.com/office/drawing/2014/main" id="{B608ED73-CE88-49E4-8BFC-DBD6E9AE6B10}"/>
               </a:ext>
             </a:extLst>
           </p:cNvPr>
@@ -8777,32 +6873,52 @@
             <a:spLocks noGrp="1"/>
           </p:cNvSpPr>
           <p:nvPr>
-            <p:ph type="body" sz="quarter" idx="12" hasCustomPrompt="1"/>
+            <p:ph type="body" sz="quarter" idx="10" hasCustomPrompt="1"/>
           </p:nvPr>
         </p:nvSpPr>
         <p:spPr>
           <a:xfrm>
-            <a:off x="190402" y="1196125"/>
-            <a:ext cx="11818096" cy="5528766"/>
+            <a:off x="190406" y="1206668"/>
+            <a:ext cx="11804831" cy="5550582"/>
           </a:xfrm>
         </p:spPr>
         <p:txBody>
           <a:bodyPr/>
           <a:lstStyle>
             <a:lvl1pPr latinLnBrk="0">
-              <a:defRPr/>
+              <a:defRPr>
+                <a:solidFill>
+                  <a:schemeClr val="tx1"/>
+                </a:solidFill>
+              </a:defRPr>
             </a:lvl1pPr>
             <a:lvl2pPr latinLnBrk="0">
-              <a:defRPr/>
+              <a:defRPr>
+                <a:solidFill>
+                  <a:schemeClr val="tx1"/>
+                </a:solidFill>
+              </a:defRPr>
             </a:lvl2pPr>
             <a:lvl3pPr latinLnBrk="0">
-              <a:defRPr/>
+              <a:defRPr>
+                <a:solidFill>
+                  <a:schemeClr val="tx1"/>
+                </a:solidFill>
+              </a:defRPr>
             </a:lvl3pPr>
             <a:lvl4pPr latinLnBrk="0">
-              <a:defRPr/>
+              <a:defRPr>
+                <a:solidFill>
+                  <a:schemeClr val="tx1"/>
+                </a:solidFill>
+              </a:defRPr>
             </a:lvl4pPr>
             <a:lvl5pPr latinLnBrk="0">
-              <a:defRPr/>
+              <a:defRPr>
+                <a:solidFill>
+                  <a:schemeClr val="tx1"/>
+                </a:solidFill>
+              </a:defRPr>
             </a:lvl5pPr>
           </a:lstStyle>
           <a:p>
@@ -8816,10 +6932,10 @@
       </p:sp>
       <p:sp>
         <p:nvSpPr>
-          <p:cNvPr id="15" name="Code Box">
+          <p:cNvPr id="4" name="Code Box">
             <a:extLst>
               <a:ext uri="{FF2B5EF4-FFF2-40B4-BE49-F238E27FC236}">
-                <a16:creationId xmlns:a16="http://schemas.microsoft.com/office/drawing/2014/main" id="{29C63EC2-5578-406B-8C2A-23FDE6C14C82}"/>
+                <a16:creationId xmlns:a16="http://schemas.microsoft.com/office/drawing/2014/main" id="{F4E021E9-D6DB-4272-8C9F-CEF4940FDC10}"/>
               </a:ext>
             </a:extLst>
           </p:cNvPr>
@@ -8833,7 +6949,7 @@
         <p:spPr>
           <a:xfrm>
             <a:off x="674683" y="2034000"/>
-            <a:ext cx="10836275" cy="2318684"/>
+            <a:ext cx="10836275" cy="2237893"/>
           </a:xfrm>
           <a:solidFill>
             <a:schemeClr val="accent6">
@@ -8855,15 +6971,6 @@
           </a:bodyPr>
           <a:lstStyle>
             <a:lvl1pPr>
-              <a:lnSpc>
-                <a:spcPct val="110000"/>
-              </a:lnSpc>
-              <a:spcBef>
-                <a:spcPts val="0"/>
-              </a:spcBef>
-              <a:spcAft>
-                <a:spcPts val="0"/>
-              </a:spcAft>
               <a:buNone/>
               <a:defRPr lang="en-US" sz="2800" b="1" smtClean="0">
                 <a:latin typeface="Consolas" pitchFamily="49" charset="0"/>
@@ -8958,8 +7065,8 @@
         </p:nvSpPr>
         <p:spPr>
           <a:xfrm>
-            <a:off x="190406" y="100750"/>
-            <a:ext cx="9715594" cy="882654"/>
+            <a:off x="190405" y="100750"/>
+            <a:ext cx="10239658" cy="882654"/>
           </a:xfrm>
         </p:spPr>
         <p:txBody>
@@ -8981,6 +7088,42 @@
           </a:p>
         </p:txBody>
       </p:sp>
+      <p:pic>
+        <p:nvPicPr>
+          <p:cNvPr id="3" name="Picture 2">
+            <a:extLst>
+              <a:ext uri="{FF2B5EF4-FFF2-40B4-BE49-F238E27FC236}">
+                <a16:creationId xmlns:a16="http://schemas.microsoft.com/office/drawing/2014/main" id="{4B69A4E8-9221-8F79-65B4-BF9AA7F87DD7}"/>
+              </a:ext>
+            </a:extLst>
+          </p:cNvPr>
+          <p:cNvPicPr>
+            <a:picLocks noChangeAspect="1"/>
+          </p:cNvPicPr>
+          <p:nvPr userDrawn="1"/>
+        </p:nvPicPr>
+        <p:blipFill>
+          <a:blip r:embed="rId2" cstate="print">
+            <a:extLst>
+              <a:ext uri="{28A0092B-C50C-407E-A947-70E740481C1C}">
+                <a14:useLocalDpi xmlns:a14="http://schemas.microsoft.com/office/drawing/2010/main" val="0"/>
+              </a:ext>
+            </a:extLst>
+          </a:blip>
+          <a:stretch>
+            <a:fillRect/>
+          </a:stretch>
+        </p:blipFill>
+        <p:spPr>
+          <a:xfrm>
+            <a:off x="10553573" y="368999"/>
+            <a:ext cx="1443361" cy="360001"/>
+          </a:xfrm>
+          <a:prstGeom prst="rect">
+            <a:avLst/>
+          </a:prstGeom>
+        </p:spPr>
+      </p:pic>
     </p:spTree>
     <p:extLst>
       <p:ext uri="{BB962C8B-B14F-4D97-AF65-F5344CB8AC3E}">
@@ -9002,7 +7145,7 @@
 </p:sldLayout>
 </file>
 
-<file path=ppt/slideLayouts/slideLayout9.xml><?xml version="1.0" encoding="utf-8"?>
+<file path=ppt/slideLayouts/slideLayout8.xml><?xml version="1.0" encoding="utf-8"?>
 <p:sldLayout xmlns:a="http://schemas.openxmlformats.org/drawingml/2006/main" xmlns:r="http://schemas.openxmlformats.org/officeDocument/2006/relationships" xmlns:p="http://schemas.openxmlformats.org/presentationml/2006/main" preserve="1">
   <p:cSld name="Demo Slide">
     <p:spTree>
@@ -9079,7 +7222,7 @@
               <a:tabLst/>
               <a:defRPr/>
             </a:pPr>
-            <a:endParaRPr kumimoji="0" lang="en-US" altLang="ko-KR" sz="2398" b="0" i="0" u="none" strike="noStrike" kern="1200" cap="none" spc="0" normalizeH="0" baseline="0" noProof="0" dirty="0">
+            <a:endParaRPr kumimoji="0" lang="en-US" altLang="ko-KR" sz="2398" b="0" i="0" u="none" strike="noStrike" kern="1200" cap="none" spc="0" normalizeH="0" baseline="0" noProof="0">
               <a:ln>
                 <a:noFill/>
               </a:ln>
@@ -9189,6 +7332,335 @@
     <p:extLst>
       <p:ext uri="{BB962C8B-B14F-4D97-AF65-F5344CB8AC3E}">
         <p14:creationId xmlns:p14="http://schemas.microsoft.com/office/powerpoint/2010/main" val="2423919747"/>
+      </p:ext>
+    </p:extLst>
+  </p:cSld>
+  <p:clrMapOvr>
+    <a:masterClrMapping/>
+  </p:clrMapOvr>
+  <mc:AlternateContent xmlns:mc="http://schemas.openxmlformats.org/markup-compatibility/2006" xmlns:p14="http://schemas.microsoft.com/office/powerpoint/2010/main">
+    <mc:Choice Requires="p14">
+      <p:transition spd="slow" p14:dur="2000" advClick="0" advTm="5000"/>
+    </mc:Choice>
+    <mc:Fallback xmlns="">
+      <p:transition spd="slow" advClick="0" advTm="5000"/>
+    </mc:Fallback>
+  </mc:AlternateContent>
+</p:sldLayout>
+</file>
+
+<file path=ppt/slideLayouts/slideLayout9.xml><?xml version="1.0" encoding="utf-8"?>
+<p:sldLayout xmlns:a="http://schemas.openxmlformats.org/drawingml/2006/main" xmlns:r="http://schemas.openxmlformats.org/officeDocument/2006/relationships" xmlns:p="http://schemas.openxmlformats.org/presentationml/2006/main" preserve="1" userDrawn="1">
+  <p:cSld name="Table of Contents">
+    <p:spTree>
+      <p:nvGrpSpPr>
+        <p:cNvPr id="1" name=""/>
+        <p:cNvGrpSpPr/>
+        <p:nvPr/>
+      </p:nvGrpSpPr>
+      <p:grpSpPr>
+        <a:xfrm>
+          <a:off x="0" y="0"/>
+          <a:ext cx="0" cy="0"/>
+          <a:chOff x="0" y="0"/>
+          <a:chExt cx="0" cy="0"/>
+        </a:xfrm>
+      </p:grpSpPr>
+      <p:sp>
+        <p:nvSpPr>
+          <p:cNvPr id="10" name="Slide Number">
+            <a:extLst>
+              <a:ext uri="{FF2B5EF4-FFF2-40B4-BE49-F238E27FC236}">
+                <a16:creationId xmlns:a16="http://schemas.microsoft.com/office/drawing/2014/main" id="{39DDE17E-5472-41F3-AF5F-54DFF10DC63C}"/>
+              </a:ext>
+            </a:extLst>
+          </p:cNvPr>
+          <p:cNvSpPr>
+            <a:spLocks noGrp="1"/>
+          </p:cNvSpPr>
+          <p:nvPr>
+            <p:ph type="sldNum" sz="quarter" idx="4"/>
+          </p:nvPr>
+        </p:nvSpPr>
+        <p:spPr>
+          <a:xfrm>
+            <a:off x="11753030" y="6507000"/>
+            <a:ext cx="367414" cy="297000"/>
+          </a:xfrm>
+          <a:prstGeom prst="rect">
+            <a:avLst/>
+          </a:prstGeom>
+        </p:spPr>
+        <p:txBody>
+          <a:bodyPr vert="horz" lIns="91440" tIns="45720" rIns="91440" bIns="45720" rtlCol="0" anchor="b"/>
+          <a:lstStyle>
+            <a:lvl1pPr algn="r">
+              <a:defRPr sz="1000"/>
+            </a:lvl1pPr>
+          </a:lstStyle>
+          <a:p>
+            <a:fld id="{2BF067CD-8E6B-4360-9AA8-C5DF2A48A6D1}" type="slidenum">
+              <a:rPr lang="en-US" noProof="0" smtClean="0"/>
+              <a:pPr/>
+              <a:t>‹#›</a:t>
+            </a:fld>
+            <a:endParaRPr lang="en-US" noProof="0"/>
+          </a:p>
+        </p:txBody>
+      </p:sp>
+      <p:sp>
+        <p:nvSpPr>
+          <p:cNvPr id="23" name="Slide Body Text">
+            <a:extLst>
+              <a:ext uri="{FF2B5EF4-FFF2-40B4-BE49-F238E27FC236}">
+                <a16:creationId xmlns:a16="http://schemas.microsoft.com/office/drawing/2014/main" id="{889D93F4-ABFA-46BF-8E5D-FE6562ACB20F}"/>
+              </a:ext>
+            </a:extLst>
+          </p:cNvPr>
+          <p:cNvSpPr>
+            <a:spLocks noGrp="1"/>
+          </p:cNvSpPr>
+          <p:nvPr>
+            <p:ph type="body" sz="quarter" idx="13" hasCustomPrompt="1"/>
+          </p:nvPr>
+        </p:nvSpPr>
+        <p:spPr>
+          <a:xfrm>
+            <a:off x="196766" y="1371604"/>
+            <a:ext cx="11781606" cy="5207396"/>
+          </a:xfrm>
+        </p:spPr>
+        <p:txBody>
+          <a:bodyPr>
+            <a:normAutofit/>
+          </a:bodyPr>
+          <a:lstStyle>
+            <a:lvl1pPr marL="514042" indent="-514042" latinLnBrk="0">
+              <a:buFont typeface="+mj-lt"/>
+              <a:buAutoNum type="arabicPeriod"/>
+              <a:defRPr sz="3600">
+                <a:solidFill>
+                  <a:schemeClr val="tx1"/>
+                </a:solidFill>
+              </a:defRPr>
+            </a:lvl1pPr>
+            <a:lvl2pPr>
+              <a:defRPr sz="3400"/>
+            </a:lvl2pPr>
+          </a:lstStyle>
+          <a:p>
+            <a:pPr lvl="0"/>
+            <a:r>
+              <a:rPr lang="en-US" noProof="0" dirty="0"/>
+              <a:t>…</a:t>
+            </a:r>
+          </a:p>
+          <a:p>
+            <a:pPr lvl="1"/>
+            <a:r>
+              <a:rPr lang="en-US" noProof="0" dirty="0"/>
+              <a:t>…</a:t>
+            </a:r>
+          </a:p>
+          <a:p>
+            <a:pPr lvl="1"/>
+            <a:r>
+              <a:rPr lang="en-US" noProof="0" dirty="0"/>
+              <a:t>…</a:t>
+            </a:r>
+          </a:p>
+          <a:p>
+            <a:pPr lvl="0"/>
+            <a:r>
+              <a:rPr lang="en-US" noProof="0" dirty="0"/>
+              <a:t>…</a:t>
+            </a:r>
+          </a:p>
+          <a:p>
+            <a:pPr lvl="1"/>
+            <a:r>
+              <a:rPr lang="en-US" noProof="0" dirty="0"/>
+              <a:t>…</a:t>
+            </a:r>
+          </a:p>
+          <a:p>
+            <a:pPr lvl="1"/>
+            <a:r>
+              <a:rPr lang="en-US" noProof="0" dirty="0"/>
+              <a:t>…</a:t>
+            </a:r>
+          </a:p>
+          <a:p>
+            <a:pPr lvl="0"/>
+            <a:r>
+              <a:rPr lang="en-US" noProof="0" dirty="0"/>
+              <a:t>…</a:t>
+            </a:r>
+          </a:p>
+        </p:txBody>
+      </p:sp>
+      <p:sp>
+        <p:nvSpPr>
+          <p:cNvPr id="8" name="Rectangle Top">
+            <a:extLst>
+              <a:ext uri="{FF2B5EF4-FFF2-40B4-BE49-F238E27FC236}">
+                <a16:creationId xmlns:a16="http://schemas.microsoft.com/office/drawing/2014/main" id="{930E0800-9260-4369-8330-8264DD33C5CE}"/>
+              </a:ext>
+            </a:extLst>
+          </p:cNvPr>
+          <p:cNvSpPr/>
+          <p:nvPr userDrawn="1"/>
+        </p:nvSpPr>
+        <p:spPr>
+          <a:xfrm>
+            <a:off x="0" y="0"/>
+            <a:ext cx="12196800" cy="1095376"/>
+          </a:xfrm>
+          <a:prstGeom prst="rect">
+            <a:avLst/>
+          </a:prstGeom>
+          <a:solidFill>
+            <a:schemeClr val="tx2"/>
+          </a:solidFill>
+          <a:ln>
+            <a:noFill/>
+          </a:ln>
+        </p:spPr>
+        <p:style>
+          <a:lnRef idx="2">
+            <a:schemeClr val="accent1">
+              <a:shade val="50000"/>
+            </a:schemeClr>
+          </a:lnRef>
+          <a:fillRef idx="1">
+            <a:schemeClr val="accent1"/>
+          </a:fillRef>
+          <a:effectRef idx="0">
+            <a:schemeClr val="accent1"/>
+          </a:effectRef>
+          <a:fontRef idx="minor">
+            <a:schemeClr val="lt1"/>
+          </a:fontRef>
+        </p:style>
+        <p:txBody>
+          <a:bodyPr rtlCol="0" anchor="ctr"/>
+          <a:lstStyle/>
+          <a:p>
+            <a:pPr marL="0" marR="0" lvl="0" indent="0" algn="ctr" defTabSz="913852" rtl="0" eaLnBrk="1" fontAlgn="auto" latinLnBrk="0" hangingPunct="1">
+              <a:lnSpc>
+                <a:spcPct val="100000"/>
+              </a:lnSpc>
+              <a:spcBef>
+                <a:spcPts val="0"/>
+              </a:spcBef>
+              <a:spcAft>
+                <a:spcPts val="0"/>
+              </a:spcAft>
+              <a:buClrTx/>
+              <a:buSzTx/>
+              <a:buFontTx/>
+              <a:buNone/>
+              <a:tabLst/>
+              <a:defRPr/>
+            </a:pPr>
+            <a:endParaRPr kumimoji="0" lang="en-US" altLang="ko-KR" sz="2398" b="0" i="0" u="none" strike="noStrike" kern="1200" cap="none" spc="0" normalizeH="0" baseline="0" noProof="0">
+              <a:ln>
+                <a:noFill/>
+              </a:ln>
+              <a:solidFill>
+                <a:srgbClr val="F7C86D"/>
+              </a:solidFill>
+              <a:effectLst/>
+              <a:uLnTx/>
+              <a:uFillTx/>
+              <a:latin typeface="Calibri" panose="020F0502020204030204"/>
+              <a:ea typeface="맑은 고딕" panose="020B0503020000020004" pitchFamily="34" charset="-127"/>
+              <a:cs typeface="+mn-cs"/>
+            </a:endParaRPr>
+          </a:p>
+        </p:txBody>
+      </p:sp>
+      <p:sp>
+        <p:nvSpPr>
+          <p:cNvPr id="13" name="Slide Title">
+            <a:extLst>
+              <a:ext uri="{FF2B5EF4-FFF2-40B4-BE49-F238E27FC236}">
+                <a16:creationId xmlns:a16="http://schemas.microsoft.com/office/drawing/2014/main" id="{357D7BE1-6358-42CC-94F3-7BCDD91DCB6D}"/>
+              </a:ext>
+            </a:extLst>
+          </p:cNvPr>
+          <p:cNvSpPr>
+            <a:spLocks noGrp="1"/>
+          </p:cNvSpPr>
+          <p:nvPr>
+            <p:ph type="title" hasCustomPrompt="1"/>
+          </p:nvPr>
+        </p:nvSpPr>
+        <p:spPr>
+          <a:xfrm>
+            <a:off x="190406" y="100750"/>
+            <a:ext cx="10270594" cy="882654"/>
+          </a:xfrm>
+        </p:spPr>
+        <p:txBody>
+          <a:bodyPr/>
+          <a:lstStyle>
+            <a:lvl1pPr latinLnBrk="0">
+              <a:defRPr>
+                <a:solidFill>
+                  <a:schemeClr val="bg2"/>
+                </a:solidFill>
+              </a:defRPr>
+            </a:lvl1pPr>
+          </a:lstStyle>
+          <a:p>
+            <a:r>
+              <a:rPr lang="en-US" noProof="0" dirty="0"/>
+              <a:t>Table of Contents</a:t>
+            </a:r>
+          </a:p>
+        </p:txBody>
+      </p:sp>
+      <p:pic>
+        <p:nvPicPr>
+          <p:cNvPr id="3" name="Picture 2">
+            <a:extLst>
+              <a:ext uri="{FF2B5EF4-FFF2-40B4-BE49-F238E27FC236}">
+                <a16:creationId xmlns:a16="http://schemas.microsoft.com/office/drawing/2014/main" id="{4FD808AB-EC49-1578-0005-D58D2A365AA1}"/>
+              </a:ext>
+            </a:extLst>
+          </p:cNvPr>
+          <p:cNvPicPr>
+            <a:picLocks noChangeAspect="1"/>
+          </p:cNvPicPr>
+          <p:nvPr userDrawn="1"/>
+        </p:nvPicPr>
+        <p:blipFill>
+          <a:blip r:embed="rId2" cstate="print">
+            <a:extLst>
+              <a:ext uri="{28A0092B-C50C-407E-A947-70E740481C1C}">
+                <a14:useLocalDpi xmlns:a14="http://schemas.microsoft.com/office/drawing/2010/main" val="0"/>
+              </a:ext>
+            </a:extLst>
+          </a:blip>
+          <a:stretch>
+            <a:fillRect/>
+          </a:stretch>
+        </p:blipFill>
+        <p:spPr>
+          <a:xfrm>
+            <a:off x="10553573" y="368999"/>
+            <a:ext cx="1443361" cy="360001"/>
+          </a:xfrm>
+          <a:prstGeom prst="rect">
+            <a:avLst/>
+          </a:prstGeom>
+        </p:spPr>
+      </p:pic>
+    </p:spTree>
+    <p:extLst>
+      <p:ext uri="{BB962C8B-B14F-4D97-AF65-F5344CB8AC3E}">
+        <p14:creationId xmlns:p14="http://schemas.microsoft.com/office/powerpoint/2010/main" val="1028724482"/>
       </p:ext>
     </p:extLst>
   </p:cSld>
@@ -9231,35 +7703,6 @@
           <a:chExt cx="0" cy="0"/>
         </a:xfrm>
       </p:grpSpPr>
-      <p:pic>
-        <p:nvPicPr>
-          <p:cNvPr id="4" name="Picture Background" descr="SoftUni Background">
-            <a:extLst>
-              <a:ext uri="{FF2B5EF4-FFF2-40B4-BE49-F238E27FC236}">
-                <a16:creationId xmlns:a16="http://schemas.microsoft.com/office/drawing/2014/main" id="{5BE90A63-DDD9-4B3B-A234-DF69B9BC812F}"/>
-              </a:ext>
-            </a:extLst>
-          </p:cNvPr>
-          <p:cNvPicPr>
-            <a:picLocks noChangeAspect="1"/>
-          </p:cNvPicPr>
-          <p:nvPr userDrawn="1"/>
-        </p:nvPicPr>
-        <p:blipFill rotWithShape="1">
-          <a:blip r:embed="rId15"/>
-          <a:srcRect b="1672"/>
-          <a:stretch/>
-        </p:blipFill>
-        <p:spPr>
-          <a:xfrm>
-            <a:off x="0" y="1"/>
-            <a:ext cx="12192000" cy="6857999"/>
-          </a:xfrm>
-          <a:prstGeom prst="rect">
-            <a:avLst/>
-          </a:prstGeom>
-        </p:spPr>
-      </p:pic>
       <p:sp>
         <p:nvSpPr>
           <p:cNvPr id="11" name="Slide Body Text">
@@ -9376,19 +7819,18 @@
   </p:cSld>
   <p:clrMap bg1="lt1" tx1="dk1" bg2="lt2" tx2="dk2" accent1="accent1" accent2="accent2" accent3="accent3" accent4="accent4" accent5="accent5" accent6="accent6" hlink="hlink" folHlink="folHlink"/>
   <p:sldLayoutIdLst>
-    <p:sldLayoutId id="2147483676" r:id="rId1"/>
+    <p:sldLayoutId id="2147483691" r:id="rId1"/>
     <p:sldLayoutId id="2147483689" r:id="rId2"/>
     <p:sldLayoutId id="2147483681" r:id="rId3"/>
-    <p:sldLayoutId id="2147483677" r:id="rId4"/>
-    <p:sldLayoutId id="2147483679" r:id="rId5"/>
-    <p:sldLayoutId id="2147483680" r:id="rId6"/>
-    <p:sldLayoutId id="2147483688" r:id="rId7"/>
-    <p:sldLayoutId id="2147483684" r:id="rId8"/>
-    <p:sldLayoutId id="2147483690" r:id="rId9"/>
+    <p:sldLayoutId id="2147483679" r:id="rId4"/>
+    <p:sldLayoutId id="2147483680" r:id="rId5"/>
+    <p:sldLayoutId id="2147483688" r:id="rId6"/>
+    <p:sldLayoutId id="2147483684" r:id="rId7"/>
+    <p:sldLayoutId id="2147483690" r:id="rId8"/>
+    <p:sldLayoutId id="2147483677" r:id="rId9"/>
     <p:sldLayoutId id="2147483683" r:id="rId10"/>
     <p:sldLayoutId id="2147483685" r:id="rId11"/>
     <p:sldLayoutId id="2147483686" r:id="rId12"/>
-    <p:sldLayoutId id="2147483687" r:id="rId13"/>
   </p:sldLayoutIdLst>
   <mc:AlternateContent xmlns:mc="http://schemas.openxmlformats.org/markup-compatibility/2006" xmlns:p14="http://schemas.microsoft.com/office/powerpoint/2010/main">
     <mc:Choice Requires="p14">
@@ -9717,6 +8159,140 @@
       </p:grpSpPr>
       <p:sp>
         <p:nvSpPr>
+          <p:cNvPr id="21" name="Text Placeholder 6">
+            <a:extLst>
+              <a:ext uri="{FF2B5EF4-FFF2-40B4-BE49-F238E27FC236}">
+                <a16:creationId xmlns:a16="http://schemas.microsoft.com/office/drawing/2014/main" id="{76A05CC2-FC4D-4504-ABD3-8A2DED65D274}"/>
+              </a:ext>
+            </a:extLst>
+          </p:cNvPr>
+          <p:cNvSpPr>
+            <a:spLocks noGrp="1"/>
+          </p:cNvSpPr>
+          <p:nvPr>
+            <p:ph type="body" sz="quarter" idx="22"/>
+          </p:nvPr>
+        </p:nvSpPr>
+        <p:spPr>
+          <a:xfrm>
+            <a:off x="6379867" y="5904000"/>
+            <a:ext cx="5248260" cy="341313"/>
+          </a:xfrm>
+        </p:spPr>
+        <p:txBody>
+          <a:bodyPr/>
+          <a:lstStyle/>
+          <a:p>
+            <a:r>
+              <a:rPr lang="bg-BG" noProof="1"/>
+              <a:t>Софтуерни и хардуерни науки</a:t>
+            </a:r>
+            <a:endParaRPr lang="en-US" dirty="0"/>
+          </a:p>
+        </p:txBody>
+      </p:sp>
+      <p:sp>
+        <p:nvSpPr>
+          <p:cNvPr id="18" name="Text Placeholder 11"/>
+          <p:cNvSpPr>
+            <a:spLocks noGrp="1"/>
+          </p:cNvSpPr>
+          <p:nvPr>
+            <p:ph type="body" sz="quarter" idx="21"/>
+          </p:nvPr>
+        </p:nvSpPr>
+        <p:spPr>
+          <a:xfrm>
+            <a:off x="6374856" y="5529764"/>
+            <a:ext cx="5248260" cy="374236"/>
+          </a:xfrm>
+        </p:spPr>
+        <p:txBody>
+          <a:bodyPr>
+            <a:noAutofit/>
+          </a:bodyPr>
+          <a:lstStyle/>
+          <a:p>
+            <a:r>
+              <a:rPr lang="bg-BG" dirty="0">
+                <a:solidFill>
+                  <a:srgbClr val="234465"/>
+                </a:solidFill>
+              </a:rPr>
+              <a:t>Курс "ООП"</a:t>
+            </a:r>
+          </a:p>
+        </p:txBody>
+      </p:sp>
+      <p:sp>
+        <p:nvSpPr>
+          <p:cNvPr id="20" name="Text Placeholder 3">
+            <a:extLst>
+              <a:ext uri="{FF2B5EF4-FFF2-40B4-BE49-F238E27FC236}">
+                <a16:creationId xmlns:a16="http://schemas.microsoft.com/office/drawing/2014/main" id="{941D5C10-8D10-4D4A-BDC4-202C30EAED2F}"/>
+              </a:ext>
+            </a:extLst>
+          </p:cNvPr>
+          <p:cNvSpPr>
+            <a:spLocks noGrp="1"/>
+          </p:cNvSpPr>
+          <p:nvPr>
+            <p:ph type="body" sz="quarter" idx="18"/>
+          </p:nvPr>
+        </p:nvSpPr>
+        <p:spPr>
+          <a:xfrm>
+            <a:off x="534045" y="6039000"/>
+            <a:ext cx="4751953" cy="341556"/>
+          </a:xfrm>
+        </p:spPr>
+        <p:txBody>
+          <a:bodyPr/>
+          <a:lstStyle/>
+          <a:p>
+            <a:r>
+              <a:rPr lang="en-US" dirty="0">
+                <a:hlinkClick r:id="rId3"/>
+              </a:rPr>
+              <a:t>https://github.com/BG-IT-Edu</a:t>
+            </a:r>
+            <a:endParaRPr lang="bg-BG" dirty="0"/>
+          </a:p>
+        </p:txBody>
+      </p:sp>
+      <p:sp>
+        <p:nvSpPr>
+          <p:cNvPr id="19" name="Text Placeholder 9"/>
+          <p:cNvSpPr>
+            <a:spLocks noGrp="1"/>
+          </p:cNvSpPr>
+          <p:nvPr>
+            <p:ph type="body" sz="quarter" idx="17"/>
+          </p:nvPr>
+        </p:nvSpPr>
+        <p:spPr>
+          <a:xfrm>
+            <a:off x="534046" y="5229000"/>
+            <a:ext cx="4751954" cy="724904"/>
+          </a:xfrm>
+        </p:spPr>
+        <p:txBody>
+          <a:bodyPr/>
+          <a:lstStyle/>
+          <a:p>
+            <a:r>
+              <a:rPr lang="bg-BG" dirty="0">
+                <a:solidFill>
+                  <a:schemeClr val="tx1"/>
+                </a:solidFill>
+              </a:rPr>
+              <a:t>Проект "Отворено учебно съдържание по програмиране и ИТ", СофтУни Фондация</a:t>
+            </a:r>
+          </a:p>
+        </p:txBody>
+      </p:sp>
+      <p:sp>
+        <p:nvSpPr>
           <p:cNvPr id="6" name="Subtitle 5"/>
           <p:cNvSpPr>
             <a:spLocks noGrp="1"/>
@@ -9725,7 +8301,12 @@
             <p:ph type="subTitle" idx="1"/>
           </p:nvPr>
         </p:nvSpPr>
-        <p:spPr/>
+        <p:spPr>
+          <a:xfrm>
+            <a:off x="554746" y="1402942"/>
+            <a:ext cx="11083636" cy="767871"/>
+          </a:xfrm>
+        </p:spPr>
         <p:txBody>
           <a:bodyPr>
             <a:normAutofit/>
@@ -9777,141 +8358,12 @@
           </a:p>
         </p:txBody>
       </p:sp>
-      <p:sp>
-        <p:nvSpPr>
-          <p:cNvPr id="18" name="Text Placeholder 11"/>
-          <p:cNvSpPr>
-            <a:spLocks noGrp="1"/>
-          </p:cNvSpPr>
-          <p:nvPr>
-            <p:ph type="body" sz="quarter" idx="20"/>
-          </p:nvPr>
-        </p:nvSpPr>
-        <p:spPr>
-          <a:xfrm>
-            <a:off x="9905008" y="6182061"/>
-            <a:ext cx="1841560" cy="351662"/>
-          </a:xfrm>
-        </p:spPr>
-        <p:txBody>
-          <a:bodyPr/>
-          <a:lstStyle/>
-          <a:p>
-            <a:r>
-              <a:rPr lang="en-US" sz="1799" dirty="0">
-                <a:hlinkClick r:id="rId3"/>
-              </a:rPr>
-              <a:t>https://softuni.bg</a:t>
-            </a:r>
-            <a:endParaRPr lang="en-US" sz="1799" dirty="0"/>
-          </a:p>
-        </p:txBody>
-      </p:sp>
-      <p:sp>
-        <p:nvSpPr>
-          <p:cNvPr id="19" name="Text Placeholder 9"/>
-          <p:cNvSpPr>
-            <a:spLocks noGrp="1"/>
-          </p:cNvSpPr>
-          <p:nvPr>
-            <p:ph type="body" sz="quarter" idx="17"/>
-          </p:nvPr>
-        </p:nvSpPr>
-        <p:spPr>
-          <a:xfrm>
-            <a:off x="8642529" y="5915476"/>
-            <a:ext cx="2949981" cy="382688"/>
-          </a:xfrm>
-        </p:spPr>
-        <p:txBody>
-          <a:bodyPr/>
-          <a:lstStyle/>
-          <a:p>
-            <a:r>
-              <a:rPr lang="bg-BG" dirty="0"/>
-              <a:t>Софтуерен университет</a:t>
-            </a:r>
-          </a:p>
-        </p:txBody>
-      </p:sp>
-      <p:sp>
-        <p:nvSpPr>
-          <p:cNvPr id="20" name="Text Placeholder 3">
+      <p:pic>
+        <p:nvPicPr>
+          <p:cNvPr id="8" name="Picture 7" descr="A green and blue rectangular sign with white text&#10;&#10;Description automatically generated">
             <a:extLst>
               <a:ext uri="{FF2B5EF4-FFF2-40B4-BE49-F238E27FC236}">
-                <a16:creationId xmlns:a16="http://schemas.microsoft.com/office/drawing/2014/main" id="{941D5C10-8D10-4D4A-BDC4-202C30EAED2F}"/>
-              </a:ext>
-            </a:extLst>
-          </p:cNvPr>
-          <p:cNvSpPr>
-            <a:spLocks noGrp="1"/>
-          </p:cNvSpPr>
-          <p:nvPr>
-            <p:ph type="body" sz="quarter" idx="19"/>
-          </p:nvPr>
-        </p:nvSpPr>
-        <p:spPr>
-          <a:xfrm>
-            <a:off x="673975" y="4876551"/>
-            <a:ext cx="2949981" cy="506408"/>
-          </a:xfrm>
-        </p:spPr>
-        <p:txBody>
-          <a:bodyPr/>
-          <a:lstStyle/>
-          <a:p>
-            <a:r>
-              <a:rPr lang="bg-BG" noProof="1"/>
-              <a:t>СофтУни</a:t>
-            </a:r>
-            <a:endParaRPr lang="en-US" noProof="1"/>
-          </a:p>
-        </p:txBody>
-      </p:sp>
-      <p:sp>
-        <p:nvSpPr>
-          <p:cNvPr id="21" name="Text Placeholder 6">
-            <a:extLst>
-              <a:ext uri="{FF2B5EF4-FFF2-40B4-BE49-F238E27FC236}">
-                <a16:creationId xmlns:a16="http://schemas.microsoft.com/office/drawing/2014/main" id="{76A05CC2-FC4D-4504-ABD3-8A2DED65D274}"/>
-              </a:ext>
-            </a:extLst>
-          </p:cNvPr>
-          <p:cNvSpPr>
-            <a:spLocks noGrp="1"/>
-          </p:cNvSpPr>
-          <p:nvPr>
-            <p:ph type="body" sz="quarter" idx="20"/>
-          </p:nvPr>
-        </p:nvSpPr>
-        <p:spPr>
-          <a:xfrm>
-            <a:off x="673974" y="5368363"/>
-            <a:ext cx="3174920" cy="444420"/>
-          </a:xfrm>
-        </p:spPr>
-        <p:txBody>
-          <a:bodyPr/>
-          <a:lstStyle/>
-          <a:p>
-            <a:r>
-              <a:rPr lang="bg-BG" noProof="1"/>
-              <a:t>Преподавателски</a:t>
-            </a:r>
-            <a:r>
-              <a:rPr lang="bg-BG" dirty="0"/>
-              <a:t> екип</a:t>
-            </a:r>
-            <a:endParaRPr lang="en-US" dirty="0"/>
-          </a:p>
-        </p:txBody>
-      </p:sp>
-      <p:pic>
-        <p:nvPicPr>
-          <p:cNvPr id="11" name="Picture 10">
-            <a:extLst>
-              <a:ext uri="{FF2B5EF4-FFF2-40B4-BE49-F238E27FC236}">
-                <a16:creationId xmlns:a16="http://schemas.microsoft.com/office/drawing/2014/main" id="{DF376815-D334-46C2-8FD5-F12D811DCA8B}"/>
+                <a16:creationId xmlns:a16="http://schemas.microsoft.com/office/drawing/2014/main" id="{75312D09-226E-6C55-27BB-461591B94F24}"/>
               </a:ext>
             </a:extLst>
           </p:cNvPr>
@@ -9921,14 +8373,12 @@
           <p:nvPr/>
         </p:nvPicPr>
         <p:blipFill>
-          <a:blip r:embed="rId4" cstate="print">
-            <a:duotone>
-              <a:prstClr val="black"/>
-              <a:schemeClr val="accent5">
-                <a:tint val="45000"/>
-                <a:satMod val="400000"/>
-              </a:schemeClr>
-            </a:duotone>
+          <a:blip r:embed="rId4">
+            <a:extLst>
+              <a:ext uri="{28A0092B-C50C-407E-A947-70E740481C1C}">
+                <a14:useLocalDpi xmlns:a14="http://schemas.microsoft.com/office/drawing/2010/main" val="0"/>
+              </a:ext>
+            </a:extLst>
           </a:blip>
           <a:stretch>
             <a:fillRect/>
@@ -9936,8 +8386,47 @@
         </p:blipFill>
         <p:spPr>
           <a:xfrm>
-            <a:off x="4508540" y="2661386"/>
-            <a:ext cx="3174920" cy="2351791"/>
+            <a:off x="449311" y="2980813"/>
+            <a:ext cx="1956689" cy="988187"/>
+          </a:xfrm>
+          <a:prstGeom prst="rect">
+            <a:avLst/>
+          </a:prstGeom>
+        </p:spPr>
+      </p:pic>
+      <p:pic>
+        <p:nvPicPr>
+          <p:cNvPr id="3" name="Graphic 2">
+            <a:extLst>
+              <a:ext uri="{FF2B5EF4-FFF2-40B4-BE49-F238E27FC236}">
+                <a16:creationId xmlns:a16="http://schemas.microsoft.com/office/drawing/2014/main" id="{526DDAC8-152C-86E2-027C-59BF6CC5D15A}"/>
+              </a:ext>
+            </a:extLst>
+          </p:cNvPr>
+          <p:cNvPicPr>
+            <a:picLocks noChangeAspect="1"/>
+          </p:cNvPicPr>
+          <p:nvPr/>
+        </p:nvPicPr>
+        <p:blipFill>
+          <a:blip r:embed="rId5">
+            <a:extLst>
+              <a:ext uri="{28A0092B-C50C-407E-A947-70E740481C1C}">
+                <a14:useLocalDpi xmlns:a14="http://schemas.microsoft.com/office/drawing/2010/main" val="0"/>
+              </a:ext>
+              <a:ext uri="{96DAC541-7B7A-43D3-8B79-37D633B846F1}">
+                <asvg:svgBlip xmlns:asvg="http://schemas.microsoft.com/office/drawing/2016/SVG/main" r:embed="rId6"/>
+              </a:ext>
+            </a:extLst>
+          </a:blip>
+          <a:stretch>
+            <a:fillRect/>
+          </a:stretch>
+        </p:blipFill>
+        <p:spPr>
+          <a:xfrm>
+            <a:off x="8886000" y="2537593"/>
+            <a:ext cx="2884920" cy="2884920"/>
           </a:xfrm>
           <a:prstGeom prst="rect">
             <a:avLst/>
@@ -9947,7 +8436,7 @@
     </p:spTree>
     <p:extLst>
       <p:ext uri="{BB962C8B-B14F-4D97-AF65-F5344CB8AC3E}">
-        <p14:creationId xmlns:p14="http://schemas.microsoft.com/office/powerpoint/2010/main" val="1395040557"/>
+        <p14:creationId xmlns:p14="http://schemas.microsoft.com/office/powerpoint/2010/main" val="2637781195"/>
       </p:ext>
     </p:extLst>
   </p:cSld>
@@ -10851,10 +9340,10 @@
       </p:sp>
       <p:sp>
         <p:nvSpPr>
-          <p:cNvPr id="16" name="Slide Number">
+          <p:cNvPr id="2" name="Slide Number">
             <a:extLst>
               <a:ext uri="{FF2B5EF4-FFF2-40B4-BE49-F238E27FC236}">
-                <a16:creationId xmlns:a16="http://schemas.microsoft.com/office/drawing/2014/main" id="{98C98C79-20BE-427D-A11F-3C7FCBE717B4}"/>
+                <a16:creationId xmlns:a16="http://schemas.microsoft.com/office/drawing/2014/main" id="{31697063-302C-EB20-4474-2B4CA476E5D0}"/>
               </a:ext>
             </a:extLst>
           </p:cNvPr>
@@ -10894,7 +9383,7 @@
     </p:spTree>
     <p:extLst>
       <p:ext uri="{BB962C8B-B14F-4D97-AF65-F5344CB8AC3E}">
-        <p14:creationId xmlns:p14="http://schemas.microsoft.com/office/powerpoint/2010/main" val="2214040917"/>
+        <p14:creationId xmlns:p14="http://schemas.microsoft.com/office/powerpoint/2010/main" val="3563100757"/>
       </p:ext>
     </p:extLst>
   </p:cSld>
@@ -11590,10 +10079,10 @@
       </p:sp>
       <p:sp>
         <p:nvSpPr>
-          <p:cNvPr id="8" name="Slide Number">
+          <p:cNvPr id="2" name="Slide Number">
             <a:extLst>
               <a:ext uri="{FF2B5EF4-FFF2-40B4-BE49-F238E27FC236}">
-                <a16:creationId xmlns:a16="http://schemas.microsoft.com/office/drawing/2014/main" id="{E2A4AFFD-9518-42C2-8209-8E4FACF20E7E}"/>
+                <a16:creationId xmlns:a16="http://schemas.microsoft.com/office/drawing/2014/main" id="{E09B1556-5955-FFBC-F4B8-6CE9417E18A3}"/>
               </a:ext>
             </a:extLst>
           </p:cNvPr>
@@ -11633,7 +10122,7 @@
     </p:spTree>
     <p:extLst>
       <p:ext uri="{BB962C8B-B14F-4D97-AF65-F5344CB8AC3E}">
-        <p14:creationId xmlns:p14="http://schemas.microsoft.com/office/powerpoint/2010/main" val="1199479854"/>
+        <p14:creationId xmlns:p14="http://schemas.microsoft.com/office/powerpoint/2010/main" val="1386919439"/>
       </p:ext>
     </p:extLst>
   </p:cSld>
@@ -11989,47 +10478,6 @@
       </p:grpSpPr>
       <p:sp>
         <p:nvSpPr>
-          <p:cNvPr id="4" name="Title 3">
-            <a:extLst>
-              <a:ext uri="{FF2B5EF4-FFF2-40B4-BE49-F238E27FC236}">
-                <a16:creationId xmlns:a16="http://schemas.microsoft.com/office/drawing/2014/main" id="{2ACC1907-F653-4841-B44D-0AD159148128}"/>
-              </a:ext>
-            </a:extLst>
-          </p:cNvPr>
-          <p:cNvSpPr>
-            <a:spLocks noGrp="1"/>
-          </p:cNvSpPr>
-          <p:nvPr>
-            <p:ph type="title" sz="quarter" idx="10"/>
-          </p:nvPr>
-        </p:nvSpPr>
-        <p:spPr>
-          <a:xfrm>
-            <a:off x="615108" y="4914000"/>
-            <a:ext cx="10961783" cy="768084"/>
-          </a:xfrm>
-        </p:spPr>
-        <p:txBody>
-          <a:bodyPr/>
-          <a:lstStyle/>
-          <a:p>
-            <a:r>
-              <a:rPr lang="bg-BG" dirty="0"/>
-              <a:t>По-сложни </a:t>
-            </a:r>
-            <a:r>
-              <a:rPr lang="en-US" dirty="0"/>
-              <a:t>while-</a:t>
-            </a:r>
-            <a:r>
-              <a:rPr lang="bg-BG" dirty="0"/>
-              <a:t>цикли</a:t>
-            </a:r>
-          </a:p>
-        </p:txBody>
-      </p:sp>
-      <p:sp>
-        <p:nvSpPr>
           <p:cNvPr id="3" name="Текстово поле 2"/>
           <p:cNvSpPr txBox="1"/>
           <p:nvPr/>
@@ -12087,10 +10535,46 @@
           </a:p>
         </p:txBody>
       </p:sp>
+      <p:sp>
+        <p:nvSpPr>
+          <p:cNvPr id="5" name="Заглавие 4">
+            <a:extLst>
+              <a:ext uri="{FF2B5EF4-FFF2-40B4-BE49-F238E27FC236}">
+                <a16:creationId xmlns:a16="http://schemas.microsoft.com/office/drawing/2014/main" id="{62DA023A-FBDB-966E-12D4-704B9C866F7A}"/>
+              </a:ext>
+            </a:extLst>
+          </p:cNvPr>
+          <p:cNvSpPr>
+            <a:spLocks noGrp="1"/>
+          </p:cNvSpPr>
+          <p:nvPr>
+            <p:ph type="title" sz="quarter" idx="10"/>
+          </p:nvPr>
+        </p:nvSpPr>
+        <p:spPr/>
+        <p:txBody>
+          <a:bodyPr/>
+          <a:lstStyle/>
+          <a:p>
+            <a:r>
+              <a:rPr lang="bg-BG"/>
+              <a:t>По-сложни </a:t>
+            </a:r>
+            <a:r>
+              <a:rPr lang="en-US"/>
+              <a:t>While-</a:t>
+            </a:r>
+            <a:r>
+              <a:rPr lang="bg-BG"/>
+              <a:t>цикли</a:t>
+            </a:r>
+          </a:p>
+        </p:txBody>
+      </p:sp>
     </p:spTree>
     <p:extLst>
       <p:ext uri="{BB962C8B-B14F-4D97-AF65-F5344CB8AC3E}">
-        <p14:creationId xmlns:p14="http://schemas.microsoft.com/office/powerpoint/2010/main" val="4201794423"/>
+        <p14:creationId xmlns:p14="http://schemas.microsoft.com/office/powerpoint/2010/main" val="11053212"/>
       </p:ext>
     </p:extLst>
   </p:cSld>
@@ -12679,10 +11163,10 @@
       </p:sp>
       <p:sp>
         <p:nvSpPr>
-          <p:cNvPr id="6" name="Slide Number">
+          <p:cNvPr id="2" name="Slide Number">
             <a:extLst>
               <a:ext uri="{FF2B5EF4-FFF2-40B4-BE49-F238E27FC236}">
-                <a16:creationId xmlns:a16="http://schemas.microsoft.com/office/drawing/2014/main" id="{6185E76B-0AC4-4B5C-8CE7-D141345DDBF9}"/>
+                <a16:creationId xmlns:a16="http://schemas.microsoft.com/office/drawing/2014/main" id="{A03039CE-FB07-B9A9-E7C3-8BA3FE788D24}"/>
               </a:ext>
             </a:extLst>
           </p:cNvPr>
@@ -12722,7 +11206,7 @@
     </p:spTree>
     <p:extLst>
       <p:ext uri="{BB962C8B-B14F-4D97-AF65-F5344CB8AC3E}">
-        <p14:creationId xmlns:p14="http://schemas.microsoft.com/office/powerpoint/2010/main" val="2569123476"/>
+        <p14:creationId xmlns:p14="http://schemas.microsoft.com/office/powerpoint/2010/main" val="702539221"/>
       </p:ext>
     </p:extLst>
   </p:cSld>
@@ -13812,10 +12296,10 @@
       </p:sp>
       <p:sp>
         <p:nvSpPr>
-          <p:cNvPr id="25" name="Slide Number">
+          <p:cNvPr id="2" name="Slide Number">
             <a:extLst>
               <a:ext uri="{FF2B5EF4-FFF2-40B4-BE49-F238E27FC236}">
-                <a16:creationId xmlns:a16="http://schemas.microsoft.com/office/drawing/2014/main" id="{128F18F1-92AE-4698-AF3F-AA34924A63DA}"/>
+                <a16:creationId xmlns:a16="http://schemas.microsoft.com/office/drawing/2014/main" id="{1259AA51-E9CA-F430-5BDB-A6306FDDA5B1}"/>
               </a:ext>
             </a:extLst>
           </p:cNvPr>
@@ -13943,7 +12427,7 @@
     </p:spTree>
     <p:extLst>
       <p:ext uri="{BB962C8B-B14F-4D97-AF65-F5344CB8AC3E}">
-        <p14:creationId xmlns:p14="http://schemas.microsoft.com/office/powerpoint/2010/main" val="2533556953"/>
+        <p14:creationId xmlns:p14="http://schemas.microsoft.com/office/powerpoint/2010/main" val="1280224645"/>
       </p:ext>
     </p:extLst>
   </p:cSld>
@@ -14817,7 +13301,10 @@
             <a:r>
               <a:rPr lang="en-US" sz="2800" b="1" noProof="1">
                 <a:solidFill>
-                  <a:srgbClr val="FFFFFF"/>
+                  <a:schemeClr val="accent1">
+                    <a:lumMod val="60000"/>
+                    <a:lumOff val="40000"/>
+                  </a:schemeClr>
                 </a:solidFill>
               </a:rPr>
               <a:t>k</a:t>
@@ -14825,14 +13312,20 @@
             <a:r>
               <a:rPr lang="en-US" sz="2800" b="1" dirty="0">
                 <a:solidFill>
-                  <a:srgbClr val="FFFFFF"/>
+                  <a:schemeClr val="accent1">
+                    <a:lumMod val="60000"/>
+                    <a:lumOff val="40000"/>
+                  </a:schemeClr>
                 </a:solidFill>
               </a:rPr>
               <a:t> ≤ n</a:t>
             </a:r>
             <a:endParaRPr lang="bg-BG" sz="2800" b="1" dirty="0">
               <a:solidFill>
-                <a:srgbClr val="FFFFFF"/>
+                <a:schemeClr val="accent1">
+                  <a:lumMod val="60000"/>
+                  <a:lumOff val="40000"/>
+                </a:schemeClr>
               </a:solidFill>
             </a:endParaRPr>
           </a:p>
@@ -15004,10 +13497,10 @@
       </p:sp>
       <p:sp>
         <p:nvSpPr>
-          <p:cNvPr id="8" name="Slide Number">
+          <p:cNvPr id="2" name="Slide Number">
             <a:extLst>
               <a:ext uri="{FF2B5EF4-FFF2-40B4-BE49-F238E27FC236}">
-                <a16:creationId xmlns:a16="http://schemas.microsoft.com/office/drawing/2014/main" id="{0673F7B3-397E-45DD-BCBE-073A3C58C066}"/>
+                <a16:creationId xmlns:a16="http://schemas.microsoft.com/office/drawing/2014/main" id="{45F13542-B399-A3BE-2893-0179D0A0770E}"/>
               </a:ext>
             </a:extLst>
           </p:cNvPr>
@@ -15047,7 +13540,7 @@
     </p:spTree>
     <p:extLst>
       <p:ext uri="{BB962C8B-B14F-4D97-AF65-F5344CB8AC3E}">
-        <p14:creationId xmlns:p14="http://schemas.microsoft.com/office/powerpoint/2010/main" val="3861321918"/>
+        <p14:creationId xmlns:p14="http://schemas.microsoft.com/office/powerpoint/2010/main" val="3892307348"/>
       </p:ext>
     </p:extLst>
   </p:cSld>
@@ -15375,7 +13868,7 @@
         </p:spPr>
         <p:txBody>
           <a:bodyPr>
-            <a:normAutofit lnSpcReduction="10000"/>
+            <a:normAutofit/>
           </a:bodyPr>
           <a:lstStyle/>
           <a:p>
@@ -15431,7 +13924,7 @@
               <a:t>"</a:t>
             </a:r>
             <a:r>
-              <a:rPr lang="en-US" sz="3499" b="1" dirty="0">
+              <a:rPr lang="en-US" sz="3200" b="1" dirty="0">
                 <a:solidFill>
                   <a:schemeClr val="bg1"/>
                 </a:solidFill>
@@ -15456,7 +13949,7 @@
               <a:t> "</a:t>
             </a:r>
             <a:r>
-              <a:rPr lang="en-US" sz="3499" b="1" dirty="0">
+              <a:rPr lang="en-US" sz="3200" b="1" dirty="0">
                 <a:solidFill>
                   <a:schemeClr val="bg1"/>
                 </a:solidFill>
@@ -15466,7 +13959,7 @@
               <a:t>Increase:</a:t>
             </a:r>
             <a:r>
-              <a:rPr lang="bg-BG" sz="3499" b="1" dirty="0">
+              <a:rPr lang="bg-BG" sz="3200" b="1" dirty="0">
                 <a:solidFill>
                   <a:schemeClr val="bg1"/>
                 </a:solidFill>
@@ -15476,7 +13969,7 @@
               <a:t> </a:t>
             </a:r>
             <a:r>
-              <a:rPr lang="en-US" sz="3499" b="1" dirty="0">
+              <a:rPr lang="en-US" sz="3200" b="1" dirty="0">
                 <a:solidFill>
                   <a:schemeClr val="bg1"/>
                 </a:solidFill>
@@ -15484,7 +13977,7 @@
               <a:t>{</a:t>
             </a:r>
             <a:r>
-              <a:rPr lang="bg-BG" sz="3499" b="1" dirty="0">
+              <a:rPr lang="bg-BG" sz="3200" b="1" dirty="0">
                 <a:solidFill>
                   <a:schemeClr val="bg1"/>
                 </a:solidFill>
@@ -15492,7 +13985,7 @@
               <a:t>сумата</a:t>
             </a:r>
             <a:r>
-              <a:rPr lang="en-US" sz="3499" b="1" dirty="0">
+              <a:rPr lang="en-US" sz="3200" b="1" dirty="0">
                 <a:solidFill>
                   <a:schemeClr val="bg1"/>
                 </a:solidFill>
@@ -15500,9 +13993,10 @@
               <a:t>}</a:t>
             </a:r>
             <a:r>
-              <a:rPr lang="en-US" dirty="0"/>
-              <a:t>“</a:t>
-            </a:r>
+              <a:rPr lang="bg-BG" sz="3200" dirty="0"/>
+              <a:t>"</a:t>
+            </a:r>
+            <a:endParaRPr lang="en-US" sz="3200" dirty="0"/>
           </a:p>
           <a:p>
             <a:pPr lvl="1"/>
@@ -15515,7 +14009,7 @@
               <a:t> "</a:t>
             </a:r>
             <a:r>
-              <a:rPr lang="en-US" sz="3499" b="1" dirty="0">
+              <a:rPr lang="en-US" sz="3200" b="1" dirty="0">
                 <a:solidFill>
                   <a:schemeClr val="bg1"/>
                 </a:solidFill>
@@ -15525,7 +14019,7 @@
               <a:t>Invalid operation</a:t>
             </a:r>
             <a:r>
-              <a:rPr lang="bg-BG" sz="3499" b="1" dirty="0">
+              <a:rPr lang="bg-BG" sz="3200" b="1" dirty="0">
                 <a:solidFill>
                   <a:schemeClr val="bg1"/>
                 </a:solidFill>
@@ -15558,7 +14052,7 @@
               <a:t>"</a:t>
             </a:r>
             <a:r>
-              <a:rPr lang="en-US" sz="3499" b="1" dirty="0">
+              <a:rPr lang="en-US" sz="3200" b="1" dirty="0">
                 <a:solidFill>
                   <a:schemeClr val="bg1"/>
                 </a:solidFill>
@@ -15568,7 +14062,7 @@
               <a:t>Total</a:t>
             </a:r>
             <a:r>
-              <a:rPr lang="bg-BG" sz="3499" b="1" dirty="0">
+              <a:rPr lang="bg-BG" sz="3200" b="1" dirty="0">
                 <a:solidFill>
                   <a:schemeClr val="bg1"/>
                 </a:solidFill>
@@ -15578,7 +14072,7 @@
               <a:t>: </a:t>
             </a:r>
             <a:r>
-              <a:rPr lang="en-US" sz="3499" b="1" dirty="0">
+              <a:rPr lang="en-US" sz="3200" b="1" dirty="0">
                 <a:solidFill>
                   <a:schemeClr val="bg1"/>
                 </a:solidFill>
@@ -15586,7 +14080,7 @@
               <a:t>{</a:t>
             </a:r>
             <a:r>
-              <a:rPr lang="bg-BG" sz="3499" b="1" dirty="0">
+              <a:rPr lang="bg-BG" sz="3200" b="1" dirty="0">
                 <a:solidFill>
                   <a:schemeClr val="bg1"/>
                 </a:solidFill>
@@ -15594,7 +14088,7 @@
               <a:t>общата сума в сметката</a:t>
             </a:r>
             <a:r>
-              <a:rPr lang="en-US" sz="3499" b="1" dirty="0">
+              <a:rPr lang="en-US" sz="3200" b="1" dirty="0">
                 <a:solidFill>
                   <a:schemeClr val="bg1"/>
                 </a:solidFill>
@@ -15642,10 +14136,10 @@
       </p:sp>
       <p:sp>
         <p:nvSpPr>
-          <p:cNvPr id="5" name="Slide Number">
+          <p:cNvPr id="2" name="Slide Number">
             <a:extLst>
               <a:ext uri="{FF2B5EF4-FFF2-40B4-BE49-F238E27FC236}">
-                <a16:creationId xmlns:a16="http://schemas.microsoft.com/office/drawing/2014/main" id="{8AEBB2D8-4A92-46B4-A939-F6934471B9B3}"/>
+                <a16:creationId xmlns:a16="http://schemas.microsoft.com/office/drawing/2014/main" id="{97074292-F39F-3503-D14A-92A346B793E5}"/>
               </a:ext>
             </a:extLst>
           </p:cNvPr>
@@ -15685,7 +14179,7 @@
     </p:spTree>
     <p:extLst>
       <p:ext uri="{BB962C8B-B14F-4D97-AF65-F5344CB8AC3E}">
-        <p14:creationId xmlns:p14="http://schemas.microsoft.com/office/powerpoint/2010/main" val="2207303366"/>
+        <p14:creationId xmlns:p14="http://schemas.microsoft.com/office/powerpoint/2010/main" val="3300208396"/>
       </p:ext>
     </p:extLst>
   </p:cSld>
@@ -16413,10 +14907,10 @@
       </p:sp>
       <p:sp>
         <p:nvSpPr>
-          <p:cNvPr id="11" name="Slide Number">
+          <p:cNvPr id="2" name="Slide Number">
             <a:extLst>
               <a:ext uri="{FF2B5EF4-FFF2-40B4-BE49-F238E27FC236}">
-                <a16:creationId xmlns:a16="http://schemas.microsoft.com/office/drawing/2014/main" id="{6A4DEEF5-519E-40E0-94DD-504B839B2543}"/>
+                <a16:creationId xmlns:a16="http://schemas.microsoft.com/office/drawing/2014/main" id="{9D6E8A0B-1345-C083-C330-56DF4419A0FF}"/>
               </a:ext>
             </a:extLst>
           </p:cNvPr>
@@ -16456,7 +14950,7 @@
     </p:spTree>
     <p:extLst>
       <p:ext uri="{BB962C8B-B14F-4D97-AF65-F5344CB8AC3E}">
-        <p14:creationId xmlns:p14="http://schemas.microsoft.com/office/powerpoint/2010/main" val="2802370412"/>
+        <p14:creationId xmlns:p14="http://schemas.microsoft.com/office/powerpoint/2010/main" val="2002488214"/>
       </p:ext>
     </p:extLst>
   </p:cSld>
@@ -16633,7 +15127,7 @@
         </p:nvSpPr>
         <p:spPr bwMode="auto">
           <a:xfrm>
-            <a:off x="4860180" y="562101"/>
+            <a:off x="4746000" y="369000"/>
             <a:ext cx="2302345" cy="533261"/>
           </a:xfrm>
           <a:prstGeom prst="flowChartTerminator">
@@ -16708,7 +15202,7 @@
         </p:nvCxnSpPr>
         <p:spPr>
           <a:xfrm flipH="1">
-            <a:off x="6009043" y="1095362"/>
+            <a:off x="5894863" y="902261"/>
             <a:ext cx="2308" cy="327316"/>
           </a:xfrm>
           <a:prstGeom prst="straightConnector1">
@@ -16741,7 +15235,7 @@
         </p:nvSpPr>
         <p:spPr bwMode="auto">
           <a:xfrm>
-            <a:off x="4953298" y="1422677"/>
+            <a:off x="4839118" y="1229576"/>
             <a:ext cx="2111488" cy="761802"/>
           </a:xfrm>
           <a:prstGeom prst="flowChartProcess">
@@ -16809,15 +15303,13 @@
           <p:cNvPr id="14" name="Straight Arrow Connector 13"/>
           <p:cNvCxnSpPr>
             <a:cxnSpLocks/>
-            <a:stCxn id="12" idx="2"/>
-            <a:endCxn id="15" idx="0"/>
           </p:cNvCxnSpPr>
           <p:nvPr/>
         </p:nvCxnSpPr>
         <p:spPr>
           <a:xfrm>
-            <a:off x="6009043" y="2184480"/>
-            <a:ext cx="2309" cy="332183"/>
+            <a:off x="5916000" y="2012869"/>
+            <a:ext cx="0" cy="310694"/>
           </a:xfrm>
           <a:prstGeom prst="straightConnector1">
             <a:avLst/>
@@ -16843,10 +15335,10 @@
       </p:cxnSp>
       <p:grpSp>
         <p:nvGrpSpPr>
-          <p:cNvPr id="62" name="Group 61">
+          <p:cNvPr id="44" name="Group 43">
             <a:extLst>
               <a:ext uri="{FF2B5EF4-FFF2-40B4-BE49-F238E27FC236}">
-                <a16:creationId xmlns:a16="http://schemas.microsoft.com/office/drawing/2014/main" id="{A3E4B317-EA2D-4FE1-899B-D50140912A2F}"/>
+                <a16:creationId xmlns:a16="http://schemas.microsoft.com/office/drawing/2014/main" id="{18BF9A62-63F5-9FF4-D118-9A75AA5A5ED6}"/>
               </a:ext>
             </a:extLst>
           </p:cNvPr>
@@ -16855,10 +15347,10 @@
         </p:nvGrpSpPr>
         <p:grpSpPr>
           <a:xfrm>
-            <a:off x="4911366" y="2516662"/>
-            <a:ext cx="2209605" cy="1120180"/>
-            <a:chOff x="4909467" y="2525864"/>
-            <a:chExt cx="2210181" cy="1120472"/>
+            <a:off x="4460133" y="2334187"/>
+            <a:ext cx="3007673" cy="1451705"/>
+            <a:chOff x="4460133" y="2334187"/>
+            <a:chExt cx="3007673" cy="1451705"/>
           </a:xfrm>
         </p:grpSpPr>
         <p:sp>
@@ -16869,8 +15361,8 @@
           </p:nvSpPr>
           <p:spPr bwMode="auto">
             <a:xfrm>
-              <a:off x="4909467" y="2525864"/>
-              <a:ext cx="2200548" cy="1120472"/>
+              <a:off x="4555459" y="2334187"/>
+              <a:ext cx="2714836" cy="1451705"/>
             </a:xfrm>
             <a:prstGeom prst="flowChartDecision">
               <a:avLst/>
@@ -16939,8 +15431,8 @@
           </p:nvSpPr>
           <p:spPr>
             <a:xfrm>
-              <a:off x="4919101" y="2886045"/>
-              <a:ext cx="2200547" cy="461665"/>
+              <a:off x="4460133" y="2530452"/>
+              <a:ext cx="3007673" cy="830740"/>
             </a:xfrm>
             <a:prstGeom prst="rect">
               <a:avLst/>
@@ -16961,9 +15453,52 @@
                 </a:rPr>
                 <a:t>input !=</a:t>
               </a:r>
+              <a:r>
+                <a:rPr lang="bg-BG" sz="2399" dirty="0">
+                  <a:solidFill>
+                    <a:srgbClr val="FFFFFF"/>
+                  </a:solidFill>
+                </a:rPr>
+                <a:t> </a:t>
+              </a:r>
+              <a:br>
+                <a:rPr lang="bg-BG" sz="2399" dirty="0">
+                  <a:solidFill>
+                    <a:srgbClr val="FFFFFF"/>
+                  </a:solidFill>
+                </a:rPr>
+              </a:br>
+              <a:r>
+                <a:rPr lang="bg-BG" sz="2399" dirty="0">
+                  <a:solidFill>
+                    <a:srgbClr val="FFFFFF"/>
+                  </a:solidFill>
+                </a:rPr>
+                <a:t>"</a:t>
+              </a:r>
+              <a:r>
+                <a:rPr lang="en-US" sz="2399" noProof="1">
+                  <a:solidFill>
+                    <a:schemeClr val="bg2"/>
+                  </a:solidFill>
+                  <a:latin typeface="Consolas" pitchFamily="49" charset="0"/>
+                  <a:cs typeface="Consolas" pitchFamily="49" charset="0"/>
+                </a:rPr>
+                <a:t>NoMoreMoney</a:t>
+              </a:r>
+              <a:r>
+                <a:rPr lang="bg-BG" sz="2399" noProof="1">
+                  <a:solidFill>
+                    <a:schemeClr val="bg2"/>
+                  </a:solidFill>
+                  <a:latin typeface="Consolas" pitchFamily="49" charset="0"/>
+                  <a:cs typeface="Consolas" pitchFamily="49" charset="0"/>
+                </a:rPr>
+                <a:t>"</a:t>
+              </a:r>
               <a:endParaRPr lang="en-US" sz="2399" dirty="0">
                 <a:solidFill>
-                  <a:srgbClr val="FFFFFF"/>
+                  <a:schemeClr val="bg2"/>
                 </a:solidFill>
               </a:endParaRPr>
             </a:p>
@@ -16975,15 +15510,13 @@
           <p:cNvPr id="19" name="Straight Arrow Connector 18"/>
           <p:cNvCxnSpPr>
             <a:cxnSpLocks/>
-            <a:stCxn id="15" idx="2"/>
-            <a:endCxn id="24" idx="1"/>
           </p:cNvCxnSpPr>
           <p:nvPr/>
         </p:nvCxnSpPr>
         <p:spPr>
-          <a:xfrm>
-            <a:off x="6011353" y="3636844"/>
-            <a:ext cx="9630" cy="363108"/>
+          <a:xfrm flipH="1">
+            <a:off x="5908987" y="3824259"/>
+            <a:ext cx="3890" cy="324741"/>
           </a:xfrm>
           <a:prstGeom prst="straightConnector1">
             <a:avLst/>
@@ -17012,15 +15545,14 @@
           <p:cNvPr id="20" name="Straight Arrow Connector 19"/>
           <p:cNvCxnSpPr>
             <a:cxnSpLocks/>
-            <a:stCxn id="15" idx="3"/>
             <a:endCxn id="92" idx="2"/>
           </p:cNvCxnSpPr>
           <p:nvPr/>
         </p:nvCxnSpPr>
         <p:spPr>
           <a:xfrm>
-            <a:off x="7111339" y="3076752"/>
-            <a:ext cx="1103261" cy="0"/>
+            <a:off x="7291280" y="3076753"/>
+            <a:ext cx="923320" cy="0"/>
           </a:xfrm>
           <a:prstGeom prst="straightConnector1">
             <a:avLst/>
@@ -17052,7 +15584,7 @@
         </p:nvSpPr>
         <p:spPr>
           <a:xfrm>
-            <a:off x="6055897" y="3421942"/>
+            <a:off x="6055897" y="3592481"/>
             <a:ext cx="891741" cy="556519"/>
           </a:xfrm>
           <a:prstGeom prst="rect">
@@ -17111,7 +15643,7 @@
         </p:nvSpPr>
         <p:spPr>
           <a:xfrm>
-            <a:off x="7007824" y="2645487"/>
+            <a:off x="7270296" y="2634901"/>
             <a:ext cx="776128" cy="539595"/>
           </a:xfrm>
           <a:prstGeom prst="rect">
@@ -17170,7 +15702,7 @@
         </p:nvGrpSpPr>
         <p:grpSpPr>
           <a:xfrm>
-            <a:off x="4743043" y="3999952"/>
+            <a:off x="4743043" y="4138379"/>
             <a:ext cx="2555881" cy="685621"/>
             <a:chOff x="4554445" y="3718098"/>
             <a:chExt cx="2514600" cy="685800"/>
@@ -17289,15 +15821,14 @@
         <p:nvCxnSpPr>
           <p:cNvPr id="27" name="Straight Arrow Connector 26"/>
           <p:cNvCxnSpPr>
-            <a:stCxn id="24" idx="4"/>
-            <a:endCxn id="33" idx="0"/>
+            <a:cxnSpLocks/>
           </p:cNvCxnSpPr>
           <p:nvPr/>
         </p:nvCxnSpPr>
         <p:spPr>
           <a:xfrm>
-            <a:off x="6020981" y="4685573"/>
-            <a:ext cx="15962" cy="342810"/>
+            <a:off x="5916000" y="4824000"/>
+            <a:ext cx="15962" cy="474062"/>
           </a:xfrm>
           <a:prstGeom prst="straightConnector1">
             <a:avLst/>
@@ -17329,7 +15860,7 @@
         </p:nvGrpSpPr>
         <p:grpSpPr>
           <a:xfrm>
-            <a:off x="4911366" y="5028382"/>
+            <a:off x="4791000" y="5298062"/>
             <a:ext cx="2251159" cy="1280938"/>
             <a:chOff x="4607359" y="4738528"/>
             <a:chExt cx="2408772" cy="1104900"/>
@@ -17507,6 +16038,7 @@
         <p:nvCxnSpPr>
           <p:cNvPr id="63" name="Straight Arrow Connector 62"/>
           <p:cNvCxnSpPr>
+            <a:cxnSpLocks/>
             <a:stCxn id="33" idx="1"/>
             <a:endCxn id="46" idx="3"/>
           </p:cNvCxnSpPr>
@@ -17514,8 +16046,8 @@
         </p:nvCxnSpPr>
         <p:spPr>
           <a:xfrm flipH="1">
-            <a:off x="4178343" y="5668851"/>
-            <a:ext cx="733022" cy="0"/>
+            <a:off x="4213626" y="5938531"/>
+            <a:ext cx="577374" cy="2679"/>
           </a:xfrm>
           <a:prstGeom prst="straightConnector1">
             <a:avLst/>
@@ -17606,10 +16138,10 @@
         </p:nvGrpSpPr>
         <p:grpSpPr>
           <a:xfrm>
-            <a:off x="1916647" y="5083560"/>
-            <a:ext cx="2344070" cy="1170584"/>
-            <a:chOff x="1833070" y="4091945"/>
-            <a:chExt cx="2344681" cy="1795622"/>
+            <a:off x="1951930" y="5544000"/>
+            <a:ext cx="2344070" cy="794420"/>
+            <a:chOff x="1833070" y="4091944"/>
+            <a:chExt cx="2344681" cy="1218603"/>
           </a:xfrm>
         </p:grpSpPr>
         <p:grpSp>
@@ -17620,10 +16152,10 @@
           </p:nvGrpSpPr>
           <p:grpSpPr>
             <a:xfrm>
-              <a:off x="1915467" y="4091945"/>
-              <a:ext cx="2179888" cy="1795622"/>
+              <a:off x="1915467" y="4091944"/>
+              <a:ext cx="2179888" cy="1218603"/>
               <a:chOff x="1843231" y="3930890"/>
-              <a:chExt cx="2274661" cy="2133600"/>
+              <a:chExt cx="2274661" cy="1447973"/>
             </a:xfrm>
           </p:grpSpPr>
           <p:sp>
@@ -17635,7 +16167,7 @@
             <p:spPr bwMode="auto">
               <a:xfrm>
                 <a:off x="1843231" y="3930890"/>
-                <a:ext cx="2274661" cy="2133600"/>
+                <a:ext cx="2274661" cy="1447973"/>
               </a:xfrm>
               <a:prstGeom prst="flowChartProcess">
                 <a:avLst/>
@@ -17704,8 +16236,8 @@
             </p:nvSpPr>
             <p:spPr>
               <a:xfrm>
-                <a:off x="1896124" y="4537630"/>
-                <a:ext cx="2102244" cy="841248"/>
+                <a:off x="1937679" y="4537629"/>
+                <a:ext cx="2019135" cy="841234"/>
               </a:xfrm>
               <a:prstGeom prst="rect">
                 <a:avLst/>
@@ -17724,7 +16256,7 @@
                       <a:srgbClr val="FFFFFF"/>
                     </a:solidFill>
                   </a:rPr>
-                  <a:t>print message,</a:t>
+                  <a:t>print message</a:t>
                 </a:r>
                 <a:endParaRPr lang="en-US" sz="2399" dirty="0">
                   <a:solidFill>
@@ -17780,17 +16312,18 @@
           <p:cNvCxnSpPr>
             <a:cxnSpLocks/>
             <a:stCxn id="46" idx="0"/>
-            <a:endCxn id="15" idx="1"/>
           </p:cNvCxnSpPr>
           <p:nvPr/>
         </p:nvCxnSpPr>
         <p:spPr>
           <a:xfrm rot="5400000" flipH="1" flipV="1">
-            <a:off x="2996621" y="3168817"/>
-            <a:ext cx="2006806" cy="1822682"/>
+            <a:off x="2524210" y="3676510"/>
+            <a:ext cx="2467247" cy="1267734"/>
           </a:xfrm>
-          <a:prstGeom prst="bentConnector2">
-            <a:avLst/>
+          <a:prstGeom prst="bentConnector3">
+            <a:avLst>
+              <a:gd name="adj1" fmla="val 99649"/>
+            </a:avLst>
           </a:prstGeom>
           <a:ln w="57150">
             <a:tailEnd type="triangle"/>
@@ -17946,8 +16479,8 @@
         </p:nvCxnSpPr>
         <p:spPr>
           <a:xfrm flipV="1">
-            <a:off x="7162524" y="3419563"/>
-            <a:ext cx="2054908" cy="2249288"/>
+            <a:off x="7042159" y="3419563"/>
+            <a:ext cx="2175272" cy="2518968"/>
           </a:xfrm>
           <a:prstGeom prst="bentConnector2">
             <a:avLst/>
@@ -17973,54 +16506,10 @@
       </p:cxnSp>
       <p:sp>
         <p:nvSpPr>
-          <p:cNvPr id="35" name="Rectangle 76">
+          <p:cNvPr id="2" name="Slide Number">
             <a:extLst>
               <a:ext uri="{FF2B5EF4-FFF2-40B4-BE49-F238E27FC236}">
-                <a16:creationId xmlns:a16="http://schemas.microsoft.com/office/drawing/2014/main" id="{4B7E2D91-1C6E-4DA1-AF37-88FA028978EE}"/>
-              </a:ext>
-            </a:extLst>
-          </p:cNvPr>
-          <p:cNvSpPr/>
-          <p:nvPr/>
-        </p:nvSpPr>
-        <p:spPr>
-          <a:xfrm>
-            <a:off x="2655513" y="5758333"/>
-            <a:ext cx="843281" cy="461545"/>
-          </a:xfrm>
-          <a:prstGeom prst="rect">
-            <a:avLst/>
-          </a:prstGeom>
-        </p:spPr>
-        <p:txBody>
-          <a:bodyPr wrap="none">
-            <a:spAutoFit/>
-          </a:bodyPr>
-          <a:lstStyle/>
-          <a:p>
-            <a:pPr algn="ctr"/>
-            <a:r>
-              <a:rPr lang="en-GB" sz="2399" dirty="0">
-                <a:solidFill>
-                  <a:srgbClr val="FFFFFF"/>
-                </a:solidFill>
-              </a:rPr>
-              <a:t>input</a:t>
-            </a:r>
-            <a:endParaRPr lang="en-US" sz="2399" dirty="0">
-              <a:solidFill>
-                <a:srgbClr val="FFFFFF"/>
-              </a:solidFill>
-            </a:endParaRPr>
-          </a:p>
-        </p:txBody>
-      </p:sp>
-      <p:sp>
-        <p:nvSpPr>
-          <p:cNvPr id="37" name="Slide Number">
-            <a:extLst>
-              <a:ext uri="{FF2B5EF4-FFF2-40B4-BE49-F238E27FC236}">
-                <a16:creationId xmlns:a16="http://schemas.microsoft.com/office/drawing/2014/main" id="{B8EB0DBB-D760-4AB5-8E7D-26A94FBC270A}"/>
+                <a16:creationId xmlns:a16="http://schemas.microsoft.com/office/drawing/2014/main" id="{76BA8964-1053-A92A-6BBA-0D2EDB0740C0}"/>
               </a:ext>
             </a:extLst>
           </p:cNvPr>
@@ -18148,7 +16637,7 @@
     </p:spTree>
     <p:extLst>
       <p:ext uri="{BB962C8B-B14F-4D97-AF65-F5344CB8AC3E}">
-        <p14:creationId xmlns:p14="http://schemas.microsoft.com/office/powerpoint/2010/main" val="1004525664"/>
+        <p14:creationId xmlns:p14="http://schemas.microsoft.com/office/powerpoint/2010/main" val="994983170"/>
       </p:ext>
     </p:extLst>
   </p:cSld>
@@ -18296,7 +16785,7 @@
                                           </p:stCondLst>
                                         </p:cTn>
                                         <p:tgtEl>
-                                          <p:spTgt spid="62"/>
+                                          <p:spTgt spid="44"/>
                                         </p:tgtEl>
                                         <p:attrNameLst>
                                           <p:attrName>style.visibility</p:attrName>
@@ -18606,21 +17095,39 @@
                                   </p:childTnLst>
                                 </p:cTn>
                               </p:par>
+                            </p:childTnLst>
+                          </p:cTn>
+                        </p:par>
+                      </p:childTnLst>
+                    </p:cTn>
+                  </p:par>
+                  <p:par>
+                    <p:cTn id="39" fill="hold">
+                      <p:stCondLst>
+                        <p:cond delay="indefinite"/>
+                      </p:stCondLst>
+                      <p:childTnLst>
+                        <p:par>
+                          <p:cTn id="40" fill="hold">
+                            <p:stCondLst>
+                              <p:cond delay="0"/>
+                            </p:stCondLst>
+                            <p:childTnLst>
                               <p:par>
-                                <p:cTn id="39" presetID="1" presetClass="entr" presetSubtype="0" fill="hold" grpId="0" nodeType="withEffect">
+                                <p:cTn id="41" presetID="1" presetClass="entr" presetSubtype="0" fill="hold" grpId="0" nodeType="clickEffect">
                                   <p:stCondLst>
                                     <p:cond delay="0"/>
                                   </p:stCondLst>
                                   <p:childTnLst>
                                     <p:set>
                                       <p:cBhvr>
-                                        <p:cTn id="40" dur="1" fill="hold">
+                                        <p:cTn id="42" dur="1" fill="hold">
                                           <p:stCondLst>
                                             <p:cond delay="0"/>
                                           </p:stCondLst>
                                         </p:cTn>
                                         <p:tgtEl>
-                                          <p:spTgt spid="35"/>
+                                          <p:spTgt spid="50"/>
                                         </p:tgtEl>
                                         <p:attrNameLst>
                                           <p:attrName>style.visibility</p:attrName>
@@ -18633,26 +17140,8 @@
                                   </p:childTnLst>
                                 </p:cTn>
                               </p:par>
-                            </p:childTnLst>
-                          </p:cTn>
-                        </p:par>
-                      </p:childTnLst>
-                    </p:cTn>
-                  </p:par>
-                  <p:par>
-                    <p:cTn id="41" fill="hold">
-                      <p:stCondLst>
-                        <p:cond delay="indefinite"/>
-                      </p:stCondLst>
-                      <p:childTnLst>
-                        <p:par>
-                          <p:cTn id="42" fill="hold">
-                            <p:stCondLst>
-                              <p:cond delay="0"/>
-                            </p:stCondLst>
-                            <p:childTnLst>
                               <p:par>
-                                <p:cTn id="43" presetID="1" presetClass="entr" presetSubtype="0" fill="hold" grpId="0" nodeType="clickEffect">
+                                <p:cTn id="43" presetID="1" presetClass="entr" presetSubtype="0" fill="hold" nodeType="withEffect">
                                   <p:stCondLst>
                                     <p:cond delay="0"/>
                                   </p:stCondLst>
@@ -18665,7 +17154,7 @@
                                           </p:stCondLst>
                                         </p:cTn>
                                         <p:tgtEl>
-                                          <p:spTgt spid="50"/>
+                                          <p:spTgt spid="100"/>
                                         </p:tgtEl>
                                         <p:attrNameLst>
                                           <p:attrName>style.visibility</p:attrName>
@@ -18692,33 +17181,6 @@
                                           </p:stCondLst>
                                         </p:cTn>
                                         <p:tgtEl>
-                                          <p:spTgt spid="100"/>
-                                        </p:tgtEl>
-                                        <p:attrNameLst>
-                                          <p:attrName>style.visibility</p:attrName>
-                                        </p:attrNameLst>
-                                      </p:cBhvr>
-                                      <p:to>
-                                        <p:strVal val="visible"/>
-                                      </p:to>
-                                    </p:set>
-                                  </p:childTnLst>
-                                </p:cTn>
-                              </p:par>
-                              <p:par>
-                                <p:cTn id="47" presetID="1" presetClass="entr" presetSubtype="0" fill="hold" nodeType="withEffect">
-                                  <p:stCondLst>
-                                    <p:cond delay="0"/>
-                                  </p:stCondLst>
-                                  <p:childTnLst>
-                                    <p:set>
-                                      <p:cBhvr>
-                                        <p:cTn id="48" dur="1" fill="hold">
-                                          <p:stCondLst>
-                                            <p:cond delay="0"/>
-                                          </p:stCondLst>
-                                        </p:cTn>
-                                        <p:tgtEl>
                                           <p:spTgt spid="98"/>
                                         </p:tgtEl>
                                         <p:attrNameLst>
@@ -18739,26 +17201,26 @@
                     </p:cTn>
                   </p:par>
                   <p:par>
-                    <p:cTn id="49" fill="hold">
+                    <p:cTn id="47" fill="hold">
                       <p:stCondLst>
                         <p:cond delay="indefinite"/>
                       </p:stCondLst>
                       <p:childTnLst>
                         <p:par>
-                          <p:cTn id="50" fill="hold">
+                          <p:cTn id="48" fill="hold">
                             <p:stCondLst>
                               <p:cond delay="0"/>
                             </p:stCondLst>
                             <p:childTnLst>
                               <p:par>
-                                <p:cTn id="51" presetID="1" presetClass="entr" presetSubtype="0" fill="hold" grpId="0" nodeType="clickEffect">
+                                <p:cTn id="49" presetID="1" presetClass="entr" presetSubtype="0" fill="hold" grpId="0" nodeType="clickEffect">
                                   <p:stCondLst>
                                     <p:cond delay="0"/>
                                   </p:stCondLst>
                                   <p:childTnLst>
                                     <p:set>
                                       <p:cBhvr>
-                                        <p:cTn id="52" dur="1" fill="hold">
+                                        <p:cTn id="50" dur="1" fill="hold">
                                           <p:stCondLst>
                                             <p:cond delay="0"/>
                                           </p:stCondLst>
@@ -18778,14 +17240,14 @@
                                 </p:cTn>
                               </p:par>
                               <p:par>
-                                <p:cTn id="53" presetID="1" presetClass="entr" presetSubtype="0" fill="hold" nodeType="withEffect">
+                                <p:cTn id="51" presetID="1" presetClass="entr" presetSubtype="0" fill="hold" nodeType="withEffect">
                                   <p:stCondLst>
                                     <p:cond delay="0"/>
                                   </p:stCondLst>
                                   <p:childTnLst>
                                     <p:set>
                                       <p:cBhvr>
-                                        <p:cTn id="54" dur="1" fill="hold">
+                                        <p:cTn id="52" dur="1" fill="hold">
                                           <p:stCondLst>
                                             <p:cond delay="0"/>
                                           </p:stCondLst>
@@ -18837,7 +17299,6 @@
       <p:bldP spid="23" grpId="0"/>
       <p:bldP spid="50" grpId="0"/>
       <p:bldP spid="71" grpId="0"/>
-      <p:bldP spid="35" grpId="0"/>
     </p:bldLst>
   </p:timing>
 </p:sld>
@@ -18942,7 +17403,7 @@
             <a:r>
               <a:rPr lang="en-US" sz="2399" b="1" noProof="1">
                 <a:solidFill>
-                  <a:schemeClr val="accent1"/>
+                  <a:schemeClr val="bg1"/>
                 </a:solidFill>
                 <a:latin typeface="Consolas" pitchFamily="49" charset="0"/>
                 <a:cs typeface="Consolas" pitchFamily="49" charset="0"/>
@@ -18961,7 +17422,7 @@
             <a:r>
               <a:rPr lang="en-US" sz="2399" b="1" noProof="1">
                 <a:solidFill>
-                  <a:schemeClr val="accent1"/>
+                  <a:schemeClr val="bg1"/>
                 </a:solidFill>
                 <a:latin typeface="Consolas" pitchFamily="49" charset="0"/>
                 <a:cs typeface="Consolas" pitchFamily="49" charset="0"/>
@@ -19127,7 +17588,7 @@
             <a:r>
               <a:rPr lang="en-US" sz="2399" b="1" noProof="1">
                 <a:solidFill>
-                  <a:schemeClr val="accent1"/>
+                  <a:schemeClr val="bg1"/>
                 </a:solidFill>
                 <a:latin typeface="Consolas" pitchFamily="49" charset="0"/>
                 <a:cs typeface="Consolas" pitchFamily="49" charset="0"/>
@@ -19316,10 +17777,10 @@
       </p:sp>
       <p:sp>
         <p:nvSpPr>
-          <p:cNvPr id="7" name="Slide Number">
+          <p:cNvPr id="2" name="Slide Number">
             <a:extLst>
               <a:ext uri="{FF2B5EF4-FFF2-40B4-BE49-F238E27FC236}">
-                <a16:creationId xmlns:a16="http://schemas.microsoft.com/office/drawing/2014/main" id="{CA20EF0E-C05B-4FE5-B78B-D3BBDD68393A}"/>
+                <a16:creationId xmlns:a16="http://schemas.microsoft.com/office/drawing/2014/main" id="{2C2127FF-07C4-A7FF-5997-48D1CB5736EC}"/>
               </a:ext>
             </a:extLst>
           </p:cNvPr>
@@ -19359,7 +17820,7 @@
     </p:spTree>
     <p:extLst>
       <p:ext uri="{BB962C8B-B14F-4D97-AF65-F5344CB8AC3E}">
-        <p14:creationId xmlns:p14="http://schemas.microsoft.com/office/powerpoint/2010/main" val="2432013584"/>
+        <p14:creationId xmlns:p14="http://schemas.microsoft.com/office/powerpoint/2010/main" val="3428617017"/>
       </p:ext>
     </p:extLst>
   </p:cSld>
@@ -19818,16 +18279,61 @@
               <a:t>-</a:t>
             </a:r>
             <a:r>
+              <a:rPr lang="bg-BG" sz="3399" b="1" dirty="0">
+                <a:latin typeface="Calibri" panose="020F0502020204030204" pitchFamily="34" charset="0"/>
+                <a:cs typeface="Calibri" panose="020F0502020204030204" pitchFamily="34" charset="0"/>
+              </a:rPr>
+              <a:t>цикли</a:t>
+            </a:r>
+            <a:endParaRPr lang="en-US" sz="3399" b="1" dirty="0">
+              <a:latin typeface="Calibri" panose="020F0502020204030204" pitchFamily="34" charset="0"/>
+              <a:cs typeface="Calibri" panose="020F0502020204030204" pitchFamily="34" charset="0"/>
+            </a:endParaRPr>
+          </a:p>
+          <a:p>
+            <a:r>
+              <a:rPr lang="bg-BG" sz="3399" dirty="0">
+                <a:cs typeface="Consolas" panose="020B0609020204030204" pitchFamily="49" charset="0"/>
+              </a:rPr>
+              <a:t>По-сложни </a:t>
+            </a:r>
+            <a:r>
+              <a:rPr lang="en-US" sz="3399" b="1" dirty="0">
+                <a:latin typeface="Consolas" panose="020B0609020204030204" pitchFamily="49" charset="0"/>
+                <a:cs typeface="Consolas" panose="020B0609020204030204" pitchFamily="49" charset="0"/>
+              </a:rPr>
+              <a:t>while</a:t>
+            </a:r>
+            <a:r>
+              <a:rPr lang="en-US" sz="3399" dirty="0">
+                <a:latin typeface="Consolas" panose="020B0609020204030204" pitchFamily="49" charset="0"/>
+                <a:cs typeface="Consolas" panose="020B0609020204030204" pitchFamily="49" charset="0"/>
+              </a:rPr>
+              <a:t>-</a:t>
+            </a:r>
+            <a:r>
+              <a:rPr lang="bg-BG" sz="3399" b="1" dirty="0">
+                <a:latin typeface="Calibri" panose="020F0502020204030204" pitchFamily="34" charset="0"/>
+                <a:cs typeface="Calibri" panose="020F0502020204030204" pitchFamily="34" charset="0"/>
+              </a:rPr>
+              <a:t>цикли</a:t>
+            </a:r>
+          </a:p>
+          <a:p>
+            <a:r>
               <a:rPr lang="bg-BG" sz="3399" dirty="0">
                 <a:latin typeface="Calibri" panose="020F0502020204030204" pitchFamily="34" charset="0"/>
                 <a:cs typeface="Calibri" panose="020F0502020204030204" pitchFamily="34" charset="0"/>
               </a:rPr>
-              <a:t>цикли</a:t>
-            </a:r>
-            <a:endParaRPr lang="en-US" sz="3399" dirty="0">
-              <a:latin typeface="Calibri" panose="020F0502020204030204" pitchFamily="34" charset="0"/>
-              <a:cs typeface="Calibri" panose="020F0502020204030204" pitchFamily="34" charset="0"/>
-            </a:endParaRPr>
+              <a:t>По-сложни </a:t>
+            </a:r>
+            <a:r>
+              <a:rPr lang="bg-BG" sz="3399" b="1" dirty="0">
+                <a:latin typeface="Calibri" panose="020F0502020204030204" pitchFamily="34" charset="0"/>
+                <a:cs typeface="Calibri" panose="020F0502020204030204" pitchFamily="34" charset="0"/>
+              </a:rPr>
+              <a:t>вложени цикли</a:t>
+            </a:r>
           </a:p>
           <a:p>
             <a:pPr lvl="1"/>
@@ -19836,90 +18342,21 @@
                 <a:latin typeface="Calibri" panose="020F0502020204030204" pitchFamily="34" charset="0"/>
                 <a:cs typeface="Calibri" panose="020F0502020204030204" pitchFamily="34" charset="0"/>
               </a:rPr>
-              <a:t>Цикли с обратна стъпка</a:t>
-            </a:r>
-          </a:p>
-          <a:p>
-            <a:r>
-              <a:rPr lang="bg-BG" sz="3399" dirty="0">
-                <a:cs typeface="Consolas" panose="020B0609020204030204" pitchFamily="49" charset="0"/>
-              </a:rPr>
-              <a:t>По-сложни </a:t>
-            </a:r>
-            <a:r>
-              <a:rPr lang="en-US" sz="3399" b="1" dirty="0">
-                <a:latin typeface="Consolas" panose="020B0609020204030204" pitchFamily="49" charset="0"/>
-                <a:cs typeface="Consolas" panose="020B0609020204030204" pitchFamily="49" charset="0"/>
-              </a:rPr>
-              <a:t>while</a:t>
-            </a:r>
-            <a:r>
-              <a:rPr lang="en-US" sz="3399" dirty="0">
-                <a:latin typeface="Consolas" panose="020B0609020204030204" pitchFamily="49" charset="0"/>
-                <a:cs typeface="Consolas" panose="020B0609020204030204" pitchFamily="49" charset="0"/>
-              </a:rPr>
-              <a:t>-</a:t>
-            </a:r>
-            <a:r>
-              <a:rPr lang="bg-BG" sz="3399" dirty="0">
+              <a:t>Прекъсване на вложени цикли с </a:t>
+            </a:r>
+            <a:r>
+              <a:rPr lang="bg-BG" sz="3199" b="1" dirty="0">
                 <a:latin typeface="Calibri" panose="020F0502020204030204" pitchFamily="34" charset="0"/>
                 <a:cs typeface="Calibri" panose="020F0502020204030204" pitchFamily="34" charset="0"/>
               </a:rPr>
-              <a:t>цикли</a:t>
-            </a:r>
-          </a:p>
-          <a:p>
-            <a:pPr lvl="1"/>
+              <a:t>двоен</a:t>
+            </a:r>
             <a:r>
               <a:rPr lang="bg-BG" sz="3199" dirty="0">
                 <a:latin typeface="Calibri" panose="020F0502020204030204" pitchFamily="34" charset="0"/>
                 <a:cs typeface="Calibri" panose="020F0502020204030204" pitchFamily="34" charset="0"/>
               </a:rPr>
-              <a:t>Задачи с по-сложен </a:t>
-            </a:r>
-            <a:r>
-              <a:rPr lang="en-US" sz="3199" b="1" dirty="0">
-                <a:latin typeface="Consolas" panose="020B0609020204030204" pitchFamily="49" charset="0"/>
-                <a:cs typeface="Calibri" panose="020F0502020204030204" pitchFamily="34" charset="0"/>
-              </a:rPr>
-              <a:t>while</a:t>
-            </a:r>
-            <a:r>
-              <a:rPr lang="en-US" sz="3199" dirty="0">
-                <a:latin typeface="Calibri" panose="020F0502020204030204" pitchFamily="34" charset="0"/>
-                <a:cs typeface="Calibri" panose="020F0502020204030204" pitchFamily="34" charset="0"/>
-              </a:rPr>
-              <a:t>-</a:t>
-            </a:r>
-            <a:r>
-              <a:rPr lang="bg-BG" sz="3199" dirty="0">
-                <a:latin typeface="Calibri" panose="020F0502020204030204" pitchFamily="34" charset="0"/>
-                <a:cs typeface="Calibri" panose="020F0502020204030204" pitchFamily="34" charset="0"/>
-              </a:rPr>
-              <a:t>цикъл</a:t>
-            </a:r>
-            <a:endParaRPr lang="en-US" sz="3199" dirty="0">
-              <a:latin typeface="Calibri" panose="020F0502020204030204" pitchFamily="34" charset="0"/>
-              <a:cs typeface="Calibri" panose="020F0502020204030204" pitchFamily="34" charset="0"/>
-            </a:endParaRPr>
-          </a:p>
-          <a:p>
-            <a:r>
-              <a:rPr lang="bg-BG" sz="3399" dirty="0">
-                <a:latin typeface="Calibri" panose="020F0502020204030204" pitchFamily="34" charset="0"/>
-                <a:cs typeface="Calibri" panose="020F0502020204030204" pitchFamily="34" charset="0"/>
-              </a:rPr>
-              <a:t>По-сложни вложени цикли</a:t>
-            </a:r>
-          </a:p>
-          <a:p>
-            <a:pPr lvl="1"/>
-            <a:r>
-              <a:rPr lang="bg-BG" sz="3199" dirty="0">
-                <a:latin typeface="Calibri" panose="020F0502020204030204" pitchFamily="34" charset="0"/>
-                <a:cs typeface="Calibri" panose="020F0502020204030204" pitchFamily="34" charset="0"/>
-              </a:rPr>
-              <a:t>Прекъсване на вложени цикли с двоен </a:t>
+              <a:t> </a:t>
             </a:r>
             <a:r>
               <a:rPr lang="en-US" sz="3199" b="1" dirty="0">
@@ -19963,10 +18400,10 @@
       </p:sp>
       <p:sp>
         <p:nvSpPr>
-          <p:cNvPr id="5" name="Slide Number">
+          <p:cNvPr id="2" name="Slide Number">
             <a:extLst>
               <a:ext uri="{FF2B5EF4-FFF2-40B4-BE49-F238E27FC236}">
-                <a16:creationId xmlns:a16="http://schemas.microsoft.com/office/drawing/2014/main" id="{FC93F898-4B2E-4244-8B57-AC60CE618B57}"/>
+                <a16:creationId xmlns:a16="http://schemas.microsoft.com/office/drawing/2014/main" id="{A8C9921D-7BB8-A839-C376-93828EB0A617}"/>
               </a:ext>
             </a:extLst>
           </p:cNvPr>
@@ -20094,7 +18531,7 @@
     </p:spTree>
     <p:extLst>
       <p:ext uri="{BB962C8B-B14F-4D97-AF65-F5344CB8AC3E}">
-        <p14:creationId xmlns:p14="http://schemas.microsoft.com/office/powerpoint/2010/main" val="2853257335"/>
+        <p14:creationId xmlns:p14="http://schemas.microsoft.com/office/powerpoint/2010/main" val="4022998020"/>
       </p:ext>
     </p:extLst>
   </p:cSld>
@@ -20145,38 +18582,7 @@
                                         <p:tgtEl>
                                           <p:spTgt spid="444419">
                                             <p:txEl>
-                                              <p:pRg st="2" end="2"/>
-                                            </p:txEl>
-                                          </p:spTgt>
-                                        </p:tgtEl>
-                                        <p:attrNameLst>
-                                          <p:attrName>style.visibility</p:attrName>
-                                        </p:attrNameLst>
-                                      </p:cBhvr>
-                                      <p:to>
-                                        <p:strVal val="visible"/>
-                                      </p:to>
-                                    </p:set>
-                                  </p:childTnLst>
-                                </p:cTn>
-                              </p:par>
-                              <p:par>
-                                <p:cTn id="7" presetID="1" presetClass="entr" presetSubtype="0" fill="hold" nodeType="withEffect">
-                                  <p:stCondLst>
-                                    <p:cond delay="0"/>
-                                  </p:stCondLst>
-                                  <p:childTnLst>
-                                    <p:set>
-                                      <p:cBhvr>
-                                        <p:cTn id="8" dur="1" fill="hold">
-                                          <p:stCondLst>
-                                            <p:cond delay="0"/>
-                                          </p:stCondLst>
-                                        </p:cTn>
-                                        <p:tgtEl>
-                                          <p:spTgt spid="444419">
-                                            <p:txEl>
-                                              <p:pRg st="3" end="3"/>
+                                              <p:pRg st="1" end="1"/>
                                             </p:txEl>
                                           </p:spTgt>
                                         </p:tgtEl>
@@ -20198,26 +18604,26 @@
                     </p:cTn>
                   </p:par>
                   <p:par>
-                    <p:cTn id="9" fill="hold">
+                    <p:cTn id="7" fill="hold">
                       <p:stCondLst>
                         <p:cond delay="indefinite"/>
                       </p:stCondLst>
                       <p:childTnLst>
                         <p:par>
-                          <p:cTn id="10" fill="hold">
+                          <p:cTn id="8" fill="hold">
                             <p:stCondLst>
                               <p:cond delay="0"/>
                             </p:stCondLst>
                             <p:childTnLst>
                               <p:par>
-                                <p:cTn id="11" presetID="1" presetClass="entr" presetSubtype="0" fill="hold" nodeType="clickEffect">
+                                <p:cTn id="9" presetID="1" presetClass="entr" presetSubtype="0" fill="hold" nodeType="clickEffect">
                                   <p:stCondLst>
                                     <p:cond delay="0"/>
                                   </p:stCondLst>
                                   <p:childTnLst>
                                     <p:set>
                                       <p:cBhvr>
-                                        <p:cTn id="12" dur="1" fill="hold">
+                                        <p:cTn id="10" dur="1" fill="hold">
                                           <p:stCondLst>
                                             <p:cond delay="0"/>
                                           </p:stCondLst>
@@ -20225,7 +18631,7 @@
                                         <p:tgtEl>
                                           <p:spTgt spid="444419">
                                             <p:txEl>
-                                              <p:pRg st="4" end="4"/>
+                                              <p:pRg st="2" end="2"/>
                                             </p:txEl>
                                           </p:spTgt>
                                         </p:tgtEl>
@@ -20241,14 +18647,14 @@
                                 </p:cTn>
                               </p:par>
                               <p:par>
-                                <p:cTn id="13" presetID="1" presetClass="entr" presetSubtype="0" fill="hold" nodeType="withEffect">
+                                <p:cTn id="11" presetID="1" presetClass="entr" presetSubtype="0" fill="hold" nodeType="withEffect">
                                   <p:stCondLst>
                                     <p:cond delay="0"/>
                                   </p:stCondLst>
                                   <p:childTnLst>
                                     <p:set>
                                       <p:cBhvr>
-                                        <p:cTn id="14" dur="1" fill="hold">
+                                        <p:cTn id="12" dur="1" fill="hold">
                                           <p:stCondLst>
                                             <p:cond delay="0"/>
                                           </p:stCondLst>
@@ -20256,7 +18662,7 @@
                                         <p:tgtEl>
                                           <p:spTgt spid="444419">
                                             <p:txEl>
-                                              <p:pRg st="5" end="5"/>
+                                              <p:pRg st="3" end="3"/>
                                             </p:txEl>
                                           </p:spTgt>
                                         </p:tgtEl>
@@ -20685,10 +19091,10 @@
       </p:pic>
       <p:sp>
         <p:nvSpPr>
-          <p:cNvPr id="11" name="Slide Number">
+          <p:cNvPr id="2" name="Slide Number">
             <a:extLst>
               <a:ext uri="{FF2B5EF4-FFF2-40B4-BE49-F238E27FC236}">
-                <a16:creationId xmlns:a16="http://schemas.microsoft.com/office/drawing/2014/main" id="{2337AF28-3C8F-4D68-8004-0811DEB43A3C}"/>
+                <a16:creationId xmlns:a16="http://schemas.microsoft.com/office/drawing/2014/main" id="{95796DE9-5F59-E51C-B985-E20BA44A42E4}"/>
               </a:ext>
             </a:extLst>
           </p:cNvPr>
@@ -20728,7 +19134,7 @@
     </p:spTree>
     <p:extLst>
       <p:ext uri="{BB962C8B-B14F-4D97-AF65-F5344CB8AC3E}">
-        <p14:creationId xmlns:p14="http://schemas.microsoft.com/office/powerpoint/2010/main" val="2209437486"/>
+        <p14:creationId xmlns:p14="http://schemas.microsoft.com/office/powerpoint/2010/main" val="3331637289"/>
       </p:ext>
     </p:extLst>
   </p:cSld>
@@ -21086,10 +19492,10 @@
       </p:sp>
       <p:sp>
         <p:nvSpPr>
-          <p:cNvPr id="5" name="Slide Number">
+          <p:cNvPr id="2" name="Slide Number">
             <a:extLst>
               <a:ext uri="{FF2B5EF4-FFF2-40B4-BE49-F238E27FC236}">
-                <a16:creationId xmlns:a16="http://schemas.microsoft.com/office/drawing/2014/main" id="{5322036D-DB18-4A39-8AB8-93B785437E1D}"/>
+                <a16:creationId xmlns:a16="http://schemas.microsoft.com/office/drawing/2014/main" id="{738E7611-4476-27D1-92D7-490D0978D986}"/>
               </a:ext>
             </a:extLst>
           </p:cNvPr>
@@ -21129,7 +19535,7 @@
     </p:spTree>
     <p:extLst>
       <p:ext uri="{BB962C8B-B14F-4D97-AF65-F5344CB8AC3E}">
-        <p14:creationId xmlns:p14="http://schemas.microsoft.com/office/powerpoint/2010/main" val="2895850849"/>
+        <p14:creationId xmlns:p14="http://schemas.microsoft.com/office/powerpoint/2010/main" val="1503870799"/>
       </p:ext>
     </p:extLst>
   </p:cSld>
@@ -21556,10 +19962,10 @@
       </p:sp>
       <p:sp>
         <p:nvSpPr>
-          <p:cNvPr id="5" name="Slide Number">
+          <p:cNvPr id="2" name="Slide Number">
             <a:extLst>
               <a:ext uri="{FF2B5EF4-FFF2-40B4-BE49-F238E27FC236}">
-                <a16:creationId xmlns:a16="http://schemas.microsoft.com/office/drawing/2014/main" id="{5322036D-DB18-4A39-8AB8-93B785437E1D}"/>
+                <a16:creationId xmlns:a16="http://schemas.microsoft.com/office/drawing/2014/main" id="{9412F33A-E007-5F97-C109-208A8E39A3CA}"/>
               </a:ext>
             </a:extLst>
           </p:cNvPr>
@@ -21599,7 +20005,7 @@
     </p:spTree>
     <p:extLst>
       <p:ext uri="{BB962C8B-B14F-4D97-AF65-F5344CB8AC3E}">
-        <p14:creationId xmlns:p14="http://schemas.microsoft.com/office/powerpoint/2010/main" val="488246202"/>
+        <p14:creationId xmlns:p14="http://schemas.microsoft.com/office/powerpoint/2010/main" val="266714575"/>
       </p:ext>
     </p:extLst>
   </p:cSld>
@@ -22311,10 +20717,10 @@
       </p:sp>
       <p:sp>
         <p:nvSpPr>
-          <p:cNvPr id="11" name="Slide Number">
+          <p:cNvPr id="2" name="Slide Number">
             <a:extLst>
               <a:ext uri="{FF2B5EF4-FFF2-40B4-BE49-F238E27FC236}">
-                <a16:creationId xmlns:a16="http://schemas.microsoft.com/office/drawing/2014/main" id="{058BEA26-071E-41E9-A20E-6C040B8AE6B5}"/>
+                <a16:creationId xmlns:a16="http://schemas.microsoft.com/office/drawing/2014/main" id="{FBCEBD9A-3130-3550-7F30-B0ABBDE009A6}"/>
               </a:ext>
             </a:extLst>
           </p:cNvPr>
@@ -22354,7 +20760,7 @@
     </p:spTree>
     <p:extLst>
       <p:ext uri="{BB962C8B-B14F-4D97-AF65-F5344CB8AC3E}">
-        <p14:creationId xmlns:p14="http://schemas.microsoft.com/office/powerpoint/2010/main" val="3255138263"/>
+        <p14:creationId xmlns:p14="http://schemas.microsoft.com/office/powerpoint/2010/main" val="218973382"/>
       </p:ext>
     </p:extLst>
   </p:cSld>
@@ -22975,7 +21381,27 @@
                 <a:latin typeface="Consolas" pitchFamily="49" charset="0"/>
                 <a:cs typeface="Consolas" pitchFamily="49" charset="0"/>
               </a:rPr>
-              <a:t>//TODO: </a:t>
+              <a:t>//</a:t>
+            </a:r>
+            <a:r>
+              <a:rPr lang="bg-BG" sz="2199" b="1" noProof="1">
+                <a:solidFill>
+                  <a:schemeClr val="accent2"/>
+                </a:solidFill>
+                <a:latin typeface="Consolas" pitchFamily="49" charset="0"/>
+                <a:cs typeface="Consolas" pitchFamily="49" charset="0"/>
+              </a:rPr>
+              <a:t> </a:t>
+            </a:r>
+            <a:r>
+              <a:rPr lang="en-US" sz="2199" b="1" noProof="1">
+                <a:solidFill>
+                  <a:schemeClr val="accent2"/>
+                </a:solidFill>
+                <a:latin typeface="Consolas" pitchFamily="49" charset="0"/>
+                <a:cs typeface="Consolas" pitchFamily="49" charset="0"/>
+              </a:rPr>
+              <a:t>TODO: </a:t>
             </a:r>
             <a:r>
               <a:rPr lang="bg-BG" sz="2199" b="1" noProof="1">
@@ -23196,10 +21622,10 @@
       </p:sp>
       <p:sp>
         <p:nvSpPr>
-          <p:cNvPr id="11" name="Slide Number">
+          <p:cNvPr id="6" name="Slide Number">
             <a:extLst>
               <a:ext uri="{FF2B5EF4-FFF2-40B4-BE49-F238E27FC236}">
-                <a16:creationId xmlns:a16="http://schemas.microsoft.com/office/drawing/2014/main" id="{B9878FD0-4D8A-499D-8FC3-BD9B19F81C65}"/>
+                <a16:creationId xmlns:a16="http://schemas.microsoft.com/office/drawing/2014/main" id="{1E067381-AA40-39F8-31A5-F9016D7E9C9F}"/>
               </a:ext>
             </a:extLst>
           </p:cNvPr>
@@ -23327,7 +21753,7 @@
     </p:spTree>
     <p:extLst>
       <p:ext uri="{BB962C8B-B14F-4D97-AF65-F5344CB8AC3E}">
-        <p14:creationId xmlns:p14="http://schemas.microsoft.com/office/powerpoint/2010/main" val="1890816365"/>
+        <p14:creationId xmlns:p14="http://schemas.microsoft.com/office/powerpoint/2010/main" val="3282913388"/>
       </p:ext>
     </p:extLst>
   </p:cSld>
@@ -24112,10 +22538,10 @@
       </p:pic>
       <p:sp>
         <p:nvSpPr>
-          <p:cNvPr id="9" name="Slide Number">
+          <p:cNvPr id="2" name="Slide Number">
             <a:extLst>
               <a:ext uri="{FF2B5EF4-FFF2-40B4-BE49-F238E27FC236}">
-                <a16:creationId xmlns:a16="http://schemas.microsoft.com/office/drawing/2014/main" id="{3E12B61E-18F6-429A-8F0D-57090585E515}"/>
+                <a16:creationId xmlns:a16="http://schemas.microsoft.com/office/drawing/2014/main" id="{0538B5F1-1D14-1039-9D53-E7512AFDED91}"/>
               </a:ext>
             </a:extLst>
           </p:cNvPr>
@@ -24155,7 +22581,7 @@
     </p:spTree>
     <p:extLst>
       <p:ext uri="{BB962C8B-B14F-4D97-AF65-F5344CB8AC3E}">
-        <p14:creationId xmlns:p14="http://schemas.microsoft.com/office/powerpoint/2010/main" val="3566796312"/>
+        <p14:creationId xmlns:p14="http://schemas.microsoft.com/office/powerpoint/2010/main" val="863274472"/>
       </p:ext>
     </p:extLst>
   </p:cSld>
@@ -24796,10 +23222,10 @@
       </p:sp>
       <p:sp>
         <p:nvSpPr>
-          <p:cNvPr id="6" name="Slide Number">
+          <p:cNvPr id="2" name="Slide Number">
             <a:extLst>
               <a:ext uri="{FF2B5EF4-FFF2-40B4-BE49-F238E27FC236}">
-                <a16:creationId xmlns:a16="http://schemas.microsoft.com/office/drawing/2014/main" id="{6EC786AF-828B-4315-956C-AA9B34E7F95D}"/>
+                <a16:creationId xmlns:a16="http://schemas.microsoft.com/office/drawing/2014/main" id="{F6156AB8-1B4A-E894-4EFB-73058AD26E49}"/>
               </a:ext>
             </a:extLst>
           </p:cNvPr>
@@ -24839,7 +23265,7 @@
     </p:spTree>
     <p:extLst>
       <p:ext uri="{BB962C8B-B14F-4D97-AF65-F5344CB8AC3E}">
-        <p14:creationId xmlns:p14="http://schemas.microsoft.com/office/powerpoint/2010/main" val="1185822680"/>
+        <p14:creationId xmlns:p14="http://schemas.microsoft.com/office/powerpoint/2010/main" val="2642967237"/>
       </p:ext>
     </p:extLst>
   </p:cSld>
@@ -25585,10 +24011,10 @@
       </p:sp>
       <p:sp>
         <p:nvSpPr>
-          <p:cNvPr id="13" name="Slide Number">
+          <p:cNvPr id="2" name="Slide Number">
             <a:extLst>
               <a:ext uri="{FF2B5EF4-FFF2-40B4-BE49-F238E27FC236}">
-                <a16:creationId xmlns:a16="http://schemas.microsoft.com/office/drawing/2014/main" id="{B89696B3-EBC1-4B17-84E4-0823D8313734}"/>
+                <a16:creationId xmlns:a16="http://schemas.microsoft.com/office/drawing/2014/main" id="{84103D6D-D77C-3553-8A42-183CF6740442}"/>
               </a:ext>
             </a:extLst>
           </p:cNvPr>
@@ -25628,7 +24054,7 @@
     </p:spTree>
     <p:extLst>
       <p:ext uri="{BB962C8B-B14F-4D97-AF65-F5344CB8AC3E}">
-        <p14:creationId xmlns:p14="http://schemas.microsoft.com/office/powerpoint/2010/main" val="1008142577"/>
+        <p14:creationId xmlns:p14="http://schemas.microsoft.com/office/powerpoint/2010/main" val="1053751512"/>
       </p:ext>
     </p:extLst>
   </p:cSld>
@@ -26125,10 +24551,10 @@
       </p:sp>
       <p:sp>
         <p:nvSpPr>
-          <p:cNvPr id="7" name="Slide Number">
+          <p:cNvPr id="2" name="Slide Number">
             <a:extLst>
               <a:ext uri="{FF2B5EF4-FFF2-40B4-BE49-F238E27FC236}">
-                <a16:creationId xmlns:a16="http://schemas.microsoft.com/office/drawing/2014/main" id="{D2357B80-DCE9-4667-BB59-E2168BD87B39}"/>
+                <a16:creationId xmlns:a16="http://schemas.microsoft.com/office/drawing/2014/main" id="{E0002E75-8C98-B288-00AD-F5BD7A0D04CE}"/>
               </a:ext>
             </a:extLst>
           </p:cNvPr>
@@ -26168,7 +24594,7 @@
     </p:spTree>
     <p:extLst>
       <p:ext uri="{BB962C8B-B14F-4D97-AF65-F5344CB8AC3E}">
-        <p14:creationId xmlns:p14="http://schemas.microsoft.com/office/powerpoint/2010/main" val="2536440556"/>
+        <p14:creationId xmlns:p14="http://schemas.microsoft.com/office/powerpoint/2010/main" val="3131653657"/>
       </p:ext>
     </p:extLst>
   </p:cSld>
@@ -27265,10 +25691,10 @@
       </p:sp>
       <p:sp>
         <p:nvSpPr>
-          <p:cNvPr id="10" name="Slide Number">
+          <p:cNvPr id="2" name="Slide Number">
             <a:extLst>
               <a:ext uri="{FF2B5EF4-FFF2-40B4-BE49-F238E27FC236}">
-                <a16:creationId xmlns:a16="http://schemas.microsoft.com/office/drawing/2014/main" id="{D83CE27D-4B43-41E0-B1AA-9BE1D95ACD79}"/>
+                <a16:creationId xmlns:a16="http://schemas.microsoft.com/office/drawing/2014/main" id="{6E6842C6-E859-31E9-0FB7-5A0682249B45}"/>
               </a:ext>
             </a:extLst>
           </p:cNvPr>
@@ -27308,7 +25734,7 @@
     </p:spTree>
     <p:extLst>
       <p:ext uri="{BB962C8B-B14F-4D97-AF65-F5344CB8AC3E}">
-        <p14:creationId xmlns:p14="http://schemas.microsoft.com/office/powerpoint/2010/main" val="1057643179"/>
+        <p14:creationId xmlns:p14="http://schemas.microsoft.com/office/powerpoint/2010/main" val="1938342452"/>
       </p:ext>
     </p:extLst>
   </p:cSld>
@@ -27627,56 +26053,6 @@
           <a:chExt cx="0" cy="0"/>
         </a:xfrm>
       </p:grpSpPr>
-      <p:sp>
-        <p:nvSpPr>
-          <p:cNvPr id="2" name="Title 1">
-            <a:extLst>
-              <a:ext uri="{FF2B5EF4-FFF2-40B4-BE49-F238E27FC236}">
-                <a16:creationId xmlns:a16="http://schemas.microsoft.com/office/drawing/2014/main" id="{3775CCF1-6E75-4137-B951-A8C5C2C352F1}"/>
-              </a:ext>
-            </a:extLst>
-          </p:cNvPr>
-          <p:cNvSpPr>
-            <a:spLocks noGrp="1"/>
-          </p:cNvSpPr>
-          <p:nvPr>
-            <p:ph type="title" sz="quarter" idx="10"/>
-          </p:nvPr>
-        </p:nvSpPr>
-        <p:spPr>
-          <a:xfrm>
-            <a:off x="615108" y="4959000"/>
-            <a:ext cx="10961783" cy="768084"/>
-          </a:xfrm>
-        </p:spPr>
-        <p:txBody>
-          <a:bodyPr/>
-          <a:lstStyle/>
-          <a:p>
-            <a:r>
-              <a:rPr lang="bg-BG" sz="5400" dirty="0">
-                <a:latin typeface="Calibri" panose="020F0502020204030204" pitchFamily="34" charset="0"/>
-                <a:cs typeface="Calibri" panose="020F0502020204030204" pitchFamily="34" charset="0"/>
-              </a:rPr>
-              <a:t>По-сложни </a:t>
-            </a:r>
-            <a:r>
-              <a:rPr lang="en-US" sz="5400" b="1" dirty="0">
-                <a:latin typeface="Calibri" panose="020F0502020204030204" pitchFamily="34" charset="0"/>
-                <a:cs typeface="Calibri" panose="020F0502020204030204" pitchFamily="34" charset="0"/>
-              </a:rPr>
-              <a:t>for-</a:t>
-            </a:r>
-            <a:r>
-              <a:rPr lang="bg-BG" sz="5400" b="1" dirty="0">
-                <a:latin typeface="Calibri" panose="020F0502020204030204" pitchFamily="34" charset="0"/>
-                <a:cs typeface="Calibri" panose="020F0502020204030204" pitchFamily="34" charset="0"/>
-              </a:rPr>
-              <a:t>цикли</a:t>
-            </a:r>
-          </a:p>
-        </p:txBody>
-      </p:sp>
       <p:pic>
         <p:nvPicPr>
           <p:cNvPr id="3" name="Picture 2">
@@ -27720,10 +26096,46 @@
           </a:prstGeom>
         </p:spPr>
       </p:pic>
+      <p:sp>
+        <p:nvSpPr>
+          <p:cNvPr id="5" name="Заглавие 4">
+            <a:extLst>
+              <a:ext uri="{FF2B5EF4-FFF2-40B4-BE49-F238E27FC236}">
+                <a16:creationId xmlns:a16="http://schemas.microsoft.com/office/drawing/2014/main" id="{172A7EC5-D399-0036-CAD1-41E8D2087D76}"/>
+              </a:ext>
+            </a:extLst>
+          </p:cNvPr>
+          <p:cNvSpPr>
+            <a:spLocks noGrp="1"/>
+          </p:cNvSpPr>
+          <p:nvPr>
+            <p:ph type="title" sz="quarter" idx="10"/>
+          </p:nvPr>
+        </p:nvSpPr>
+        <p:spPr/>
+        <p:txBody>
+          <a:bodyPr/>
+          <a:lstStyle/>
+          <a:p>
+            <a:r>
+              <a:rPr lang="bg-BG"/>
+              <a:t>По-сложни </a:t>
+            </a:r>
+            <a:r>
+              <a:rPr lang="en-US"/>
+              <a:t>For-</a:t>
+            </a:r>
+            <a:r>
+              <a:rPr lang="bg-BG"/>
+              <a:t>цикли</a:t>
+            </a:r>
+          </a:p>
+        </p:txBody>
+      </p:sp>
     </p:spTree>
     <p:extLst>
       <p:ext uri="{BB962C8B-B14F-4D97-AF65-F5344CB8AC3E}">
-        <p14:creationId xmlns:p14="http://schemas.microsoft.com/office/powerpoint/2010/main" val="1111111356"/>
+        <p14:creationId xmlns:p14="http://schemas.microsoft.com/office/powerpoint/2010/main" val="18116535"/>
       </p:ext>
     </p:extLst>
   </p:cSld>
@@ -27856,10 +26268,10 @@
       </p:grpSp>
       <p:sp>
         <p:nvSpPr>
-          <p:cNvPr id="5" name="Title 4">
+          <p:cNvPr id="3" name="Заглавие 2">
             <a:extLst>
               <a:ext uri="{FF2B5EF4-FFF2-40B4-BE49-F238E27FC236}">
-                <a16:creationId xmlns:a16="http://schemas.microsoft.com/office/drawing/2014/main" id="{7AA5EAE0-F564-4944-BB3E-67AA3DEB3BD1}"/>
+                <a16:creationId xmlns:a16="http://schemas.microsoft.com/office/drawing/2014/main" id="{E0B910D3-BB37-5960-9C93-786DB741B2C6}"/>
               </a:ext>
             </a:extLst>
           </p:cNvPr>
@@ -27876,17 +26288,16 @@
           <a:lstStyle/>
           <a:p>
             <a:r>
-              <a:rPr lang="bg-BG" dirty="0"/>
+              <a:rPr lang="bg-BG"/>
               <a:t>По-сложни вложени цикли</a:t>
             </a:r>
-            <a:endParaRPr lang="en-GB" dirty="0"/>
           </a:p>
         </p:txBody>
       </p:sp>
     </p:spTree>
     <p:extLst>
       <p:ext uri="{BB962C8B-B14F-4D97-AF65-F5344CB8AC3E}">
-        <p14:creationId xmlns:p14="http://schemas.microsoft.com/office/powerpoint/2010/main" val="2708347296"/>
+        <p14:creationId xmlns:p14="http://schemas.microsoft.com/office/powerpoint/2010/main" val="3990806551"/>
       </p:ext>
     </p:extLst>
   </p:cSld>
@@ -28350,11 +26761,13 @@
             <a:r>
               <a:rPr lang="en-US" sz="2399" b="1" dirty="0">
                 <a:solidFill>
-                  <a:schemeClr val="bg1">
+                  <a:schemeClr val="accent1">
                     <a:lumMod val="60000"/>
                     <a:lumOff val="40000"/>
                   </a:schemeClr>
                 </a:solidFill>
+                <a:latin typeface="Consolas" panose="020B0609020204030204" pitchFamily="49" charset="0"/>
+                <a:cs typeface="Consolas" panose="020B0609020204030204" pitchFamily="49" charset="0"/>
               </a:rPr>
               <a:t>true</a:t>
             </a:r>
@@ -28371,10 +26784,10 @@
       </p:sp>
       <p:sp>
         <p:nvSpPr>
-          <p:cNvPr id="7" name="Slide Number">
+          <p:cNvPr id="2" name="Slide Number">
             <a:extLst>
               <a:ext uri="{FF2B5EF4-FFF2-40B4-BE49-F238E27FC236}">
-                <a16:creationId xmlns:a16="http://schemas.microsoft.com/office/drawing/2014/main" id="{9C180B3F-3AC9-4749-988C-693F8FC51FB3}"/>
+                <a16:creationId xmlns:a16="http://schemas.microsoft.com/office/drawing/2014/main" id="{467FE305-149C-5FB0-0BCB-4942E949AF4A}"/>
               </a:ext>
             </a:extLst>
           </p:cNvPr>
@@ -28414,7 +26827,7 @@
     </p:spTree>
     <p:extLst>
       <p:ext uri="{BB962C8B-B14F-4D97-AF65-F5344CB8AC3E}">
-        <p14:creationId xmlns:p14="http://schemas.microsoft.com/office/powerpoint/2010/main" val="2048578419"/>
+        <p14:creationId xmlns:p14="http://schemas.microsoft.com/office/powerpoint/2010/main" val="2830300819"/>
       </p:ext>
     </p:extLst>
   </p:cSld>
@@ -29111,10 +27524,10 @@
       </p:sp>
       <p:sp>
         <p:nvSpPr>
-          <p:cNvPr id="5" name="Slide Number">
+          <p:cNvPr id="2" name="Slide Number">
             <a:extLst>
               <a:ext uri="{FF2B5EF4-FFF2-40B4-BE49-F238E27FC236}">
-                <a16:creationId xmlns:a16="http://schemas.microsoft.com/office/drawing/2014/main" id="{12CC39D2-03C9-4B01-A3CD-A83376F061E3}"/>
+                <a16:creationId xmlns:a16="http://schemas.microsoft.com/office/drawing/2014/main" id="{3E03D1EC-5FDD-0F1E-596A-394C7EFE3FEF}"/>
               </a:ext>
             </a:extLst>
           </p:cNvPr>
@@ -29154,7 +27567,7 @@
     </p:spTree>
     <p:extLst>
       <p:ext uri="{BB962C8B-B14F-4D97-AF65-F5344CB8AC3E}">
-        <p14:creationId xmlns:p14="http://schemas.microsoft.com/office/powerpoint/2010/main" val="10635225"/>
+        <p14:creationId xmlns:p14="http://schemas.microsoft.com/office/powerpoint/2010/main" val="3227416824"/>
       </p:ext>
     </p:extLst>
   </p:cSld>
@@ -29883,10 +28296,10 @@
       </p:sp>
       <p:sp>
         <p:nvSpPr>
-          <p:cNvPr id="15" name="Slide Number">
+          <p:cNvPr id="2" name="Slide Number">
             <a:extLst>
               <a:ext uri="{FF2B5EF4-FFF2-40B4-BE49-F238E27FC236}">
-                <a16:creationId xmlns:a16="http://schemas.microsoft.com/office/drawing/2014/main" id="{8FBDAAEF-C22C-4CD3-97F7-1E5CB0AEA6F6}"/>
+                <a16:creationId xmlns:a16="http://schemas.microsoft.com/office/drawing/2014/main" id="{E7A07586-7D77-9C3C-E404-AF086985914B}"/>
               </a:ext>
             </a:extLst>
           </p:cNvPr>
@@ -29926,7 +28339,7 @@
     </p:spTree>
     <p:extLst>
       <p:ext uri="{BB962C8B-B14F-4D97-AF65-F5344CB8AC3E}">
-        <p14:creationId xmlns:p14="http://schemas.microsoft.com/office/powerpoint/2010/main" val="3008006749"/>
+        <p14:creationId xmlns:p14="http://schemas.microsoft.com/office/powerpoint/2010/main" val="1903231388"/>
       </p:ext>
     </p:extLst>
   </p:cSld>
@@ -30001,6 +28414,105 @@
                       </p:childTnLst>
                     </p:cTn>
                   </p:par>
+                  <p:par>
+                    <p:cTn id="7" fill="hold">
+                      <p:stCondLst>
+                        <p:cond delay="indefinite"/>
+                      </p:stCondLst>
+                      <p:childTnLst>
+                        <p:par>
+                          <p:cTn id="8" fill="hold">
+                            <p:stCondLst>
+                              <p:cond delay="0"/>
+                            </p:stCondLst>
+                            <p:childTnLst>
+                              <p:par>
+                                <p:cTn id="9" presetID="1" presetClass="entr" presetSubtype="0" fill="hold" grpId="0" nodeType="clickEffect">
+                                  <p:stCondLst>
+                                    <p:cond delay="0"/>
+                                  </p:stCondLst>
+                                  <p:childTnLst>
+                                    <p:set>
+                                      <p:cBhvr>
+                                        <p:cTn id="10" dur="1" fill="hold">
+                                          <p:stCondLst>
+                                            <p:cond delay="0"/>
+                                          </p:stCondLst>
+                                        </p:cTn>
+                                        <p:tgtEl>
+                                          <p:spTgt spid="13"/>
+                                        </p:tgtEl>
+                                        <p:attrNameLst>
+                                          <p:attrName>style.visibility</p:attrName>
+                                        </p:attrNameLst>
+                                      </p:cBhvr>
+                                      <p:to>
+                                        <p:strVal val="visible"/>
+                                      </p:to>
+                                    </p:set>
+                                  </p:childTnLst>
+                                </p:cTn>
+                              </p:par>
+                              <p:par>
+                                <p:cTn id="11" presetID="1" presetClass="entr" presetSubtype="0" fill="hold" grpId="0" nodeType="withEffect">
+                                  <p:stCondLst>
+                                    <p:cond delay="0"/>
+                                  </p:stCondLst>
+                                  <p:childTnLst>
+                                    <p:set>
+                                      <p:cBhvr>
+                                        <p:cTn id="12" dur="1" fill="hold">
+                                          <p:stCondLst>
+                                            <p:cond delay="0"/>
+                                          </p:stCondLst>
+                                        </p:cTn>
+                                        <p:tgtEl>
+                                          <p:spTgt spid="14"/>
+                                        </p:tgtEl>
+                                        <p:attrNameLst>
+                                          <p:attrName>style.visibility</p:attrName>
+                                        </p:attrNameLst>
+                                      </p:cBhvr>
+                                      <p:to>
+                                        <p:strVal val="visible"/>
+                                      </p:to>
+                                    </p:set>
+                                  </p:childTnLst>
+                                </p:cTn>
+                              </p:par>
+                              <p:par>
+                                <p:cTn id="13" presetID="1" presetClass="entr" presetSubtype="0" fill="hold" grpId="0" nodeType="withEffect">
+                                  <p:stCondLst>
+                                    <p:cond delay="0"/>
+                                  </p:stCondLst>
+                                  <p:childTnLst>
+                                    <p:set>
+                                      <p:cBhvr>
+                                        <p:cTn id="14" dur="1" fill="hold">
+                                          <p:stCondLst>
+                                            <p:cond delay="0"/>
+                                          </p:stCondLst>
+                                        </p:cTn>
+                                        <p:tgtEl>
+                                          <p:spTgt spid="17"/>
+                                        </p:tgtEl>
+                                        <p:attrNameLst>
+                                          <p:attrName>style.visibility</p:attrName>
+                                        </p:attrNameLst>
+                                      </p:cBhvr>
+                                      <p:to>
+                                        <p:strVal val="visible"/>
+                                      </p:to>
+                                    </p:set>
+                                  </p:childTnLst>
+                                </p:cTn>
+                              </p:par>
+                            </p:childTnLst>
+                          </p:cTn>
+                        </p:par>
+                      </p:childTnLst>
+                    </p:cTn>
+                  </p:par>
                 </p:childTnLst>
               </p:cTn>
               <p:prevCondLst>
@@ -30022,6 +28534,11 @@
         </p:cTn>
       </p:par>
     </p:tnLst>
+    <p:bldLst>
+      <p:bldP spid="13" grpId="0" animBg="1"/>
+      <p:bldP spid="14" grpId="0" animBg="1"/>
+      <p:bldP spid="17" grpId="0" animBg="1"/>
+    </p:bldLst>
   </p:timing>
 </p:sld>
 </file>
@@ -30519,7 +29036,7 @@
             <a:r>
               <a:rPr lang="bg-BG" sz="1999" b="1" dirty="0">
                 <a:solidFill>
-                  <a:schemeClr val="bg1">
+                  <a:schemeClr val="accent1">
                     <a:lumMod val="60000"/>
                     <a:lumOff val="40000"/>
                   </a:schemeClr>
@@ -30696,10 +29213,10 @@
       </p:sp>
       <p:sp>
         <p:nvSpPr>
-          <p:cNvPr id="8" name="Slide Number">
+          <p:cNvPr id="2" name="Slide Number">
             <a:extLst>
               <a:ext uri="{FF2B5EF4-FFF2-40B4-BE49-F238E27FC236}">
-                <a16:creationId xmlns:a16="http://schemas.microsoft.com/office/drawing/2014/main" id="{F22E9E15-ED91-43B6-AE9A-34F0E17645D4}"/>
+                <a16:creationId xmlns:a16="http://schemas.microsoft.com/office/drawing/2014/main" id="{78F7DA63-2568-5A54-8D4B-515C1AD9E5EA}"/>
               </a:ext>
             </a:extLst>
           </p:cNvPr>
@@ -30739,7 +29256,7 @@
     </p:spTree>
     <p:extLst>
       <p:ext uri="{BB962C8B-B14F-4D97-AF65-F5344CB8AC3E}">
-        <p14:creationId xmlns:p14="http://schemas.microsoft.com/office/powerpoint/2010/main" val="3974741927"/>
+        <p14:creationId xmlns:p14="http://schemas.microsoft.com/office/powerpoint/2010/main" val="488130173"/>
       </p:ext>
     </p:extLst>
   </p:cSld>
@@ -31591,10 +30108,10 @@
       </p:pic>
       <p:sp>
         <p:nvSpPr>
-          <p:cNvPr id="6" name="Slide Number">
+          <p:cNvPr id="2" name="Slide Number">
             <a:extLst>
               <a:ext uri="{FF2B5EF4-FFF2-40B4-BE49-F238E27FC236}">
-                <a16:creationId xmlns:a16="http://schemas.microsoft.com/office/drawing/2014/main" id="{D6A47DD3-69C6-4AB3-9D04-36C4E67453F9}"/>
+                <a16:creationId xmlns:a16="http://schemas.microsoft.com/office/drawing/2014/main" id="{FC4F8A95-2BBE-5DB9-8E12-D28F7AB9D669}"/>
               </a:ext>
             </a:extLst>
           </p:cNvPr>
@@ -31634,7 +30151,7 @@
     </p:spTree>
     <p:extLst>
       <p:ext uri="{BB962C8B-B14F-4D97-AF65-F5344CB8AC3E}">
-        <p14:creationId xmlns:p14="http://schemas.microsoft.com/office/powerpoint/2010/main" val="1836637895"/>
+        <p14:creationId xmlns:p14="http://schemas.microsoft.com/office/powerpoint/2010/main" val="1307717161"/>
       </p:ext>
     </p:extLst>
   </p:cSld>
@@ -32750,10 +31267,10 @@
       </p:grpSp>
       <p:sp>
         <p:nvSpPr>
-          <p:cNvPr id="15" name="Slide Number">
+          <p:cNvPr id="2" name="Slide Number">
             <a:extLst>
               <a:ext uri="{FF2B5EF4-FFF2-40B4-BE49-F238E27FC236}">
-                <a16:creationId xmlns:a16="http://schemas.microsoft.com/office/drawing/2014/main" id="{695390B2-0ECA-4DE0-9584-5902A97C2D11}"/>
+                <a16:creationId xmlns:a16="http://schemas.microsoft.com/office/drawing/2014/main" id="{1237B790-E376-0DC1-1162-C2F26E7E8F10}"/>
               </a:ext>
             </a:extLst>
           </p:cNvPr>
@@ -32793,7 +31310,7 @@
     </p:spTree>
     <p:extLst>
       <p:ext uri="{BB962C8B-B14F-4D97-AF65-F5344CB8AC3E}">
-        <p14:creationId xmlns:p14="http://schemas.microsoft.com/office/powerpoint/2010/main" val="1610906586"/>
+        <p14:creationId xmlns:p14="http://schemas.microsoft.com/office/powerpoint/2010/main" val="4020392722"/>
       </p:ext>
     </p:extLst>
   </p:cSld>
@@ -33640,8 +32157,8 @@
         </p:nvSpPr>
         <p:spPr bwMode="auto">
           <a:xfrm>
-            <a:off x="8783517" y="2529000"/>
-            <a:ext cx="3072484" cy="1046724"/>
+            <a:off x="8783516" y="2169000"/>
+            <a:ext cx="3162483" cy="1440000"/>
           </a:xfrm>
           <a:prstGeom prst="wedgeRoundRectCallout">
             <a:avLst>
@@ -33695,7 +32212,7 @@
                   <a:schemeClr val="bg2"/>
                 </a:solidFill>
               </a:rPr>
-              <a:t>Вложеният цикъл итерира стаите</a:t>
+              <a:t>Вложеният цикъл итерира през стаите</a:t>
             </a:r>
           </a:p>
         </p:txBody>
@@ -33858,10 +32375,10 @@
       </p:sp>
       <p:sp>
         <p:nvSpPr>
-          <p:cNvPr id="10" name="Slide Number">
+          <p:cNvPr id="2" name="Slide Number">
             <a:extLst>
               <a:ext uri="{FF2B5EF4-FFF2-40B4-BE49-F238E27FC236}">
-                <a16:creationId xmlns:a16="http://schemas.microsoft.com/office/drawing/2014/main" id="{98FF141A-9401-42B3-929D-921103B5A565}"/>
+                <a16:creationId xmlns:a16="http://schemas.microsoft.com/office/drawing/2014/main" id="{D5FF5999-A994-512B-73AF-EA1731585205}"/>
               </a:ext>
             </a:extLst>
           </p:cNvPr>
@@ -33901,7 +32418,7 @@
     </p:spTree>
     <p:extLst>
       <p:ext uri="{BB962C8B-B14F-4D97-AF65-F5344CB8AC3E}">
-        <p14:creationId xmlns:p14="http://schemas.microsoft.com/office/powerpoint/2010/main" val="50776317"/>
+        <p14:creationId xmlns:p14="http://schemas.microsoft.com/office/powerpoint/2010/main" val="2817947621"/>
       </p:ext>
     </p:extLst>
   </p:cSld>
@@ -35038,7 +33555,7 @@
             <a:r>
               <a:rPr lang="bg-BG" sz="3600" b="1" dirty="0">
                 <a:solidFill>
-                  <a:schemeClr val="bg1">
+                  <a:schemeClr val="accent1">
                     <a:lumMod val="60000"/>
                     <a:lumOff val="40000"/>
                   </a:schemeClr>
@@ -35170,7 +33687,7 @@
             <a:r>
               <a:rPr lang="en-US" sz="3200" b="1" dirty="0">
                 <a:solidFill>
-                  <a:schemeClr val="bg1">
+                  <a:schemeClr val="accent1">
                     <a:lumMod val="60000"/>
                     <a:lumOff val="40000"/>
                   </a:schemeClr>
@@ -35215,10 +33732,10 @@
       </p:sp>
       <p:sp>
         <p:nvSpPr>
-          <p:cNvPr id="13" name="Slide Number">
+          <p:cNvPr id="2" name="Slide Number">
             <a:extLst>
               <a:ext uri="{FF2B5EF4-FFF2-40B4-BE49-F238E27FC236}">
-                <a16:creationId xmlns:a16="http://schemas.microsoft.com/office/drawing/2014/main" id="{F43B3AAD-7217-489F-94C1-8EAF2B14E0E9}"/>
+                <a16:creationId xmlns:a16="http://schemas.microsoft.com/office/drawing/2014/main" id="{465D89C8-226C-1A81-5B78-A612B380B615}"/>
               </a:ext>
             </a:extLst>
           </p:cNvPr>
@@ -35258,7 +33775,7 @@
     </p:spTree>
     <p:extLst>
       <p:ext uri="{BB962C8B-B14F-4D97-AF65-F5344CB8AC3E}">
-        <p14:creationId xmlns:p14="http://schemas.microsoft.com/office/powerpoint/2010/main" val="3321088604"/>
+        <p14:creationId xmlns:p14="http://schemas.microsoft.com/office/powerpoint/2010/main" val="2676613021"/>
       </p:ext>
     </p:extLst>
   </p:cSld>
@@ -35505,29 +34022,140 @@
           <a:lstStyle/>
           <a:p>
             <a:r>
-              <a:rPr lang="bg-BG" sz="8800" dirty="0">
-                <a:solidFill>
-                  <a:srgbClr val="234465"/>
-                </a:solidFill>
-              </a:rPr>
+              <a:rPr lang="bg-BG" dirty="0"/>
               <a:t>Въпроси</a:t>
             </a:r>
             <a:r>
-              <a:rPr lang="en-US" sz="8800" dirty="0">
-                <a:solidFill>
-                  <a:srgbClr val="234465"/>
-                </a:solidFill>
-              </a:rPr>
+              <a:rPr lang="en-US" dirty="0"/>
               <a:t>?</a:t>
             </a:r>
-            <a:endParaRPr lang="en-US" sz="8800" dirty="0"/>
+          </a:p>
+        </p:txBody>
+      </p:sp>
+      <p:sp>
+        <p:nvSpPr>
+          <p:cNvPr id="2" name="Rectangle Bottom Copyright">
+            <a:extLst>
+              <a:ext uri="{FF2B5EF4-FFF2-40B4-BE49-F238E27FC236}">
+                <a16:creationId xmlns:a16="http://schemas.microsoft.com/office/drawing/2014/main" id="{664812A4-2991-44D1-BFE9-32E55AADF8A5}"/>
+              </a:ext>
+            </a:extLst>
+          </p:cNvPr>
+          <p:cNvSpPr/>
+          <p:nvPr/>
+        </p:nvSpPr>
+        <p:spPr>
+          <a:xfrm>
+            <a:off x="111000" y="6454758"/>
+            <a:ext cx="11970000" cy="304242"/>
+          </a:xfrm>
+          <a:prstGeom prst="rect">
+            <a:avLst/>
+          </a:prstGeom>
+        </p:spPr>
+        <p:txBody>
+          <a:bodyPr wrap="square">
+            <a:noAutofit/>
+          </a:bodyPr>
+          <a:lstStyle/>
+          <a:p>
+            <a:pPr algn="ctr">
+              <a:lnSpc>
+                <a:spcPct val="100000"/>
+              </a:lnSpc>
+              <a:spcBef>
+                <a:spcPts val="0"/>
+              </a:spcBef>
+              <a:spcAft>
+                <a:spcPts val="0"/>
+              </a:spcAft>
+            </a:pPr>
+            <a:r>
+              <a:rPr lang="bg-BG" sz="1600" dirty="0">
+                <a:solidFill>
+                  <a:schemeClr val="bg2"/>
+                </a:solidFill>
+                <a:effectLst/>
+                <a:latin typeface="Calibri" panose="020F0502020204030204" pitchFamily="34" charset="0"/>
+                <a:ea typeface="Calibri" panose="020F0502020204030204" pitchFamily="34" charset="0"/>
+                <a:cs typeface="Arial" panose="020B0604020202020204" pitchFamily="34" charset="0"/>
+              </a:rPr>
+              <a:t>Проект "</a:t>
+            </a:r>
+            <a:r>
+              <a:rPr lang="bg-BG" sz="1600" dirty="0">
+                <a:solidFill>
+                  <a:schemeClr val="bg1">
+                    <a:lumMod val="20000"/>
+                    <a:lumOff val="80000"/>
+                  </a:schemeClr>
+                </a:solidFill>
+                <a:effectLst/>
+                <a:latin typeface="Calibri" panose="020F0502020204030204" pitchFamily="34" charset="0"/>
+                <a:ea typeface="Calibri" panose="020F0502020204030204" pitchFamily="34" charset="0"/>
+                <a:cs typeface="Arial" panose="020B0604020202020204" pitchFamily="34" charset="0"/>
+                <a:hlinkClick r:id="rId3">
+                  <a:extLst>
+                    <a:ext uri="{A12FA001-AC4F-418D-AE19-62706E023703}">
+                      <ahyp:hlinkClr xmlns:ahyp="http://schemas.microsoft.com/office/drawing/2018/hyperlinkcolor" val="tx"/>
+                    </a:ext>
+                  </a:extLst>
+                </a:hlinkClick>
+              </a:rPr>
+              <a:t>Отворено учебно съдържание по програмиране и ИТ</a:t>
+            </a:r>
+            <a:r>
+              <a:rPr lang="bg-BG" sz="1600" dirty="0">
+                <a:solidFill>
+                  <a:schemeClr val="bg2"/>
+                </a:solidFill>
+                <a:effectLst/>
+                <a:latin typeface="Calibri" panose="020F0502020204030204" pitchFamily="34" charset="0"/>
+                <a:ea typeface="Calibri" panose="020F0502020204030204" pitchFamily="34" charset="0"/>
+                <a:cs typeface="Arial" panose="020B0604020202020204" pitchFamily="34" charset="0"/>
+              </a:rPr>
+              <a:t>", СофтУни Фондация (лиценз </a:t>
+            </a:r>
+            <a:r>
+              <a:rPr lang="en-US" sz="1600" dirty="0">
+                <a:solidFill>
+                  <a:schemeClr val="bg2"/>
+                </a:solidFill>
+                <a:effectLst/>
+                <a:latin typeface="Calibri" panose="020F0502020204030204" pitchFamily="34" charset="0"/>
+                <a:ea typeface="Calibri" panose="020F0502020204030204" pitchFamily="34" charset="0"/>
+                <a:cs typeface="Arial" panose="020B0604020202020204" pitchFamily="34" charset="0"/>
+              </a:rPr>
+              <a:t>CC-BY-NC-SA</a:t>
+            </a:r>
+            <a:r>
+              <a:rPr lang="bg-BG" sz="1600" dirty="0">
+                <a:solidFill>
+                  <a:schemeClr val="bg2"/>
+                </a:solidFill>
+                <a:effectLst/>
+                <a:latin typeface="Calibri" panose="020F0502020204030204" pitchFamily="34" charset="0"/>
+                <a:ea typeface="Calibri" panose="020F0502020204030204" pitchFamily="34" charset="0"/>
+                <a:cs typeface="Arial" panose="020B0604020202020204" pitchFamily="34" charset="0"/>
+              </a:rPr>
+              <a:t>)</a:t>
+            </a:r>
+            <a:endParaRPr lang="bg-BG" sz="2400" dirty="0">
+              <a:solidFill>
+                <a:schemeClr val="bg2"/>
+              </a:solidFill>
+              <a:effectLst/>
+              <a:latin typeface="Calibri" panose="020F0502020204030204" pitchFamily="34" charset="0"/>
+              <a:ea typeface="Calibri" panose="020F0502020204030204" pitchFamily="34" charset="0"/>
+              <a:cs typeface="Arial" panose="020B0604020202020204" pitchFamily="34" charset="0"/>
+            </a:endParaRPr>
           </a:p>
         </p:txBody>
       </p:sp>
     </p:spTree>
     <p:extLst>
       <p:ext uri="{BB962C8B-B14F-4D97-AF65-F5344CB8AC3E}">
-        <p14:creationId xmlns:p14="http://schemas.microsoft.com/office/powerpoint/2010/main" val="487624681"/>
+        <p14:creationId xmlns:p14="http://schemas.microsoft.com/office/powerpoint/2010/main" val="3563409562"/>
       </p:ext>
     </p:extLst>
   </p:cSld>
@@ -36073,10 +34701,10 @@
       </p:sp>
       <p:sp>
         <p:nvSpPr>
-          <p:cNvPr id="14" name="Slide Number">
+          <p:cNvPr id="2" name="Slide Number">
             <a:extLst>
               <a:ext uri="{FF2B5EF4-FFF2-40B4-BE49-F238E27FC236}">
-                <a16:creationId xmlns:a16="http://schemas.microsoft.com/office/drawing/2014/main" id="{E7D7B028-4B91-4603-B62C-BB160B5C989E}"/>
+                <a16:creationId xmlns:a16="http://schemas.microsoft.com/office/drawing/2014/main" id="{0D581CE2-EFEA-81EB-81D6-28DD0D403621}"/>
               </a:ext>
             </a:extLst>
           </p:cNvPr>
@@ -36116,7 +34744,7 @@
     </p:spTree>
     <p:extLst>
       <p:ext uri="{BB962C8B-B14F-4D97-AF65-F5344CB8AC3E}">
-        <p14:creationId xmlns:p14="http://schemas.microsoft.com/office/powerpoint/2010/main" val="2223046688"/>
+        <p14:creationId xmlns:p14="http://schemas.microsoft.com/office/powerpoint/2010/main" val="4193200106"/>
       </p:ext>
     </p:extLst>
   </p:cSld>
@@ -36468,11 +35096,13 @@
         <p:spPr>
           <a:xfrm>
             <a:off x="190402" y="1269001"/>
-            <a:ext cx="11818096" cy="5455890"/>
+            <a:ext cx="9865598" cy="2474999"/>
           </a:xfrm>
         </p:spPr>
         <p:txBody>
-          <a:bodyPr/>
+          <a:bodyPr>
+            <a:normAutofit/>
+          </a:bodyPr>
           <a:lstStyle/>
           <a:p>
             <a:pPr>
@@ -36481,113 +35111,42 @@
               </a:lnSpc>
             </a:pPr>
             <a:r>
-              <a:rPr lang="bg-BG" dirty="0"/>
+              <a:rPr lang="bg-BG" sz="3200" dirty="0"/>
               <a:t>Този курс</a:t>
             </a:r>
             <a:r>
-              <a:rPr lang="en-US" dirty="0"/>
+              <a:rPr lang="en-US" sz="3200" dirty="0"/>
               <a:t> (</a:t>
             </a:r>
             <a:r>
-              <a:rPr lang="bg-BG" dirty="0"/>
+              <a:rPr lang="bg-BG" sz="3200" dirty="0"/>
               <a:t>презентации, примери, демонстрационен код, упражнения, домашни, видео и други активи</a:t>
             </a:r>
             <a:r>
-              <a:rPr lang="en-US" dirty="0"/>
+              <a:rPr lang="en-US" sz="3200" dirty="0"/>
               <a:t>) </a:t>
             </a:r>
             <a:r>
-              <a:rPr lang="bg-BG" dirty="0"/>
+              <a:rPr lang="bg-BG" sz="3200" dirty="0"/>
               <a:t>представлява</a:t>
             </a:r>
             <a:r>
-              <a:rPr lang="en-US" dirty="0"/>
+              <a:rPr lang="en-US" sz="3200" dirty="0"/>
               <a:t> </a:t>
             </a:r>
             <a:r>
-              <a:rPr lang="bg-BG" b="1" dirty="0"/>
-              <a:t>защитено авторско съдържание</a:t>
-            </a:r>
-            <a:endParaRPr lang="en-US" dirty="0"/>
-          </a:p>
-          <a:p>
-            <a:pPr>
-              <a:lnSpc>
-                <a:spcPct val="120000"/>
-              </a:lnSpc>
-            </a:pPr>
-            <a:r>
-              <a:rPr lang="bg-BG" dirty="0"/>
-              <a:t>Нерегламентирано копиране</a:t>
-            </a:r>
-            <a:r>
-              <a:rPr lang="en-US" dirty="0"/>
-              <a:t>,</a:t>
-            </a:r>
-            <a:r>
-              <a:rPr lang="bg-BG" dirty="0"/>
-              <a:t> разпространение или използване е незаконно</a:t>
-            </a:r>
-          </a:p>
-          <a:p>
-            <a:pPr>
-              <a:lnSpc>
-                <a:spcPct val="120000"/>
-              </a:lnSpc>
-            </a:pPr>
-            <a:r>
-              <a:rPr lang="en-US" dirty="0"/>
-              <a:t>© </a:t>
-            </a:r>
-            <a:r>
-              <a:rPr lang="bg-BG" dirty="0"/>
-              <a:t>СофтУни</a:t>
-            </a:r>
-            <a:r>
-              <a:rPr lang="en-US" dirty="0"/>
-              <a:t> – </a:t>
-            </a:r>
-            <a:r>
-              <a:rPr lang="en-US" dirty="0">
-                <a:hlinkClick r:id="rId3"/>
-              </a:rPr>
-              <a:t>https://softuni.org</a:t>
-            </a:r>
-            <a:endParaRPr lang="en-US" dirty="0"/>
-          </a:p>
-          <a:p>
-            <a:pPr>
-              <a:lnSpc>
-                <a:spcPct val="120000"/>
-              </a:lnSpc>
-            </a:pPr>
-            <a:r>
-              <a:rPr lang="en-US" dirty="0"/>
-              <a:t>© </a:t>
-            </a:r>
-            <a:r>
-              <a:rPr lang="bg-BG" dirty="0"/>
-              <a:t>Софтуерен университет</a:t>
-            </a:r>
-            <a:r>
-              <a:rPr lang="en-US" dirty="0"/>
-              <a:t> – </a:t>
-            </a:r>
-            <a:r>
-              <a:rPr lang="en-US" dirty="0">
-                <a:hlinkClick r:id="rId4"/>
-              </a:rPr>
-              <a:t>https://softuni.bg</a:t>
-            </a:r>
-            <a:endParaRPr lang="bg-BG" dirty="0"/>
-          </a:p>
-          <a:p>
-            <a:pPr>
-              <a:lnSpc>
-                <a:spcPct val="120000"/>
-              </a:lnSpc>
-            </a:pPr>
-            <a:endParaRPr lang="bg-BG" dirty="0"/>
+              <a:rPr lang="bg-BG" sz="3200" b="1" dirty="0"/>
+              <a:t>свободно учебно съдържание </a:t>
+            </a:r>
+            <a:r>
+              <a:rPr lang="bg-BG" sz="3200" dirty="0"/>
+              <a:t>и се разпространява под свободен лиценз </a:t>
+            </a:r>
+            <a:r>
+              <a:rPr lang="en-US" sz="3200" b="1" dirty="0"/>
+              <a:t>CC-BY-NC-SA</a:t>
+            </a:r>
+            <a:endParaRPr lang="bg-BG" sz="3200" dirty="0"/>
           </a:p>
         </p:txBody>
       </p:sp>
@@ -36606,7 +35165,7 @@
           <p:nvPr/>
         </p:nvPicPr>
         <p:blipFill>
-          <a:blip r:embed="rId5">
+          <a:blip r:embed="rId3">
             <a:clrChange>
               <a:clrFrom>
                 <a:srgbClr val="FFFFFF"/>
@@ -36624,8 +35183,8 @@
         </p:blipFill>
         <p:spPr>
           <a:xfrm>
-            <a:off x="9745023" y="4445455"/>
-            <a:ext cx="1930977" cy="2043545"/>
+            <a:off x="10226175" y="1440120"/>
+            <a:ext cx="1198986" cy="1268880"/>
           </a:xfrm>
           <a:prstGeom prst="rect">
             <a:avLst/>
@@ -36662,10 +35221,171 @@
       </p:sp>
       <p:sp>
         <p:nvSpPr>
-          <p:cNvPr id="7" name="Slide Number">
+          <p:cNvPr id="11" name="TextBox 10">
             <a:extLst>
               <a:ext uri="{FF2B5EF4-FFF2-40B4-BE49-F238E27FC236}">
-                <a16:creationId xmlns:a16="http://schemas.microsoft.com/office/drawing/2014/main" id="{C42BD778-7E1C-4467-A38A-AF8A2C49F159}"/>
+                <a16:creationId xmlns:a16="http://schemas.microsoft.com/office/drawing/2014/main" id="{0C18DF19-B750-4C88-975B-661A6BF61F5E}"/>
+              </a:ext>
+            </a:extLst>
+          </p:cNvPr>
+          <p:cNvSpPr txBox="1"/>
+          <p:nvPr/>
+        </p:nvSpPr>
+        <p:spPr>
+          <a:xfrm>
+            <a:off x="190401" y="3927519"/>
+            <a:ext cx="11710599" cy="1979644"/>
+          </a:xfrm>
+          <a:prstGeom prst="rect">
+            <a:avLst/>
+          </a:prstGeom>
+          <a:noFill/>
+          <a:ln w="12700">
+            <a:noFill/>
+          </a:ln>
+        </p:spPr>
+        <p:txBody>
+          <a:bodyPr wrap="square">
+            <a:spAutoFit/>
+          </a:bodyPr>
+          <a:lstStyle/>
+          <a:p>
+            <a:pPr marL="360363" indent="-360363" defTabSz="1218438">
+              <a:lnSpc>
+                <a:spcPct val="120000"/>
+              </a:lnSpc>
+              <a:spcBef>
+                <a:spcPts val="600"/>
+              </a:spcBef>
+              <a:spcAft>
+                <a:spcPts val="600"/>
+              </a:spcAft>
+              <a:buFont typeface="Wingdings" panose="05000000000000000000" pitchFamily="2" charset="2"/>
+              <a:buChar char="§"/>
+              <a:defRPr/>
+            </a:pPr>
+            <a:r>
+              <a:rPr lang="bg-BG" sz="3200" dirty="0"/>
+              <a:t>Проект "</a:t>
+            </a:r>
+            <a:r>
+              <a:rPr lang="bg-BG" sz="3200" b="1" dirty="0"/>
+              <a:t>Отворено учебно съдържание по програмиране и ИТ</a:t>
+            </a:r>
+            <a:r>
+              <a:rPr lang="bg-BG" sz="3200" dirty="0"/>
+              <a:t>" към Фондация "Софтуерен университет"</a:t>
+            </a:r>
+            <a:r>
+              <a:rPr lang="en-US" sz="3200" dirty="0"/>
+              <a:t>:</a:t>
+            </a:r>
+            <a:endParaRPr lang="bg-BG" sz="3200" dirty="0"/>
+          </a:p>
+          <a:p>
+            <a:pPr marL="817563" lvl="1" indent="-360363" defTabSz="1218438">
+              <a:lnSpc>
+                <a:spcPct val="120000"/>
+              </a:lnSpc>
+              <a:spcBef>
+                <a:spcPts val="600"/>
+              </a:spcBef>
+              <a:spcAft>
+                <a:spcPts val="600"/>
+              </a:spcAft>
+              <a:buFont typeface="Wingdings" panose="05000000000000000000" pitchFamily="2" charset="2"/>
+              <a:buChar char="§"/>
+              <a:defRPr/>
+            </a:pPr>
+            <a:r>
+              <a:rPr kumimoji="0" lang="en-US" sz="3200" b="0" i="0" u="none" strike="noStrike" kern="1200" cap="none" spc="0" normalizeH="0" baseline="0" noProof="0" dirty="0">
+                <a:ln>
+                  <a:noFill/>
+                </a:ln>
+                <a:solidFill>
+                  <a:srgbClr val="234465"/>
+                </a:solidFill>
+                <a:effectLst/>
+                <a:uLnTx/>
+                <a:uFillTx/>
+                <a:latin typeface="Calibri"/>
+                <a:ea typeface="+mn-ea"/>
+                <a:cs typeface="+mn-cs"/>
+                <a:hlinkClick r:id="rId4"/>
+              </a:rPr>
+              <a:t>https://github.com/BG-IT-Edu</a:t>
+            </a:r>
+            <a:endParaRPr kumimoji="0" lang="bg-BG" sz="3200" b="0" i="0" u="none" strike="noStrike" kern="1200" cap="none" spc="0" normalizeH="0" baseline="0" noProof="0" dirty="0">
+              <a:ln>
+                <a:noFill/>
+              </a:ln>
+              <a:solidFill>
+                <a:srgbClr val="234465"/>
+              </a:solidFill>
+              <a:effectLst/>
+              <a:uLnTx/>
+              <a:uFillTx/>
+              <a:latin typeface="Calibri"/>
+              <a:ea typeface="+mn-ea"/>
+              <a:cs typeface="+mn-cs"/>
+            </a:endParaRPr>
+          </a:p>
+        </p:txBody>
+      </p:sp>
+      <p:pic>
+        <p:nvPicPr>
+          <p:cNvPr id="7" name="Picture 6" title="CC-BY-NC-SA License">
+            <a:hlinkClick r:id="rId5" tooltip="This work is licensed under the &quot;Creative Commons Attribution-NonCommercial-ShareAlike 4.0 International&quot; license"/>
+            <a:extLst>
+              <a:ext uri="{FF2B5EF4-FFF2-40B4-BE49-F238E27FC236}">
+                <a16:creationId xmlns:a16="http://schemas.microsoft.com/office/drawing/2014/main" id="{F6C77C47-F7D8-A176-5C69-7FDE5C7E8003}"/>
+              </a:ext>
+            </a:extLst>
+          </p:cNvPr>
+          <p:cNvPicPr>
+            <a:picLocks noChangeAspect="1" noChangeArrowheads="1"/>
+          </p:cNvPicPr>
+          <p:nvPr/>
+        </p:nvPicPr>
+        <p:blipFill>
+          <a:blip r:embed="rId6">
+            <a:extLst>
+              <a:ext uri="{28A0092B-C50C-407E-A947-70E740481C1C}">
+                <a14:useLocalDpi xmlns:a14="http://schemas.microsoft.com/office/drawing/2010/main"/>
+              </a:ext>
+            </a:extLst>
+          </a:blip>
+          <a:srcRect/>
+          <a:stretch>
+            <a:fillRect/>
+          </a:stretch>
+        </p:blipFill>
+        <p:spPr bwMode="auto">
+          <a:xfrm>
+            <a:off x="9831000" y="2908593"/>
+            <a:ext cx="1989336" cy="696022"/>
+          </a:xfrm>
+          <a:prstGeom prst="roundRect">
+            <a:avLst>
+              <a:gd name="adj" fmla="val 3940"/>
+            </a:avLst>
+          </a:prstGeom>
+          <a:solidFill>
+            <a:srgbClr val="231F20">
+              <a:alpha val="50000"/>
+            </a:srgbClr>
+          </a:solidFill>
+          <a:ln>
+            <a:noFill/>
+          </a:ln>
+        </p:spPr>
+      </p:pic>
+      <p:sp>
+        <p:nvSpPr>
+          <p:cNvPr id="4" name="Slide Number">
+            <a:extLst>
+              <a:ext uri="{FF2B5EF4-FFF2-40B4-BE49-F238E27FC236}">
+                <a16:creationId xmlns:a16="http://schemas.microsoft.com/office/drawing/2014/main" id="{F75AC48A-A2BA-0219-FB08-D2F141E4BB0A}"/>
               </a:ext>
             </a:extLst>
           </p:cNvPr>
@@ -36705,340 +35425,7 @@
     </p:spTree>
     <p:extLst>
       <p:ext uri="{BB962C8B-B14F-4D97-AF65-F5344CB8AC3E}">
-        <p14:creationId xmlns:p14="http://schemas.microsoft.com/office/powerpoint/2010/main" val="1749316738"/>
-      </p:ext>
-    </p:extLst>
-  </p:cSld>
-  <p:clrMapOvr>
-    <a:masterClrMapping/>
-  </p:clrMapOvr>
-  <mc:AlternateContent xmlns:mc="http://schemas.openxmlformats.org/markup-compatibility/2006" xmlns:p14="http://schemas.microsoft.com/office/powerpoint/2010/main">
-    <mc:Choice Requires="p14">
-      <p:transition spd="slow" p14:dur="2000" advClick="0" advTm="5000"/>
-    </mc:Choice>
-    <mc:Fallback xmlns="">
-      <p:transition spd="slow" advClick="0" advTm="5000"/>
-    </mc:Fallback>
-  </mc:AlternateContent>
-</p:sld>
-</file>
-
-<file path=ppt/slides/slide41.xml><?xml version="1.0" encoding="utf-8"?>
-<p:sld xmlns:a="http://schemas.openxmlformats.org/drawingml/2006/main" xmlns:r="http://schemas.openxmlformats.org/officeDocument/2006/relationships" xmlns:p="http://schemas.openxmlformats.org/presentationml/2006/main">
-  <p:cSld>
-    <p:spTree>
-      <p:nvGrpSpPr>
-        <p:cNvPr id="1" name=""/>
-        <p:cNvGrpSpPr/>
-        <p:nvPr/>
-      </p:nvGrpSpPr>
-      <p:grpSpPr>
-        <a:xfrm>
-          <a:off x="0" y="0"/>
-          <a:ext cx="0" cy="0"/>
-          <a:chOff x="0" y="0"/>
-          <a:chExt cx="0" cy="0"/>
-        </a:xfrm>
-      </p:grpSpPr>
-      <p:sp>
-        <p:nvSpPr>
-          <p:cNvPr id="4" name="Slide Body"/>
-          <p:cNvSpPr>
-            <a:spLocks noGrp="1"/>
-          </p:cNvSpPr>
-          <p:nvPr>
-            <p:ph idx="4294967295"/>
-          </p:nvPr>
-        </p:nvSpPr>
-        <p:spPr>
-          <a:xfrm>
-            <a:off x="190404" y="1179000"/>
-            <a:ext cx="9865596" cy="5490000"/>
-          </a:xfrm>
-        </p:spPr>
-        <p:txBody>
-          <a:bodyPr>
-            <a:normAutofit/>
-          </a:bodyPr>
-          <a:lstStyle/>
-          <a:p>
-            <a:pPr>
-              <a:lnSpc>
-                <a:spcPct val="100000"/>
-              </a:lnSpc>
-            </a:pPr>
-            <a:r>
-              <a:rPr lang="bg-BG" sz="3200" dirty="0"/>
-              <a:t>Софтуерен университет </a:t>
-            </a:r>
-            <a:r>
-              <a:rPr lang="en-US" sz="3200" dirty="0"/>
-              <a:t>– </a:t>
-            </a:r>
-            <a:r>
-              <a:rPr lang="bg-BG" sz="3200" dirty="0"/>
-              <a:t>качествено образование, професия и работа за софтуерни инженери</a:t>
-            </a:r>
-            <a:endParaRPr lang="en-US" sz="3200" dirty="0"/>
-          </a:p>
-          <a:p>
-            <a:pPr lvl="1"/>
-            <a:r>
-              <a:rPr lang="en-US" sz="3000" noProof="1">
-                <a:hlinkClick r:id="rId3"/>
-              </a:rPr>
-              <a:t>softuni.bg</a:t>
-            </a:r>
-            <a:endParaRPr lang="en-US" sz="3000" noProof="1"/>
-          </a:p>
-          <a:p>
-            <a:pPr>
-              <a:lnSpc>
-                <a:spcPct val="100000"/>
-              </a:lnSpc>
-            </a:pPr>
-            <a:r>
-              <a:rPr lang="bg-BG" sz="3200" dirty="0"/>
-              <a:t>Фондация "Софтуерен университет"</a:t>
-            </a:r>
-          </a:p>
-          <a:p>
-            <a:pPr lvl="1"/>
-            <a:r>
-              <a:rPr lang="en-US" sz="3000" noProof="1">
-                <a:hlinkClick r:id="rId4"/>
-              </a:rPr>
-              <a:t>softuni.foundation</a:t>
-            </a:r>
-            <a:endParaRPr lang="en-US" sz="3000" noProof="1"/>
-          </a:p>
-          <a:p>
-            <a:pPr>
-              <a:lnSpc>
-                <a:spcPct val="100000"/>
-              </a:lnSpc>
-            </a:pPr>
-            <a:r>
-              <a:rPr lang="bg-BG" sz="3200" dirty="0"/>
-              <a:t>Софтуерен университет</a:t>
-            </a:r>
-            <a:r>
-              <a:rPr lang="en-US" sz="3200" dirty="0"/>
-              <a:t> @ Facebook</a:t>
-            </a:r>
-          </a:p>
-          <a:p>
-            <a:pPr lvl="1"/>
-            <a:r>
-              <a:rPr lang="en-US" sz="3000" noProof="1">
-                <a:hlinkClick r:id="rId5"/>
-              </a:rPr>
-              <a:t>facebook.com/SoftwareUniversity</a:t>
-            </a:r>
-            <a:endParaRPr lang="en-US" sz="3000" noProof="1"/>
-          </a:p>
-          <a:p>
-            <a:pPr>
-              <a:lnSpc>
-                <a:spcPct val="100000"/>
-              </a:lnSpc>
-            </a:pPr>
-            <a:r>
-              <a:rPr lang="bg-BG" sz="3200" dirty="0"/>
-              <a:t>Дискусионни форуми на СофтУни</a:t>
-            </a:r>
-            <a:endParaRPr lang="en-US" sz="3200" dirty="0"/>
-          </a:p>
-          <a:p>
-            <a:pPr lvl="1"/>
-            <a:r>
-              <a:rPr lang="en-US" sz="3000" dirty="0">
-                <a:hlinkClick r:id="rId6"/>
-              </a:rPr>
-              <a:t>forum.softuni.bg</a:t>
-            </a:r>
-            <a:endParaRPr lang="en-US" sz="3000" noProof="1"/>
-          </a:p>
-        </p:txBody>
-      </p:sp>
-      <p:sp>
-        <p:nvSpPr>
-          <p:cNvPr id="3" name="Slide Title"/>
-          <p:cNvSpPr>
-            <a:spLocks noGrp="1"/>
-          </p:cNvSpPr>
-          <p:nvPr>
-            <p:ph type="title"/>
-          </p:nvPr>
-        </p:nvSpPr>
-        <p:spPr/>
-        <p:txBody>
-          <a:bodyPr>
-            <a:normAutofit fontScale="90000"/>
-          </a:bodyPr>
-          <a:lstStyle/>
-          <a:p>
-            <a:r>
-              <a:rPr lang="bg-BG" dirty="0"/>
-              <a:t>Обучения</a:t>
-            </a:r>
-            <a:r>
-              <a:rPr lang="en-US" dirty="0"/>
-              <a:t> </a:t>
-            </a:r>
-            <a:r>
-              <a:rPr lang="bg-BG" dirty="0"/>
-              <a:t>в</a:t>
-            </a:r>
-            <a:r>
-              <a:rPr lang="en-US" dirty="0"/>
-              <a:t> </a:t>
-            </a:r>
-            <a:r>
-              <a:rPr lang="bg-BG" dirty="0"/>
-              <a:t>Софтуерен университет (СофтУни</a:t>
-            </a:r>
-            <a:r>
-              <a:rPr lang="en-US" dirty="0"/>
-              <a:t>)</a:t>
-            </a:r>
-          </a:p>
-        </p:txBody>
-      </p:sp>
-      <p:sp>
-        <p:nvSpPr>
-          <p:cNvPr id="5" name="Slide Number">
-            <a:extLst>
-              <a:ext uri="{FF2B5EF4-FFF2-40B4-BE49-F238E27FC236}">
-                <a16:creationId xmlns:a16="http://schemas.microsoft.com/office/drawing/2014/main" id="{D4EC08E1-B99A-4A53-9AA7-62823CF1EB0C}"/>
-              </a:ext>
-            </a:extLst>
-          </p:cNvPr>
-          <p:cNvSpPr txBox="1">
-            <a:spLocks/>
-          </p:cNvSpPr>
-          <p:nvPr/>
-        </p:nvSpPr>
-        <p:spPr>
-          <a:xfrm>
-            <a:off x="11753030" y="6507000"/>
-            <a:ext cx="367414" cy="297000"/>
-          </a:xfrm>
-          <a:prstGeom prst="rect">
-            <a:avLst/>
-          </a:prstGeom>
-        </p:spPr>
-        <p:txBody>
-          <a:bodyPr vert="horz" lIns="91440" tIns="45720" rIns="91440" bIns="45720" rtlCol="0" anchor="b"/>
-          <a:lstStyle>
-            <a:defPPr>
-              <a:defRPr lang="en-US"/>
-            </a:defPPr>
-            <a:lvl1pPr marL="0" algn="r" defTabSz="914400" rtl="0" eaLnBrk="1" latinLnBrk="0" hangingPunct="1">
-              <a:defRPr sz="1000" kern="1200">
-                <a:solidFill>
-                  <a:schemeClr val="tx1"/>
-                </a:solidFill>
-                <a:latin typeface="+mn-lt"/>
-                <a:ea typeface="+mn-ea"/>
-                <a:cs typeface="+mn-cs"/>
-              </a:defRPr>
-            </a:lvl1pPr>
-            <a:lvl2pPr marL="457200" algn="l" defTabSz="914400" rtl="0" eaLnBrk="1" latinLnBrk="0" hangingPunct="1">
-              <a:defRPr sz="1800" kern="1200">
-                <a:solidFill>
-                  <a:schemeClr val="tx1"/>
-                </a:solidFill>
-                <a:latin typeface="+mn-lt"/>
-                <a:ea typeface="+mn-ea"/>
-                <a:cs typeface="+mn-cs"/>
-              </a:defRPr>
-            </a:lvl2pPr>
-            <a:lvl3pPr marL="914400" algn="l" defTabSz="914400" rtl="0" eaLnBrk="1" latinLnBrk="0" hangingPunct="1">
-              <a:defRPr sz="1800" kern="1200">
-                <a:solidFill>
-                  <a:schemeClr val="tx1"/>
-                </a:solidFill>
-                <a:latin typeface="+mn-lt"/>
-                <a:ea typeface="+mn-ea"/>
-                <a:cs typeface="+mn-cs"/>
-              </a:defRPr>
-            </a:lvl3pPr>
-            <a:lvl4pPr marL="1371600" algn="l" defTabSz="914400" rtl="0" eaLnBrk="1" latinLnBrk="0" hangingPunct="1">
-              <a:defRPr sz="1800" kern="1200">
-                <a:solidFill>
-                  <a:schemeClr val="tx1"/>
-                </a:solidFill>
-                <a:latin typeface="+mn-lt"/>
-                <a:ea typeface="+mn-ea"/>
-                <a:cs typeface="+mn-cs"/>
-              </a:defRPr>
-            </a:lvl4pPr>
-            <a:lvl5pPr marL="1828800" algn="l" defTabSz="914400" rtl="0" eaLnBrk="1" latinLnBrk="0" hangingPunct="1">
-              <a:defRPr sz="1800" kern="1200">
-                <a:solidFill>
-                  <a:schemeClr val="tx1"/>
-                </a:solidFill>
-                <a:latin typeface="+mn-lt"/>
-                <a:ea typeface="+mn-ea"/>
-                <a:cs typeface="+mn-cs"/>
-              </a:defRPr>
-            </a:lvl5pPr>
-            <a:lvl6pPr marL="2286000" algn="l" defTabSz="914400" rtl="0" eaLnBrk="1" latinLnBrk="0" hangingPunct="1">
-              <a:defRPr sz="1800" kern="1200">
-                <a:solidFill>
-                  <a:schemeClr val="tx1"/>
-                </a:solidFill>
-                <a:latin typeface="+mn-lt"/>
-                <a:ea typeface="+mn-ea"/>
-                <a:cs typeface="+mn-cs"/>
-              </a:defRPr>
-            </a:lvl6pPr>
-            <a:lvl7pPr marL="2743200" algn="l" defTabSz="914400" rtl="0" eaLnBrk="1" latinLnBrk="0" hangingPunct="1">
-              <a:defRPr sz="1800" kern="1200">
-                <a:solidFill>
-                  <a:schemeClr val="tx1"/>
-                </a:solidFill>
-                <a:latin typeface="+mn-lt"/>
-                <a:ea typeface="+mn-ea"/>
-                <a:cs typeface="+mn-cs"/>
-              </a:defRPr>
-            </a:lvl7pPr>
-            <a:lvl8pPr marL="3200400" algn="l" defTabSz="914400" rtl="0" eaLnBrk="1" latinLnBrk="0" hangingPunct="1">
-              <a:defRPr sz="1800" kern="1200">
-                <a:solidFill>
-                  <a:schemeClr val="tx1"/>
-                </a:solidFill>
-                <a:latin typeface="+mn-lt"/>
-                <a:ea typeface="+mn-ea"/>
-                <a:cs typeface="+mn-cs"/>
-              </a:defRPr>
-            </a:lvl8pPr>
-            <a:lvl9pPr marL="3657600" algn="l" defTabSz="914400" rtl="0" eaLnBrk="1" latinLnBrk="0" hangingPunct="1">
-              <a:defRPr sz="1800" kern="1200">
-                <a:solidFill>
-                  <a:schemeClr val="tx1"/>
-                </a:solidFill>
-                <a:latin typeface="+mn-lt"/>
-                <a:ea typeface="+mn-ea"/>
-                <a:cs typeface="+mn-cs"/>
-              </a:defRPr>
-            </a:lvl9pPr>
-          </a:lstStyle>
-          <a:p>
-            <a:fld id="{2BF067CD-8E6B-4360-9AA8-C5DF2A48A6D1}" type="slidenum">
-              <a:rPr lang="en-US" smtClean="0"/>
-              <a:pPr/>
-              <a:t>41</a:t>
-            </a:fld>
-            <a:endParaRPr lang="en-US" dirty="0"/>
-          </a:p>
-        </p:txBody>
-      </p:sp>
-    </p:spTree>
-    <p:extLst>
-      <p:ext uri="{BB962C8B-B14F-4D97-AF65-F5344CB8AC3E}">
-        <p14:creationId xmlns:p14="http://schemas.microsoft.com/office/powerpoint/2010/main" val="303632172"/>
+        <p14:creationId xmlns:p14="http://schemas.microsoft.com/office/powerpoint/2010/main" val="1628350807"/>
       </p:ext>
     </p:extLst>
   </p:cSld>
@@ -37582,10 +35969,10 @@
       </p:sp>
       <p:sp>
         <p:nvSpPr>
-          <p:cNvPr id="9" name="Slide Number">
+          <p:cNvPr id="2" name="Slide Number">
             <a:extLst>
               <a:ext uri="{FF2B5EF4-FFF2-40B4-BE49-F238E27FC236}">
-                <a16:creationId xmlns:a16="http://schemas.microsoft.com/office/drawing/2014/main" id="{A382F006-DF6C-4092-8836-213B62FAF7A1}"/>
+                <a16:creationId xmlns:a16="http://schemas.microsoft.com/office/drawing/2014/main" id="{D51C218E-698F-1724-AE8F-889313109B7D}"/>
               </a:ext>
             </a:extLst>
           </p:cNvPr>
@@ -37625,7 +36012,7 @@
     </p:spTree>
     <p:extLst>
       <p:ext uri="{BB962C8B-B14F-4D97-AF65-F5344CB8AC3E}">
-        <p14:creationId xmlns:p14="http://schemas.microsoft.com/office/powerpoint/2010/main" val="3039007833"/>
+        <p14:creationId xmlns:p14="http://schemas.microsoft.com/office/powerpoint/2010/main" val="762659484"/>
       </p:ext>
     </p:extLst>
   </p:cSld>
@@ -38203,10 +36590,10 @@
       </p:sp>
       <p:sp>
         <p:nvSpPr>
-          <p:cNvPr id="6" name="Slide Number">
+          <p:cNvPr id="2" name="Slide Number">
             <a:extLst>
               <a:ext uri="{FF2B5EF4-FFF2-40B4-BE49-F238E27FC236}">
-                <a16:creationId xmlns:a16="http://schemas.microsoft.com/office/drawing/2014/main" id="{1E5FAFAE-0278-487F-9160-B262551B342A}"/>
+                <a16:creationId xmlns:a16="http://schemas.microsoft.com/office/drawing/2014/main" id="{D3201C17-DE14-ED85-4F2B-AF7C0CD8A43F}"/>
               </a:ext>
             </a:extLst>
           </p:cNvPr>
@@ -38246,7 +36633,7 @@
     </p:spTree>
     <p:extLst>
       <p:ext uri="{BB962C8B-B14F-4D97-AF65-F5344CB8AC3E}">
-        <p14:creationId xmlns:p14="http://schemas.microsoft.com/office/powerpoint/2010/main" val="3741256039"/>
+        <p14:creationId xmlns:p14="http://schemas.microsoft.com/office/powerpoint/2010/main" val="2567251201"/>
       </p:ext>
     </p:extLst>
   </p:cSld>
@@ -39123,12 +37510,12 @@
         <p:spPr bwMode="auto">
           <a:xfrm>
             <a:off x="336000" y="2664000"/>
-            <a:ext cx="1450782" cy="1035000"/>
+            <a:ext cx="1450782" cy="925114"/>
           </a:xfrm>
           <a:prstGeom prst="wedgeRoundRectCallout">
             <a:avLst>
               <a:gd name="adj1" fmla="val 70444"/>
-              <a:gd name="adj2" fmla="val 36541"/>
+              <a:gd name="adj2" fmla="val 70110"/>
               <a:gd name="adj3" fmla="val 16667"/>
             </a:avLst>
           </a:prstGeom>
@@ -39172,7 +37559,7 @@
           <a:p>
             <a:pPr algn="ctr">
               <a:lnSpc>
-                <a:spcPts val="2600"/>
+                <a:spcPct val="65000"/>
               </a:lnSpc>
               <a:spcBef>
                 <a:spcPts val="200"/>
@@ -39193,7 +37580,7 @@
           <a:p>
             <a:pPr algn="ctr">
               <a:lnSpc>
-                <a:spcPts val="2600"/>
+                <a:spcPct val="65000"/>
               </a:lnSpc>
               <a:spcBef>
                 <a:spcPts val="200"/>
@@ -39310,10 +37697,10 @@
       </p:sp>
       <p:sp>
         <p:nvSpPr>
-          <p:cNvPr id="20" name="Slide Number">
+          <p:cNvPr id="2" name="Slide Number">
             <a:extLst>
               <a:ext uri="{FF2B5EF4-FFF2-40B4-BE49-F238E27FC236}">
-                <a16:creationId xmlns:a16="http://schemas.microsoft.com/office/drawing/2014/main" id="{3F631CF9-0647-4095-BC89-EB5671A90F61}"/>
+                <a16:creationId xmlns:a16="http://schemas.microsoft.com/office/drawing/2014/main" id="{F6F40E97-B645-A7EB-23C5-2622995DBC67}"/>
               </a:ext>
             </a:extLst>
           </p:cNvPr>
@@ -39353,7 +37740,7 @@
     </p:spTree>
     <p:extLst>
       <p:ext uri="{BB962C8B-B14F-4D97-AF65-F5344CB8AC3E}">
-        <p14:creationId xmlns:p14="http://schemas.microsoft.com/office/powerpoint/2010/main" val="3884184870"/>
+        <p14:creationId xmlns:p14="http://schemas.microsoft.com/office/powerpoint/2010/main" val="633774627"/>
       </p:ext>
     </p:extLst>
   </p:cSld>
@@ -39989,10 +38376,10 @@
       </p:sp>
       <p:sp>
         <p:nvSpPr>
-          <p:cNvPr id="7" name="Slide Number">
+          <p:cNvPr id="2" name="Slide Number">
             <a:extLst>
               <a:ext uri="{FF2B5EF4-FFF2-40B4-BE49-F238E27FC236}">
-                <a16:creationId xmlns:a16="http://schemas.microsoft.com/office/drawing/2014/main" id="{6F197F04-BA7E-49FF-A86F-63C3A9684C64}"/>
+                <a16:creationId xmlns:a16="http://schemas.microsoft.com/office/drawing/2014/main" id="{099529CD-E94C-34A5-2171-FB176BD56905}"/>
               </a:ext>
             </a:extLst>
           </p:cNvPr>
@@ -40032,7 +38419,7 @@
     </p:spTree>
     <p:extLst>
       <p:ext uri="{BB962C8B-B14F-4D97-AF65-F5344CB8AC3E}">
-        <p14:creationId xmlns:p14="http://schemas.microsoft.com/office/powerpoint/2010/main" val="34902388"/>
+        <p14:creationId xmlns:p14="http://schemas.microsoft.com/office/powerpoint/2010/main" val="1265999352"/>
       </p:ext>
     </p:extLst>
   </p:cSld>
@@ -40785,10 +39172,10 @@
       </p:sp>
       <p:sp>
         <p:nvSpPr>
-          <p:cNvPr id="5" name="Slide Number">
+          <p:cNvPr id="2" name="Slide Number">
             <a:extLst>
               <a:ext uri="{FF2B5EF4-FFF2-40B4-BE49-F238E27FC236}">
-                <a16:creationId xmlns:a16="http://schemas.microsoft.com/office/drawing/2014/main" id="{DF23E858-8EC9-4B6E-9F36-A95E9449DCC3}"/>
+                <a16:creationId xmlns:a16="http://schemas.microsoft.com/office/drawing/2014/main" id="{60DAED77-9783-F0E9-0AB1-3DC241182D22}"/>
               </a:ext>
             </a:extLst>
           </p:cNvPr>
@@ -40828,7 +39215,7 @@
     </p:spTree>
     <p:extLst>
       <p:ext uri="{BB962C8B-B14F-4D97-AF65-F5344CB8AC3E}">
-        <p14:creationId xmlns:p14="http://schemas.microsoft.com/office/powerpoint/2010/main" val="3522638257"/>
+        <p14:creationId xmlns:p14="http://schemas.microsoft.com/office/powerpoint/2010/main" val="3498930798"/>
       </p:ext>
     </p:extLst>
   </p:cSld>
@@ -41026,12 +39413,12 @@
 <file path=ppt/theme/theme1.xml><?xml version="1.0" encoding="utf-8"?>
 <a:theme xmlns:a="http://schemas.openxmlformats.org/drawingml/2006/main" name="SoftUni">
   <a:themeElements>
-    <a:clrScheme name="Custom 28">
+    <a:clrScheme name="Custom 2">
       <a:dk1>
         <a:srgbClr val="234465"/>
       </a:dk1>
       <a:lt1>
-        <a:srgbClr val="FFA000"/>
+        <a:srgbClr val="BF7800"/>
       </a:lt1>
       <a:dk2>
         <a:srgbClr val="234465"/>
@@ -41040,7 +39427,7 @@
         <a:srgbClr val="FFFFFF"/>
       </a:lt2>
       <a:accent1>
-        <a:srgbClr val="F29600"/>
+        <a:srgbClr val="FFA000"/>
       </a:accent1>
       <a:accent2>
         <a:srgbClr val="00B050"/>
@@ -41058,10 +39445,10 @@
         <a:srgbClr val="F4F5F7"/>
       </a:accent6>
       <a:hlink>
-        <a:srgbClr val="F2AC44"/>
+        <a:srgbClr val="BF7800"/>
       </a:hlink>
       <a:folHlink>
-        <a:srgbClr val="F6C781"/>
+        <a:srgbClr val="EF9511"/>
       </a:folHlink>
     </a:clrScheme>
     <a:fontScheme name="SoftUni">
